--- a/slides/Home Work 2020.pptx
+++ b/slides/Home Work 2020.pptx
@@ -64,7 +64,7 @@
       </p:grpSpPr>
       <p:sp>
         <p:nvSpPr>
-          <p:cNvPr id="26" name="PlaceHolder 1"/>
+          <p:cNvPr id="23" name="PlaceHolder 1"/>
           <p:cNvSpPr>
             <a:spLocks noGrp="1"/>
           </p:cNvSpPr>
@@ -75,7 +75,7 @@
         <p:spPr>
           <a:xfrm>
             <a:off x="838080" y="365040"/>
-            <a:ext cx="10515240" cy="1325160"/>
+            <a:ext cx="10514880" cy="1324800"/>
           </a:xfrm>
           <a:prstGeom prst="rect">
             <a:avLst/>
@@ -86,18 +86,16 @@
             <a:noAutofit/>
           </a:bodyPr>
           <a:p>
-            <a:endParaRPr b="0" lang="ru-RU" sz="1800" spc="-1" strike="noStrike">
-              <a:solidFill>
-                <a:srgbClr val="000000"/>
-              </a:solidFill>
-              <a:latin typeface="Calibri"/>
-            </a:endParaRPr>
-          </a:p>
-        </p:txBody>
-      </p:sp>
-      <p:sp>
-        <p:nvSpPr>
-          <p:cNvPr id="27" name="PlaceHolder 2"/>
+            <a:pPr algn="ctr"/>
+            <a:endParaRPr b="0" lang="en-US" sz="4400" spc="-1" strike="noStrike">
+              <a:latin typeface="Arial"/>
+            </a:endParaRPr>
+          </a:p>
+        </p:txBody>
+      </p:sp>
+      <p:sp>
+        <p:nvSpPr>
+          <p:cNvPr id="24" name="PlaceHolder 2"/>
           <p:cNvSpPr>
             <a:spLocks noGrp="1"/>
           </p:cNvSpPr>
@@ -108,7 +106,7 @@
         <p:spPr>
           <a:xfrm>
             <a:off x="838080" y="1825560"/>
-            <a:ext cx="5181120" cy="2075040"/>
+            <a:ext cx="2527920" cy="2075040"/>
           </a:xfrm>
           <a:prstGeom prst="rect">
             <a:avLst/>
@@ -119,18 +117,15 @@
             <a:normAutofit/>
           </a:bodyPr>
           <a:p>
-            <a:endParaRPr b="0" lang="ru-RU" sz="2800" spc="-1" strike="noStrike">
-              <a:solidFill>
-                <a:srgbClr val="000000"/>
-              </a:solidFill>
-              <a:latin typeface="Calibri"/>
-            </a:endParaRPr>
-          </a:p>
-        </p:txBody>
-      </p:sp>
-      <p:sp>
-        <p:nvSpPr>
-          <p:cNvPr id="28" name="PlaceHolder 3"/>
+            <a:endParaRPr b="0" lang="en-US" sz="3200" spc="-1" strike="noStrike">
+              <a:latin typeface="Arial"/>
+            </a:endParaRPr>
+          </a:p>
+        </p:txBody>
+      </p:sp>
+      <p:sp>
+        <p:nvSpPr>
+          <p:cNvPr id="25" name="PlaceHolder 3"/>
           <p:cNvSpPr>
             <a:spLocks noGrp="1"/>
           </p:cNvSpPr>
@@ -141,7 +136,7 @@
         <p:spPr>
           <a:xfrm>
             <a:off x="838080" y="4098240"/>
-            <a:ext cx="5181120" cy="2075040"/>
+            <a:ext cx="2527920" cy="2075040"/>
           </a:xfrm>
           <a:prstGeom prst="rect">
             <a:avLst/>
@@ -152,11 +147,8 @@
             <a:normAutofit/>
           </a:bodyPr>
           <a:p>
-            <a:endParaRPr b="0" lang="ru-RU" sz="2800" spc="-1" strike="noStrike">
-              <a:solidFill>
-                <a:srgbClr val="000000"/>
-              </a:solidFill>
-              <a:latin typeface="Calibri"/>
+            <a:endParaRPr b="0" lang="en-US" sz="3200" spc="-1" strike="noStrike">
+              <a:latin typeface="Arial"/>
             </a:endParaRPr>
           </a:p>
         </p:txBody>
@@ -185,7 +177,7 @@
       </p:grpSpPr>
       <p:sp>
         <p:nvSpPr>
-          <p:cNvPr id="29" name="PlaceHolder 1"/>
+          <p:cNvPr id="26" name="PlaceHolder 1"/>
           <p:cNvSpPr>
             <a:spLocks noGrp="1"/>
           </p:cNvSpPr>
@@ -196,7 +188,7 @@
         <p:spPr>
           <a:xfrm>
             <a:off x="838080" y="365040"/>
-            <a:ext cx="10515240" cy="1325160"/>
+            <a:ext cx="10514880" cy="1324800"/>
           </a:xfrm>
           <a:prstGeom prst="rect">
             <a:avLst/>
@@ -207,18 +199,16 @@
             <a:noAutofit/>
           </a:bodyPr>
           <a:p>
-            <a:endParaRPr b="0" lang="ru-RU" sz="1800" spc="-1" strike="noStrike">
-              <a:solidFill>
-                <a:srgbClr val="000000"/>
-              </a:solidFill>
-              <a:latin typeface="Calibri"/>
-            </a:endParaRPr>
-          </a:p>
-        </p:txBody>
-      </p:sp>
-      <p:sp>
-        <p:nvSpPr>
-          <p:cNvPr id="30" name="PlaceHolder 2"/>
+            <a:pPr algn="ctr"/>
+            <a:endParaRPr b="0" lang="en-US" sz="4400" spc="-1" strike="noStrike">
+              <a:latin typeface="Arial"/>
+            </a:endParaRPr>
+          </a:p>
+        </p:txBody>
+      </p:sp>
+      <p:sp>
+        <p:nvSpPr>
+          <p:cNvPr id="27" name="PlaceHolder 2"/>
           <p:cNvSpPr>
             <a:spLocks noGrp="1"/>
           </p:cNvSpPr>
@@ -229,7 +219,7 @@
         <p:spPr>
           <a:xfrm>
             <a:off x="838080" y="1825560"/>
-            <a:ext cx="2528280" cy="2075040"/>
+            <a:ext cx="1233360" cy="2075040"/>
           </a:xfrm>
           <a:prstGeom prst="rect">
             <a:avLst/>
@@ -240,18 +230,15 @@
             <a:normAutofit/>
           </a:bodyPr>
           <a:p>
-            <a:endParaRPr b="0" lang="ru-RU" sz="2800" spc="-1" strike="noStrike">
-              <a:solidFill>
-                <a:srgbClr val="000000"/>
-              </a:solidFill>
-              <a:latin typeface="Calibri"/>
-            </a:endParaRPr>
-          </a:p>
-        </p:txBody>
-      </p:sp>
-      <p:sp>
-        <p:nvSpPr>
-          <p:cNvPr id="31" name="PlaceHolder 3"/>
+            <a:endParaRPr b="0" lang="en-US" sz="3200" spc="-1" strike="noStrike">
+              <a:latin typeface="Arial"/>
+            </a:endParaRPr>
+          </a:p>
+        </p:txBody>
+      </p:sp>
+      <p:sp>
+        <p:nvSpPr>
+          <p:cNvPr id="28" name="PlaceHolder 3"/>
           <p:cNvSpPr>
             <a:spLocks noGrp="1"/>
           </p:cNvSpPr>
@@ -261,8 +248,8 @@
         </p:nvSpPr>
         <p:spPr>
           <a:xfrm>
-            <a:off x="3493080" y="1825560"/>
-            <a:ext cx="2528280" cy="2075040"/>
+            <a:off x="2133360" y="1825560"/>
+            <a:ext cx="1233360" cy="2075040"/>
           </a:xfrm>
           <a:prstGeom prst="rect">
             <a:avLst/>
@@ -273,18 +260,15 @@
             <a:normAutofit/>
           </a:bodyPr>
           <a:p>
-            <a:endParaRPr b="0" lang="ru-RU" sz="2800" spc="-1" strike="noStrike">
-              <a:solidFill>
-                <a:srgbClr val="000000"/>
-              </a:solidFill>
-              <a:latin typeface="Calibri"/>
-            </a:endParaRPr>
-          </a:p>
-        </p:txBody>
-      </p:sp>
-      <p:sp>
-        <p:nvSpPr>
-          <p:cNvPr id="32" name="PlaceHolder 4"/>
+            <a:endParaRPr b="0" lang="en-US" sz="3200" spc="-1" strike="noStrike">
+              <a:latin typeface="Arial"/>
+            </a:endParaRPr>
+          </a:p>
+        </p:txBody>
+      </p:sp>
+      <p:sp>
+        <p:nvSpPr>
+          <p:cNvPr id="29" name="PlaceHolder 4"/>
           <p:cNvSpPr>
             <a:spLocks noGrp="1"/>
           </p:cNvSpPr>
@@ -295,7 +279,7 @@
         <p:spPr>
           <a:xfrm>
             <a:off x="838080" y="4098240"/>
-            <a:ext cx="2528280" cy="2075040"/>
+            <a:ext cx="1233360" cy="2075040"/>
           </a:xfrm>
           <a:prstGeom prst="rect">
             <a:avLst/>
@@ -306,18 +290,15 @@
             <a:normAutofit/>
           </a:bodyPr>
           <a:p>
-            <a:endParaRPr b="0" lang="ru-RU" sz="2800" spc="-1" strike="noStrike">
-              <a:solidFill>
-                <a:srgbClr val="000000"/>
-              </a:solidFill>
-              <a:latin typeface="Calibri"/>
-            </a:endParaRPr>
-          </a:p>
-        </p:txBody>
-      </p:sp>
-      <p:sp>
-        <p:nvSpPr>
-          <p:cNvPr id="33" name="PlaceHolder 5"/>
+            <a:endParaRPr b="0" lang="en-US" sz="3200" spc="-1" strike="noStrike">
+              <a:latin typeface="Arial"/>
+            </a:endParaRPr>
+          </a:p>
+        </p:txBody>
+      </p:sp>
+      <p:sp>
+        <p:nvSpPr>
+          <p:cNvPr id="30" name="PlaceHolder 5"/>
           <p:cNvSpPr>
             <a:spLocks noGrp="1"/>
           </p:cNvSpPr>
@@ -327,8 +308,8 @@
         </p:nvSpPr>
         <p:spPr>
           <a:xfrm>
-            <a:off x="3493080" y="4098240"/>
-            <a:ext cx="2528280" cy="2075040"/>
+            <a:off x="2133360" y="4098240"/>
+            <a:ext cx="1233360" cy="2075040"/>
           </a:xfrm>
           <a:prstGeom prst="rect">
             <a:avLst/>
@@ -339,11 +320,8 @@
             <a:normAutofit/>
           </a:bodyPr>
           <a:p>
-            <a:endParaRPr b="0" lang="ru-RU" sz="2800" spc="-1" strike="noStrike">
-              <a:solidFill>
-                <a:srgbClr val="000000"/>
-              </a:solidFill>
-              <a:latin typeface="Calibri"/>
+            <a:endParaRPr b="0" lang="en-US" sz="3200" spc="-1" strike="noStrike">
+              <a:latin typeface="Arial"/>
             </a:endParaRPr>
           </a:p>
         </p:txBody>
@@ -372,7 +350,7 @@
       </p:grpSpPr>
       <p:sp>
         <p:nvSpPr>
-          <p:cNvPr id="34" name="PlaceHolder 1"/>
+          <p:cNvPr id="31" name="PlaceHolder 1"/>
           <p:cNvSpPr>
             <a:spLocks noGrp="1"/>
           </p:cNvSpPr>
@@ -383,7 +361,7 @@
         <p:spPr>
           <a:xfrm>
             <a:off x="838080" y="365040"/>
-            <a:ext cx="10515240" cy="1325160"/>
+            <a:ext cx="10514880" cy="1324800"/>
           </a:xfrm>
           <a:prstGeom prst="rect">
             <a:avLst/>
@@ -394,18 +372,16 @@
             <a:noAutofit/>
           </a:bodyPr>
           <a:p>
-            <a:endParaRPr b="0" lang="ru-RU" sz="1800" spc="-1" strike="noStrike">
-              <a:solidFill>
-                <a:srgbClr val="000000"/>
-              </a:solidFill>
-              <a:latin typeface="Calibri"/>
-            </a:endParaRPr>
-          </a:p>
-        </p:txBody>
-      </p:sp>
-      <p:sp>
-        <p:nvSpPr>
-          <p:cNvPr id="35" name="PlaceHolder 2"/>
+            <a:pPr algn="ctr"/>
+            <a:endParaRPr b="0" lang="en-US" sz="4400" spc="-1" strike="noStrike">
+              <a:latin typeface="Arial"/>
+            </a:endParaRPr>
+          </a:p>
+        </p:txBody>
+      </p:sp>
+      <p:sp>
+        <p:nvSpPr>
+          <p:cNvPr id="32" name="PlaceHolder 2"/>
           <p:cNvSpPr>
             <a:spLocks noGrp="1"/>
           </p:cNvSpPr>
@@ -416,7 +392,7 @@
         <p:spPr>
           <a:xfrm>
             <a:off x="838080" y="1825560"/>
-            <a:ext cx="1668240" cy="2075040"/>
+            <a:ext cx="813600" cy="2075040"/>
           </a:xfrm>
           <a:prstGeom prst="rect">
             <a:avLst/>
@@ -424,21 +400,18 @@
         </p:spPr>
         <p:txBody>
           <a:bodyPr lIns="0" rIns="0" tIns="0" bIns="0">
-            <a:normAutofit/>
-          </a:bodyPr>
-          <a:p>
-            <a:endParaRPr b="0" lang="ru-RU" sz="2800" spc="-1" strike="noStrike">
-              <a:solidFill>
-                <a:srgbClr val="000000"/>
-              </a:solidFill>
-              <a:latin typeface="Calibri"/>
-            </a:endParaRPr>
-          </a:p>
-        </p:txBody>
-      </p:sp>
-      <p:sp>
-        <p:nvSpPr>
-          <p:cNvPr id="36" name="PlaceHolder 3"/>
+            <a:normAutofit fontScale="26000"/>
+          </a:bodyPr>
+          <a:p>
+            <a:endParaRPr b="0" lang="en-US" sz="3200" spc="-1" strike="noStrike">
+              <a:latin typeface="Arial"/>
+            </a:endParaRPr>
+          </a:p>
+        </p:txBody>
+      </p:sp>
+      <p:sp>
+        <p:nvSpPr>
+          <p:cNvPr id="33" name="PlaceHolder 3"/>
           <p:cNvSpPr>
             <a:spLocks noGrp="1"/>
           </p:cNvSpPr>
@@ -448,8 +421,8 @@
         </p:nvSpPr>
         <p:spPr>
           <a:xfrm>
-            <a:off x="2590200" y="1825560"/>
-            <a:ext cx="1668240" cy="2075040"/>
+            <a:off x="1692720" y="1825560"/>
+            <a:ext cx="813600" cy="2075040"/>
           </a:xfrm>
           <a:prstGeom prst="rect">
             <a:avLst/>
@@ -457,21 +430,18 @@
         </p:spPr>
         <p:txBody>
           <a:bodyPr lIns="0" rIns="0" tIns="0" bIns="0">
-            <a:normAutofit/>
-          </a:bodyPr>
-          <a:p>
-            <a:endParaRPr b="0" lang="ru-RU" sz="2800" spc="-1" strike="noStrike">
-              <a:solidFill>
-                <a:srgbClr val="000000"/>
-              </a:solidFill>
-              <a:latin typeface="Calibri"/>
-            </a:endParaRPr>
-          </a:p>
-        </p:txBody>
-      </p:sp>
-      <p:sp>
-        <p:nvSpPr>
-          <p:cNvPr id="37" name="PlaceHolder 4"/>
+            <a:normAutofit fontScale="26000"/>
+          </a:bodyPr>
+          <a:p>
+            <a:endParaRPr b="0" lang="en-US" sz="3200" spc="-1" strike="noStrike">
+              <a:latin typeface="Arial"/>
+            </a:endParaRPr>
+          </a:p>
+        </p:txBody>
+      </p:sp>
+      <p:sp>
+        <p:nvSpPr>
+          <p:cNvPr id="34" name="PlaceHolder 4"/>
           <p:cNvSpPr>
             <a:spLocks noGrp="1"/>
           </p:cNvSpPr>
@@ -481,8 +451,8 @@
         </p:nvSpPr>
         <p:spPr>
           <a:xfrm>
-            <a:off x="4342320" y="1825560"/>
-            <a:ext cx="1668240" cy="2075040"/>
+            <a:off x="2547360" y="1825560"/>
+            <a:ext cx="813600" cy="2075040"/>
           </a:xfrm>
           <a:prstGeom prst="rect">
             <a:avLst/>
@@ -490,21 +460,18 @@
         </p:spPr>
         <p:txBody>
           <a:bodyPr lIns="0" rIns="0" tIns="0" bIns="0">
-            <a:normAutofit/>
-          </a:bodyPr>
-          <a:p>
-            <a:endParaRPr b="0" lang="ru-RU" sz="2800" spc="-1" strike="noStrike">
-              <a:solidFill>
-                <a:srgbClr val="000000"/>
-              </a:solidFill>
-              <a:latin typeface="Calibri"/>
-            </a:endParaRPr>
-          </a:p>
-        </p:txBody>
-      </p:sp>
-      <p:sp>
-        <p:nvSpPr>
-          <p:cNvPr id="38" name="PlaceHolder 5"/>
+            <a:normAutofit fontScale="26000"/>
+          </a:bodyPr>
+          <a:p>
+            <a:endParaRPr b="0" lang="en-US" sz="3200" spc="-1" strike="noStrike">
+              <a:latin typeface="Arial"/>
+            </a:endParaRPr>
+          </a:p>
+        </p:txBody>
+      </p:sp>
+      <p:sp>
+        <p:nvSpPr>
+          <p:cNvPr id="35" name="PlaceHolder 5"/>
           <p:cNvSpPr>
             <a:spLocks noGrp="1"/>
           </p:cNvSpPr>
@@ -515,7 +482,7 @@
         <p:spPr>
           <a:xfrm>
             <a:off x="838080" y="4098240"/>
-            <a:ext cx="1668240" cy="2075040"/>
+            <a:ext cx="813600" cy="2075040"/>
           </a:xfrm>
           <a:prstGeom prst="rect">
             <a:avLst/>
@@ -523,21 +490,18 @@
         </p:spPr>
         <p:txBody>
           <a:bodyPr lIns="0" rIns="0" tIns="0" bIns="0">
-            <a:normAutofit/>
-          </a:bodyPr>
-          <a:p>
-            <a:endParaRPr b="0" lang="ru-RU" sz="2800" spc="-1" strike="noStrike">
-              <a:solidFill>
-                <a:srgbClr val="000000"/>
-              </a:solidFill>
-              <a:latin typeface="Calibri"/>
-            </a:endParaRPr>
-          </a:p>
-        </p:txBody>
-      </p:sp>
-      <p:sp>
-        <p:nvSpPr>
-          <p:cNvPr id="39" name="PlaceHolder 6"/>
+            <a:normAutofit fontScale="26000"/>
+          </a:bodyPr>
+          <a:p>
+            <a:endParaRPr b="0" lang="en-US" sz="3200" spc="-1" strike="noStrike">
+              <a:latin typeface="Arial"/>
+            </a:endParaRPr>
+          </a:p>
+        </p:txBody>
+      </p:sp>
+      <p:sp>
+        <p:nvSpPr>
+          <p:cNvPr id="36" name="PlaceHolder 6"/>
           <p:cNvSpPr>
             <a:spLocks noGrp="1"/>
           </p:cNvSpPr>
@@ -547,8 +511,8 @@
         </p:nvSpPr>
         <p:spPr>
           <a:xfrm>
-            <a:off x="2590200" y="4098240"/>
-            <a:ext cx="1668240" cy="2075040"/>
+            <a:off x="1692720" y="4098240"/>
+            <a:ext cx="813600" cy="2075040"/>
           </a:xfrm>
           <a:prstGeom prst="rect">
             <a:avLst/>
@@ -556,21 +520,18 @@
         </p:spPr>
         <p:txBody>
           <a:bodyPr lIns="0" rIns="0" tIns="0" bIns="0">
-            <a:normAutofit/>
-          </a:bodyPr>
-          <a:p>
-            <a:endParaRPr b="0" lang="ru-RU" sz="2800" spc="-1" strike="noStrike">
-              <a:solidFill>
-                <a:srgbClr val="000000"/>
-              </a:solidFill>
-              <a:latin typeface="Calibri"/>
-            </a:endParaRPr>
-          </a:p>
-        </p:txBody>
-      </p:sp>
-      <p:sp>
-        <p:nvSpPr>
-          <p:cNvPr id="40" name="PlaceHolder 7"/>
+            <a:normAutofit fontScale="26000"/>
+          </a:bodyPr>
+          <a:p>
+            <a:endParaRPr b="0" lang="en-US" sz="3200" spc="-1" strike="noStrike">
+              <a:latin typeface="Arial"/>
+            </a:endParaRPr>
+          </a:p>
+        </p:txBody>
+      </p:sp>
+      <p:sp>
+        <p:nvSpPr>
+          <p:cNvPr id="37" name="PlaceHolder 7"/>
           <p:cNvSpPr>
             <a:spLocks noGrp="1"/>
           </p:cNvSpPr>
@@ -580,8 +541,8 @@
         </p:nvSpPr>
         <p:spPr>
           <a:xfrm>
-            <a:off x="4342320" y="4098240"/>
-            <a:ext cx="1668240" cy="2075040"/>
+            <a:off x="2547360" y="4098240"/>
+            <a:ext cx="813600" cy="2075040"/>
           </a:xfrm>
           <a:prstGeom prst="rect">
             <a:avLst/>
@@ -589,14 +550,11 @@
         </p:spPr>
         <p:txBody>
           <a:bodyPr lIns="0" rIns="0" tIns="0" bIns="0">
-            <a:normAutofit/>
-          </a:bodyPr>
-          <a:p>
-            <a:endParaRPr b="0" lang="ru-RU" sz="2800" spc="-1" strike="noStrike">
-              <a:solidFill>
-                <a:srgbClr val="000000"/>
-              </a:solidFill>
-              <a:latin typeface="Calibri"/>
+            <a:normAutofit fontScale="26000"/>
+          </a:bodyPr>
+          <a:p>
+            <a:endParaRPr b="0" lang="en-US" sz="3200" spc="-1" strike="noStrike">
+              <a:latin typeface="Arial"/>
             </a:endParaRPr>
           </a:p>
         </p:txBody>
@@ -647,7 +605,7 @@
       </p:grpSpPr>
       <p:sp>
         <p:nvSpPr>
-          <p:cNvPr id="47" name="PlaceHolder 1"/>
+          <p:cNvPr id="41" name="PlaceHolder 1"/>
           <p:cNvSpPr>
             <a:spLocks noGrp="1"/>
           </p:cNvSpPr>
@@ -658,7 +616,7 @@
         <p:spPr>
           <a:xfrm>
             <a:off x="838080" y="365040"/>
-            <a:ext cx="10515240" cy="1325160"/>
+            <a:ext cx="10514880" cy="1324800"/>
           </a:xfrm>
           <a:prstGeom prst="rect">
             <a:avLst/>
@@ -669,18 +627,16 @@
             <a:noAutofit/>
           </a:bodyPr>
           <a:p>
-            <a:endParaRPr b="0" lang="ru-RU" sz="1800" spc="-1" strike="noStrike">
-              <a:solidFill>
-                <a:srgbClr val="000000"/>
-              </a:solidFill>
-              <a:latin typeface="Calibri"/>
-            </a:endParaRPr>
-          </a:p>
-        </p:txBody>
-      </p:sp>
-      <p:sp>
-        <p:nvSpPr>
-          <p:cNvPr id="48" name="PlaceHolder 2"/>
+            <a:pPr algn="ctr"/>
+            <a:endParaRPr b="0" lang="en-US" sz="4400" spc="-1" strike="noStrike">
+              <a:latin typeface="Arial"/>
+            </a:endParaRPr>
+          </a:p>
+        </p:txBody>
+      </p:sp>
+      <p:sp>
+        <p:nvSpPr>
+          <p:cNvPr id="42" name="PlaceHolder 2"/>
           <p:cNvSpPr>
             <a:spLocks noGrp="1"/>
           </p:cNvSpPr>
@@ -691,7 +647,7 @@
         <p:spPr>
           <a:xfrm>
             <a:off x="838080" y="1825560"/>
-            <a:ext cx="5181120" cy="4350960"/>
+            <a:ext cx="2527920" cy="4350600"/>
           </a:xfrm>
           <a:prstGeom prst="rect">
             <a:avLst/>
@@ -733,7 +689,7 @@
       </p:grpSpPr>
       <p:sp>
         <p:nvSpPr>
-          <p:cNvPr id="49" name="PlaceHolder 1"/>
+          <p:cNvPr id="43" name="PlaceHolder 1"/>
           <p:cNvSpPr>
             <a:spLocks noGrp="1"/>
           </p:cNvSpPr>
@@ -744,7 +700,7 @@
         <p:spPr>
           <a:xfrm>
             <a:off x="838080" y="365040"/>
-            <a:ext cx="10515240" cy="1325160"/>
+            <a:ext cx="10514880" cy="1324800"/>
           </a:xfrm>
           <a:prstGeom prst="rect">
             <a:avLst/>
@@ -755,18 +711,16 @@
             <a:noAutofit/>
           </a:bodyPr>
           <a:p>
-            <a:endParaRPr b="0" lang="ru-RU" sz="1800" spc="-1" strike="noStrike">
-              <a:solidFill>
-                <a:srgbClr val="000000"/>
-              </a:solidFill>
-              <a:latin typeface="Calibri"/>
-            </a:endParaRPr>
-          </a:p>
-        </p:txBody>
-      </p:sp>
-      <p:sp>
-        <p:nvSpPr>
-          <p:cNvPr id="50" name="PlaceHolder 2"/>
+            <a:pPr algn="ctr"/>
+            <a:endParaRPr b="0" lang="en-US" sz="4400" spc="-1" strike="noStrike">
+              <a:latin typeface="Arial"/>
+            </a:endParaRPr>
+          </a:p>
+        </p:txBody>
+      </p:sp>
+      <p:sp>
+        <p:nvSpPr>
+          <p:cNvPr id="44" name="PlaceHolder 2"/>
           <p:cNvSpPr>
             <a:spLocks noGrp="1"/>
           </p:cNvSpPr>
@@ -777,7 +731,7 @@
         <p:spPr>
           <a:xfrm>
             <a:off x="838080" y="1825560"/>
-            <a:ext cx="5181120" cy="4350960"/>
+            <a:ext cx="2527920" cy="4350600"/>
           </a:xfrm>
           <a:prstGeom prst="rect">
             <a:avLst/>
@@ -788,11 +742,8 @@
             <a:normAutofit/>
           </a:bodyPr>
           <a:p>
-            <a:endParaRPr b="0" lang="ru-RU" sz="2800" spc="-1" strike="noStrike">
-              <a:solidFill>
-                <a:srgbClr val="000000"/>
-              </a:solidFill>
-              <a:latin typeface="Calibri"/>
+            <a:endParaRPr b="0" lang="en-US" sz="3200" spc="-1" strike="noStrike">
+              <a:latin typeface="Arial"/>
             </a:endParaRPr>
           </a:p>
         </p:txBody>
@@ -821,7 +772,7 @@
       </p:grpSpPr>
       <p:sp>
         <p:nvSpPr>
-          <p:cNvPr id="51" name="PlaceHolder 1"/>
+          <p:cNvPr id="45" name="PlaceHolder 1"/>
           <p:cNvSpPr>
             <a:spLocks noGrp="1"/>
           </p:cNvSpPr>
@@ -832,7 +783,7 @@
         <p:spPr>
           <a:xfrm>
             <a:off x="838080" y="365040"/>
-            <a:ext cx="10515240" cy="1325160"/>
+            <a:ext cx="10514880" cy="1324800"/>
           </a:xfrm>
           <a:prstGeom prst="rect">
             <a:avLst/>
@@ -843,18 +794,16 @@
             <a:noAutofit/>
           </a:bodyPr>
           <a:p>
-            <a:endParaRPr b="0" lang="ru-RU" sz="1800" spc="-1" strike="noStrike">
-              <a:solidFill>
-                <a:srgbClr val="000000"/>
-              </a:solidFill>
-              <a:latin typeface="Calibri"/>
-            </a:endParaRPr>
-          </a:p>
-        </p:txBody>
-      </p:sp>
-      <p:sp>
-        <p:nvSpPr>
-          <p:cNvPr id="52" name="PlaceHolder 2"/>
+            <a:pPr algn="ctr"/>
+            <a:endParaRPr b="0" lang="en-US" sz="4400" spc="-1" strike="noStrike">
+              <a:latin typeface="Arial"/>
+            </a:endParaRPr>
+          </a:p>
+        </p:txBody>
+      </p:sp>
+      <p:sp>
+        <p:nvSpPr>
+          <p:cNvPr id="46" name="PlaceHolder 2"/>
           <p:cNvSpPr>
             <a:spLocks noGrp="1"/>
           </p:cNvSpPr>
@@ -865,7 +814,7 @@
         <p:spPr>
           <a:xfrm>
             <a:off x="838080" y="1825560"/>
-            <a:ext cx="2528280" cy="4350960"/>
+            <a:ext cx="1233360" cy="4350600"/>
           </a:xfrm>
           <a:prstGeom prst="rect">
             <a:avLst/>
@@ -876,18 +825,15 @@
             <a:normAutofit/>
           </a:bodyPr>
           <a:p>
-            <a:endParaRPr b="0" lang="ru-RU" sz="2800" spc="-1" strike="noStrike">
-              <a:solidFill>
-                <a:srgbClr val="000000"/>
-              </a:solidFill>
-              <a:latin typeface="Calibri"/>
-            </a:endParaRPr>
-          </a:p>
-        </p:txBody>
-      </p:sp>
-      <p:sp>
-        <p:nvSpPr>
-          <p:cNvPr id="53" name="PlaceHolder 3"/>
+            <a:endParaRPr b="0" lang="en-US" sz="3200" spc="-1" strike="noStrike">
+              <a:latin typeface="Arial"/>
+            </a:endParaRPr>
+          </a:p>
+        </p:txBody>
+      </p:sp>
+      <p:sp>
+        <p:nvSpPr>
+          <p:cNvPr id="47" name="PlaceHolder 3"/>
           <p:cNvSpPr>
             <a:spLocks noGrp="1"/>
           </p:cNvSpPr>
@@ -897,8 +843,8 @@
         </p:nvSpPr>
         <p:spPr>
           <a:xfrm>
-            <a:off x="3493080" y="1825560"/>
-            <a:ext cx="2528280" cy="4350960"/>
+            <a:off x="2133360" y="1825560"/>
+            <a:ext cx="1233360" cy="4350600"/>
           </a:xfrm>
           <a:prstGeom prst="rect">
             <a:avLst/>
@@ -909,11 +855,8 @@
             <a:normAutofit/>
           </a:bodyPr>
           <a:p>
-            <a:endParaRPr b="0" lang="ru-RU" sz="2800" spc="-1" strike="noStrike">
-              <a:solidFill>
-                <a:srgbClr val="000000"/>
-              </a:solidFill>
-              <a:latin typeface="Calibri"/>
+            <a:endParaRPr b="0" lang="en-US" sz="3200" spc="-1" strike="noStrike">
+              <a:latin typeface="Arial"/>
             </a:endParaRPr>
           </a:p>
         </p:txBody>
@@ -942,7 +885,7 @@
       </p:grpSpPr>
       <p:sp>
         <p:nvSpPr>
-          <p:cNvPr id="54" name="PlaceHolder 1"/>
+          <p:cNvPr id="48" name="PlaceHolder 1"/>
           <p:cNvSpPr>
             <a:spLocks noGrp="1"/>
           </p:cNvSpPr>
@@ -953,7 +896,7 @@
         <p:spPr>
           <a:xfrm>
             <a:off x="838080" y="365040"/>
-            <a:ext cx="10515240" cy="1325160"/>
+            <a:ext cx="10514880" cy="1324800"/>
           </a:xfrm>
           <a:prstGeom prst="rect">
             <a:avLst/>
@@ -964,11 +907,9 @@
             <a:noAutofit/>
           </a:bodyPr>
           <a:p>
-            <a:endParaRPr b="0" lang="ru-RU" sz="1800" spc="-1" strike="noStrike">
-              <a:solidFill>
-                <a:srgbClr val="000000"/>
-              </a:solidFill>
-              <a:latin typeface="Calibri"/>
+            <a:pPr algn="ctr"/>
+            <a:endParaRPr b="0" lang="en-US" sz="4400" spc="-1" strike="noStrike">
+              <a:latin typeface="Arial"/>
             </a:endParaRPr>
           </a:p>
         </p:txBody>
@@ -997,7 +938,7 @@
       </p:grpSpPr>
       <p:sp>
         <p:nvSpPr>
-          <p:cNvPr id="55" name="PlaceHolder 1"/>
+          <p:cNvPr id="49" name="PlaceHolder 1"/>
           <p:cNvSpPr>
             <a:spLocks noGrp="1"/>
           </p:cNvSpPr>
@@ -1008,7 +949,7 @@
         <p:spPr>
           <a:xfrm>
             <a:off x="838080" y="365040"/>
-            <a:ext cx="10515240" cy="6144120"/>
+            <a:ext cx="10514880" cy="6142320"/>
           </a:xfrm>
           <a:prstGeom prst="rect">
             <a:avLst/>
@@ -1050,7 +991,7 @@
       </p:grpSpPr>
       <p:sp>
         <p:nvSpPr>
-          <p:cNvPr id="56" name="PlaceHolder 1"/>
+          <p:cNvPr id="50" name="PlaceHolder 1"/>
           <p:cNvSpPr>
             <a:spLocks noGrp="1"/>
           </p:cNvSpPr>
@@ -1061,7 +1002,7 @@
         <p:spPr>
           <a:xfrm>
             <a:off x="838080" y="365040"/>
-            <a:ext cx="10515240" cy="1325160"/>
+            <a:ext cx="10514880" cy="1324800"/>
           </a:xfrm>
           <a:prstGeom prst="rect">
             <a:avLst/>
@@ -1072,18 +1013,16 @@
             <a:noAutofit/>
           </a:bodyPr>
           <a:p>
-            <a:endParaRPr b="0" lang="ru-RU" sz="1800" spc="-1" strike="noStrike">
-              <a:solidFill>
-                <a:srgbClr val="000000"/>
-              </a:solidFill>
-              <a:latin typeface="Calibri"/>
-            </a:endParaRPr>
-          </a:p>
-        </p:txBody>
-      </p:sp>
-      <p:sp>
-        <p:nvSpPr>
-          <p:cNvPr id="57" name="PlaceHolder 2"/>
+            <a:pPr algn="ctr"/>
+            <a:endParaRPr b="0" lang="en-US" sz="4400" spc="-1" strike="noStrike">
+              <a:latin typeface="Arial"/>
+            </a:endParaRPr>
+          </a:p>
+        </p:txBody>
+      </p:sp>
+      <p:sp>
+        <p:nvSpPr>
+          <p:cNvPr id="51" name="PlaceHolder 2"/>
           <p:cNvSpPr>
             <a:spLocks noGrp="1"/>
           </p:cNvSpPr>
@@ -1094,7 +1033,7 @@
         <p:spPr>
           <a:xfrm>
             <a:off x="838080" y="1825560"/>
-            <a:ext cx="2528280" cy="2075040"/>
+            <a:ext cx="1233360" cy="2075040"/>
           </a:xfrm>
           <a:prstGeom prst="rect">
             <a:avLst/>
@@ -1105,18 +1044,15 @@
             <a:normAutofit/>
           </a:bodyPr>
           <a:p>
-            <a:endParaRPr b="0" lang="ru-RU" sz="2800" spc="-1" strike="noStrike">
-              <a:solidFill>
-                <a:srgbClr val="000000"/>
-              </a:solidFill>
-              <a:latin typeface="Calibri"/>
-            </a:endParaRPr>
-          </a:p>
-        </p:txBody>
-      </p:sp>
-      <p:sp>
-        <p:nvSpPr>
-          <p:cNvPr id="58" name="PlaceHolder 3"/>
+            <a:endParaRPr b="0" lang="en-US" sz="3200" spc="-1" strike="noStrike">
+              <a:latin typeface="Arial"/>
+            </a:endParaRPr>
+          </a:p>
+        </p:txBody>
+      </p:sp>
+      <p:sp>
+        <p:nvSpPr>
+          <p:cNvPr id="52" name="PlaceHolder 3"/>
           <p:cNvSpPr>
             <a:spLocks noGrp="1"/>
           </p:cNvSpPr>
@@ -1126,8 +1062,8 @@
         </p:nvSpPr>
         <p:spPr>
           <a:xfrm>
-            <a:off x="3493080" y="1825560"/>
-            <a:ext cx="2528280" cy="4350960"/>
+            <a:off x="2133360" y="1825560"/>
+            <a:ext cx="1233360" cy="4350600"/>
           </a:xfrm>
           <a:prstGeom prst="rect">
             <a:avLst/>
@@ -1138,18 +1074,15 @@
             <a:normAutofit/>
           </a:bodyPr>
           <a:p>
-            <a:endParaRPr b="0" lang="ru-RU" sz="2800" spc="-1" strike="noStrike">
-              <a:solidFill>
-                <a:srgbClr val="000000"/>
-              </a:solidFill>
-              <a:latin typeface="Calibri"/>
-            </a:endParaRPr>
-          </a:p>
-        </p:txBody>
-      </p:sp>
-      <p:sp>
-        <p:nvSpPr>
-          <p:cNvPr id="59" name="PlaceHolder 4"/>
+            <a:endParaRPr b="0" lang="en-US" sz="3200" spc="-1" strike="noStrike">
+              <a:latin typeface="Arial"/>
+            </a:endParaRPr>
+          </a:p>
+        </p:txBody>
+      </p:sp>
+      <p:sp>
+        <p:nvSpPr>
+          <p:cNvPr id="53" name="PlaceHolder 4"/>
           <p:cNvSpPr>
             <a:spLocks noGrp="1"/>
           </p:cNvSpPr>
@@ -1160,7 +1093,7 @@
         <p:spPr>
           <a:xfrm>
             <a:off x="838080" y="4098240"/>
-            <a:ext cx="2528280" cy="2075040"/>
+            <a:ext cx="1233360" cy="2075040"/>
           </a:xfrm>
           <a:prstGeom prst="rect">
             <a:avLst/>
@@ -1171,11 +1104,8 @@
             <a:normAutofit/>
           </a:bodyPr>
           <a:p>
-            <a:endParaRPr b="0" lang="ru-RU" sz="2800" spc="-1" strike="noStrike">
-              <a:solidFill>
-                <a:srgbClr val="000000"/>
-              </a:solidFill>
-              <a:latin typeface="Calibri"/>
+            <a:endParaRPr b="0" lang="en-US" sz="3200" spc="-1" strike="noStrike">
+              <a:latin typeface="Arial"/>
             </a:endParaRPr>
           </a:p>
         </p:txBody>
@@ -1204,7 +1134,7 @@
       </p:grpSpPr>
       <p:sp>
         <p:nvSpPr>
-          <p:cNvPr id="5" name="PlaceHolder 1"/>
+          <p:cNvPr id="2" name="PlaceHolder 1"/>
           <p:cNvSpPr>
             <a:spLocks noGrp="1"/>
           </p:cNvSpPr>
@@ -1215,7 +1145,7 @@
         <p:spPr>
           <a:xfrm>
             <a:off x="838080" y="365040"/>
-            <a:ext cx="10515240" cy="1325160"/>
+            <a:ext cx="10514880" cy="1324800"/>
           </a:xfrm>
           <a:prstGeom prst="rect">
             <a:avLst/>
@@ -1226,18 +1156,16 @@
             <a:noAutofit/>
           </a:bodyPr>
           <a:p>
-            <a:endParaRPr b="0" lang="ru-RU" sz="1800" spc="-1" strike="noStrike">
-              <a:solidFill>
-                <a:srgbClr val="000000"/>
-              </a:solidFill>
-              <a:latin typeface="Calibri"/>
-            </a:endParaRPr>
-          </a:p>
-        </p:txBody>
-      </p:sp>
-      <p:sp>
-        <p:nvSpPr>
-          <p:cNvPr id="6" name="PlaceHolder 2"/>
+            <a:pPr algn="ctr"/>
+            <a:endParaRPr b="0" lang="en-US" sz="4400" spc="-1" strike="noStrike">
+              <a:latin typeface="Arial"/>
+            </a:endParaRPr>
+          </a:p>
+        </p:txBody>
+      </p:sp>
+      <p:sp>
+        <p:nvSpPr>
+          <p:cNvPr id="3" name="PlaceHolder 2"/>
           <p:cNvSpPr>
             <a:spLocks noGrp="1"/>
           </p:cNvSpPr>
@@ -1248,7 +1176,7 @@
         <p:spPr>
           <a:xfrm>
             <a:off x="838080" y="1825560"/>
-            <a:ext cx="5181120" cy="4350960"/>
+            <a:ext cx="2527920" cy="4350600"/>
           </a:xfrm>
           <a:prstGeom prst="rect">
             <a:avLst/>
@@ -1290,7 +1218,7 @@
       </p:grpSpPr>
       <p:sp>
         <p:nvSpPr>
-          <p:cNvPr id="60" name="PlaceHolder 1"/>
+          <p:cNvPr id="54" name="PlaceHolder 1"/>
           <p:cNvSpPr>
             <a:spLocks noGrp="1"/>
           </p:cNvSpPr>
@@ -1301,7 +1229,7 @@
         <p:spPr>
           <a:xfrm>
             <a:off x="838080" y="365040"/>
-            <a:ext cx="10515240" cy="1325160"/>
+            <a:ext cx="10514880" cy="1324800"/>
           </a:xfrm>
           <a:prstGeom prst="rect">
             <a:avLst/>
@@ -1312,18 +1240,16 @@
             <a:noAutofit/>
           </a:bodyPr>
           <a:p>
-            <a:endParaRPr b="0" lang="ru-RU" sz="1800" spc="-1" strike="noStrike">
-              <a:solidFill>
-                <a:srgbClr val="000000"/>
-              </a:solidFill>
-              <a:latin typeface="Calibri"/>
-            </a:endParaRPr>
-          </a:p>
-        </p:txBody>
-      </p:sp>
-      <p:sp>
-        <p:nvSpPr>
-          <p:cNvPr id="61" name="PlaceHolder 2"/>
+            <a:pPr algn="ctr"/>
+            <a:endParaRPr b="0" lang="en-US" sz="4400" spc="-1" strike="noStrike">
+              <a:latin typeface="Arial"/>
+            </a:endParaRPr>
+          </a:p>
+        </p:txBody>
+      </p:sp>
+      <p:sp>
+        <p:nvSpPr>
+          <p:cNvPr id="55" name="PlaceHolder 2"/>
           <p:cNvSpPr>
             <a:spLocks noGrp="1"/>
           </p:cNvSpPr>
@@ -1334,7 +1260,7 @@
         <p:spPr>
           <a:xfrm>
             <a:off x="838080" y="1825560"/>
-            <a:ext cx="2528280" cy="4350960"/>
+            <a:ext cx="1233360" cy="4350600"/>
           </a:xfrm>
           <a:prstGeom prst="rect">
             <a:avLst/>
@@ -1345,18 +1271,15 @@
             <a:normAutofit/>
           </a:bodyPr>
           <a:p>
-            <a:endParaRPr b="0" lang="ru-RU" sz="2800" spc="-1" strike="noStrike">
-              <a:solidFill>
-                <a:srgbClr val="000000"/>
-              </a:solidFill>
-              <a:latin typeface="Calibri"/>
-            </a:endParaRPr>
-          </a:p>
-        </p:txBody>
-      </p:sp>
-      <p:sp>
-        <p:nvSpPr>
-          <p:cNvPr id="62" name="PlaceHolder 3"/>
+            <a:endParaRPr b="0" lang="en-US" sz="3200" spc="-1" strike="noStrike">
+              <a:latin typeface="Arial"/>
+            </a:endParaRPr>
+          </a:p>
+        </p:txBody>
+      </p:sp>
+      <p:sp>
+        <p:nvSpPr>
+          <p:cNvPr id="56" name="PlaceHolder 3"/>
           <p:cNvSpPr>
             <a:spLocks noGrp="1"/>
           </p:cNvSpPr>
@@ -1366,8 +1289,8 @@
         </p:nvSpPr>
         <p:spPr>
           <a:xfrm>
-            <a:off x="3493080" y="1825560"/>
-            <a:ext cx="2528280" cy="2075040"/>
+            <a:off x="2133360" y="1825560"/>
+            <a:ext cx="1233360" cy="2075040"/>
           </a:xfrm>
           <a:prstGeom prst="rect">
             <a:avLst/>
@@ -1378,18 +1301,15 @@
             <a:normAutofit/>
           </a:bodyPr>
           <a:p>
-            <a:endParaRPr b="0" lang="ru-RU" sz="2800" spc="-1" strike="noStrike">
-              <a:solidFill>
-                <a:srgbClr val="000000"/>
-              </a:solidFill>
-              <a:latin typeface="Calibri"/>
-            </a:endParaRPr>
-          </a:p>
-        </p:txBody>
-      </p:sp>
-      <p:sp>
-        <p:nvSpPr>
-          <p:cNvPr id="63" name="PlaceHolder 4"/>
+            <a:endParaRPr b="0" lang="en-US" sz="3200" spc="-1" strike="noStrike">
+              <a:latin typeface="Arial"/>
+            </a:endParaRPr>
+          </a:p>
+        </p:txBody>
+      </p:sp>
+      <p:sp>
+        <p:nvSpPr>
+          <p:cNvPr id="57" name="PlaceHolder 4"/>
           <p:cNvSpPr>
             <a:spLocks noGrp="1"/>
           </p:cNvSpPr>
@@ -1399,8 +1319,8 @@
         </p:nvSpPr>
         <p:spPr>
           <a:xfrm>
-            <a:off x="3493080" y="4098240"/>
-            <a:ext cx="2528280" cy="2075040"/>
+            <a:off x="2133360" y="4098240"/>
+            <a:ext cx="1233360" cy="2075040"/>
           </a:xfrm>
           <a:prstGeom prst="rect">
             <a:avLst/>
@@ -1411,11 +1331,8 @@
             <a:normAutofit/>
           </a:bodyPr>
           <a:p>
-            <a:endParaRPr b="0" lang="ru-RU" sz="2800" spc="-1" strike="noStrike">
-              <a:solidFill>
-                <a:srgbClr val="000000"/>
-              </a:solidFill>
-              <a:latin typeface="Calibri"/>
+            <a:endParaRPr b="0" lang="en-US" sz="3200" spc="-1" strike="noStrike">
+              <a:latin typeface="Arial"/>
             </a:endParaRPr>
           </a:p>
         </p:txBody>
@@ -1444,7 +1361,7 @@
       </p:grpSpPr>
       <p:sp>
         <p:nvSpPr>
-          <p:cNvPr id="64" name="PlaceHolder 1"/>
+          <p:cNvPr id="58" name="PlaceHolder 1"/>
           <p:cNvSpPr>
             <a:spLocks noGrp="1"/>
           </p:cNvSpPr>
@@ -1455,7 +1372,7 @@
         <p:spPr>
           <a:xfrm>
             <a:off x="838080" y="365040"/>
-            <a:ext cx="10515240" cy="1325160"/>
+            <a:ext cx="10514880" cy="1324800"/>
           </a:xfrm>
           <a:prstGeom prst="rect">
             <a:avLst/>
@@ -1466,18 +1383,16 @@
             <a:noAutofit/>
           </a:bodyPr>
           <a:p>
-            <a:endParaRPr b="0" lang="ru-RU" sz="1800" spc="-1" strike="noStrike">
-              <a:solidFill>
-                <a:srgbClr val="000000"/>
-              </a:solidFill>
-              <a:latin typeface="Calibri"/>
-            </a:endParaRPr>
-          </a:p>
-        </p:txBody>
-      </p:sp>
-      <p:sp>
-        <p:nvSpPr>
-          <p:cNvPr id="65" name="PlaceHolder 2"/>
+            <a:pPr algn="ctr"/>
+            <a:endParaRPr b="0" lang="en-US" sz="4400" spc="-1" strike="noStrike">
+              <a:latin typeface="Arial"/>
+            </a:endParaRPr>
+          </a:p>
+        </p:txBody>
+      </p:sp>
+      <p:sp>
+        <p:nvSpPr>
+          <p:cNvPr id="59" name="PlaceHolder 2"/>
           <p:cNvSpPr>
             <a:spLocks noGrp="1"/>
           </p:cNvSpPr>
@@ -1488,7 +1403,7 @@
         <p:spPr>
           <a:xfrm>
             <a:off x="838080" y="1825560"/>
-            <a:ext cx="2528280" cy="2075040"/>
+            <a:ext cx="1233360" cy="2075040"/>
           </a:xfrm>
           <a:prstGeom prst="rect">
             <a:avLst/>
@@ -1499,18 +1414,15 @@
             <a:normAutofit/>
           </a:bodyPr>
           <a:p>
-            <a:endParaRPr b="0" lang="ru-RU" sz="2800" spc="-1" strike="noStrike">
-              <a:solidFill>
-                <a:srgbClr val="000000"/>
-              </a:solidFill>
-              <a:latin typeface="Calibri"/>
-            </a:endParaRPr>
-          </a:p>
-        </p:txBody>
-      </p:sp>
-      <p:sp>
-        <p:nvSpPr>
-          <p:cNvPr id="66" name="PlaceHolder 3"/>
+            <a:endParaRPr b="0" lang="en-US" sz="3200" spc="-1" strike="noStrike">
+              <a:latin typeface="Arial"/>
+            </a:endParaRPr>
+          </a:p>
+        </p:txBody>
+      </p:sp>
+      <p:sp>
+        <p:nvSpPr>
+          <p:cNvPr id="60" name="PlaceHolder 3"/>
           <p:cNvSpPr>
             <a:spLocks noGrp="1"/>
           </p:cNvSpPr>
@@ -1520,8 +1432,8 @@
         </p:nvSpPr>
         <p:spPr>
           <a:xfrm>
-            <a:off x="3493080" y="1825560"/>
-            <a:ext cx="2528280" cy="2075040"/>
+            <a:off x="2133360" y="1825560"/>
+            <a:ext cx="1233360" cy="2075040"/>
           </a:xfrm>
           <a:prstGeom prst="rect">
             <a:avLst/>
@@ -1532,18 +1444,15 @@
             <a:normAutofit/>
           </a:bodyPr>
           <a:p>
-            <a:endParaRPr b="0" lang="ru-RU" sz="2800" spc="-1" strike="noStrike">
-              <a:solidFill>
-                <a:srgbClr val="000000"/>
-              </a:solidFill>
-              <a:latin typeface="Calibri"/>
-            </a:endParaRPr>
-          </a:p>
-        </p:txBody>
-      </p:sp>
-      <p:sp>
-        <p:nvSpPr>
-          <p:cNvPr id="67" name="PlaceHolder 4"/>
+            <a:endParaRPr b="0" lang="en-US" sz="3200" spc="-1" strike="noStrike">
+              <a:latin typeface="Arial"/>
+            </a:endParaRPr>
+          </a:p>
+        </p:txBody>
+      </p:sp>
+      <p:sp>
+        <p:nvSpPr>
+          <p:cNvPr id="61" name="PlaceHolder 4"/>
           <p:cNvSpPr>
             <a:spLocks noGrp="1"/>
           </p:cNvSpPr>
@@ -1554,7 +1463,7 @@
         <p:spPr>
           <a:xfrm>
             <a:off x="838080" y="4098240"/>
-            <a:ext cx="5181120" cy="2075040"/>
+            <a:ext cx="2527920" cy="2075040"/>
           </a:xfrm>
           <a:prstGeom prst="rect">
             <a:avLst/>
@@ -1565,11 +1474,8 @@
             <a:normAutofit/>
           </a:bodyPr>
           <a:p>
-            <a:endParaRPr b="0" lang="ru-RU" sz="2800" spc="-1" strike="noStrike">
-              <a:solidFill>
-                <a:srgbClr val="000000"/>
-              </a:solidFill>
-              <a:latin typeface="Calibri"/>
+            <a:endParaRPr b="0" lang="en-US" sz="3200" spc="-1" strike="noStrike">
+              <a:latin typeface="Arial"/>
             </a:endParaRPr>
           </a:p>
         </p:txBody>
@@ -1598,7 +1504,7 @@
       </p:grpSpPr>
       <p:sp>
         <p:nvSpPr>
-          <p:cNvPr id="68" name="PlaceHolder 1"/>
+          <p:cNvPr id="62" name="PlaceHolder 1"/>
           <p:cNvSpPr>
             <a:spLocks noGrp="1"/>
           </p:cNvSpPr>
@@ -1609,7 +1515,7 @@
         <p:spPr>
           <a:xfrm>
             <a:off x="838080" y="365040"/>
-            <a:ext cx="10515240" cy="1325160"/>
+            <a:ext cx="10514880" cy="1324800"/>
           </a:xfrm>
           <a:prstGeom prst="rect">
             <a:avLst/>
@@ -1620,18 +1526,16 @@
             <a:noAutofit/>
           </a:bodyPr>
           <a:p>
-            <a:endParaRPr b="0" lang="ru-RU" sz="1800" spc="-1" strike="noStrike">
-              <a:solidFill>
-                <a:srgbClr val="000000"/>
-              </a:solidFill>
-              <a:latin typeface="Calibri"/>
-            </a:endParaRPr>
-          </a:p>
-        </p:txBody>
-      </p:sp>
-      <p:sp>
-        <p:nvSpPr>
-          <p:cNvPr id="69" name="PlaceHolder 2"/>
+            <a:pPr algn="ctr"/>
+            <a:endParaRPr b="0" lang="en-US" sz="4400" spc="-1" strike="noStrike">
+              <a:latin typeface="Arial"/>
+            </a:endParaRPr>
+          </a:p>
+        </p:txBody>
+      </p:sp>
+      <p:sp>
+        <p:nvSpPr>
+          <p:cNvPr id="63" name="PlaceHolder 2"/>
           <p:cNvSpPr>
             <a:spLocks noGrp="1"/>
           </p:cNvSpPr>
@@ -1642,7 +1546,7 @@
         <p:spPr>
           <a:xfrm>
             <a:off x="838080" y="1825560"/>
-            <a:ext cx="5181120" cy="2075040"/>
+            <a:ext cx="2527920" cy="2075040"/>
           </a:xfrm>
           <a:prstGeom prst="rect">
             <a:avLst/>
@@ -1653,18 +1557,15 @@
             <a:normAutofit/>
           </a:bodyPr>
           <a:p>
-            <a:endParaRPr b="0" lang="ru-RU" sz="2800" spc="-1" strike="noStrike">
-              <a:solidFill>
-                <a:srgbClr val="000000"/>
-              </a:solidFill>
-              <a:latin typeface="Calibri"/>
-            </a:endParaRPr>
-          </a:p>
-        </p:txBody>
-      </p:sp>
-      <p:sp>
-        <p:nvSpPr>
-          <p:cNvPr id="70" name="PlaceHolder 3"/>
+            <a:endParaRPr b="0" lang="en-US" sz="3200" spc="-1" strike="noStrike">
+              <a:latin typeface="Arial"/>
+            </a:endParaRPr>
+          </a:p>
+        </p:txBody>
+      </p:sp>
+      <p:sp>
+        <p:nvSpPr>
+          <p:cNvPr id="64" name="PlaceHolder 3"/>
           <p:cNvSpPr>
             <a:spLocks noGrp="1"/>
           </p:cNvSpPr>
@@ -1675,7 +1576,7 @@
         <p:spPr>
           <a:xfrm>
             <a:off x="838080" y="4098240"/>
-            <a:ext cx="5181120" cy="2075040"/>
+            <a:ext cx="2527920" cy="2075040"/>
           </a:xfrm>
           <a:prstGeom prst="rect">
             <a:avLst/>
@@ -1686,11 +1587,8 @@
             <a:normAutofit/>
           </a:bodyPr>
           <a:p>
-            <a:endParaRPr b="0" lang="ru-RU" sz="2800" spc="-1" strike="noStrike">
-              <a:solidFill>
-                <a:srgbClr val="000000"/>
-              </a:solidFill>
-              <a:latin typeface="Calibri"/>
+            <a:endParaRPr b="0" lang="en-US" sz="3200" spc="-1" strike="noStrike">
+              <a:latin typeface="Arial"/>
             </a:endParaRPr>
           </a:p>
         </p:txBody>
@@ -1719,7 +1617,7 @@
       </p:grpSpPr>
       <p:sp>
         <p:nvSpPr>
-          <p:cNvPr id="71" name="PlaceHolder 1"/>
+          <p:cNvPr id="65" name="PlaceHolder 1"/>
           <p:cNvSpPr>
             <a:spLocks noGrp="1"/>
           </p:cNvSpPr>
@@ -1730,7 +1628,7 @@
         <p:spPr>
           <a:xfrm>
             <a:off x="838080" y="365040"/>
-            <a:ext cx="10515240" cy="1325160"/>
+            <a:ext cx="10514880" cy="1324800"/>
           </a:xfrm>
           <a:prstGeom prst="rect">
             <a:avLst/>
@@ -1741,18 +1639,16 @@
             <a:noAutofit/>
           </a:bodyPr>
           <a:p>
-            <a:endParaRPr b="0" lang="ru-RU" sz="1800" spc="-1" strike="noStrike">
-              <a:solidFill>
-                <a:srgbClr val="000000"/>
-              </a:solidFill>
-              <a:latin typeface="Calibri"/>
-            </a:endParaRPr>
-          </a:p>
-        </p:txBody>
-      </p:sp>
-      <p:sp>
-        <p:nvSpPr>
-          <p:cNvPr id="72" name="PlaceHolder 2"/>
+            <a:pPr algn="ctr"/>
+            <a:endParaRPr b="0" lang="en-US" sz="4400" spc="-1" strike="noStrike">
+              <a:latin typeface="Arial"/>
+            </a:endParaRPr>
+          </a:p>
+        </p:txBody>
+      </p:sp>
+      <p:sp>
+        <p:nvSpPr>
+          <p:cNvPr id="66" name="PlaceHolder 2"/>
           <p:cNvSpPr>
             <a:spLocks noGrp="1"/>
           </p:cNvSpPr>
@@ -1763,7 +1659,7 @@
         <p:spPr>
           <a:xfrm>
             <a:off x="838080" y="1825560"/>
-            <a:ext cx="2528280" cy="2075040"/>
+            <a:ext cx="1233360" cy="2075040"/>
           </a:xfrm>
           <a:prstGeom prst="rect">
             <a:avLst/>
@@ -1774,18 +1670,15 @@
             <a:normAutofit/>
           </a:bodyPr>
           <a:p>
-            <a:endParaRPr b="0" lang="ru-RU" sz="2800" spc="-1" strike="noStrike">
-              <a:solidFill>
-                <a:srgbClr val="000000"/>
-              </a:solidFill>
-              <a:latin typeface="Calibri"/>
-            </a:endParaRPr>
-          </a:p>
-        </p:txBody>
-      </p:sp>
-      <p:sp>
-        <p:nvSpPr>
-          <p:cNvPr id="73" name="PlaceHolder 3"/>
+            <a:endParaRPr b="0" lang="en-US" sz="3200" spc="-1" strike="noStrike">
+              <a:latin typeface="Arial"/>
+            </a:endParaRPr>
+          </a:p>
+        </p:txBody>
+      </p:sp>
+      <p:sp>
+        <p:nvSpPr>
+          <p:cNvPr id="67" name="PlaceHolder 3"/>
           <p:cNvSpPr>
             <a:spLocks noGrp="1"/>
           </p:cNvSpPr>
@@ -1795,8 +1688,8 @@
         </p:nvSpPr>
         <p:spPr>
           <a:xfrm>
-            <a:off x="3493080" y="1825560"/>
-            <a:ext cx="2528280" cy="2075040"/>
+            <a:off x="2133360" y="1825560"/>
+            <a:ext cx="1233360" cy="2075040"/>
           </a:xfrm>
           <a:prstGeom prst="rect">
             <a:avLst/>
@@ -1807,18 +1700,15 @@
             <a:normAutofit/>
           </a:bodyPr>
           <a:p>
-            <a:endParaRPr b="0" lang="ru-RU" sz="2800" spc="-1" strike="noStrike">
-              <a:solidFill>
-                <a:srgbClr val="000000"/>
-              </a:solidFill>
-              <a:latin typeface="Calibri"/>
-            </a:endParaRPr>
-          </a:p>
-        </p:txBody>
-      </p:sp>
-      <p:sp>
-        <p:nvSpPr>
-          <p:cNvPr id="74" name="PlaceHolder 4"/>
+            <a:endParaRPr b="0" lang="en-US" sz="3200" spc="-1" strike="noStrike">
+              <a:latin typeface="Arial"/>
+            </a:endParaRPr>
+          </a:p>
+        </p:txBody>
+      </p:sp>
+      <p:sp>
+        <p:nvSpPr>
+          <p:cNvPr id="68" name="PlaceHolder 4"/>
           <p:cNvSpPr>
             <a:spLocks noGrp="1"/>
           </p:cNvSpPr>
@@ -1829,7 +1719,7 @@
         <p:spPr>
           <a:xfrm>
             <a:off x="838080" y="4098240"/>
-            <a:ext cx="2528280" cy="2075040"/>
+            <a:ext cx="1233360" cy="2075040"/>
           </a:xfrm>
           <a:prstGeom prst="rect">
             <a:avLst/>
@@ -1840,18 +1730,15 @@
             <a:normAutofit/>
           </a:bodyPr>
           <a:p>
-            <a:endParaRPr b="0" lang="ru-RU" sz="2800" spc="-1" strike="noStrike">
-              <a:solidFill>
-                <a:srgbClr val="000000"/>
-              </a:solidFill>
-              <a:latin typeface="Calibri"/>
-            </a:endParaRPr>
-          </a:p>
-        </p:txBody>
-      </p:sp>
-      <p:sp>
-        <p:nvSpPr>
-          <p:cNvPr id="75" name="PlaceHolder 5"/>
+            <a:endParaRPr b="0" lang="en-US" sz="3200" spc="-1" strike="noStrike">
+              <a:latin typeface="Arial"/>
+            </a:endParaRPr>
+          </a:p>
+        </p:txBody>
+      </p:sp>
+      <p:sp>
+        <p:nvSpPr>
+          <p:cNvPr id="69" name="PlaceHolder 5"/>
           <p:cNvSpPr>
             <a:spLocks noGrp="1"/>
           </p:cNvSpPr>
@@ -1861,8 +1748,8 @@
         </p:nvSpPr>
         <p:spPr>
           <a:xfrm>
-            <a:off x="3493080" y="4098240"/>
-            <a:ext cx="2528280" cy="2075040"/>
+            <a:off x="2133360" y="4098240"/>
+            <a:ext cx="1233360" cy="2075040"/>
           </a:xfrm>
           <a:prstGeom prst="rect">
             <a:avLst/>
@@ -1873,11 +1760,8 @@
             <a:normAutofit/>
           </a:bodyPr>
           <a:p>
-            <a:endParaRPr b="0" lang="ru-RU" sz="2800" spc="-1" strike="noStrike">
-              <a:solidFill>
-                <a:srgbClr val="000000"/>
-              </a:solidFill>
-              <a:latin typeface="Calibri"/>
+            <a:endParaRPr b="0" lang="en-US" sz="3200" spc="-1" strike="noStrike">
+              <a:latin typeface="Arial"/>
             </a:endParaRPr>
           </a:p>
         </p:txBody>
@@ -1906,7 +1790,7 @@
       </p:grpSpPr>
       <p:sp>
         <p:nvSpPr>
-          <p:cNvPr id="76" name="PlaceHolder 1"/>
+          <p:cNvPr id="70" name="PlaceHolder 1"/>
           <p:cNvSpPr>
             <a:spLocks noGrp="1"/>
           </p:cNvSpPr>
@@ -1917,7 +1801,7 @@
         <p:spPr>
           <a:xfrm>
             <a:off x="838080" y="365040"/>
-            <a:ext cx="10515240" cy="1325160"/>
+            <a:ext cx="10514880" cy="1324800"/>
           </a:xfrm>
           <a:prstGeom prst="rect">
             <a:avLst/>
@@ -1928,18 +1812,16 @@
             <a:noAutofit/>
           </a:bodyPr>
           <a:p>
-            <a:endParaRPr b="0" lang="ru-RU" sz="1800" spc="-1" strike="noStrike">
-              <a:solidFill>
-                <a:srgbClr val="000000"/>
-              </a:solidFill>
-              <a:latin typeface="Calibri"/>
-            </a:endParaRPr>
-          </a:p>
-        </p:txBody>
-      </p:sp>
-      <p:sp>
-        <p:nvSpPr>
-          <p:cNvPr id="77" name="PlaceHolder 2"/>
+            <a:pPr algn="ctr"/>
+            <a:endParaRPr b="0" lang="en-US" sz="4400" spc="-1" strike="noStrike">
+              <a:latin typeface="Arial"/>
+            </a:endParaRPr>
+          </a:p>
+        </p:txBody>
+      </p:sp>
+      <p:sp>
+        <p:nvSpPr>
+          <p:cNvPr id="71" name="PlaceHolder 2"/>
           <p:cNvSpPr>
             <a:spLocks noGrp="1"/>
           </p:cNvSpPr>
@@ -1950,7 +1832,7 @@
         <p:spPr>
           <a:xfrm>
             <a:off x="838080" y="1825560"/>
-            <a:ext cx="1668240" cy="2075040"/>
+            <a:ext cx="813600" cy="2075040"/>
           </a:xfrm>
           <a:prstGeom prst="rect">
             <a:avLst/>
@@ -1958,21 +1840,18 @@
         </p:spPr>
         <p:txBody>
           <a:bodyPr lIns="0" rIns="0" tIns="0" bIns="0">
-            <a:normAutofit/>
-          </a:bodyPr>
-          <a:p>
-            <a:endParaRPr b="0" lang="ru-RU" sz="2800" spc="-1" strike="noStrike">
-              <a:solidFill>
-                <a:srgbClr val="000000"/>
-              </a:solidFill>
-              <a:latin typeface="Calibri"/>
-            </a:endParaRPr>
-          </a:p>
-        </p:txBody>
-      </p:sp>
-      <p:sp>
-        <p:nvSpPr>
-          <p:cNvPr id="78" name="PlaceHolder 3"/>
+            <a:normAutofit fontScale="26000"/>
+          </a:bodyPr>
+          <a:p>
+            <a:endParaRPr b="0" lang="en-US" sz="3200" spc="-1" strike="noStrike">
+              <a:latin typeface="Arial"/>
+            </a:endParaRPr>
+          </a:p>
+        </p:txBody>
+      </p:sp>
+      <p:sp>
+        <p:nvSpPr>
+          <p:cNvPr id="72" name="PlaceHolder 3"/>
           <p:cNvSpPr>
             <a:spLocks noGrp="1"/>
           </p:cNvSpPr>
@@ -1982,8 +1861,8 @@
         </p:nvSpPr>
         <p:spPr>
           <a:xfrm>
-            <a:off x="2590200" y="1825560"/>
-            <a:ext cx="1668240" cy="2075040"/>
+            <a:off x="1692720" y="1825560"/>
+            <a:ext cx="813600" cy="2075040"/>
           </a:xfrm>
           <a:prstGeom prst="rect">
             <a:avLst/>
@@ -1991,21 +1870,18 @@
         </p:spPr>
         <p:txBody>
           <a:bodyPr lIns="0" rIns="0" tIns="0" bIns="0">
-            <a:normAutofit/>
-          </a:bodyPr>
-          <a:p>
-            <a:endParaRPr b="0" lang="ru-RU" sz="2800" spc="-1" strike="noStrike">
-              <a:solidFill>
-                <a:srgbClr val="000000"/>
-              </a:solidFill>
-              <a:latin typeface="Calibri"/>
-            </a:endParaRPr>
-          </a:p>
-        </p:txBody>
-      </p:sp>
-      <p:sp>
-        <p:nvSpPr>
-          <p:cNvPr id="79" name="PlaceHolder 4"/>
+            <a:normAutofit fontScale="26000"/>
+          </a:bodyPr>
+          <a:p>
+            <a:endParaRPr b="0" lang="en-US" sz="3200" spc="-1" strike="noStrike">
+              <a:latin typeface="Arial"/>
+            </a:endParaRPr>
+          </a:p>
+        </p:txBody>
+      </p:sp>
+      <p:sp>
+        <p:nvSpPr>
+          <p:cNvPr id="73" name="PlaceHolder 4"/>
           <p:cNvSpPr>
             <a:spLocks noGrp="1"/>
           </p:cNvSpPr>
@@ -2015,8 +1891,8 @@
         </p:nvSpPr>
         <p:spPr>
           <a:xfrm>
-            <a:off x="4342320" y="1825560"/>
-            <a:ext cx="1668240" cy="2075040"/>
+            <a:off x="2547360" y="1825560"/>
+            <a:ext cx="813600" cy="2075040"/>
           </a:xfrm>
           <a:prstGeom prst="rect">
             <a:avLst/>
@@ -2024,21 +1900,18 @@
         </p:spPr>
         <p:txBody>
           <a:bodyPr lIns="0" rIns="0" tIns="0" bIns="0">
-            <a:normAutofit/>
-          </a:bodyPr>
-          <a:p>
-            <a:endParaRPr b="0" lang="ru-RU" sz="2800" spc="-1" strike="noStrike">
-              <a:solidFill>
-                <a:srgbClr val="000000"/>
-              </a:solidFill>
-              <a:latin typeface="Calibri"/>
-            </a:endParaRPr>
-          </a:p>
-        </p:txBody>
-      </p:sp>
-      <p:sp>
-        <p:nvSpPr>
-          <p:cNvPr id="80" name="PlaceHolder 5"/>
+            <a:normAutofit fontScale="26000"/>
+          </a:bodyPr>
+          <a:p>
+            <a:endParaRPr b="0" lang="en-US" sz="3200" spc="-1" strike="noStrike">
+              <a:latin typeface="Arial"/>
+            </a:endParaRPr>
+          </a:p>
+        </p:txBody>
+      </p:sp>
+      <p:sp>
+        <p:nvSpPr>
+          <p:cNvPr id="74" name="PlaceHolder 5"/>
           <p:cNvSpPr>
             <a:spLocks noGrp="1"/>
           </p:cNvSpPr>
@@ -2049,7 +1922,7 @@
         <p:spPr>
           <a:xfrm>
             <a:off x="838080" y="4098240"/>
-            <a:ext cx="1668240" cy="2075040"/>
+            <a:ext cx="813600" cy="2075040"/>
           </a:xfrm>
           <a:prstGeom prst="rect">
             <a:avLst/>
@@ -2057,21 +1930,18 @@
         </p:spPr>
         <p:txBody>
           <a:bodyPr lIns="0" rIns="0" tIns="0" bIns="0">
-            <a:normAutofit/>
-          </a:bodyPr>
-          <a:p>
-            <a:endParaRPr b="0" lang="ru-RU" sz="2800" spc="-1" strike="noStrike">
-              <a:solidFill>
-                <a:srgbClr val="000000"/>
-              </a:solidFill>
-              <a:latin typeface="Calibri"/>
-            </a:endParaRPr>
-          </a:p>
-        </p:txBody>
-      </p:sp>
-      <p:sp>
-        <p:nvSpPr>
-          <p:cNvPr id="81" name="PlaceHolder 6"/>
+            <a:normAutofit fontScale="26000"/>
+          </a:bodyPr>
+          <a:p>
+            <a:endParaRPr b="0" lang="en-US" sz="3200" spc="-1" strike="noStrike">
+              <a:latin typeface="Arial"/>
+            </a:endParaRPr>
+          </a:p>
+        </p:txBody>
+      </p:sp>
+      <p:sp>
+        <p:nvSpPr>
+          <p:cNvPr id="75" name="PlaceHolder 6"/>
           <p:cNvSpPr>
             <a:spLocks noGrp="1"/>
           </p:cNvSpPr>
@@ -2081,8 +1951,8 @@
         </p:nvSpPr>
         <p:spPr>
           <a:xfrm>
-            <a:off x="2590200" y="4098240"/>
-            <a:ext cx="1668240" cy="2075040"/>
+            <a:off x="1692720" y="4098240"/>
+            <a:ext cx="813600" cy="2075040"/>
           </a:xfrm>
           <a:prstGeom prst="rect">
             <a:avLst/>
@@ -2090,21 +1960,18 @@
         </p:spPr>
         <p:txBody>
           <a:bodyPr lIns="0" rIns="0" tIns="0" bIns="0">
-            <a:normAutofit/>
-          </a:bodyPr>
-          <a:p>
-            <a:endParaRPr b="0" lang="ru-RU" sz="2800" spc="-1" strike="noStrike">
-              <a:solidFill>
-                <a:srgbClr val="000000"/>
-              </a:solidFill>
-              <a:latin typeface="Calibri"/>
-            </a:endParaRPr>
-          </a:p>
-        </p:txBody>
-      </p:sp>
-      <p:sp>
-        <p:nvSpPr>
-          <p:cNvPr id="82" name="PlaceHolder 7"/>
+            <a:normAutofit fontScale="26000"/>
+          </a:bodyPr>
+          <a:p>
+            <a:endParaRPr b="0" lang="en-US" sz="3200" spc="-1" strike="noStrike">
+              <a:latin typeface="Arial"/>
+            </a:endParaRPr>
+          </a:p>
+        </p:txBody>
+      </p:sp>
+      <p:sp>
+        <p:nvSpPr>
+          <p:cNvPr id="76" name="PlaceHolder 7"/>
           <p:cNvSpPr>
             <a:spLocks noGrp="1"/>
           </p:cNvSpPr>
@@ -2114,8 +1981,8 @@
         </p:nvSpPr>
         <p:spPr>
           <a:xfrm>
-            <a:off x="4342320" y="4098240"/>
-            <a:ext cx="1668240" cy="2075040"/>
+            <a:off x="2547360" y="4098240"/>
+            <a:ext cx="813600" cy="2075040"/>
           </a:xfrm>
           <a:prstGeom prst="rect">
             <a:avLst/>
@@ -2123,14 +1990,11 @@
         </p:spPr>
         <p:txBody>
           <a:bodyPr lIns="0" rIns="0" tIns="0" bIns="0">
-            <a:normAutofit/>
-          </a:bodyPr>
-          <a:p>
-            <a:endParaRPr b="0" lang="ru-RU" sz="2800" spc="-1" strike="noStrike">
-              <a:solidFill>
-                <a:srgbClr val="000000"/>
-              </a:solidFill>
-              <a:latin typeface="Calibri"/>
+            <a:normAutofit fontScale="26000"/>
+          </a:bodyPr>
+          <a:p>
+            <a:endParaRPr b="0" lang="en-US" sz="3200" spc="-1" strike="noStrike">
+              <a:latin typeface="Arial"/>
             </a:endParaRPr>
           </a:p>
         </p:txBody>
@@ -2181,7 +2045,7 @@
       </p:grpSpPr>
       <p:sp>
         <p:nvSpPr>
-          <p:cNvPr id="88" name="PlaceHolder 1"/>
+          <p:cNvPr id="79" name="PlaceHolder 1"/>
           <p:cNvSpPr>
             <a:spLocks noGrp="1"/>
           </p:cNvSpPr>
@@ -2192,7 +2056,7 @@
         <p:spPr>
           <a:xfrm>
             <a:off x="838080" y="365040"/>
-            <a:ext cx="10515240" cy="1325160"/>
+            <a:ext cx="10514880" cy="1324800"/>
           </a:xfrm>
           <a:prstGeom prst="rect">
             <a:avLst/>
@@ -2203,18 +2067,16 @@
             <a:noAutofit/>
           </a:bodyPr>
           <a:p>
-            <a:endParaRPr b="0" lang="ru-RU" sz="1800" spc="-1" strike="noStrike">
-              <a:solidFill>
-                <a:srgbClr val="000000"/>
-              </a:solidFill>
-              <a:latin typeface="Calibri"/>
-            </a:endParaRPr>
-          </a:p>
-        </p:txBody>
-      </p:sp>
-      <p:sp>
-        <p:nvSpPr>
-          <p:cNvPr id="89" name="PlaceHolder 2"/>
+            <a:pPr algn="ctr"/>
+            <a:endParaRPr b="0" lang="en-US" sz="4400" spc="-1" strike="noStrike">
+              <a:latin typeface="Arial"/>
+            </a:endParaRPr>
+          </a:p>
+        </p:txBody>
+      </p:sp>
+      <p:sp>
+        <p:nvSpPr>
+          <p:cNvPr id="80" name="PlaceHolder 2"/>
           <p:cNvSpPr>
             <a:spLocks noGrp="1"/>
           </p:cNvSpPr>
@@ -2225,7 +2087,7 @@
         <p:spPr>
           <a:xfrm>
             <a:off x="838080" y="1825560"/>
-            <a:ext cx="5181120" cy="4350960"/>
+            <a:ext cx="2527920" cy="4350600"/>
           </a:xfrm>
           <a:prstGeom prst="rect">
             <a:avLst/>
@@ -2267,7 +2129,7 @@
       </p:grpSpPr>
       <p:sp>
         <p:nvSpPr>
-          <p:cNvPr id="90" name="PlaceHolder 1"/>
+          <p:cNvPr id="81" name="PlaceHolder 1"/>
           <p:cNvSpPr>
             <a:spLocks noGrp="1"/>
           </p:cNvSpPr>
@@ -2278,7 +2140,7 @@
         <p:spPr>
           <a:xfrm>
             <a:off x="838080" y="365040"/>
-            <a:ext cx="10515240" cy="1325160"/>
+            <a:ext cx="10514880" cy="1324800"/>
           </a:xfrm>
           <a:prstGeom prst="rect">
             <a:avLst/>
@@ -2289,18 +2151,16 @@
             <a:noAutofit/>
           </a:bodyPr>
           <a:p>
-            <a:endParaRPr b="0" lang="ru-RU" sz="1800" spc="-1" strike="noStrike">
-              <a:solidFill>
-                <a:srgbClr val="000000"/>
-              </a:solidFill>
-              <a:latin typeface="Calibri"/>
-            </a:endParaRPr>
-          </a:p>
-        </p:txBody>
-      </p:sp>
-      <p:sp>
-        <p:nvSpPr>
-          <p:cNvPr id="91" name="PlaceHolder 2"/>
+            <a:pPr algn="ctr"/>
+            <a:endParaRPr b="0" lang="en-US" sz="4400" spc="-1" strike="noStrike">
+              <a:latin typeface="Arial"/>
+            </a:endParaRPr>
+          </a:p>
+        </p:txBody>
+      </p:sp>
+      <p:sp>
+        <p:nvSpPr>
+          <p:cNvPr id="82" name="PlaceHolder 2"/>
           <p:cNvSpPr>
             <a:spLocks noGrp="1"/>
           </p:cNvSpPr>
@@ -2311,7 +2171,7 @@
         <p:spPr>
           <a:xfrm>
             <a:off x="838080" y="1825560"/>
-            <a:ext cx="5181120" cy="4350960"/>
+            <a:ext cx="2527920" cy="4350600"/>
           </a:xfrm>
           <a:prstGeom prst="rect">
             <a:avLst/>
@@ -2322,11 +2182,8 @@
             <a:normAutofit/>
           </a:bodyPr>
           <a:p>
-            <a:endParaRPr b="0" lang="ru-RU" sz="2800" spc="-1" strike="noStrike">
-              <a:solidFill>
-                <a:srgbClr val="000000"/>
-              </a:solidFill>
-              <a:latin typeface="Calibri"/>
+            <a:endParaRPr b="0" lang="en-US" sz="3200" spc="-1" strike="noStrike">
+              <a:latin typeface="Arial"/>
             </a:endParaRPr>
           </a:p>
         </p:txBody>
@@ -2355,7 +2212,7 @@
       </p:grpSpPr>
       <p:sp>
         <p:nvSpPr>
-          <p:cNvPr id="92" name="PlaceHolder 1"/>
+          <p:cNvPr id="83" name="PlaceHolder 1"/>
           <p:cNvSpPr>
             <a:spLocks noGrp="1"/>
           </p:cNvSpPr>
@@ -2366,7 +2223,7 @@
         <p:spPr>
           <a:xfrm>
             <a:off x="838080" y="365040"/>
-            <a:ext cx="10515240" cy="1325160"/>
+            <a:ext cx="10514880" cy="1324800"/>
           </a:xfrm>
           <a:prstGeom prst="rect">
             <a:avLst/>
@@ -2377,18 +2234,16 @@
             <a:noAutofit/>
           </a:bodyPr>
           <a:p>
-            <a:endParaRPr b="0" lang="ru-RU" sz="1800" spc="-1" strike="noStrike">
-              <a:solidFill>
-                <a:srgbClr val="000000"/>
-              </a:solidFill>
-              <a:latin typeface="Calibri"/>
-            </a:endParaRPr>
-          </a:p>
-        </p:txBody>
-      </p:sp>
-      <p:sp>
-        <p:nvSpPr>
-          <p:cNvPr id="93" name="PlaceHolder 2"/>
+            <a:pPr algn="ctr"/>
+            <a:endParaRPr b="0" lang="en-US" sz="4400" spc="-1" strike="noStrike">
+              <a:latin typeface="Arial"/>
+            </a:endParaRPr>
+          </a:p>
+        </p:txBody>
+      </p:sp>
+      <p:sp>
+        <p:nvSpPr>
+          <p:cNvPr id="84" name="PlaceHolder 2"/>
           <p:cNvSpPr>
             <a:spLocks noGrp="1"/>
           </p:cNvSpPr>
@@ -2399,7 +2254,7 @@
         <p:spPr>
           <a:xfrm>
             <a:off x="838080" y="1825560"/>
-            <a:ext cx="2528280" cy="4350960"/>
+            <a:ext cx="1233360" cy="4350600"/>
           </a:xfrm>
           <a:prstGeom prst="rect">
             <a:avLst/>
@@ -2410,18 +2265,15 @@
             <a:normAutofit/>
           </a:bodyPr>
           <a:p>
-            <a:endParaRPr b="0" lang="ru-RU" sz="2800" spc="-1" strike="noStrike">
-              <a:solidFill>
-                <a:srgbClr val="000000"/>
-              </a:solidFill>
-              <a:latin typeface="Calibri"/>
-            </a:endParaRPr>
-          </a:p>
-        </p:txBody>
-      </p:sp>
-      <p:sp>
-        <p:nvSpPr>
-          <p:cNvPr id="94" name="PlaceHolder 3"/>
+            <a:endParaRPr b="0" lang="en-US" sz="3200" spc="-1" strike="noStrike">
+              <a:latin typeface="Arial"/>
+            </a:endParaRPr>
+          </a:p>
+        </p:txBody>
+      </p:sp>
+      <p:sp>
+        <p:nvSpPr>
+          <p:cNvPr id="85" name="PlaceHolder 3"/>
           <p:cNvSpPr>
             <a:spLocks noGrp="1"/>
           </p:cNvSpPr>
@@ -2431,8 +2283,8 @@
         </p:nvSpPr>
         <p:spPr>
           <a:xfrm>
-            <a:off x="3493080" y="1825560"/>
-            <a:ext cx="2528280" cy="4350960"/>
+            <a:off x="2133360" y="1825560"/>
+            <a:ext cx="1233360" cy="4350600"/>
           </a:xfrm>
           <a:prstGeom prst="rect">
             <a:avLst/>
@@ -2443,11 +2295,8 @@
             <a:normAutofit/>
           </a:bodyPr>
           <a:p>
-            <a:endParaRPr b="0" lang="ru-RU" sz="2800" spc="-1" strike="noStrike">
-              <a:solidFill>
-                <a:srgbClr val="000000"/>
-              </a:solidFill>
-              <a:latin typeface="Calibri"/>
+            <a:endParaRPr b="0" lang="en-US" sz="3200" spc="-1" strike="noStrike">
+              <a:latin typeface="Arial"/>
             </a:endParaRPr>
           </a:p>
         </p:txBody>
@@ -2476,7 +2325,7 @@
       </p:grpSpPr>
       <p:sp>
         <p:nvSpPr>
-          <p:cNvPr id="95" name="PlaceHolder 1"/>
+          <p:cNvPr id="86" name="PlaceHolder 1"/>
           <p:cNvSpPr>
             <a:spLocks noGrp="1"/>
           </p:cNvSpPr>
@@ -2487,7 +2336,7 @@
         <p:spPr>
           <a:xfrm>
             <a:off x="838080" y="365040"/>
-            <a:ext cx="10515240" cy="1325160"/>
+            <a:ext cx="10514880" cy="1324800"/>
           </a:xfrm>
           <a:prstGeom prst="rect">
             <a:avLst/>
@@ -2498,11 +2347,9 @@
             <a:noAutofit/>
           </a:bodyPr>
           <a:p>
-            <a:endParaRPr b="0" lang="ru-RU" sz="1800" spc="-1" strike="noStrike">
-              <a:solidFill>
-                <a:srgbClr val="000000"/>
-              </a:solidFill>
-              <a:latin typeface="Calibri"/>
+            <a:pPr algn="ctr"/>
+            <a:endParaRPr b="0" lang="en-US" sz="4400" spc="-1" strike="noStrike">
+              <a:latin typeface="Arial"/>
             </a:endParaRPr>
           </a:p>
         </p:txBody>
@@ -2531,7 +2378,7 @@
       </p:grpSpPr>
       <p:sp>
         <p:nvSpPr>
-          <p:cNvPr id="7" name="PlaceHolder 1"/>
+          <p:cNvPr id="4" name="PlaceHolder 1"/>
           <p:cNvSpPr>
             <a:spLocks noGrp="1"/>
           </p:cNvSpPr>
@@ -2542,7 +2389,7 @@
         <p:spPr>
           <a:xfrm>
             <a:off x="838080" y="365040"/>
-            <a:ext cx="10515240" cy="1325160"/>
+            <a:ext cx="10514880" cy="1324800"/>
           </a:xfrm>
           <a:prstGeom prst="rect">
             <a:avLst/>
@@ -2553,18 +2400,16 @@
             <a:noAutofit/>
           </a:bodyPr>
           <a:p>
-            <a:endParaRPr b="0" lang="ru-RU" sz="1800" spc="-1" strike="noStrike">
-              <a:solidFill>
-                <a:srgbClr val="000000"/>
-              </a:solidFill>
-              <a:latin typeface="Calibri"/>
-            </a:endParaRPr>
-          </a:p>
-        </p:txBody>
-      </p:sp>
-      <p:sp>
-        <p:nvSpPr>
-          <p:cNvPr id="8" name="PlaceHolder 2"/>
+            <a:pPr algn="ctr"/>
+            <a:endParaRPr b="0" lang="en-US" sz="4400" spc="-1" strike="noStrike">
+              <a:latin typeface="Arial"/>
+            </a:endParaRPr>
+          </a:p>
+        </p:txBody>
+      </p:sp>
+      <p:sp>
+        <p:nvSpPr>
+          <p:cNvPr id="5" name="PlaceHolder 2"/>
           <p:cNvSpPr>
             <a:spLocks noGrp="1"/>
           </p:cNvSpPr>
@@ -2575,7 +2420,7 @@
         <p:spPr>
           <a:xfrm>
             <a:off x="838080" y="1825560"/>
-            <a:ext cx="5181120" cy="4350960"/>
+            <a:ext cx="2527920" cy="4350600"/>
           </a:xfrm>
           <a:prstGeom prst="rect">
             <a:avLst/>
@@ -2586,11 +2431,8 @@
             <a:normAutofit/>
           </a:bodyPr>
           <a:p>
-            <a:endParaRPr b="0" lang="ru-RU" sz="2800" spc="-1" strike="noStrike">
-              <a:solidFill>
-                <a:srgbClr val="000000"/>
-              </a:solidFill>
-              <a:latin typeface="Calibri"/>
+            <a:endParaRPr b="0" lang="en-US" sz="3200" spc="-1" strike="noStrike">
+              <a:latin typeface="Arial"/>
             </a:endParaRPr>
           </a:p>
         </p:txBody>
@@ -2619,7 +2461,7 @@
       </p:grpSpPr>
       <p:sp>
         <p:nvSpPr>
-          <p:cNvPr id="96" name="PlaceHolder 1"/>
+          <p:cNvPr id="87" name="PlaceHolder 1"/>
           <p:cNvSpPr>
             <a:spLocks noGrp="1"/>
           </p:cNvSpPr>
@@ -2630,7 +2472,7 @@
         <p:spPr>
           <a:xfrm>
             <a:off x="838080" y="365040"/>
-            <a:ext cx="10515240" cy="6144120"/>
+            <a:ext cx="10514880" cy="6142320"/>
           </a:xfrm>
           <a:prstGeom prst="rect">
             <a:avLst/>
@@ -2672,7 +2514,7 @@
       </p:grpSpPr>
       <p:sp>
         <p:nvSpPr>
-          <p:cNvPr id="97" name="PlaceHolder 1"/>
+          <p:cNvPr id="88" name="PlaceHolder 1"/>
           <p:cNvSpPr>
             <a:spLocks noGrp="1"/>
           </p:cNvSpPr>
@@ -2683,7 +2525,7 @@
         <p:spPr>
           <a:xfrm>
             <a:off x="838080" y="365040"/>
-            <a:ext cx="10515240" cy="1325160"/>
+            <a:ext cx="10514880" cy="1324800"/>
           </a:xfrm>
           <a:prstGeom prst="rect">
             <a:avLst/>
@@ -2694,18 +2536,16 @@
             <a:noAutofit/>
           </a:bodyPr>
           <a:p>
-            <a:endParaRPr b="0" lang="ru-RU" sz="1800" spc="-1" strike="noStrike">
-              <a:solidFill>
-                <a:srgbClr val="000000"/>
-              </a:solidFill>
-              <a:latin typeface="Calibri"/>
-            </a:endParaRPr>
-          </a:p>
-        </p:txBody>
-      </p:sp>
-      <p:sp>
-        <p:nvSpPr>
-          <p:cNvPr id="98" name="PlaceHolder 2"/>
+            <a:pPr algn="ctr"/>
+            <a:endParaRPr b="0" lang="en-US" sz="4400" spc="-1" strike="noStrike">
+              <a:latin typeface="Arial"/>
+            </a:endParaRPr>
+          </a:p>
+        </p:txBody>
+      </p:sp>
+      <p:sp>
+        <p:nvSpPr>
+          <p:cNvPr id="89" name="PlaceHolder 2"/>
           <p:cNvSpPr>
             <a:spLocks noGrp="1"/>
           </p:cNvSpPr>
@@ -2716,7 +2556,7 @@
         <p:spPr>
           <a:xfrm>
             <a:off x="838080" y="1825560"/>
-            <a:ext cx="2528280" cy="2075040"/>
+            <a:ext cx="1233360" cy="2075040"/>
           </a:xfrm>
           <a:prstGeom prst="rect">
             <a:avLst/>
@@ -2727,18 +2567,15 @@
             <a:normAutofit/>
           </a:bodyPr>
           <a:p>
-            <a:endParaRPr b="0" lang="ru-RU" sz="2800" spc="-1" strike="noStrike">
-              <a:solidFill>
-                <a:srgbClr val="000000"/>
-              </a:solidFill>
-              <a:latin typeface="Calibri"/>
-            </a:endParaRPr>
-          </a:p>
-        </p:txBody>
-      </p:sp>
-      <p:sp>
-        <p:nvSpPr>
-          <p:cNvPr id="99" name="PlaceHolder 3"/>
+            <a:endParaRPr b="0" lang="en-US" sz="3200" spc="-1" strike="noStrike">
+              <a:latin typeface="Arial"/>
+            </a:endParaRPr>
+          </a:p>
+        </p:txBody>
+      </p:sp>
+      <p:sp>
+        <p:nvSpPr>
+          <p:cNvPr id="90" name="PlaceHolder 3"/>
           <p:cNvSpPr>
             <a:spLocks noGrp="1"/>
           </p:cNvSpPr>
@@ -2748,8 +2585,8 @@
         </p:nvSpPr>
         <p:spPr>
           <a:xfrm>
-            <a:off x="3493080" y="1825560"/>
-            <a:ext cx="2528280" cy="4350960"/>
+            <a:off x="2133360" y="1825560"/>
+            <a:ext cx="1233360" cy="4350600"/>
           </a:xfrm>
           <a:prstGeom prst="rect">
             <a:avLst/>
@@ -2760,18 +2597,15 @@
             <a:normAutofit/>
           </a:bodyPr>
           <a:p>
-            <a:endParaRPr b="0" lang="ru-RU" sz="2800" spc="-1" strike="noStrike">
-              <a:solidFill>
-                <a:srgbClr val="000000"/>
-              </a:solidFill>
-              <a:latin typeface="Calibri"/>
-            </a:endParaRPr>
-          </a:p>
-        </p:txBody>
-      </p:sp>
-      <p:sp>
-        <p:nvSpPr>
-          <p:cNvPr id="100" name="PlaceHolder 4"/>
+            <a:endParaRPr b="0" lang="en-US" sz="3200" spc="-1" strike="noStrike">
+              <a:latin typeface="Arial"/>
+            </a:endParaRPr>
+          </a:p>
+        </p:txBody>
+      </p:sp>
+      <p:sp>
+        <p:nvSpPr>
+          <p:cNvPr id="91" name="PlaceHolder 4"/>
           <p:cNvSpPr>
             <a:spLocks noGrp="1"/>
           </p:cNvSpPr>
@@ -2782,7 +2616,7 @@
         <p:spPr>
           <a:xfrm>
             <a:off x="838080" y="4098240"/>
-            <a:ext cx="2528280" cy="2075040"/>
+            <a:ext cx="1233360" cy="2075040"/>
           </a:xfrm>
           <a:prstGeom prst="rect">
             <a:avLst/>
@@ -2793,11 +2627,8 @@
             <a:normAutofit/>
           </a:bodyPr>
           <a:p>
-            <a:endParaRPr b="0" lang="ru-RU" sz="2800" spc="-1" strike="noStrike">
-              <a:solidFill>
-                <a:srgbClr val="000000"/>
-              </a:solidFill>
-              <a:latin typeface="Calibri"/>
+            <a:endParaRPr b="0" lang="en-US" sz="3200" spc="-1" strike="noStrike">
+              <a:latin typeface="Arial"/>
             </a:endParaRPr>
           </a:p>
         </p:txBody>
@@ -2826,7 +2657,7 @@
       </p:grpSpPr>
       <p:sp>
         <p:nvSpPr>
-          <p:cNvPr id="101" name="PlaceHolder 1"/>
+          <p:cNvPr id="92" name="PlaceHolder 1"/>
           <p:cNvSpPr>
             <a:spLocks noGrp="1"/>
           </p:cNvSpPr>
@@ -2837,7 +2668,7 @@
         <p:spPr>
           <a:xfrm>
             <a:off x="838080" y="365040"/>
-            <a:ext cx="10515240" cy="1325160"/>
+            <a:ext cx="10514880" cy="1324800"/>
           </a:xfrm>
           <a:prstGeom prst="rect">
             <a:avLst/>
@@ -2848,18 +2679,16 @@
             <a:noAutofit/>
           </a:bodyPr>
           <a:p>
-            <a:endParaRPr b="0" lang="ru-RU" sz="1800" spc="-1" strike="noStrike">
-              <a:solidFill>
-                <a:srgbClr val="000000"/>
-              </a:solidFill>
-              <a:latin typeface="Calibri"/>
-            </a:endParaRPr>
-          </a:p>
-        </p:txBody>
-      </p:sp>
-      <p:sp>
-        <p:nvSpPr>
-          <p:cNvPr id="102" name="PlaceHolder 2"/>
+            <a:pPr algn="ctr"/>
+            <a:endParaRPr b="0" lang="en-US" sz="4400" spc="-1" strike="noStrike">
+              <a:latin typeface="Arial"/>
+            </a:endParaRPr>
+          </a:p>
+        </p:txBody>
+      </p:sp>
+      <p:sp>
+        <p:nvSpPr>
+          <p:cNvPr id="93" name="PlaceHolder 2"/>
           <p:cNvSpPr>
             <a:spLocks noGrp="1"/>
           </p:cNvSpPr>
@@ -2870,7 +2699,7 @@
         <p:spPr>
           <a:xfrm>
             <a:off x="838080" y="1825560"/>
-            <a:ext cx="2528280" cy="4350960"/>
+            <a:ext cx="1233360" cy="4350600"/>
           </a:xfrm>
           <a:prstGeom prst="rect">
             <a:avLst/>
@@ -2881,18 +2710,15 @@
             <a:normAutofit/>
           </a:bodyPr>
           <a:p>
-            <a:endParaRPr b="0" lang="ru-RU" sz="2800" spc="-1" strike="noStrike">
-              <a:solidFill>
-                <a:srgbClr val="000000"/>
-              </a:solidFill>
-              <a:latin typeface="Calibri"/>
-            </a:endParaRPr>
-          </a:p>
-        </p:txBody>
-      </p:sp>
-      <p:sp>
-        <p:nvSpPr>
-          <p:cNvPr id="103" name="PlaceHolder 3"/>
+            <a:endParaRPr b="0" lang="en-US" sz="3200" spc="-1" strike="noStrike">
+              <a:latin typeface="Arial"/>
+            </a:endParaRPr>
+          </a:p>
+        </p:txBody>
+      </p:sp>
+      <p:sp>
+        <p:nvSpPr>
+          <p:cNvPr id="94" name="PlaceHolder 3"/>
           <p:cNvSpPr>
             <a:spLocks noGrp="1"/>
           </p:cNvSpPr>
@@ -2902,8 +2728,8 @@
         </p:nvSpPr>
         <p:spPr>
           <a:xfrm>
-            <a:off x="3493080" y="1825560"/>
-            <a:ext cx="2528280" cy="2075040"/>
+            <a:off x="2133360" y="1825560"/>
+            <a:ext cx="1233360" cy="2075040"/>
           </a:xfrm>
           <a:prstGeom prst="rect">
             <a:avLst/>
@@ -2914,18 +2740,15 @@
             <a:normAutofit/>
           </a:bodyPr>
           <a:p>
-            <a:endParaRPr b="0" lang="ru-RU" sz="2800" spc="-1" strike="noStrike">
-              <a:solidFill>
-                <a:srgbClr val="000000"/>
-              </a:solidFill>
-              <a:latin typeface="Calibri"/>
-            </a:endParaRPr>
-          </a:p>
-        </p:txBody>
-      </p:sp>
-      <p:sp>
-        <p:nvSpPr>
-          <p:cNvPr id="104" name="PlaceHolder 4"/>
+            <a:endParaRPr b="0" lang="en-US" sz="3200" spc="-1" strike="noStrike">
+              <a:latin typeface="Arial"/>
+            </a:endParaRPr>
+          </a:p>
+        </p:txBody>
+      </p:sp>
+      <p:sp>
+        <p:nvSpPr>
+          <p:cNvPr id="95" name="PlaceHolder 4"/>
           <p:cNvSpPr>
             <a:spLocks noGrp="1"/>
           </p:cNvSpPr>
@@ -2935,8 +2758,8 @@
         </p:nvSpPr>
         <p:spPr>
           <a:xfrm>
-            <a:off x="3493080" y="4098240"/>
-            <a:ext cx="2528280" cy="2075040"/>
+            <a:off x="2133360" y="4098240"/>
+            <a:ext cx="1233360" cy="2075040"/>
           </a:xfrm>
           <a:prstGeom prst="rect">
             <a:avLst/>
@@ -2947,11 +2770,8 @@
             <a:normAutofit/>
           </a:bodyPr>
           <a:p>
-            <a:endParaRPr b="0" lang="ru-RU" sz="2800" spc="-1" strike="noStrike">
-              <a:solidFill>
-                <a:srgbClr val="000000"/>
-              </a:solidFill>
-              <a:latin typeface="Calibri"/>
+            <a:endParaRPr b="0" lang="en-US" sz="3200" spc="-1" strike="noStrike">
+              <a:latin typeface="Arial"/>
             </a:endParaRPr>
           </a:p>
         </p:txBody>
@@ -2980,7 +2800,7 @@
       </p:grpSpPr>
       <p:sp>
         <p:nvSpPr>
-          <p:cNvPr id="105" name="PlaceHolder 1"/>
+          <p:cNvPr id="96" name="PlaceHolder 1"/>
           <p:cNvSpPr>
             <a:spLocks noGrp="1"/>
           </p:cNvSpPr>
@@ -2991,7 +2811,7 @@
         <p:spPr>
           <a:xfrm>
             <a:off x="838080" y="365040"/>
-            <a:ext cx="10515240" cy="1325160"/>
+            <a:ext cx="10514880" cy="1324800"/>
           </a:xfrm>
           <a:prstGeom prst="rect">
             <a:avLst/>
@@ -3002,18 +2822,16 @@
             <a:noAutofit/>
           </a:bodyPr>
           <a:p>
-            <a:endParaRPr b="0" lang="ru-RU" sz="1800" spc="-1" strike="noStrike">
-              <a:solidFill>
-                <a:srgbClr val="000000"/>
-              </a:solidFill>
-              <a:latin typeface="Calibri"/>
-            </a:endParaRPr>
-          </a:p>
-        </p:txBody>
-      </p:sp>
-      <p:sp>
-        <p:nvSpPr>
-          <p:cNvPr id="106" name="PlaceHolder 2"/>
+            <a:pPr algn="ctr"/>
+            <a:endParaRPr b="0" lang="en-US" sz="4400" spc="-1" strike="noStrike">
+              <a:latin typeface="Arial"/>
+            </a:endParaRPr>
+          </a:p>
+        </p:txBody>
+      </p:sp>
+      <p:sp>
+        <p:nvSpPr>
+          <p:cNvPr id="97" name="PlaceHolder 2"/>
           <p:cNvSpPr>
             <a:spLocks noGrp="1"/>
           </p:cNvSpPr>
@@ -3024,7 +2842,7 @@
         <p:spPr>
           <a:xfrm>
             <a:off x="838080" y="1825560"/>
-            <a:ext cx="2528280" cy="2075040"/>
+            <a:ext cx="1233360" cy="2075040"/>
           </a:xfrm>
           <a:prstGeom prst="rect">
             <a:avLst/>
@@ -3035,18 +2853,15 @@
             <a:normAutofit/>
           </a:bodyPr>
           <a:p>
-            <a:endParaRPr b="0" lang="ru-RU" sz="2800" spc="-1" strike="noStrike">
-              <a:solidFill>
-                <a:srgbClr val="000000"/>
-              </a:solidFill>
-              <a:latin typeface="Calibri"/>
-            </a:endParaRPr>
-          </a:p>
-        </p:txBody>
-      </p:sp>
-      <p:sp>
-        <p:nvSpPr>
-          <p:cNvPr id="107" name="PlaceHolder 3"/>
+            <a:endParaRPr b="0" lang="en-US" sz="3200" spc="-1" strike="noStrike">
+              <a:latin typeface="Arial"/>
+            </a:endParaRPr>
+          </a:p>
+        </p:txBody>
+      </p:sp>
+      <p:sp>
+        <p:nvSpPr>
+          <p:cNvPr id="98" name="PlaceHolder 3"/>
           <p:cNvSpPr>
             <a:spLocks noGrp="1"/>
           </p:cNvSpPr>
@@ -3056,8 +2871,8 @@
         </p:nvSpPr>
         <p:spPr>
           <a:xfrm>
-            <a:off x="3493080" y="1825560"/>
-            <a:ext cx="2528280" cy="2075040"/>
+            <a:off x="2133360" y="1825560"/>
+            <a:ext cx="1233360" cy="2075040"/>
           </a:xfrm>
           <a:prstGeom prst="rect">
             <a:avLst/>
@@ -3068,18 +2883,15 @@
             <a:normAutofit/>
           </a:bodyPr>
           <a:p>
-            <a:endParaRPr b="0" lang="ru-RU" sz="2800" spc="-1" strike="noStrike">
-              <a:solidFill>
-                <a:srgbClr val="000000"/>
-              </a:solidFill>
-              <a:latin typeface="Calibri"/>
-            </a:endParaRPr>
-          </a:p>
-        </p:txBody>
-      </p:sp>
-      <p:sp>
-        <p:nvSpPr>
-          <p:cNvPr id="108" name="PlaceHolder 4"/>
+            <a:endParaRPr b="0" lang="en-US" sz="3200" spc="-1" strike="noStrike">
+              <a:latin typeface="Arial"/>
+            </a:endParaRPr>
+          </a:p>
+        </p:txBody>
+      </p:sp>
+      <p:sp>
+        <p:nvSpPr>
+          <p:cNvPr id="99" name="PlaceHolder 4"/>
           <p:cNvSpPr>
             <a:spLocks noGrp="1"/>
           </p:cNvSpPr>
@@ -3090,7 +2902,7 @@
         <p:spPr>
           <a:xfrm>
             <a:off x="838080" y="4098240"/>
-            <a:ext cx="5181120" cy="2075040"/>
+            <a:ext cx="2527920" cy="2075040"/>
           </a:xfrm>
           <a:prstGeom prst="rect">
             <a:avLst/>
@@ -3101,11 +2913,8 @@
             <a:normAutofit/>
           </a:bodyPr>
           <a:p>
-            <a:endParaRPr b="0" lang="ru-RU" sz="2800" spc="-1" strike="noStrike">
-              <a:solidFill>
-                <a:srgbClr val="000000"/>
-              </a:solidFill>
-              <a:latin typeface="Calibri"/>
+            <a:endParaRPr b="0" lang="en-US" sz="3200" spc="-1" strike="noStrike">
+              <a:latin typeface="Arial"/>
             </a:endParaRPr>
           </a:p>
         </p:txBody>
@@ -3134,7 +2943,7 @@
       </p:grpSpPr>
       <p:sp>
         <p:nvSpPr>
-          <p:cNvPr id="109" name="PlaceHolder 1"/>
+          <p:cNvPr id="100" name="PlaceHolder 1"/>
           <p:cNvSpPr>
             <a:spLocks noGrp="1"/>
           </p:cNvSpPr>
@@ -3145,7 +2954,7 @@
         <p:spPr>
           <a:xfrm>
             <a:off x="838080" y="365040"/>
-            <a:ext cx="10515240" cy="1325160"/>
+            <a:ext cx="10514880" cy="1324800"/>
           </a:xfrm>
           <a:prstGeom prst="rect">
             <a:avLst/>
@@ -3156,18 +2965,16 @@
             <a:noAutofit/>
           </a:bodyPr>
           <a:p>
-            <a:endParaRPr b="0" lang="ru-RU" sz="1800" spc="-1" strike="noStrike">
-              <a:solidFill>
-                <a:srgbClr val="000000"/>
-              </a:solidFill>
-              <a:latin typeface="Calibri"/>
-            </a:endParaRPr>
-          </a:p>
-        </p:txBody>
-      </p:sp>
-      <p:sp>
-        <p:nvSpPr>
-          <p:cNvPr id="110" name="PlaceHolder 2"/>
+            <a:pPr algn="ctr"/>
+            <a:endParaRPr b="0" lang="en-US" sz="4400" spc="-1" strike="noStrike">
+              <a:latin typeface="Arial"/>
+            </a:endParaRPr>
+          </a:p>
+        </p:txBody>
+      </p:sp>
+      <p:sp>
+        <p:nvSpPr>
+          <p:cNvPr id="101" name="PlaceHolder 2"/>
           <p:cNvSpPr>
             <a:spLocks noGrp="1"/>
           </p:cNvSpPr>
@@ -3178,7 +2985,7 @@
         <p:spPr>
           <a:xfrm>
             <a:off x="838080" y="1825560"/>
-            <a:ext cx="5181120" cy="2075040"/>
+            <a:ext cx="2527920" cy="2075040"/>
           </a:xfrm>
           <a:prstGeom prst="rect">
             <a:avLst/>
@@ -3189,18 +2996,15 @@
             <a:normAutofit/>
           </a:bodyPr>
           <a:p>
-            <a:endParaRPr b="0" lang="ru-RU" sz="2800" spc="-1" strike="noStrike">
-              <a:solidFill>
-                <a:srgbClr val="000000"/>
-              </a:solidFill>
-              <a:latin typeface="Calibri"/>
-            </a:endParaRPr>
-          </a:p>
-        </p:txBody>
-      </p:sp>
-      <p:sp>
-        <p:nvSpPr>
-          <p:cNvPr id="111" name="PlaceHolder 3"/>
+            <a:endParaRPr b="0" lang="en-US" sz="3200" spc="-1" strike="noStrike">
+              <a:latin typeface="Arial"/>
+            </a:endParaRPr>
+          </a:p>
+        </p:txBody>
+      </p:sp>
+      <p:sp>
+        <p:nvSpPr>
+          <p:cNvPr id="102" name="PlaceHolder 3"/>
           <p:cNvSpPr>
             <a:spLocks noGrp="1"/>
           </p:cNvSpPr>
@@ -3211,7 +3015,7 @@
         <p:spPr>
           <a:xfrm>
             <a:off x="838080" y="4098240"/>
-            <a:ext cx="5181120" cy="2075040"/>
+            <a:ext cx="2527920" cy="2075040"/>
           </a:xfrm>
           <a:prstGeom prst="rect">
             <a:avLst/>
@@ -3222,11 +3026,8 @@
             <a:normAutofit/>
           </a:bodyPr>
           <a:p>
-            <a:endParaRPr b="0" lang="ru-RU" sz="2800" spc="-1" strike="noStrike">
-              <a:solidFill>
-                <a:srgbClr val="000000"/>
-              </a:solidFill>
-              <a:latin typeface="Calibri"/>
+            <a:endParaRPr b="0" lang="en-US" sz="3200" spc="-1" strike="noStrike">
+              <a:latin typeface="Arial"/>
             </a:endParaRPr>
           </a:p>
         </p:txBody>
@@ -3255,7 +3056,7 @@
       </p:grpSpPr>
       <p:sp>
         <p:nvSpPr>
-          <p:cNvPr id="112" name="PlaceHolder 1"/>
+          <p:cNvPr id="103" name="PlaceHolder 1"/>
           <p:cNvSpPr>
             <a:spLocks noGrp="1"/>
           </p:cNvSpPr>
@@ -3266,7 +3067,7 @@
         <p:spPr>
           <a:xfrm>
             <a:off x="838080" y="365040"/>
-            <a:ext cx="10515240" cy="1325160"/>
+            <a:ext cx="10514880" cy="1324800"/>
           </a:xfrm>
           <a:prstGeom prst="rect">
             <a:avLst/>
@@ -3277,18 +3078,16 @@
             <a:noAutofit/>
           </a:bodyPr>
           <a:p>
-            <a:endParaRPr b="0" lang="ru-RU" sz="1800" spc="-1" strike="noStrike">
-              <a:solidFill>
-                <a:srgbClr val="000000"/>
-              </a:solidFill>
-              <a:latin typeface="Calibri"/>
-            </a:endParaRPr>
-          </a:p>
-        </p:txBody>
-      </p:sp>
-      <p:sp>
-        <p:nvSpPr>
-          <p:cNvPr id="113" name="PlaceHolder 2"/>
+            <a:pPr algn="ctr"/>
+            <a:endParaRPr b="0" lang="en-US" sz="4400" spc="-1" strike="noStrike">
+              <a:latin typeface="Arial"/>
+            </a:endParaRPr>
+          </a:p>
+        </p:txBody>
+      </p:sp>
+      <p:sp>
+        <p:nvSpPr>
+          <p:cNvPr id="104" name="PlaceHolder 2"/>
           <p:cNvSpPr>
             <a:spLocks noGrp="1"/>
           </p:cNvSpPr>
@@ -3299,7 +3098,7 @@
         <p:spPr>
           <a:xfrm>
             <a:off x="838080" y="1825560"/>
-            <a:ext cx="2528280" cy="2075040"/>
+            <a:ext cx="1233360" cy="2075040"/>
           </a:xfrm>
           <a:prstGeom prst="rect">
             <a:avLst/>
@@ -3310,18 +3109,15 @@
             <a:normAutofit/>
           </a:bodyPr>
           <a:p>
-            <a:endParaRPr b="0" lang="ru-RU" sz="2800" spc="-1" strike="noStrike">
-              <a:solidFill>
-                <a:srgbClr val="000000"/>
-              </a:solidFill>
-              <a:latin typeface="Calibri"/>
-            </a:endParaRPr>
-          </a:p>
-        </p:txBody>
-      </p:sp>
-      <p:sp>
-        <p:nvSpPr>
-          <p:cNvPr id="114" name="PlaceHolder 3"/>
+            <a:endParaRPr b="0" lang="en-US" sz="3200" spc="-1" strike="noStrike">
+              <a:latin typeface="Arial"/>
+            </a:endParaRPr>
+          </a:p>
+        </p:txBody>
+      </p:sp>
+      <p:sp>
+        <p:nvSpPr>
+          <p:cNvPr id="105" name="PlaceHolder 3"/>
           <p:cNvSpPr>
             <a:spLocks noGrp="1"/>
           </p:cNvSpPr>
@@ -3331,8 +3127,8 @@
         </p:nvSpPr>
         <p:spPr>
           <a:xfrm>
-            <a:off x="3493080" y="1825560"/>
-            <a:ext cx="2528280" cy="2075040"/>
+            <a:off x="2133360" y="1825560"/>
+            <a:ext cx="1233360" cy="2075040"/>
           </a:xfrm>
           <a:prstGeom prst="rect">
             <a:avLst/>
@@ -3343,18 +3139,15 @@
             <a:normAutofit/>
           </a:bodyPr>
           <a:p>
-            <a:endParaRPr b="0" lang="ru-RU" sz="2800" spc="-1" strike="noStrike">
-              <a:solidFill>
-                <a:srgbClr val="000000"/>
-              </a:solidFill>
-              <a:latin typeface="Calibri"/>
-            </a:endParaRPr>
-          </a:p>
-        </p:txBody>
-      </p:sp>
-      <p:sp>
-        <p:nvSpPr>
-          <p:cNvPr id="115" name="PlaceHolder 4"/>
+            <a:endParaRPr b="0" lang="en-US" sz="3200" spc="-1" strike="noStrike">
+              <a:latin typeface="Arial"/>
+            </a:endParaRPr>
+          </a:p>
+        </p:txBody>
+      </p:sp>
+      <p:sp>
+        <p:nvSpPr>
+          <p:cNvPr id="106" name="PlaceHolder 4"/>
           <p:cNvSpPr>
             <a:spLocks noGrp="1"/>
           </p:cNvSpPr>
@@ -3365,7 +3158,7 @@
         <p:spPr>
           <a:xfrm>
             <a:off x="838080" y="4098240"/>
-            <a:ext cx="2528280" cy="2075040"/>
+            <a:ext cx="1233360" cy="2075040"/>
           </a:xfrm>
           <a:prstGeom prst="rect">
             <a:avLst/>
@@ -3376,18 +3169,15 @@
             <a:normAutofit/>
           </a:bodyPr>
           <a:p>
-            <a:endParaRPr b="0" lang="ru-RU" sz="2800" spc="-1" strike="noStrike">
-              <a:solidFill>
-                <a:srgbClr val="000000"/>
-              </a:solidFill>
-              <a:latin typeface="Calibri"/>
-            </a:endParaRPr>
-          </a:p>
-        </p:txBody>
-      </p:sp>
-      <p:sp>
-        <p:nvSpPr>
-          <p:cNvPr id="116" name="PlaceHolder 5"/>
+            <a:endParaRPr b="0" lang="en-US" sz="3200" spc="-1" strike="noStrike">
+              <a:latin typeface="Arial"/>
+            </a:endParaRPr>
+          </a:p>
+        </p:txBody>
+      </p:sp>
+      <p:sp>
+        <p:nvSpPr>
+          <p:cNvPr id="107" name="PlaceHolder 5"/>
           <p:cNvSpPr>
             <a:spLocks noGrp="1"/>
           </p:cNvSpPr>
@@ -3397,8 +3187,8 @@
         </p:nvSpPr>
         <p:spPr>
           <a:xfrm>
-            <a:off x="3493080" y="4098240"/>
-            <a:ext cx="2528280" cy="2075040"/>
+            <a:off x="2133360" y="4098240"/>
+            <a:ext cx="1233360" cy="2075040"/>
           </a:xfrm>
           <a:prstGeom prst="rect">
             <a:avLst/>
@@ -3409,11 +3199,8 @@
             <a:normAutofit/>
           </a:bodyPr>
           <a:p>
-            <a:endParaRPr b="0" lang="ru-RU" sz="2800" spc="-1" strike="noStrike">
-              <a:solidFill>
-                <a:srgbClr val="000000"/>
-              </a:solidFill>
-              <a:latin typeface="Calibri"/>
+            <a:endParaRPr b="0" lang="en-US" sz="3200" spc="-1" strike="noStrike">
+              <a:latin typeface="Arial"/>
             </a:endParaRPr>
           </a:p>
         </p:txBody>
@@ -3442,7 +3229,7 @@
       </p:grpSpPr>
       <p:sp>
         <p:nvSpPr>
-          <p:cNvPr id="117" name="PlaceHolder 1"/>
+          <p:cNvPr id="108" name="PlaceHolder 1"/>
           <p:cNvSpPr>
             <a:spLocks noGrp="1"/>
           </p:cNvSpPr>
@@ -3453,7 +3240,7 @@
         <p:spPr>
           <a:xfrm>
             <a:off x="838080" y="365040"/>
-            <a:ext cx="10515240" cy="1325160"/>
+            <a:ext cx="10514880" cy="1324800"/>
           </a:xfrm>
           <a:prstGeom prst="rect">
             <a:avLst/>
@@ -3464,18 +3251,16 @@
             <a:noAutofit/>
           </a:bodyPr>
           <a:p>
-            <a:endParaRPr b="0" lang="ru-RU" sz="1800" spc="-1" strike="noStrike">
-              <a:solidFill>
-                <a:srgbClr val="000000"/>
-              </a:solidFill>
-              <a:latin typeface="Calibri"/>
-            </a:endParaRPr>
-          </a:p>
-        </p:txBody>
-      </p:sp>
-      <p:sp>
-        <p:nvSpPr>
-          <p:cNvPr id="118" name="PlaceHolder 2"/>
+            <a:pPr algn="ctr"/>
+            <a:endParaRPr b="0" lang="en-US" sz="4400" spc="-1" strike="noStrike">
+              <a:latin typeface="Arial"/>
+            </a:endParaRPr>
+          </a:p>
+        </p:txBody>
+      </p:sp>
+      <p:sp>
+        <p:nvSpPr>
+          <p:cNvPr id="109" name="PlaceHolder 2"/>
           <p:cNvSpPr>
             <a:spLocks noGrp="1"/>
           </p:cNvSpPr>
@@ -3486,7 +3271,7 @@
         <p:spPr>
           <a:xfrm>
             <a:off x="838080" y="1825560"/>
-            <a:ext cx="1668240" cy="2075040"/>
+            <a:ext cx="813600" cy="2075040"/>
           </a:xfrm>
           <a:prstGeom prst="rect">
             <a:avLst/>
@@ -3494,21 +3279,18 @@
         </p:spPr>
         <p:txBody>
           <a:bodyPr lIns="0" rIns="0" tIns="0" bIns="0">
-            <a:normAutofit/>
-          </a:bodyPr>
-          <a:p>
-            <a:endParaRPr b="0" lang="ru-RU" sz="2800" spc="-1" strike="noStrike">
-              <a:solidFill>
-                <a:srgbClr val="000000"/>
-              </a:solidFill>
-              <a:latin typeface="Calibri"/>
-            </a:endParaRPr>
-          </a:p>
-        </p:txBody>
-      </p:sp>
-      <p:sp>
-        <p:nvSpPr>
-          <p:cNvPr id="119" name="PlaceHolder 3"/>
+            <a:normAutofit fontScale="26000"/>
+          </a:bodyPr>
+          <a:p>
+            <a:endParaRPr b="0" lang="en-US" sz="3200" spc="-1" strike="noStrike">
+              <a:latin typeface="Arial"/>
+            </a:endParaRPr>
+          </a:p>
+        </p:txBody>
+      </p:sp>
+      <p:sp>
+        <p:nvSpPr>
+          <p:cNvPr id="110" name="PlaceHolder 3"/>
           <p:cNvSpPr>
             <a:spLocks noGrp="1"/>
           </p:cNvSpPr>
@@ -3518,8 +3300,8 @@
         </p:nvSpPr>
         <p:spPr>
           <a:xfrm>
-            <a:off x="2590200" y="1825560"/>
-            <a:ext cx="1668240" cy="2075040"/>
+            <a:off x="1692720" y="1825560"/>
+            <a:ext cx="813600" cy="2075040"/>
           </a:xfrm>
           <a:prstGeom prst="rect">
             <a:avLst/>
@@ -3527,21 +3309,18 @@
         </p:spPr>
         <p:txBody>
           <a:bodyPr lIns="0" rIns="0" tIns="0" bIns="0">
-            <a:normAutofit/>
-          </a:bodyPr>
-          <a:p>
-            <a:endParaRPr b="0" lang="ru-RU" sz="2800" spc="-1" strike="noStrike">
-              <a:solidFill>
-                <a:srgbClr val="000000"/>
-              </a:solidFill>
-              <a:latin typeface="Calibri"/>
-            </a:endParaRPr>
-          </a:p>
-        </p:txBody>
-      </p:sp>
-      <p:sp>
-        <p:nvSpPr>
-          <p:cNvPr id="120" name="PlaceHolder 4"/>
+            <a:normAutofit fontScale="26000"/>
+          </a:bodyPr>
+          <a:p>
+            <a:endParaRPr b="0" lang="en-US" sz="3200" spc="-1" strike="noStrike">
+              <a:latin typeface="Arial"/>
+            </a:endParaRPr>
+          </a:p>
+        </p:txBody>
+      </p:sp>
+      <p:sp>
+        <p:nvSpPr>
+          <p:cNvPr id="111" name="PlaceHolder 4"/>
           <p:cNvSpPr>
             <a:spLocks noGrp="1"/>
           </p:cNvSpPr>
@@ -3551,8 +3330,8 @@
         </p:nvSpPr>
         <p:spPr>
           <a:xfrm>
-            <a:off x="4342320" y="1825560"/>
-            <a:ext cx="1668240" cy="2075040"/>
+            <a:off x="2547360" y="1825560"/>
+            <a:ext cx="813600" cy="2075040"/>
           </a:xfrm>
           <a:prstGeom prst="rect">
             <a:avLst/>
@@ -3560,21 +3339,18 @@
         </p:spPr>
         <p:txBody>
           <a:bodyPr lIns="0" rIns="0" tIns="0" bIns="0">
-            <a:normAutofit/>
-          </a:bodyPr>
-          <a:p>
-            <a:endParaRPr b="0" lang="ru-RU" sz="2800" spc="-1" strike="noStrike">
-              <a:solidFill>
-                <a:srgbClr val="000000"/>
-              </a:solidFill>
-              <a:latin typeface="Calibri"/>
-            </a:endParaRPr>
-          </a:p>
-        </p:txBody>
-      </p:sp>
-      <p:sp>
-        <p:nvSpPr>
-          <p:cNvPr id="121" name="PlaceHolder 5"/>
+            <a:normAutofit fontScale="26000"/>
+          </a:bodyPr>
+          <a:p>
+            <a:endParaRPr b="0" lang="en-US" sz="3200" spc="-1" strike="noStrike">
+              <a:latin typeface="Arial"/>
+            </a:endParaRPr>
+          </a:p>
+        </p:txBody>
+      </p:sp>
+      <p:sp>
+        <p:nvSpPr>
+          <p:cNvPr id="112" name="PlaceHolder 5"/>
           <p:cNvSpPr>
             <a:spLocks noGrp="1"/>
           </p:cNvSpPr>
@@ -3585,7 +3361,7 @@
         <p:spPr>
           <a:xfrm>
             <a:off x="838080" y="4098240"/>
-            <a:ext cx="1668240" cy="2075040"/>
+            <a:ext cx="813600" cy="2075040"/>
           </a:xfrm>
           <a:prstGeom prst="rect">
             <a:avLst/>
@@ -3593,21 +3369,18 @@
         </p:spPr>
         <p:txBody>
           <a:bodyPr lIns="0" rIns="0" tIns="0" bIns="0">
-            <a:normAutofit/>
-          </a:bodyPr>
-          <a:p>
-            <a:endParaRPr b="0" lang="ru-RU" sz="2800" spc="-1" strike="noStrike">
-              <a:solidFill>
-                <a:srgbClr val="000000"/>
-              </a:solidFill>
-              <a:latin typeface="Calibri"/>
-            </a:endParaRPr>
-          </a:p>
-        </p:txBody>
-      </p:sp>
-      <p:sp>
-        <p:nvSpPr>
-          <p:cNvPr id="122" name="PlaceHolder 6"/>
+            <a:normAutofit fontScale="26000"/>
+          </a:bodyPr>
+          <a:p>
+            <a:endParaRPr b="0" lang="en-US" sz="3200" spc="-1" strike="noStrike">
+              <a:latin typeface="Arial"/>
+            </a:endParaRPr>
+          </a:p>
+        </p:txBody>
+      </p:sp>
+      <p:sp>
+        <p:nvSpPr>
+          <p:cNvPr id="113" name="PlaceHolder 6"/>
           <p:cNvSpPr>
             <a:spLocks noGrp="1"/>
           </p:cNvSpPr>
@@ -3617,8 +3390,8 @@
         </p:nvSpPr>
         <p:spPr>
           <a:xfrm>
-            <a:off x="2590200" y="4098240"/>
-            <a:ext cx="1668240" cy="2075040"/>
+            <a:off x="1692720" y="4098240"/>
+            <a:ext cx="813600" cy="2075040"/>
           </a:xfrm>
           <a:prstGeom prst="rect">
             <a:avLst/>
@@ -3626,21 +3399,18 @@
         </p:spPr>
         <p:txBody>
           <a:bodyPr lIns="0" rIns="0" tIns="0" bIns="0">
-            <a:normAutofit/>
-          </a:bodyPr>
-          <a:p>
-            <a:endParaRPr b="0" lang="ru-RU" sz="2800" spc="-1" strike="noStrike">
-              <a:solidFill>
-                <a:srgbClr val="000000"/>
-              </a:solidFill>
-              <a:latin typeface="Calibri"/>
-            </a:endParaRPr>
-          </a:p>
-        </p:txBody>
-      </p:sp>
-      <p:sp>
-        <p:nvSpPr>
-          <p:cNvPr id="123" name="PlaceHolder 7"/>
+            <a:normAutofit fontScale="26000"/>
+          </a:bodyPr>
+          <a:p>
+            <a:endParaRPr b="0" lang="en-US" sz="3200" spc="-1" strike="noStrike">
+              <a:latin typeface="Arial"/>
+            </a:endParaRPr>
+          </a:p>
+        </p:txBody>
+      </p:sp>
+      <p:sp>
+        <p:nvSpPr>
+          <p:cNvPr id="114" name="PlaceHolder 7"/>
           <p:cNvSpPr>
             <a:spLocks noGrp="1"/>
           </p:cNvSpPr>
@@ -3650,8 +3420,8 @@
         </p:nvSpPr>
         <p:spPr>
           <a:xfrm>
-            <a:off x="4342320" y="4098240"/>
-            <a:ext cx="1668240" cy="2075040"/>
+            <a:off x="2547360" y="4098240"/>
+            <a:ext cx="813600" cy="2075040"/>
           </a:xfrm>
           <a:prstGeom prst="rect">
             <a:avLst/>
@@ -3659,14 +3429,11 @@
         </p:spPr>
         <p:txBody>
           <a:bodyPr lIns="0" rIns="0" tIns="0" bIns="0">
-            <a:normAutofit/>
-          </a:bodyPr>
-          <a:p>
-            <a:endParaRPr b="0" lang="ru-RU" sz="2800" spc="-1" strike="noStrike">
-              <a:solidFill>
-                <a:srgbClr val="000000"/>
-              </a:solidFill>
-              <a:latin typeface="Calibri"/>
+            <a:normAutofit fontScale="26000"/>
+          </a:bodyPr>
+          <a:p>
+            <a:endParaRPr b="0" lang="en-US" sz="3200" spc="-1" strike="noStrike">
+              <a:latin typeface="Arial"/>
             </a:endParaRPr>
           </a:p>
         </p:txBody>
@@ -3695,7 +3462,7 @@
       </p:grpSpPr>
       <p:sp>
         <p:nvSpPr>
-          <p:cNvPr id="9" name="PlaceHolder 1"/>
+          <p:cNvPr id="6" name="PlaceHolder 1"/>
           <p:cNvSpPr>
             <a:spLocks noGrp="1"/>
           </p:cNvSpPr>
@@ -3706,7 +3473,7 @@
         <p:spPr>
           <a:xfrm>
             <a:off x="838080" y="365040"/>
-            <a:ext cx="10515240" cy="1325160"/>
+            <a:ext cx="10514880" cy="1324800"/>
           </a:xfrm>
           <a:prstGeom prst="rect">
             <a:avLst/>
@@ -3717,18 +3484,16 @@
             <a:noAutofit/>
           </a:bodyPr>
           <a:p>
-            <a:endParaRPr b="0" lang="ru-RU" sz="1800" spc="-1" strike="noStrike">
-              <a:solidFill>
-                <a:srgbClr val="000000"/>
-              </a:solidFill>
-              <a:latin typeface="Calibri"/>
-            </a:endParaRPr>
-          </a:p>
-        </p:txBody>
-      </p:sp>
-      <p:sp>
-        <p:nvSpPr>
-          <p:cNvPr id="10" name="PlaceHolder 2"/>
+            <a:pPr algn="ctr"/>
+            <a:endParaRPr b="0" lang="en-US" sz="4400" spc="-1" strike="noStrike">
+              <a:latin typeface="Arial"/>
+            </a:endParaRPr>
+          </a:p>
+        </p:txBody>
+      </p:sp>
+      <p:sp>
+        <p:nvSpPr>
+          <p:cNvPr id="7" name="PlaceHolder 2"/>
           <p:cNvSpPr>
             <a:spLocks noGrp="1"/>
           </p:cNvSpPr>
@@ -3739,7 +3504,7 @@
         <p:spPr>
           <a:xfrm>
             <a:off x="838080" y="1825560"/>
-            <a:ext cx="2528280" cy="4350960"/>
+            <a:ext cx="1233360" cy="4350600"/>
           </a:xfrm>
           <a:prstGeom prst="rect">
             <a:avLst/>
@@ -3750,18 +3515,15 @@
             <a:normAutofit/>
           </a:bodyPr>
           <a:p>
-            <a:endParaRPr b="0" lang="ru-RU" sz="2800" spc="-1" strike="noStrike">
-              <a:solidFill>
-                <a:srgbClr val="000000"/>
-              </a:solidFill>
-              <a:latin typeface="Calibri"/>
-            </a:endParaRPr>
-          </a:p>
-        </p:txBody>
-      </p:sp>
-      <p:sp>
-        <p:nvSpPr>
-          <p:cNvPr id="11" name="PlaceHolder 3"/>
+            <a:endParaRPr b="0" lang="en-US" sz="3200" spc="-1" strike="noStrike">
+              <a:latin typeface="Arial"/>
+            </a:endParaRPr>
+          </a:p>
+        </p:txBody>
+      </p:sp>
+      <p:sp>
+        <p:nvSpPr>
+          <p:cNvPr id="8" name="PlaceHolder 3"/>
           <p:cNvSpPr>
             <a:spLocks noGrp="1"/>
           </p:cNvSpPr>
@@ -3771,8 +3533,8 @@
         </p:nvSpPr>
         <p:spPr>
           <a:xfrm>
-            <a:off x="3493080" y="1825560"/>
-            <a:ext cx="2528280" cy="4350960"/>
+            <a:off x="2133360" y="1825560"/>
+            <a:ext cx="1233360" cy="4350600"/>
           </a:xfrm>
           <a:prstGeom prst="rect">
             <a:avLst/>
@@ -3783,11 +3545,8 @@
             <a:normAutofit/>
           </a:bodyPr>
           <a:p>
-            <a:endParaRPr b="0" lang="ru-RU" sz="2800" spc="-1" strike="noStrike">
-              <a:solidFill>
-                <a:srgbClr val="000000"/>
-              </a:solidFill>
-              <a:latin typeface="Calibri"/>
+            <a:endParaRPr b="0" lang="en-US" sz="3200" spc="-1" strike="noStrike">
+              <a:latin typeface="Arial"/>
             </a:endParaRPr>
           </a:p>
         </p:txBody>
@@ -3816,7 +3575,7 @@
       </p:grpSpPr>
       <p:sp>
         <p:nvSpPr>
-          <p:cNvPr id="12" name="PlaceHolder 1"/>
+          <p:cNvPr id="9" name="PlaceHolder 1"/>
           <p:cNvSpPr>
             <a:spLocks noGrp="1"/>
           </p:cNvSpPr>
@@ -3827,7 +3586,7 @@
         <p:spPr>
           <a:xfrm>
             <a:off x="838080" y="365040"/>
-            <a:ext cx="10515240" cy="1325160"/>
+            <a:ext cx="10514880" cy="1324800"/>
           </a:xfrm>
           <a:prstGeom prst="rect">
             <a:avLst/>
@@ -3838,11 +3597,9 @@
             <a:noAutofit/>
           </a:bodyPr>
           <a:p>
-            <a:endParaRPr b="0" lang="ru-RU" sz="1800" spc="-1" strike="noStrike">
-              <a:solidFill>
-                <a:srgbClr val="000000"/>
-              </a:solidFill>
-              <a:latin typeface="Calibri"/>
+            <a:pPr algn="ctr"/>
+            <a:endParaRPr b="0" lang="en-US" sz="4400" spc="-1" strike="noStrike">
+              <a:latin typeface="Arial"/>
             </a:endParaRPr>
           </a:p>
         </p:txBody>
@@ -3871,7 +3628,7 @@
       </p:grpSpPr>
       <p:sp>
         <p:nvSpPr>
-          <p:cNvPr id="13" name="PlaceHolder 1"/>
+          <p:cNvPr id="10" name="PlaceHolder 1"/>
           <p:cNvSpPr>
             <a:spLocks noGrp="1"/>
           </p:cNvSpPr>
@@ -3882,7 +3639,7 @@
         <p:spPr>
           <a:xfrm>
             <a:off x="838080" y="365040"/>
-            <a:ext cx="10515240" cy="6144120"/>
+            <a:ext cx="10514880" cy="6142320"/>
           </a:xfrm>
           <a:prstGeom prst="rect">
             <a:avLst/>
@@ -3924,7 +3681,7 @@
       </p:grpSpPr>
       <p:sp>
         <p:nvSpPr>
-          <p:cNvPr id="14" name="PlaceHolder 1"/>
+          <p:cNvPr id="11" name="PlaceHolder 1"/>
           <p:cNvSpPr>
             <a:spLocks noGrp="1"/>
           </p:cNvSpPr>
@@ -3935,7 +3692,7 @@
         <p:spPr>
           <a:xfrm>
             <a:off x="838080" y="365040"/>
-            <a:ext cx="10515240" cy="1325160"/>
+            <a:ext cx="10514880" cy="1324800"/>
           </a:xfrm>
           <a:prstGeom prst="rect">
             <a:avLst/>
@@ -3946,18 +3703,16 @@
             <a:noAutofit/>
           </a:bodyPr>
           <a:p>
-            <a:endParaRPr b="0" lang="ru-RU" sz="1800" spc="-1" strike="noStrike">
-              <a:solidFill>
-                <a:srgbClr val="000000"/>
-              </a:solidFill>
-              <a:latin typeface="Calibri"/>
-            </a:endParaRPr>
-          </a:p>
-        </p:txBody>
-      </p:sp>
-      <p:sp>
-        <p:nvSpPr>
-          <p:cNvPr id="15" name="PlaceHolder 2"/>
+            <a:pPr algn="ctr"/>
+            <a:endParaRPr b="0" lang="en-US" sz="4400" spc="-1" strike="noStrike">
+              <a:latin typeface="Arial"/>
+            </a:endParaRPr>
+          </a:p>
+        </p:txBody>
+      </p:sp>
+      <p:sp>
+        <p:nvSpPr>
+          <p:cNvPr id="12" name="PlaceHolder 2"/>
           <p:cNvSpPr>
             <a:spLocks noGrp="1"/>
           </p:cNvSpPr>
@@ -3968,7 +3723,7 @@
         <p:spPr>
           <a:xfrm>
             <a:off x="838080" y="1825560"/>
-            <a:ext cx="2528280" cy="2075040"/>
+            <a:ext cx="1233360" cy="2075040"/>
           </a:xfrm>
           <a:prstGeom prst="rect">
             <a:avLst/>
@@ -3979,18 +3734,15 @@
             <a:normAutofit/>
           </a:bodyPr>
           <a:p>
-            <a:endParaRPr b="0" lang="ru-RU" sz="2800" spc="-1" strike="noStrike">
-              <a:solidFill>
-                <a:srgbClr val="000000"/>
-              </a:solidFill>
-              <a:latin typeface="Calibri"/>
-            </a:endParaRPr>
-          </a:p>
-        </p:txBody>
-      </p:sp>
-      <p:sp>
-        <p:nvSpPr>
-          <p:cNvPr id="16" name="PlaceHolder 3"/>
+            <a:endParaRPr b="0" lang="en-US" sz="3200" spc="-1" strike="noStrike">
+              <a:latin typeface="Arial"/>
+            </a:endParaRPr>
+          </a:p>
+        </p:txBody>
+      </p:sp>
+      <p:sp>
+        <p:nvSpPr>
+          <p:cNvPr id="13" name="PlaceHolder 3"/>
           <p:cNvSpPr>
             <a:spLocks noGrp="1"/>
           </p:cNvSpPr>
@@ -4000,8 +3752,8 @@
         </p:nvSpPr>
         <p:spPr>
           <a:xfrm>
-            <a:off x="3493080" y="1825560"/>
-            <a:ext cx="2528280" cy="4350960"/>
+            <a:off x="2133360" y="1825560"/>
+            <a:ext cx="1233360" cy="4350600"/>
           </a:xfrm>
           <a:prstGeom prst="rect">
             <a:avLst/>
@@ -4012,18 +3764,15 @@
             <a:normAutofit/>
           </a:bodyPr>
           <a:p>
-            <a:endParaRPr b="0" lang="ru-RU" sz="2800" spc="-1" strike="noStrike">
-              <a:solidFill>
-                <a:srgbClr val="000000"/>
-              </a:solidFill>
-              <a:latin typeface="Calibri"/>
-            </a:endParaRPr>
-          </a:p>
-        </p:txBody>
-      </p:sp>
-      <p:sp>
-        <p:nvSpPr>
-          <p:cNvPr id="17" name="PlaceHolder 4"/>
+            <a:endParaRPr b="0" lang="en-US" sz="3200" spc="-1" strike="noStrike">
+              <a:latin typeface="Arial"/>
+            </a:endParaRPr>
+          </a:p>
+        </p:txBody>
+      </p:sp>
+      <p:sp>
+        <p:nvSpPr>
+          <p:cNvPr id="14" name="PlaceHolder 4"/>
           <p:cNvSpPr>
             <a:spLocks noGrp="1"/>
           </p:cNvSpPr>
@@ -4034,7 +3783,7 @@
         <p:spPr>
           <a:xfrm>
             <a:off x="838080" y="4098240"/>
-            <a:ext cx="2528280" cy="2075040"/>
+            <a:ext cx="1233360" cy="2075040"/>
           </a:xfrm>
           <a:prstGeom prst="rect">
             <a:avLst/>
@@ -4045,11 +3794,8 @@
             <a:normAutofit/>
           </a:bodyPr>
           <a:p>
-            <a:endParaRPr b="0" lang="ru-RU" sz="2800" spc="-1" strike="noStrike">
-              <a:solidFill>
-                <a:srgbClr val="000000"/>
-              </a:solidFill>
-              <a:latin typeface="Calibri"/>
+            <a:endParaRPr b="0" lang="en-US" sz="3200" spc="-1" strike="noStrike">
+              <a:latin typeface="Arial"/>
             </a:endParaRPr>
           </a:p>
         </p:txBody>
@@ -4078,7 +3824,7 @@
       </p:grpSpPr>
       <p:sp>
         <p:nvSpPr>
-          <p:cNvPr id="18" name="PlaceHolder 1"/>
+          <p:cNvPr id="15" name="PlaceHolder 1"/>
           <p:cNvSpPr>
             <a:spLocks noGrp="1"/>
           </p:cNvSpPr>
@@ -4089,7 +3835,7 @@
         <p:spPr>
           <a:xfrm>
             <a:off x="838080" y="365040"/>
-            <a:ext cx="10515240" cy="1325160"/>
+            <a:ext cx="10514880" cy="1324800"/>
           </a:xfrm>
           <a:prstGeom prst="rect">
             <a:avLst/>
@@ -4100,18 +3846,16 @@
             <a:noAutofit/>
           </a:bodyPr>
           <a:p>
-            <a:endParaRPr b="0" lang="ru-RU" sz="1800" spc="-1" strike="noStrike">
-              <a:solidFill>
-                <a:srgbClr val="000000"/>
-              </a:solidFill>
-              <a:latin typeface="Calibri"/>
-            </a:endParaRPr>
-          </a:p>
-        </p:txBody>
-      </p:sp>
-      <p:sp>
-        <p:nvSpPr>
-          <p:cNvPr id="19" name="PlaceHolder 2"/>
+            <a:pPr algn="ctr"/>
+            <a:endParaRPr b="0" lang="en-US" sz="4400" spc="-1" strike="noStrike">
+              <a:latin typeface="Arial"/>
+            </a:endParaRPr>
+          </a:p>
+        </p:txBody>
+      </p:sp>
+      <p:sp>
+        <p:nvSpPr>
+          <p:cNvPr id="16" name="PlaceHolder 2"/>
           <p:cNvSpPr>
             <a:spLocks noGrp="1"/>
           </p:cNvSpPr>
@@ -4122,7 +3866,7 @@
         <p:spPr>
           <a:xfrm>
             <a:off x="838080" y="1825560"/>
-            <a:ext cx="2528280" cy="4350960"/>
+            <a:ext cx="1233360" cy="4350600"/>
           </a:xfrm>
           <a:prstGeom prst="rect">
             <a:avLst/>
@@ -4133,18 +3877,15 @@
             <a:normAutofit/>
           </a:bodyPr>
           <a:p>
-            <a:endParaRPr b="0" lang="ru-RU" sz="2800" spc="-1" strike="noStrike">
-              <a:solidFill>
-                <a:srgbClr val="000000"/>
-              </a:solidFill>
-              <a:latin typeface="Calibri"/>
-            </a:endParaRPr>
-          </a:p>
-        </p:txBody>
-      </p:sp>
-      <p:sp>
-        <p:nvSpPr>
-          <p:cNvPr id="20" name="PlaceHolder 3"/>
+            <a:endParaRPr b="0" lang="en-US" sz="3200" spc="-1" strike="noStrike">
+              <a:latin typeface="Arial"/>
+            </a:endParaRPr>
+          </a:p>
+        </p:txBody>
+      </p:sp>
+      <p:sp>
+        <p:nvSpPr>
+          <p:cNvPr id="17" name="PlaceHolder 3"/>
           <p:cNvSpPr>
             <a:spLocks noGrp="1"/>
           </p:cNvSpPr>
@@ -4154,8 +3895,8 @@
         </p:nvSpPr>
         <p:spPr>
           <a:xfrm>
-            <a:off x="3493080" y="1825560"/>
-            <a:ext cx="2528280" cy="2075040"/>
+            <a:off x="2133360" y="1825560"/>
+            <a:ext cx="1233360" cy="2075040"/>
           </a:xfrm>
           <a:prstGeom prst="rect">
             <a:avLst/>
@@ -4166,18 +3907,15 @@
             <a:normAutofit/>
           </a:bodyPr>
           <a:p>
-            <a:endParaRPr b="0" lang="ru-RU" sz="2800" spc="-1" strike="noStrike">
-              <a:solidFill>
-                <a:srgbClr val="000000"/>
-              </a:solidFill>
-              <a:latin typeface="Calibri"/>
-            </a:endParaRPr>
-          </a:p>
-        </p:txBody>
-      </p:sp>
-      <p:sp>
-        <p:nvSpPr>
-          <p:cNvPr id="21" name="PlaceHolder 4"/>
+            <a:endParaRPr b="0" lang="en-US" sz="3200" spc="-1" strike="noStrike">
+              <a:latin typeface="Arial"/>
+            </a:endParaRPr>
+          </a:p>
+        </p:txBody>
+      </p:sp>
+      <p:sp>
+        <p:nvSpPr>
+          <p:cNvPr id="18" name="PlaceHolder 4"/>
           <p:cNvSpPr>
             <a:spLocks noGrp="1"/>
           </p:cNvSpPr>
@@ -4187,8 +3925,8 @@
         </p:nvSpPr>
         <p:spPr>
           <a:xfrm>
-            <a:off x="3493080" y="4098240"/>
-            <a:ext cx="2528280" cy="2075040"/>
+            <a:off x="2133360" y="4098240"/>
+            <a:ext cx="1233360" cy="2075040"/>
           </a:xfrm>
           <a:prstGeom prst="rect">
             <a:avLst/>
@@ -4199,11 +3937,8 @@
             <a:normAutofit/>
           </a:bodyPr>
           <a:p>
-            <a:endParaRPr b="0" lang="ru-RU" sz="2800" spc="-1" strike="noStrike">
-              <a:solidFill>
-                <a:srgbClr val="000000"/>
-              </a:solidFill>
-              <a:latin typeface="Calibri"/>
+            <a:endParaRPr b="0" lang="en-US" sz="3200" spc="-1" strike="noStrike">
+              <a:latin typeface="Arial"/>
             </a:endParaRPr>
           </a:p>
         </p:txBody>
@@ -4232,7 +3967,7 @@
       </p:grpSpPr>
       <p:sp>
         <p:nvSpPr>
-          <p:cNvPr id="22" name="PlaceHolder 1"/>
+          <p:cNvPr id="19" name="PlaceHolder 1"/>
           <p:cNvSpPr>
             <a:spLocks noGrp="1"/>
           </p:cNvSpPr>
@@ -4243,7 +3978,7 @@
         <p:spPr>
           <a:xfrm>
             <a:off x="838080" y="365040"/>
-            <a:ext cx="10515240" cy="1325160"/>
+            <a:ext cx="10514880" cy="1324800"/>
           </a:xfrm>
           <a:prstGeom prst="rect">
             <a:avLst/>
@@ -4254,18 +3989,16 @@
             <a:noAutofit/>
           </a:bodyPr>
           <a:p>
-            <a:endParaRPr b="0" lang="ru-RU" sz="1800" spc="-1" strike="noStrike">
-              <a:solidFill>
-                <a:srgbClr val="000000"/>
-              </a:solidFill>
-              <a:latin typeface="Calibri"/>
-            </a:endParaRPr>
-          </a:p>
-        </p:txBody>
-      </p:sp>
-      <p:sp>
-        <p:nvSpPr>
-          <p:cNvPr id="23" name="PlaceHolder 2"/>
+            <a:pPr algn="ctr"/>
+            <a:endParaRPr b="0" lang="en-US" sz="4400" spc="-1" strike="noStrike">
+              <a:latin typeface="Arial"/>
+            </a:endParaRPr>
+          </a:p>
+        </p:txBody>
+      </p:sp>
+      <p:sp>
+        <p:nvSpPr>
+          <p:cNvPr id="20" name="PlaceHolder 2"/>
           <p:cNvSpPr>
             <a:spLocks noGrp="1"/>
           </p:cNvSpPr>
@@ -4276,7 +4009,7 @@
         <p:spPr>
           <a:xfrm>
             <a:off x="838080" y="1825560"/>
-            <a:ext cx="2528280" cy="2075040"/>
+            <a:ext cx="1233360" cy="2075040"/>
           </a:xfrm>
           <a:prstGeom prst="rect">
             <a:avLst/>
@@ -4287,18 +4020,15 @@
             <a:normAutofit/>
           </a:bodyPr>
           <a:p>
-            <a:endParaRPr b="0" lang="ru-RU" sz="2800" spc="-1" strike="noStrike">
-              <a:solidFill>
-                <a:srgbClr val="000000"/>
-              </a:solidFill>
-              <a:latin typeface="Calibri"/>
-            </a:endParaRPr>
-          </a:p>
-        </p:txBody>
-      </p:sp>
-      <p:sp>
-        <p:nvSpPr>
-          <p:cNvPr id="24" name="PlaceHolder 3"/>
+            <a:endParaRPr b="0" lang="en-US" sz="3200" spc="-1" strike="noStrike">
+              <a:latin typeface="Arial"/>
+            </a:endParaRPr>
+          </a:p>
+        </p:txBody>
+      </p:sp>
+      <p:sp>
+        <p:nvSpPr>
+          <p:cNvPr id="21" name="PlaceHolder 3"/>
           <p:cNvSpPr>
             <a:spLocks noGrp="1"/>
           </p:cNvSpPr>
@@ -4308,8 +4038,8 @@
         </p:nvSpPr>
         <p:spPr>
           <a:xfrm>
-            <a:off x="3493080" y="1825560"/>
-            <a:ext cx="2528280" cy="2075040"/>
+            <a:off x="2133360" y="1825560"/>
+            <a:ext cx="1233360" cy="2075040"/>
           </a:xfrm>
           <a:prstGeom prst="rect">
             <a:avLst/>
@@ -4320,18 +4050,15 @@
             <a:normAutofit/>
           </a:bodyPr>
           <a:p>
-            <a:endParaRPr b="0" lang="ru-RU" sz="2800" spc="-1" strike="noStrike">
-              <a:solidFill>
-                <a:srgbClr val="000000"/>
-              </a:solidFill>
-              <a:latin typeface="Calibri"/>
-            </a:endParaRPr>
-          </a:p>
-        </p:txBody>
-      </p:sp>
-      <p:sp>
-        <p:nvSpPr>
-          <p:cNvPr id="25" name="PlaceHolder 4"/>
+            <a:endParaRPr b="0" lang="en-US" sz="3200" spc="-1" strike="noStrike">
+              <a:latin typeface="Arial"/>
+            </a:endParaRPr>
+          </a:p>
+        </p:txBody>
+      </p:sp>
+      <p:sp>
+        <p:nvSpPr>
+          <p:cNvPr id="22" name="PlaceHolder 4"/>
           <p:cNvSpPr>
             <a:spLocks noGrp="1"/>
           </p:cNvSpPr>
@@ -4342,7 +4069,7 @@
         <p:spPr>
           <a:xfrm>
             <a:off x="838080" y="4098240"/>
-            <a:ext cx="5181120" cy="2075040"/>
+            <a:ext cx="2527920" cy="2075040"/>
           </a:xfrm>
           <a:prstGeom prst="rect">
             <a:avLst/>
@@ -4353,11 +4080,8 @@
             <a:normAutofit/>
           </a:bodyPr>
           <a:p>
-            <a:endParaRPr b="0" lang="ru-RU" sz="2800" spc="-1" strike="noStrike">
-              <a:solidFill>
-                <a:srgbClr val="000000"/>
-              </a:solidFill>
-              <a:latin typeface="Calibri"/>
+            <a:endParaRPr b="0" lang="en-US" sz="3200" spc="-1" strike="noStrike">
+              <a:latin typeface="Arial"/>
             </a:endParaRPr>
           </a:p>
         </p:txBody>
@@ -4403,37 +4127,27 @@
         </p:nvSpPr>
         <p:spPr>
           <a:xfrm>
-            <a:off x="1523880" y="1122480"/>
-            <a:ext cx="9143640" cy="2387160"/>
-          </a:xfrm>
-          <a:prstGeom prst="rect">
-            <a:avLst/>
-          </a:prstGeom>
-        </p:spPr>
-        <p:txBody>
-          <a:bodyPr anchor="b">
+            <a:off x="838080" y="365040"/>
+            <a:ext cx="10514880" cy="1324800"/>
+          </a:xfrm>
+          <a:prstGeom prst="rect">
+            <a:avLst/>
+          </a:prstGeom>
+        </p:spPr>
+        <p:txBody>
+          <a:bodyPr lIns="0" rIns="0" tIns="0" bIns="0" anchor="ctr">
             <a:noAutofit/>
           </a:bodyPr>
           <a:p>
-            <a:pPr algn="ctr">
-              <a:lnSpc>
-                <a:spcPct val="90000"/>
-              </a:lnSpc>
-            </a:pPr>
-            <a:r>
-              <a:rPr b="0" lang="ru-RU" sz="6000" spc="-1" strike="noStrike">
-                <a:solidFill>
-                  <a:srgbClr val="000000"/>
-                </a:solidFill>
-                <a:latin typeface="Calibri Light"/>
-              </a:rPr>
-              <a:t>Образец заголовка</a:t>
-            </a:r>
-            <a:endParaRPr b="0" lang="ru-RU" sz="6000" spc="-1" strike="noStrike">
-              <a:solidFill>
-                <a:srgbClr val="000000"/>
-              </a:solidFill>
-              <a:latin typeface="Calibri"/>
+            <a:pPr algn="ctr"/>
+            <a:r>
+              <a:rPr b="0" lang="en-US" sz="1800" spc="-1" strike="noStrike">
+                <a:latin typeface="Arial"/>
+              </a:rPr>
+              <a:t>Click to edit the title text format</a:t>
+            </a:r>
+            <a:endParaRPr b="0" lang="en-US" sz="1800" spc="-1" strike="noStrike">
+              <a:latin typeface="Arial"/>
             </a:endParaRPr>
           </a:p>
         </p:txBody>
@@ -4441,138 +4155,6 @@
       <p:sp>
         <p:nvSpPr>
           <p:cNvPr id="1" name="PlaceHolder 2"/>
-          <p:cNvSpPr>
-            <a:spLocks noGrp="1"/>
-          </p:cNvSpPr>
-          <p:nvPr>
-            <p:ph type="dt"/>
-          </p:nvPr>
-        </p:nvSpPr>
-        <p:spPr>
-          <a:xfrm>
-            <a:off x="838080" y="6356520"/>
-            <a:ext cx="2742840" cy="364680"/>
-          </a:xfrm>
-          <a:prstGeom prst="rect">
-            <a:avLst/>
-          </a:prstGeom>
-        </p:spPr>
-        <p:txBody>
-          <a:bodyPr anchor="ctr">
-            <a:noAutofit/>
-          </a:bodyPr>
-          <a:p>
-            <a:pPr>
-              <a:lnSpc>
-                <a:spcPct val="100000"/>
-              </a:lnSpc>
-            </a:pPr>
-            <a:fld id="{15E6665C-3AF4-423A-8F37-C6EC63ECD672}" type="datetime1">
-              <a:rPr b="0" lang="ru-RU" sz="1200" spc="-1" strike="noStrike">
-                <a:solidFill>
-                  <a:srgbClr val="8b8b8b"/>
-                </a:solidFill>
-                <a:latin typeface="Calibri"/>
-              </a:rPr>
-              <a:t>03.11.2020</a:t>
-            </a:fld>
-            <a:endParaRPr b="0" lang="en-US" sz="1200" spc="-1" strike="noStrike">
-              <a:latin typeface="Times New Roman"/>
-            </a:endParaRPr>
-          </a:p>
-        </p:txBody>
-      </p:sp>
-      <p:sp>
-        <p:nvSpPr>
-          <p:cNvPr id="2" name="PlaceHolder 3"/>
-          <p:cNvSpPr>
-            <a:spLocks noGrp="1"/>
-          </p:cNvSpPr>
-          <p:nvPr>
-            <p:ph type="ftr"/>
-          </p:nvPr>
-        </p:nvSpPr>
-        <p:spPr>
-          <a:xfrm>
-            <a:off x="4038480" y="6356520"/>
-            <a:ext cx="4114440" cy="364680"/>
-          </a:xfrm>
-          <a:prstGeom prst="rect">
-            <a:avLst/>
-          </a:prstGeom>
-        </p:spPr>
-        <p:txBody>
-          <a:bodyPr anchor="ctr">
-            <a:noAutofit/>
-          </a:bodyPr>
-          <a:p>
-            <a:pPr algn="ctr">
-              <a:lnSpc>
-                <a:spcPct val="100000"/>
-              </a:lnSpc>
-            </a:pPr>
-            <a:r>
-              <a:rPr b="0" lang="en-US" sz="1200" spc="-1" strike="noStrike">
-                <a:solidFill>
-                  <a:srgbClr val="8b8b8b"/>
-                </a:solidFill>
-                <a:latin typeface="Calibri"/>
-              </a:rPr>
-              <a:t>MagDAHomeWork_2020</a:t>
-            </a:r>
-            <a:endParaRPr b="0" lang="en-US" sz="1200" spc="-1" strike="noStrike">
-              <a:latin typeface="Times New Roman"/>
-            </a:endParaRPr>
-          </a:p>
-        </p:txBody>
-      </p:sp>
-      <p:sp>
-        <p:nvSpPr>
-          <p:cNvPr id="3" name="PlaceHolder 4"/>
-          <p:cNvSpPr>
-            <a:spLocks noGrp="1"/>
-          </p:cNvSpPr>
-          <p:nvPr>
-            <p:ph type="sldNum"/>
-          </p:nvPr>
-        </p:nvSpPr>
-        <p:spPr>
-          <a:xfrm>
-            <a:off x="8610480" y="6356520"/>
-            <a:ext cx="2742840" cy="364680"/>
-          </a:xfrm>
-          <a:prstGeom prst="rect">
-            <a:avLst/>
-          </a:prstGeom>
-        </p:spPr>
-        <p:txBody>
-          <a:bodyPr anchor="ctr">
-            <a:noAutofit/>
-          </a:bodyPr>
-          <a:p>
-            <a:pPr algn="r">
-              <a:lnSpc>
-                <a:spcPct val="100000"/>
-              </a:lnSpc>
-            </a:pPr>
-            <a:fld id="{1E7ACCF2-AAF4-4DFB-AB1B-237D35CB5635}" type="slidenum">
-              <a:rPr b="0" lang="ru-RU" sz="1200" spc="-1" strike="noStrike">
-                <a:solidFill>
-                  <a:srgbClr val="8b8b8b"/>
-                </a:solidFill>
-                <a:latin typeface="Calibri"/>
-              </a:rPr>
-              <a:t>10</a:t>
-            </a:fld>
-            <a:endParaRPr b="0" lang="en-US" sz="1200" spc="-1" strike="noStrike">
-              <a:latin typeface="Times New Roman"/>
-            </a:endParaRPr>
-          </a:p>
-        </p:txBody>
-      </p:sp>
-      <p:sp>
-        <p:nvSpPr>
-          <p:cNvPr id="4" name="PlaceHolder 5"/>
           <p:cNvSpPr>
             <a:spLocks noGrp="1"/>
           </p:cNvSpPr>
@@ -4606,19 +4188,13 @@
               <a:buChar char=""/>
             </a:pPr>
             <a:r>
-              <a:rPr b="0" lang="ru-RU" sz="2800" spc="-1" strike="noStrike">
-                <a:solidFill>
-                  <a:srgbClr val="000000"/>
-                </a:solidFill>
-                <a:latin typeface="Calibri"/>
+              <a:rPr b="0" lang="en-US" sz="3200" spc="-1" strike="noStrike">
+                <a:latin typeface="Arial"/>
               </a:rPr>
               <a:t>Click to edit the outline text format</a:t>
             </a:r>
-            <a:endParaRPr b="0" lang="ru-RU" sz="2800" spc="-1" strike="noStrike">
-              <a:solidFill>
-                <a:srgbClr val="000000"/>
-              </a:solidFill>
-              <a:latin typeface="Calibri"/>
+            <a:endParaRPr b="0" lang="en-US" sz="3200" spc="-1" strike="noStrike">
+              <a:latin typeface="Arial"/>
             </a:endParaRPr>
           </a:p>
           <a:p>
@@ -4634,19 +4210,13 @@
               <a:buChar char=""/>
             </a:pPr>
             <a:r>
-              <a:rPr b="0" lang="ru-RU" sz="2000" spc="-1" strike="noStrike">
-                <a:solidFill>
-                  <a:srgbClr val="000000"/>
-                </a:solidFill>
-                <a:latin typeface="Calibri"/>
+              <a:rPr b="0" lang="en-US" sz="2800" spc="-1" strike="noStrike">
+                <a:latin typeface="Arial"/>
               </a:rPr>
               <a:t>Second Outline Level</a:t>
             </a:r>
-            <a:endParaRPr b="0" lang="ru-RU" sz="2000" spc="-1" strike="noStrike">
-              <a:solidFill>
-                <a:srgbClr val="000000"/>
-              </a:solidFill>
-              <a:latin typeface="Calibri"/>
+            <a:endParaRPr b="0" lang="en-US" sz="2800" spc="-1" strike="noStrike">
+              <a:latin typeface="Arial"/>
             </a:endParaRPr>
           </a:p>
           <a:p>
@@ -4662,19 +4232,13 @@
               <a:buChar char=""/>
             </a:pPr>
             <a:r>
-              <a:rPr b="0" lang="ru-RU" sz="1800" spc="-1" strike="noStrike">
-                <a:solidFill>
-                  <a:srgbClr val="000000"/>
-                </a:solidFill>
-                <a:latin typeface="Calibri"/>
+              <a:rPr b="0" lang="en-US" sz="2400" spc="-1" strike="noStrike">
+                <a:latin typeface="Arial"/>
               </a:rPr>
               <a:t>Third Outline Level</a:t>
             </a:r>
-            <a:endParaRPr b="0" lang="ru-RU" sz="1800" spc="-1" strike="noStrike">
-              <a:solidFill>
-                <a:srgbClr val="000000"/>
-              </a:solidFill>
-              <a:latin typeface="Calibri"/>
+            <a:endParaRPr b="0" lang="en-US" sz="2400" spc="-1" strike="noStrike">
+              <a:latin typeface="Arial"/>
             </a:endParaRPr>
           </a:p>
           <a:p>
@@ -4690,19 +4254,13 @@
               <a:buChar char=""/>
             </a:pPr>
             <a:r>
-              <a:rPr b="0" lang="ru-RU" sz="1800" spc="-1" strike="noStrike">
-                <a:solidFill>
-                  <a:srgbClr val="000000"/>
-                </a:solidFill>
-                <a:latin typeface="Calibri"/>
+              <a:rPr b="0" lang="en-US" sz="2000" spc="-1" strike="noStrike">
+                <a:latin typeface="Arial"/>
               </a:rPr>
               <a:t>Fourth Outline Level</a:t>
             </a:r>
-            <a:endParaRPr b="0" lang="ru-RU" sz="1800" spc="-1" strike="noStrike">
-              <a:solidFill>
-                <a:srgbClr val="000000"/>
-              </a:solidFill>
-              <a:latin typeface="Calibri"/>
+            <a:endParaRPr b="0" lang="en-US" sz="2000" spc="-1" strike="noStrike">
+              <a:latin typeface="Arial"/>
             </a:endParaRPr>
           </a:p>
           <a:p>
@@ -4718,19 +4276,13 @@
               <a:buChar char=""/>
             </a:pPr>
             <a:r>
-              <a:rPr b="0" lang="ru-RU" sz="2000" spc="-1" strike="noStrike">
-                <a:solidFill>
-                  <a:srgbClr val="000000"/>
-                </a:solidFill>
-                <a:latin typeface="Calibri"/>
+              <a:rPr b="0" lang="en-US" sz="2000" spc="-1" strike="noStrike">
+                <a:latin typeface="Arial"/>
               </a:rPr>
               <a:t>Fifth Outline Level</a:t>
             </a:r>
-            <a:endParaRPr b="0" lang="ru-RU" sz="2000" spc="-1" strike="noStrike">
-              <a:solidFill>
-                <a:srgbClr val="000000"/>
-              </a:solidFill>
-              <a:latin typeface="Calibri"/>
+            <a:endParaRPr b="0" lang="en-US" sz="2000" spc="-1" strike="noStrike">
+              <a:latin typeface="Arial"/>
             </a:endParaRPr>
           </a:p>
           <a:p>
@@ -4746,19 +4298,13 @@
               <a:buChar char=""/>
             </a:pPr>
             <a:r>
-              <a:rPr b="0" lang="ru-RU" sz="2000" spc="-1" strike="noStrike">
-                <a:solidFill>
-                  <a:srgbClr val="000000"/>
-                </a:solidFill>
-                <a:latin typeface="Calibri"/>
+              <a:rPr b="0" lang="en-US" sz="2000" spc="-1" strike="noStrike">
+                <a:latin typeface="Arial"/>
               </a:rPr>
               <a:t>Sixth Outline Level</a:t>
             </a:r>
-            <a:endParaRPr b="0" lang="ru-RU" sz="2000" spc="-1" strike="noStrike">
-              <a:solidFill>
-                <a:srgbClr val="000000"/>
-              </a:solidFill>
-              <a:latin typeface="Calibri"/>
+            <a:endParaRPr b="0" lang="en-US" sz="2000" spc="-1" strike="noStrike">
+              <a:latin typeface="Arial"/>
             </a:endParaRPr>
           </a:p>
           <a:p>
@@ -4774,19 +4320,13 @@
               <a:buChar char=""/>
             </a:pPr>
             <a:r>
-              <a:rPr b="0" lang="ru-RU" sz="2000" spc="-1" strike="noStrike">
-                <a:solidFill>
-                  <a:srgbClr val="000000"/>
-                </a:solidFill>
-                <a:latin typeface="Calibri"/>
+              <a:rPr b="0" lang="en-US" sz="2000" spc="-1" strike="noStrike">
+                <a:latin typeface="Arial"/>
               </a:rPr>
               <a:t>Seventh Outline Level</a:t>
             </a:r>
-            <a:endParaRPr b="0" lang="ru-RU" sz="2000" spc="-1" strike="noStrike">
-              <a:solidFill>
-                <a:srgbClr val="000000"/>
-              </a:solidFill>
-              <a:latin typeface="Calibri"/>
+            <a:endParaRPr b="0" lang="en-US" sz="2000" spc="-1" strike="noStrike">
+              <a:latin typeface="Arial"/>
             </a:endParaRPr>
           </a:p>
         </p:txBody>
@@ -4837,7 +4377,7 @@
       </p:grpSpPr>
       <p:sp>
         <p:nvSpPr>
-          <p:cNvPr id="41" name="PlaceHolder 1"/>
+          <p:cNvPr id="38" name="PlaceHolder 1"/>
           <p:cNvSpPr>
             <a:spLocks noGrp="1"/>
           </p:cNvSpPr>
@@ -4848,43 +4388,33 @@
         <p:spPr>
           <a:xfrm>
             <a:off x="838080" y="365040"/>
-            <a:ext cx="10515240" cy="1325160"/>
-          </a:xfrm>
-          <a:prstGeom prst="rect">
-            <a:avLst/>
-          </a:prstGeom>
-        </p:spPr>
-        <p:txBody>
-          <a:bodyPr anchor="ctr">
+            <a:ext cx="10514880" cy="1324800"/>
+          </a:xfrm>
+          <a:prstGeom prst="rect">
+            <a:avLst/>
+          </a:prstGeom>
+        </p:spPr>
+        <p:txBody>
+          <a:bodyPr lIns="0" rIns="0" tIns="0" bIns="0" anchor="ctr">
             <a:noAutofit/>
           </a:bodyPr>
           <a:p>
-            <a:pPr>
-              <a:lnSpc>
-                <a:spcPct val="90000"/>
-              </a:lnSpc>
-            </a:pPr>
-            <a:r>
-              <a:rPr b="0" lang="ru-RU" sz="4400" spc="-1" strike="noStrike">
-                <a:solidFill>
-                  <a:srgbClr val="000000"/>
-                </a:solidFill>
-                <a:latin typeface="Calibri Light"/>
-              </a:rPr>
-              <a:t>Образец заголовка</a:t>
-            </a:r>
-            <a:endParaRPr b="0" lang="ru-RU" sz="4400" spc="-1" strike="noStrike">
-              <a:solidFill>
-                <a:srgbClr val="000000"/>
-              </a:solidFill>
-              <a:latin typeface="Calibri"/>
-            </a:endParaRPr>
-          </a:p>
-        </p:txBody>
-      </p:sp>
-      <p:sp>
-        <p:nvSpPr>
-          <p:cNvPr id="42" name="PlaceHolder 2"/>
+            <a:pPr algn="ctr"/>
+            <a:r>
+              <a:rPr b="0" lang="en-US" sz="1800" spc="-1" strike="noStrike">
+                <a:latin typeface="Arial"/>
+              </a:rPr>
+              <a:t>Click to edit the title text format</a:t>
+            </a:r>
+            <a:endParaRPr b="0" lang="en-US" sz="1800" spc="-1" strike="noStrike">
+              <a:latin typeface="Arial"/>
+            </a:endParaRPr>
+          </a:p>
+        </p:txBody>
+      </p:sp>
+      <p:sp>
+        <p:nvSpPr>
+          <p:cNvPr id="39" name="PlaceHolder 2"/>
           <p:cNvSpPr>
             <a:spLocks noGrp="1"/>
           </p:cNvSpPr>
@@ -4895,471 +4425,347 @@
         <p:spPr>
           <a:xfrm>
             <a:off x="838080" y="1825560"/>
-            <a:ext cx="5181120" cy="4350960"/>
-          </a:xfrm>
-          <a:prstGeom prst="rect">
-            <a:avLst/>
-          </a:prstGeom>
-        </p:spPr>
-        <p:txBody>
-          <a:bodyPr>
-            <a:noAutofit/>
-          </a:bodyPr>
-          <a:p>
-            <a:pPr marL="228600" indent="-228240">
-              <a:lnSpc>
-                <a:spcPct val="90000"/>
-              </a:lnSpc>
+            <a:ext cx="2527920" cy="4350600"/>
+          </a:xfrm>
+          <a:prstGeom prst="rect">
+            <a:avLst/>
+          </a:prstGeom>
+        </p:spPr>
+        <p:txBody>
+          <a:bodyPr lIns="0" rIns="0" tIns="0" bIns="0">
+            <a:normAutofit fontScale="15000"/>
+          </a:bodyPr>
+          <a:p>
+            <a:pPr marL="432000" indent="-324000" algn="ctr">
               <a:spcBef>
-                <a:spcPts val="1001"/>
+                <a:spcPts val="1417"/>
               </a:spcBef>
               <a:buClr>
                 <a:srgbClr val="000000"/>
               </a:buClr>
-              <a:buFont typeface="Arial"/>
-              <a:buChar char="•"/>
-            </a:pPr>
-            <a:r>
-              <a:rPr b="0" lang="ru-RU" sz="2800" spc="-1" strike="noStrike">
-                <a:solidFill>
-                  <a:srgbClr val="000000"/>
-                </a:solidFill>
-                <a:latin typeface="Calibri"/>
-              </a:rPr>
-              <a:t>Образец текста</a:t>
-            </a:r>
-            <a:endParaRPr b="0" lang="ru-RU" sz="2800" spc="-1" strike="noStrike">
-              <a:solidFill>
-                <a:srgbClr val="000000"/>
-              </a:solidFill>
-              <a:latin typeface="Calibri"/>
-            </a:endParaRPr>
-          </a:p>
-          <a:p>
-            <a:pPr lvl="1" marL="685800" indent="-228240">
-              <a:lnSpc>
-                <a:spcPct val="90000"/>
-              </a:lnSpc>
+              <a:buSzPct val="45000"/>
+              <a:buFont typeface="Wingdings" charset="2"/>
+              <a:buChar char=""/>
+            </a:pPr>
+            <a:r>
+              <a:rPr b="0" lang="en-US" sz="1800" spc="-1" strike="noStrike">
+                <a:latin typeface="Arial"/>
+              </a:rPr>
+              <a:t>Click to edit the outline text format</a:t>
+            </a:r>
+            <a:endParaRPr b="0" lang="en-US" sz="1800" spc="-1" strike="noStrike">
+              <a:latin typeface="Arial"/>
+            </a:endParaRPr>
+          </a:p>
+          <a:p>
+            <a:pPr lvl="1" marL="864000" indent="-324000" algn="ctr">
               <a:spcBef>
-                <a:spcPts val="499"/>
+                <a:spcPts val="1134"/>
               </a:spcBef>
               <a:buClr>
                 <a:srgbClr val="000000"/>
               </a:buClr>
-              <a:buFont typeface="Arial"/>
-              <a:buChar char="•"/>
-            </a:pPr>
-            <a:r>
-              <a:rPr b="0" lang="ru-RU" sz="2400" spc="-1" strike="noStrike">
-                <a:solidFill>
-                  <a:srgbClr val="000000"/>
-                </a:solidFill>
-                <a:latin typeface="Calibri"/>
-              </a:rPr>
-              <a:t>Второй уровень</a:t>
-            </a:r>
-            <a:endParaRPr b="0" lang="ru-RU" sz="2400" spc="-1" strike="noStrike">
-              <a:solidFill>
-                <a:srgbClr val="000000"/>
-              </a:solidFill>
-              <a:latin typeface="Calibri"/>
-            </a:endParaRPr>
-          </a:p>
-          <a:p>
-            <a:pPr lvl="2" marL="1143000" indent="-228240">
-              <a:lnSpc>
-                <a:spcPct val="90000"/>
-              </a:lnSpc>
+              <a:buSzPct val="75000"/>
+              <a:buFont typeface="Symbol" charset="2"/>
+              <a:buChar char=""/>
+            </a:pPr>
+            <a:r>
+              <a:rPr b="0" lang="en-US" sz="1800" spc="-1" strike="noStrike">
+                <a:latin typeface="Arial"/>
+              </a:rPr>
+              <a:t>Second Outline Level</a:t>
+            </a:r>
+            <a:endParaRPr b="0" lang="en-US" sz="1800" spc="-1" strike="noStrike">
+              <a:latin typeface="Arial"/>
+            </a:endParaRPr>
+          </a:p>
+          <a:p>
+            <a:pPr lvl="2" marL="1296000" indent="-288000" algn="ctr">
               <a:spcBef>
-                <a:spcPts val="499"/>
+                <a:spcPts val="850"/>
               </a:spcBef>
               <a:buClr>
                 <a:srgbClr val="000000"/>
               </a:buClr>
-              <a:buFont typeface="Arial"/>
-              <a:buChar char="•"/>
-            </a:pPr>
-            <a:r>
-              <a:rPr b="0" lang="ru-RU" sz="2000" spc="-1" strike="noStrike">
-                <a:solidFill>
-                  <a:srgbClr val="000000"/>
-                </a:solidFill>
-                <a:latin typeface="Calibri"/>
-              </a:rPr>
-              <a:t>Третий уровень</a:t>
-            </a:r>
-            <a:endParaRPr b="0" lang="ru-RU" sz="2000" spc="-1" strike="noStrike">
-              <a:solidFill>
-                <a:srgbClr val="000000"/>
-              </a:solidFill>
-              <a:latin typeface="Calibri"/>
-            </a:endParaRPr>
-          </a:p>
-          <a:p>
-            <a:pPr lvl="3" marL="1600200" indent="-228240">
-              <a:lnSpc>
-                <a:spcPct val="90000"/>
-              </a:lnSpc>
+              <a:buSzPct val="45000"/>
+              <a:buFont typeface="Wingdings" charset="2"/>
+              <a:buChar char=""/>
+            </a:pPr>
+            <a:r>
+              <a:rPr b="0" lang="en-US" sz="1800" spc="-1" strike="noStrike">
+                <a:latin typeface="Arial"/>
+              </a:rPr>
+              <a:t>Third Outline Level</a:t>
+            </a:r>
+            <a:endParaRPr b="0" lang="en-US" sz="1800" spc="-1" strike="noStrike">
+              <a:latin typeface="Arial"/>
+            </a:endParaRPr>
+          </a:p>
+          <a:p>
+            <a:pPr lvl="3" marL="1728000" indent="-216000" algn="ctr">
               <a:spcBef>
-                <a:spcPts val="499"/>
+                <a:spcPts val="567"/>
               </a:spcBef>
               <a:buClr>
                 <a:srgbClr val="000000"/>
               </a:buClr>
-              <a:buFont typeface="Arial"/>
-              <a:buChar char="•"/>
-            </a:pPr>
-            <a:r>
-              <a:rPr b="0" lang="ru-RU" sz="1800" spc="-1" strike="noStrike">
-                <a:solidFill>
-                  <a:srgbClr val="000000"/>
-                </a:solidFill>
-                <a:latin typeface="Calibri"/>
-              </a:rPr>
-              <a:t>Четвертый уровень</a:t>
-            </a:r>
-            <a:endParaRPr b="0" lang="ru-RU" sz="1800" spc="-1" strike="noStrike">
-              <a:solidFill>
-                <a:srgbClr val="000000"/>
-              </a:solidFill>
-              <a:latin typeface="Calibri"/>
-            </a:endParaRPr>
-          </a:p>
-          <a:p>
-            <a:pPr lvl="4" marL="2057400" indent="-228240">
-              <a:lnSpc>
-                <a:spcPct val="90000"/>
-              </a:lnSpc>
+              <a:buSzPct val="75000"/>
+              <a:buFont typeface="Symbol" charset="2"/>
+              <a:buChar char=""/>
+            </a:pPr>
+            <a:r>
+              <a:rPr b="0" lang="en-US" sz="1800" spc="-1" strike="noStrike">
+                <a:latin typeface="Arial"/>
+              </a:rPr>
+              <a:t>Fourth Outline Level</a:t>
+            </a:r>
+            <a:endParaRPr b="0" lang="en-US" sz="1800" spc="-1" strike="noStrike">
+              <a:latin typeface="Arial"/>
+            </a:endParaRPr>
+          </a:p>
+          <a:p>
+            <a:pPr lvl="4" marL="2160000" indent="-216000" algn="ctr">
               <a:spcBef>
-                <a:spcPts val="499"/>
+                <a:spcPts val="283"/>
               </a:spcBef>
               <a:buClr>
                 <a:srgbClr val="000000"/>
               </a:buClr>
-              <a:buFont typeface="Arial"/>
-              <a:buChar char="•"/>
-            </a:pPr>
-            <a:r>
-              <a:rPr b="0" lang="ru-RU" sz="1800" spc="-1" strike="noStrike">
-                <a:solidFill>
-                  <a:srgbClr val="000000"/>
-                </a:solidFill>
-                <a:latin typeface="Calibri"/>
-              </a:rPr>
-              <a:t>Пятый уровень</a:t>
-            </a:r>
-            <a:endParaRPr b="0" lang="ru-RU" sz="1800" spc="-1" strike="noStrike">
-              <a:solidFill>
-                <a:srgbClr val="000000"/>
-              </a:solidFill>
-              <a:latin typeface="Calibri"/>
-            </a:endParaRPr>
-          </a:p>
-        </p:txBody>
-      </p:sp>
-      <p:sp>
-        <p:nvSpPr>
-          <p:cNvPr id="43" name="PlaceHolder 3"/>
-          <p:cNvSpPr>
-            <a:spLocks noGrp="1"/>
-          </p:cNvSpPr>
-          <p:nvPr>
-            <p:ph type="body"/>
-          </p:nvPr>
-        </p:nvSpPr>
-        <p:spPr>
-          <a:xfrm>
-            <a:off x="6172200" y="1825560"/>
-            <a:ext cx="5181120" cy="4350960"/>
-          </a:xfrm>
-          <a:prstGeom prst="rect">
-            <a:avLst/>
-          </a:prstGeom>
-        </p:spPr>
-        <p:txBody>
-          <a:bodyPr>
-            <a:noAutofit/>
-          </a:bodyPr>
-          <a:p>
-            <a:pPr marL="228600" indent="-228240">
-              <a:lnSpc>
-                <a:spcPct val="90000"/>
-              </a:lnSpc>
+              <a:buSzPct val="45000"/>
+              <a:buFont typeface="Wingdings" charset="2"/>
+              <a:buChar char=""/>
+            </a:pPr>
+            <a:r>
+              <a:rPr b="0" lang="en-US" sz="1800" spc="-1" strike="noStrike">
+                <a:latin typeface="Arial"/>
+              </a:rPr>
+              <a:t>Fifth Outline Level</a:t>
+            </a:r>
+            <a:endParaRPr b="0" lang="en-US" sz="1800" spc="-1" strike="noStrike">
+              <a:latin typeface="Arial"/>
+            </a:endParaRPr>
+          </a:p>
+          <a:p>
+            <a:pPr lvl="5" marL="2592000" indent="-216000" algn="ctr">
               <a:spcBef>
-                <a:spcPts val="1001"/>
+                <a:spcPts val="283"/>
               </a:spcBef>
               <a:buClr>
                 <a:srgbClr val="000000"/>
               </a:buClr>
-              <a:buFont typeface="Arial"/>
-              <a:buChar char="•"/>
-            </a:pPr>
-            <a:r>
-              <a:rPr b="0" lang="ru-RU" sz="2800" spc="-1" strike="noStrike">
-                <a:solidFill>
-                  <a:srgbClr val="000000"/>
-                </a:solidFill>
-                <a:latin typeface="Calibri"/>
-              </a:rPr>
-              <a:t>Образец текста</a:t>
-            </a:r>
-            <a:endParaRPr b="0" lang="ru-RU" sz="2800" spc="-1" strike="noStrike">
-              <a:solidFill>
-                <a:srgbClr val="000000"/>
-              </a:solidFill>
-              <a:latin typeface="Calibri"/>
-            </a:endParaRPr>
-          </a:p>
-          <a:p>
-            <a:pPr lvl="1" marL="685800" indent="-228240">
-              <a:lnSpc>
-                <a:spcPct val="90000"/>
-              </a:lnSpc>
+              <a:buSzPct val="45000"/>
+              <a:buFont typeface="Wingdings" charset="2"/>
+              <a:buChar char=""/>
+            </a:pPr>
+            <a:r>
+              <a:rPr b="0" lang="en-US" sz="1800" spc="-1" strike="noStrike">
+                <a:latin typeface="Arial"/>
+              </a:rPr>
+              <a:t>Sixth Outline Level</a:t>
+            </a:r>
+            <a:endParaRPr b="0" lang="en-US" sz="1800" spc="-1" strike="noStrike">
+              <a:latin typeface="Arial"/>
+            </a:endParaRPr>
+          </a:p>
+          <a:p>
+            <a:pPr lvl="6" marL="3024000" indent="-216000" algn="ctr">
               <a:spcBef>
-                <a:spcPts val="499"/>
+                <a:spcPts val="283"/>
               </a:spcBef>
               <a:buClr>
                 <a:srgbClr val="000000"/>
               </a:buClr>
-              <a:buFont typeface="Arial"/>
-              <a:buChar char="•"/>
-            </a:pPr>
-            <a:r>
-              <a:rPr b="0" lang="ru-RU" sz="2400" spc="-1" strike="noStrike">
-                <a:solidFill>
-                  <a:srgbClr val="000000"/>
-                </a:solidFill>
-                <a:latin typeface="Calibri"/>
-              </a:rPr>
-              <a:t>Второй уровень</a:t>
-            </a:r>
-            <a:endParaRPr b="0" lang="ru-RU" sz="2400" spc="-1" strike="noStrike">
-              <a:solidFill>
-                <a:srgbClr val="000000"/>
-              </a:solidFill>
-              <a:latin typeface="Calibri"/>
-            </a:endParaRPr>
-          </a:p>
-          <a:p>
-            <a:pPr lvl="2" marL="1143000" indent="-228240">
-              <a:lnSpc>
-                <a:spcPct val="90000"/>
-              </a:lnSpc>
+              <a:buSzPct val="45000"/>
+              <a:buFont typeface="Wingdings" charset="2"/>
+              <a:buChar char=""/>
+            </a:pPr>
+            <a:r>
+              <a:rPr b="0" lang="en-US" sz="1800" spc="-1" strike="noStrike">
+                <a:latin typeface="Arial"/>
+              </a:rPr>
+              <a:t>Seventh Outline Level</a:t>
+            </a:r>
+            <a:endParaRPr b="0" lang="en-US" sz="1800" spc="-1" strike="noStrike">
+              <a:latin typeface="Arial"/>
+            </a:endParaRPr>
+          </a:p>
+        </p:txBody>
+      </p:sp>
+      <p:sp>
+        <p:nvSpPr>
+          <p:cNvPr id="40" name="PlaceHolder 3"/>
+          <p:cNvSpPr>
+            <a:spLocks noGrp="1"/>
+          </p:cNvSpPr>
+          <p:nvPr>
+            <p:ph type="body"/>
+          </p:nvPr>
+        </p:nvSpPr>
+        <p:spPr>
+          <a:xfrm>
+            <a:off x="3493080" y="1825560"/>
+            <a:ext cx="2527920" cy="4350600"/>
+          </a:xfrm>
+          <a:prstGeom prst="rect">
+            <a:avLst/>
+          </a:prstGeom>
+        </p:spPr>
+        <p:txBody>
+          <a:bodyPr lIns="0" rIns="0" tIns="0" bIns="0">
+            <a:normAutofit fontScale="15000"/>
+          </a:bodyPr>
+          <a:p>
+            <a:pPr marL="432000" indent="-324000" algn="ctr">
               <a:spcBef>
-                <a:spcPts val="499"/>
+                <a:spcPts val="1417"/>
               </a:spcBef>
               <a:buClr>
                 <a:srgbClr val="000000"/>
               </a:buClr>
-              <a:buFont typeface="Arial"/>
-              <a:buChar char="•"/>
-            </a:pPr>
-            <a:r>
-              <a:rPr b="0" lang="ru-RU" sz="2000" spc="-1" strike="noStrike">
-                <a:solidFill>
-                  <a:srgbClr val="000000"/>
-                </a:solidFill>
-                <a:latin typeface="Calibri"/>
-              </a:rPr>
-              <a:t>Третий уровень</a:t>
-            </a:r>
-            <a:endParaRPr b="0" lang="ru-RU" sz="2000" spc="-1" strike="noStrike">
-              <a:solidFill>
-                <a:srgbClr val="000000"/>
-              </a:solidFill>
-              <a:latin typeface="Calibri"/>
-            </a:endParaRPr>
-          </a:p>
-          <a:p>
-            <a:pPr lvl="3" marL="1600200" indent="-228240">
-              <a:lnSpc>
-                <a:spcPct val="90000"/>
-              </a:lnSpc>
+              <a:buSzPct val="45000"/>
+              <a:buFont typeface="Wingdings" charset="2"/>
+              <a:buChar char=""/>
+            </a:pPr>
+            <a:r>
+              <a:rPr b="0" lang="en-US" sz="1800" spc="-1" strike="noStrike">
+                <a:latin typeface="Arial"/>
+              </a:rPr>
+              <a:t>Click to edit the outline text format</a:t>
+            </a:r>
+            <a:endParaRPr b="0" lang="en-US" sz="1800" spc="-1" strike="noStrike">
+              <a:latin typeface="Arial"/>
+            </a:endParaRPr>
+          </a:p>
+          <a:p>
+            <a:pPr lvl="1" marL="864000" indent="-324000" algn="ctr">
               <a:spcBef>
-                <a:spcPts val="499"/>
+                <a:spcPts val="1134"/>
               </a:spcBef>
               <a:buClr>
                 <a:srgbClr val="000000"/>
               </a:buClr>
-              <a:buFont typeface="Arial"/>
-              <a:buChar char="•"/>
-            </a:pPr>
-            <a:r>
-              <a:rPr b="0" lang="ru-RU" sz="1800" spc="-1" strike="noStrike">
-                <a:solidFill>
-                  <a:srgbClr val="000000"/>
-                </a:solidFill>
-                <a:latin typeface="Calibri"/>
-              </a:rPr>
-              <a:t>Четвертый уровень</a:t>
-            </a:r>
-            <a:endParaRPr b="0" lang="ru-RU" sz="1800" spc="-1" strike="noStrike">
-              <a:solidFill>
-                <a:srgbClr val="000000"/>
-              </a:solidFill>
-              <a:latin typeface="Calibri"/>
-            </a:endParaRPr>
-          </a:p>
-          <a:p>
-            <a:pPr lvl="4" marL="2057400" indent="-228240">
-              <a:lnSpc>
-                <a:spcPct val="90000"/>
-              </a:lnSpc>
+              <a:buSzPct val="75000"/>
+              <a:buFont typeface="Symbol" charset="2"/>
+              <a:buChar char=""/>
+            </a:pPr>
+            <a:r>
+              <a:rPr b="0" lang="en-US" sz="1800" spc="-1" strike="noStrike">
+                <a:latin typeface="Arial"/>
+              </a:rPr>
+              <a:t>Second Outline Level</a:t>
+            </a:r>
+            <a:endParaRPr b="0" lang="en-US" sz="1800" spc="-1" strike="noStrike">
+              <a:latin typeface="Arial"/>
+            </a:endParaRPr>
+          </a:p>
+          <a:p>
+            <a:pPr lvl="2" marL="1296000" indent="-288000" algn="ctr">
               <a:spcBef>
-                <a:spcPts val="499"/>
+                <a:spcPts val="850"/>
               </a:spcBef>
               <a:buClr>
                 <a:srgbClr val="000000"/>
               </a:buClr>
-              <a:buFont typeface="Arial"/>
-              <a:buChar char="•"/>
-            </a:pPr>
-            <a:r>
-              <a:rPr b="0" lang="ru-RU" sz="1800" spc="-1" strike="noStrike">
-                <a:solidFill>
-                  <a:srgbClr val="000000"/>
-                </a:solidFill>
-                <a:latin typeface="Calibri"/>
-              </a:rPr>
-              <a:t>Пятый уровень</a:t>
-            </a:r>
-            <a:endParaRPr b="0" lang="ru-RU" sz="1800" spc="-1" strike="noStrike">
-              <a:solidFill>
+              <a:buSzPct val="45000"/>
+              <a:buFont typeface="Wingdings" charset="2"/>
+              <a:buChar char=""/>
+            </a:pPr>
+            <a:r>
+              <a:rPr b="0" lang="en-US" sz="1800" spc="-1" strike="noStrike">
+                <a:latin typeface="Arial"/>
+              </a:rPr>
+              <a:t>Third Outline Level</a:t>
+            </a:r>
+            <a:endParaRPr b="0" lang="en-US" sz="1800" spc="-1" strike="noStrike">
+              <a:latin typeface="Arial"/>
+            </a:endParaRPr>
+          </a:p>
+          <a:p>
+            <a:pPr lvl="3" marL="1728000" indent="-216000" algn="ctr">
+              <a:spcBef>
+                <a:spcPts val="567"/>
+              </a:spcBef>
+              <a:buClr>
                 <a:srgbClr val="000000"/>
-              </a:solidFill>
-              <a:latin typeface="Calibri"/>
-            </a:endParaRPr>
-          </a:p>
-        </p:txBody>
-      </p:sp>
-      <p:sp>
-        <p:nvSpPr>
-          <p:cNvPr id="44" name="PlaceHolder 4"/>
-          <p:cNvSpPr>
-            <a:spLocks noGrp="1"/>
-          </p:cNvSpPr>
-          <p:nvPr>
-            <p:ph type="dt"/>
-          </p:nvPr>
-        </p:nvSpPr>
-        <p:spPr>
-          <a:xfrm>
-            <a:off x="838080" y="6356520"/>
-            <a:ext cx="2742840" cy="364680"/>
-          </a:xfrm>
-          <a:prstGeom prst="rect">
-            <a:avLst/>
-          </a:prstGeom>
-        </p:spPr>
-        <p:txBody>
-          <a:bodyPr anchor="ctr">
-            <a:noAutofit/>
-          </a:bodyPr>
-          <a:p>
-            <a:pPr>
-              <a:lnSpc>
-                <a:spcPct val="100000"/>
-              </a:lnSpc>
-            </a:pPr>
-            <a:fld id="{FF7C121F-DCBD-4E72-81AF-9DBCAFDC6B1A}" type="datetime1">
-              <a:rPr b="0" lang="ru-RU" sz="1200" spc="-1" strike="noStrike">
-                <a:solidFill>
-                  <a:srgbClr val="8b8b8b"/>
-                </a:solidFill>
-                <a:latin typeface="Calibri"/>
-              </a:rPr>
-              <a:t>03.11.2020</a:t>
-            </a:fld>
-            <a:endParaRPr b="0" lang="en-US" sz="1200" spc="-1" strike="noStrike">
-              <a:latin typeface="Times New Roman"/>
-            </a:endParaRPr>
-          </a:p>
-        </p:txBody>
-      </p:sp>
-      <p:sp>
-        <p:nvSpPr>
-          <p:cNvPr id="45" name="PlaceHolder 5"/>
-          <p:cNvSpPr>
-            <a:spLocks noGrp="1"/>
-          </p:cNvSpPr>
-          <p:nvPr>
-            <p:ph type="ftr"/>
-          </p:nvPr>
-        </p:nvSpPr>
-        <p:spPr>
-          <a:xfrm>
-            <a:off x="4038480" y="6356520"/>
-            <a:ext cx="4114440" cy="364680"/>
-          </a:xfrm>
-          <a:prstGeom prst="rect">
-            <a:avLst/>
-          </a:prstGeom>
-        </p:spPr>
-        <p:txBody>
-          <a:bodyPr anchor="ctr">
-            <a:noAutofit/>
-          </a:bodyPr>
-          <a:p>
-            <a:pPr algn="ctr">
-              <a:lnSpc>
-                <a:spcPct val="100000"/>
-              </a:lnSpc>
-            </a:pPr>
-            <a:r>
-              <a:rPr b="0" lang="en-US" sz="1200" spc="-1" strike="noStrike">
-                <a:solidFill>
-                  <a:srgbClr val="8b8b8b"/>
-                </a:solidFill>
-                <a:latin typeface="Calibri"/>
-              </a:rPr>
-              <a:t>MagDAHomeWork_2020</a:t>
-            </a:r>
-            <a:endParaRPr b="0" lang="en-US" sz="1200" spc="-1" strike="noStrike">
-              <a:latin typeface="Times New Roman"/>
-            </a:endParaRPr>
-          </a:p>
-        </p:txBody>
-      </p:sp>
-      <p:sp>
-        <p:nvSpPr>
-          <p:cNvPr id="46" name="PlaceHolder 6"/>
-          <p:cNvSpPr>
-            <a:spLocks noGrp="1"/>
-          </p:cNvSpPr>
-          <p:nvPr>
-            <p:ph type="sldNum"/>
-          </p:nvPr>
-        </p:nvSpPr>
-        <p:spPr>
-          <a:xfrm>
-            <a:off x="8610480" y="6356520"/>
-            <a:ext cx="2742840" cy="364680"/>
-          </a:xfrm>
-          <a:prstGeom prst="rect">
-            <a:avLst/>
-          </a:prstGeom>
-        </p:spPr>
-        <p:txBody>
-          <a:bodyPr anchor="ctr">
-            <a:noAutofit/>
-          </a:bodyPr>
-          <a:p>
-            <a:pPr algn="r">
-              <a:lnSpc>
-                <a:spcPct val="100000"/>
-              </a:lnSpc>
-            </a:pPr>
-            <a:fld id="{C8562E05-EC43-4F67-B86F-C55D796002E2}" type="slidenum">
-              <a:rPr b="0" lang="ru-RU" sz="1200" spc="-1" strike="noStrike">
-                <a:solidFill>
-                  <a:srgbClr val="8b8b8b"/>
-                </a:solidFill>
-                <a:latin typeface="Calibri"/>
-              </a:rPr>
-              <a:t>&lt;number&gt;</a:t>
-            </a:fld>
-            <a:endParaRPr b="0" lang="en-US" sz="1200" spc="-1" strike="noStrike">
-              <a:latin typeface="Times New Roman"/>
+              </a:buClr>
+              <a:buSzPct val="75000"/>
+              <a:buFont typeface="Symbol" charset="2"/>
+              <a:buChar char=""/>
+            </a:pPr>
+            <a:r>
+              <a:rPr b="0" lang="en-US" sz="1800" spc="-1" strike="noStrike">
+                <a:latin typeface="Arial"/>
+              </a:rPr>
+              <a:t>Fourth Outline Level</a:t>
+            </a:r>
+            <a:endParaRPr b="0" lang="en-US" sz="1800" spc="-1" strike="noStrike">
+              <a:latin typeface="Arial"/>
+            </a:endParaRPr>
+          </a:p>
+          <a:p>
+            <a:pPr lvl="4" marL="2160000" indent="-216000" algn="ctr">
+              <a:spcBef>
+                <a:spcPts val="283"/>
+              </a:spcBef>
+              <a:buClr>
+                <a:srgbClr val="000000"/>
+              </a:buClr>
+              <a:buSzPct val="45000"/>
+              <a:buFont typeface="Wingdings" charset="2"/>
+              <a:buChar char=""/>
+            </a:pPr>
+            <a:r>
+              <a:rPr b="0" lang="en-US" sz="1800" spc="-1" strike="noStrike">
+                <a:latin typeface="Arial"/>
+              </a:rPr>
+              <a:t>Fifth Outline Level</a:t>
+            </a:r>
+            <a:endParaRPr b="0" lang="en-US" sz="1800" spc="-1" strike="noStrike">
+              <a:latin typeface="Arial"/>
+            </a:endParaRPr>
+          </a:p>
+          <a:p>
+            <a:pPr lvl="5" marL="2592000" indent="-216000" algn="ctr">
+              <a:spcBef>
+                <a:spcPts val="283"/>
+              </a:spcBef>
+              <a:buClr>
+                <a:srgbClr val="000000"/>
+              </a:buClr>
+              <a:buSzPct val="45000"/>
+              <a:buFont typeface="Wingdings" charset="2"/>
+              <a:buChar char=""/>
+            </a:pPr>
+            <a:r>
+              <a:rPr b="0" lang="en-US" sz="1800" spc="-1" strike="noStrike">
+                <a:latin typeface="Arial"/>
+              </a:rPr>
+              <a:t>Sixth Outline Level</a:t>
+            </a:r>
+            <a:endParaRPr b="0" lang="en-US" sz="1800" spc="-1" strike="noStrike">
+              <a:latin typeface="Arial"/>
+            </a:endParaRPr>
+          </a:p>
+          <a:p>
+            <a:pPr lvl="6" marL="3024000" indent="-216000" algn="ctr">
+              <a:spcBef>
+                <a:spcPts val="283"/>
+              </a:spcBef>
+              <a:buClr>
+                <a:srgbClr val="000000"/>
+              </a:buClr>
+              <a:buSzPct val="45000"/>
+              <a:buFont typeface="Wingdings" charset="2"/>
+              <a:buChar char=""/>
+            </a:pPr>
+            <a:r>
+              <a:rPr b="0" lang="en-US" sz="1800" spc="-1" strike="noStrike">
+                <a:latin typeface="Arial"/>
+              </a:rPr>
+              <a:t>Seventh Outline Level</a:t>
+            </a:r>
+            <a:endParaRPr b="0" lang="en-US" sz="1800" spc="-1" strike="noStrike">
+              <a:latin typeface="Arial"/>
             </a:endParaRPr>
           </a:p>
         </p:txBody>
@@ -5410,7 +4816,7 @@
       </p:grpSpPr>
       <p:sp>
         <p:nvSpPr>
-          <p:cNvPr id="83" name="PlaceHolder 1"/>
+          <p:cNvPr id="77" name="PlaceHolder 1"/>
           <p:cNvSpPr>
             <a:spLocks noGrp="1"/>
           </p:cNvSpPr>
@@ -5420,44 +4826,34 @@
         </p:nvSpPr>
         <p:spPr>
           <a:xfrm>
-            <a:off x="838080" y="365040"/>
-            <a:ext cx="10515240" cy="1325160"/>
-          </a:xfrm>
-          <a:prstGeom prst="rect">
-            <a:avLst/>
-          </a:prstGeom>
-        </p:spPr>
-        <p:txBody>
-          <a:bodyPr anchor="ctr">
+            <a:off x="609480" y="273600"/>
+            <a:ext cx="10972440" cy="1144800"/>
+          </a:xfrm>
+          <a:prstGeom prst="rect">
+            <a:avLst/>
+          </a:prstGeom>
+        </p:spPr>
+        <p:txBody>
+          <a:bodyPr lIns="0" rIns="0" tIns="0" bIns="0" anchor="ctr">
             <a:noAutofit/>
           </a:bodyPr>
           <a:p>
-            <a:pPr>
-              <a:lnSpc>
-                <a:spcPct val="90000"/>
-              </a:lnSpc>
-            </a:pPr>
-            <a:r>
-              <a:rPr b="0" lang="ru-RU" sz="4400" spc="-1" strike="noStrike">
-                <a:solidFill>
-                  <a:srgbClr val="000000"/>
-                </a:solidFill>
-                <a:latin typeface="Calibri Light"/>
-              </a:rPr>
-              <a:t>Образец заголовка</a:t>
-            </a:r>
-            <a:endParaRPr b="0" lang="ru-RU" sz="4400" spc="-1" strike="noStrike">
-              <a:solidFill>
-                <a:srgbClr val="000000"/>
-              </a:solidFill>
-              <a:latin typeface="Calibri"/>
-            </a:endParaRPr>
-          </a:p>
-        </p:txBody>
-      </p:sp>
-      <p:sp>
-        <p:nvSpPr>
-          <p:cNvPr id="84" name="PlaceHolder 2"/>
+            <a:pPr algn="ctr"/>
+            <a:r>
+              <a:rPr b="0" lang="en-US" sz="4400" spc="-1" strike="noStrike">
+                <a:latin typeface="Arial"/>
+              </a:rPr>
+              <a:t>Click to edit the title text format</a:t>
+            </a:r>
+            <a:endParaRPr b="0" lang="en-US" sz="4400" spc="-1" strike="noStrike">
+              <a:latin typeface="Arial"/>
+            </a:endParaRPr>
+          </a:p>
+        </p:txBody>
+      </p:sp>
+      <p:sp>
+        <p:nvSpPr>
+          <p:cNvPr id="78" name="PlaceHolder 2"/>
           <p:cNvSpPr>
             <a:spLocks noGrp="1"/>
           </p:cNvSpPr>
@@ -5467,297 +4863,169 @@
         </p:nvSpPr>
         <p:spPr>
           <a:xfrm>
-            <a:off x="838080" y="1825560"/>
-            <a:ext cx="10515240" cy="4350960"/>
-          </a:xfrm>
-          <a:prstGeom prst="rect">
-            <a:avLst/>
-          </a:prstGeom>
-        </p:spPr>
-        <p:txBody>
-          <a:bodyPr>
-            <a:noAutofit/>
-          </a:bodyPr>
-          <a:p>
-            <a:pPr marL="228600" indent="-228240">
-              <a:lnSpc>
-                <a:spcPct val="90000"/>
-              </a:lnSpc>
+            <a:off x="609480" y="1604520"/>
+            <a:ext cx="10972440" cy="3977280"/>
+          </a:xfrm>
+          <a:prstGeom prst="rect">
+            <a:avLst/>
+          </a:prstGeom>
+        </p:spPr>
+        <p:txBody>
+          <a:bodyPr lIns="0" rIns="0" tIns="0" bIns="0">
+            <a:normAutofit/>
+          </a:bodyPr>
+          <a:p>
+            <a:pPr marL="432000" indent="-324000">
               <a:spcBef>
-                <a:spcPts val="1001"/>
+                <a:spcPts val="1417"/>
               </a:spcBef>
               <a:buClr>
                 <a:srgbClr val="000000"/>
               </a:buClr>
-              <a:buFont typeface="Arial"/>
-              <a:buChar char="•"/>
-            </a:pPr>
-            <a:r>
-              <a:rPr b="0" lang="ru-RU" sz="2800" spc="-1" strike="noStrike">
-                <a:solidFill>
-                  <a:srgbClr val="000000"/>
-                </a:solidFill>
-                <a:latin typeface="Calibri"/>
-              </a:rPr>
-              <a:t>Образец текста</a:t>
-            </a:r>
-            <a:endParaRPr b="0" lang="ru-RU" sz="2800" spc="-1" strike="noStrike">
-              <a:solidFill>
-                <a:srgbClr val="000000"/>
-              </a:solidFill>
-              <a:latin typeface="Calibri"/>
-            </a:endParaRPr>
-          </a:p>
-          <a:p>
-            <a:pPr lvl="1" marL="685800" indent="-228240">
-              <a:lnSpc>
-                <a:spcPct val="90000"/>
-              </a:lnSpc>
+              <a:buSzPct val="45000"/>
+              <a:buFont typeface="Wingdings" charset="2"/>
+              <a:buChar char=""/>
+            </a:pPr>
+            <a:r>
+              <a:rPr b="0" lang="en-US" sz="3200" spc="-1" strike="noStrike">
+                <a:latin typeface="Arial"/>
+              </a:rPr>
+              <a:t>Click to edit the outline text format</a:t>
+            </a:r>
+            <a:endParaRPr b="0" lang="en-US" sz="3200" spc="-1" strike="noStrike">
+              <a:latin typeface="Arial"/>
+            </a:endParaRPr>
+          </a:p>
+          <a:p>
+            <a:pPr lvl="1" marL="864000" indent="-324000">
               <a:spcBef>
-                <a:spcPts val="499"/>
+                <a:spcPts val="1134"/>
               </a:spcBef>
               <a:buClr>
                 <a:srgbClr val="000000"/>
               </a:buClr>
-              <a:buFont typeface="Arial"/>
-              <a:buChar char="•"/>
-            </a:pPr>
-            <a:r>
-              <a:rPr b="0" lang="ru-RU" sz="2400" spc="-1" strike="noStrike">
-                <a:solidFill>
-                  <a:srgbClr val="000000"/>
-                </a:solidFill>
-                <a:latin typeface="Calibri"/>
-              </a:rPr>
-              <a:t>Второй уровень</a:t>
-            </a:r>
-            <a:endParaRPr b="0" lang="ru-RU" sz="2400" spc="-1" strike="noStrike">
-              <a:solidFill>
-                <a:srgbClr val="000000"/>
-              </a:solidFill>
-              <a:latin typeface="Calibri"/>
-            </a:endParaRPr>
-          </a:p>
-          <a:p>
-            <a:pPr lvl="2" marL="1143000" indent="-228240">
-              <a:lnSpc>
-                <a:spcPct val="90000"/>
-              </a:lnSpc>
+              <a:buSzPct val="75000"/>
+              <a:buFont typeface="Symbol" charset="2"/>
+              <a:buChar char=""/>
+            </a:pPr>
+            <a:r>
+              <a:rPr b="0" lang="en-US" sz="2800" spc="-1" strike="noStrike">
+                <a:latin typeface="Arial"/>
+              </a:rPr>
+              <a:t>Second Outline Level</a:t>
+            </a:r>
+            <a:endParaRPr b="0" lang="en-US" sz="2800" spc="-1" strike="noStrike">
+              <a:latin typeface="Arial"/>
+            </a:endParaRPr>
+          </a:p>
+          <a:p>
+            <a:pPr lvl="2" marL="1296000" indent="-288000">
               <a:spcBef>
-                <a:spcPts val="499"/>
+                <a:spcPts val="850"/>
               </a:spcBef>
               <a:buClr>
                 <a:srgbClr val="000000"/>
               </a:buClr>
-              <a:buFont typeface="Arial"/>
-              <a:buChar char="•"/>
-            </a:pPr>
-            <a:r>
-              <a:rPr b="0" lang="ru-RU" sz="2000" spc="-1" strike="noStrike">
-                <a:solidFill>
-                  <a:srgbClr val="000000"/>
-                </a:solidFill>
-                <a:latin typeface="Calibri"/>
-              </a:rPr>
-              <a:t>Третий уровень</a:t>
-            </a:r>
-            <a:endParaRPr b="0" lang="ru-RU" sz="2000" spc="-1" strike="noStrike">
-              <a:solidFill>
-                <a:srgbClr val="000000"/>
-              </a:solidFill>
-              <a:latin typeface="Calibri"/>
-            </a:endParaRPr>
-          </a:p>
-          <a:p>
-            <a:pPr lvl="3" marL="1600200" indent="-228240">
-              <a:lnSpc>
-                <a:spcPct val="90000"/>
-              </a:lnSpc>
+              <a:buSzPct val="45000"/>
+              <a:buFont typeface="Wingdings" charset="2"/>
+              <a:buChar char=""/>
+            </a:pPr>
+            <a:r>
+              <a:rPr b="0" lang="en-US" sz="2400" spc="-1" strike="noStrike">
+                <a:latin typeface="Arial"/>
+              </a:rPr>
+              <a:t>Third Outline Level</a:t>
+            </a:r>
+            <a:endParaRPr b="0" lang="en-US" sz="2400" spc="-1" strike="noStrike">
+              <a:latin typeface="Arial"/>
+            </a:endParaRPr>
+          </a:p>
+          <a:p>
+            <a:pPr lvl="3" marL="1728000" indent="-216000">
               <a:spcBef>
-                <a:spcPts val="499"/>
+                <a:spcPts val="567"/>
               </a:spcBef>
               <a:buClr>
                 <a:srgbClr val="000000"/>
               </a:buClr>
-              <a:buFont typeface="Arial"/>
-              <a:buChar char="•"/>
-            </a:pPr>
-            <a:r>
-              <a:rPr b="0" lang="ru-RU" sz="1800" spc="-1" strike="noStrike">
-                <a:solidFill>
-                  <a:srgbClr val="000000"/>
-                </a:solidFill>
-                <a:latin typeface="Calibri"/>
-              </a:rPr>
-              <a:t>Четвертый уровень</a:t>
-            </a:r>
-            <a:endParaRPr b="0" lang="ru-RU" sz="1800" spc="-1" strike="noStrike">
-              <a:solidFill>
-                <a:srgbClr val="000000"/>
-              </a:solidFill>
-              <a:latin typeface="Calibri"/>
-            </a:endParaRPr>
-          </a:p>
-          <a:p>
-            <a:pPr lvl="4" marL="2057400" indent="-228240">
-              <a:lnSpc>
-                <a:spcPct val="90000"/>
-              </a:lnSpc>
+              <a:buSzPct val="75000"/>
+              <a:buFont typeface="Symbol" charset="2"/>
+              <a:buChar char=""/>
+            </a:pPr>
+            <a:r>
+              <a:rPr b="0" lang="en-US" sz="2000" spc="-1" strike="noStrike">
+                <a:latin typeface="Arial"/>
+              </a:rPr>
+              <a:t>Fourth Outline Level</a:t>
+            </a:r>
+            <a:endParaRPr b="0" lang="en-US" sz="2000" spc="-1" strike="noStrike">
+              <a:latin typeface="Arial"/>
+            </a:endParaRPr>
+          </a:p>
+          <a:p>
+            <a:pPr lvl="4" marL="2160000" indent="-216000">
               <a:spcBef>
-                <a:spcPts val="499"/>
+                <a:spcPts val="283"/>
               </a:spcBef>
               <a:buClr>
                 <a:srgbClr val="000000"/>
               </a:buClr>
-              <a:buFont typeface="Arial"/>
-              <a:buChar char="•"/>
-            </a:pPr>
-            <a:r>
-              <a:rPr b="0" lang="ru-RU" sz="1800" spc="-1" strike="noStrike">
-                <a:solidFill>
-                  <a:srgbClr val="000000"/>
-                </a:solidFill>
-                <a:latin typeface="Calibri"/>
-              </a:rPr>
-              <a:t>Пятый уровень</a:t>
-            </a:r>
-            <a:endParaRPr b="0" lang="ru-RU" sz="1800" spc="-1" strike="noStrike">
-              <a:solidFill>
+              <a:buSzPct val="45000"/>
+              <a:buFont typeface="Wingdings" charset="2"/>
+              <a:buChar char=""/>
+            </a:pPr>
+            <a:r>
+              <a:rPr b="0" lang="en-US" sz="2000" spc="-1" strike="noStrike">
+                <a:latin typeface="Arial"/>
+              </a:rPr>
+              <a:t>Fifth Outline Level</a:t>
+            </a:r>
+            <a:endParaRPr b="0" lang="en-US" sz="2000" spc="-1" strike="noStrike">
+              <a:latin typeface="Arial"/>
+            </a:endParaRPr>
+          </a:p>
+          <a:p>
+            <a:pPr lvl="5" marL="2592000" indent="-216000">
+              <a:spcBef>
+                <a:spcPts val="283"/>
+              </a:spcBef>
+              <a:buClr>
                 <a:srgbClr val="000000"/>
-              </a:solidFill>
-              <a:latin typeface="Calibri"/>
-            </a:endParaRPr>
-          </a:p>
-        </p:txBody>
-      </p:sp>
-      <p:sp>
-        <p:nvSpPr>
-          <p:cNvPr id="85" name="PlaceHolder 3"/>
-          <p:cNvSpPr>
-            <a:spLocks noGrp="1"/>
-          </p:cNvSpPr>
-          <p:nvPr>
-            <p:ph type="dt"/>
-          </p:nvPr>
-        </p:nvSpPr>
-        <p:spPr>
-          <a:xfrm>
-            <a:off x="838080" y="6356520"/>
-            <a:ext cx="2742840" cy="364680"/>
-          </a:xfrm>
-          <a:prstGeom prst="rect">
-            <a:avLst/>
-          </a:prstGeom>
-        </p:spPr>
-        <p:txBody>
-          <a:bodyPr anchor="ctr">
-            <a:noAutofit/>
-          </a:bodyPr>
-          <a:p>
-            <a:pPr>
-              <a:lnSpc>
-                <a:spcPct val="100000"/>
-              </a:lnSpc>
-            </a:pPr>
-            <a:fld id="{46332CC1-BD2B-46D1-90A8-010B309BF8C0}" type="datetime1">
-              <a:rPr b="0" lang="ru-RU" sz="1200" spc="-1" strike="noStrike">
-                <a:solidFill>
-                  <a:srgbClr val="8b8b8b"/>
-                </a:solidFill>
-                <a:latin typeface="Calibri"/>
-              </a:rPr>
-              <a:t>03.11.2020</a:t>
-            </a:fld>
-            <a:endParaRPr b="0" lang="en-US" sz="1200" spc="-1" strike="noStrike">
-              <a:latin typeface="Times New Roman"/>
-            </a:endParaRPr>
-          </a:p>
-        </p:txBody>
-      </p:sp>
-      <p:sp>
-        <p:nvSpPr>
-          <p:cNvPr id="86" name="PlaceHolder 4"/>
-          <p:cNvSpPr>
-            <a:spLocks noGrp="1"/>
-          </p:cNvSpPr>
-          <p:nvPr>
-            <p:ph type="ftr"/>
-          </p:nvPr>
-        </p:nvSpPr>
-        <p:spPr>
-          <a:xfrm>
-            <a:off x="4038480" y="6356520"/>
-            <a:ext cx="4114440" cy="364680"/>
-          </a:xfrm>
-          <a:prstGeom prst="rect">
-            <a:avLst/>
-          </a:prstGeom>
-        </p:spPr>
-        <p:txBody>
-          <a:bodyPr anchor="ctr">
-            <a:noAutofit/>
-          </a:bodyPr>
-          <a:p>
-            <a:pPr algn="ctr">
-              <a:lnSpc>
-                <a:spcPct val="100000"/>
-              </a:lnSpc>
-            </a:pPr>
-            <a:r>
-              <a:rPr b="0" lang="en-US" sz="1200" spc="-1" strike="noStrike">
-                <a:solidFill>
-                  <a:srgbClr val="8b8b8b"/>
-                </a:solidFill>
-                <a:latin typeface="Calibri"/>
-              </a:rPr>
-              <a:t>MagDAHomeWork_2020</a:t>
-            </a:r>
-            <a:endParaRPr b="0" lang="en-US" sz="1200" spc="-1" strike="noStrike">
-              <a:latin typeface="Times New Roman"/>
-            </a:endParaRPr>
-          </a:p>
-        </p:txBody>
-      </p:sp>
-      <p:sp>
-        <p:nvSpPr>
-          <p:cNvPr id="87" name="PlaceHolder 5"/>
-          <p:cNvSpPr>
-            <a:spLocks noGrp="1"/>
-          </p:cNvSpPr>
-          <p:nvPr>
-            <p:ph type="sldNum"/>
-          </p:nvPr>
-        </p:nvSpPr>
-        <p:spPr>
-          <a:xfrm>
-            <a:off x="8610480" y="6356520"/>
-            <a:ext cx="2742840" cy="364680"/>
-          </a:xfrm>
-          <a:prstGeom prst="rect">
-            <a:avLst/>
-          </a:prstGeom>
-        </p:spPr>
-        <p:txBody>
-          <a:bodyPr anchor="ctr">
-            <a:noAutofit/>
-          </a:bodyPr>
-          <a:p>
-            <a:pPr algn="r">
-              <a:lnSpc>
-                <a:spcPct val="100000"/>
-              </a:lnSpc>
-            </a:pPr>
-            <a:fld id="{DFF6D8FC-B729-481E-A747-123B0E0940B6}" type="slidenum">
-              <a:rPr b="0" lang="ru-RU" sz="1200" spc="-1" strike="noStrike">
-                <a:solidFill>
-                  <a:srgbClr val="8b8b8b"/>
-                </a:solidFill>
-                <a:latin typeface="Calibri"/>
-              </a:rPr>
-              <a:t>&lt;number&gt;</a:t>
-            </a:fld>
-            <a:endParaRPr b="0" lang="en-US" sz="1200" spc="-1" strike="noStrike">
-              <a:latin typeface="Times New Roman"/>
+              </a:buClr>
+              <a:buSzPct val="45000"/>
+              <a:buFont typeface="Wingdings" charset="2"/>
+              <a:buChar char=""/>
+            </a:pPr>
+            <a:r>
+              <a:rPr b="0" lang="en-US" sz="2000" spc="-1" strike="noStrike">
+                <a:latin typeface="Arial"/>
+              </a:rPr>
+              <a:t>Sixth Outline Level</a:t>
+            </a:r>
+            <a:endParaRPr b="0" lang="en-US" sz="2000" spc="-1" strike="noStrike">
+              <a:latin typeface="Arial"/>
+            </a:endParaRPr>
+          </a:p>
+          <a:p>
+            <a:pPr lvl="6" marL="3024000" indent="-216000">
+              <a:spcBef>
+                <a:spcPts val="283"/>
+              </a:spcBef>
+              <a:buClr>
+                <a:srgbClr val="000000"/>
+              </a:buClr>
+              <a:buSzPct val="45000"/>
+              <a:buFont typeface="Wingdings" charset="2"/>
+              <a:buChar char=""/>
+            </a:pPr>
+            <a:r>
+              <a:rPr b="0" lang="en-US" sz="2000" spc="-1" strike="noStrike">
+                <a:latin typeface="Arial"/>
+              </a:rPr>
+              <a:t>Seventh Outline Level</a:t>
+            </a:r>
+            <a:endParaRPr b="0" lang="en-US" sz="2000" spc="-1" strike="noStrike">
+              <a:latin typeface="Arial"/>
             </a:endParaRPr>
           </a:p>
         </p:txBody>
@@ -5801,14 +5069,14 @@
       </p:grpSpPr>
       <p:sp>
         <p:nvSpPr>
-          <p:cNvPr id="124" name="TextShape 1"/>
-          <p:cNvSpPr txBox="1"/>
+          <p:cNvPr id="115" name="CustomShape 1"/>
+          <p:cNvSpPr/>
           <p:nvPr/>
         </p:nvSpPr>
         <p:spPr>
           <a:xfrm>
             <a:off x="390240" y="0"/>
-            <a:ext cx="10277280" cy="1489320"/>
+            <a:ext cx="10276920" cy="1488960"/>
           </a:xfrm>
           <a:prstGeom prst="rect">
             <a:avLst/>
@@ -5818,8 +5086,14 @@
             <a:noFill/>
           </a:ln>
         </p:spPr>
-        <p:txBody>
-          <a:bodyPr anchor="b">
+        <p:style>
+          <a:lnRef idx="0"/>
+          <a:fillRef idx="0"/>
+          <a:effectRef idx="0"/>
+          <a:fontRef idx="minor"/>
+        </p:style>
+        <p:txBody>
+          <a:bodyPr lIns="90000" rIns="90000" tIns="45000" bIns="45000" anchor="b">
             <a:normAutofit fontScale="70000"/>
           </a:bodyPr>
           <a:p>
@@ -5865,25 +5139,22 @@
               </a:rPr>
               <a:t>Start and Deadline</a:t>
             </a:r>
-            <a:endParaRPr b="0" lang="ru-RU" sz="4400" spc="-1" strike="noStrike">
-              <a:solidFill>
-                <a:srgbClr val="000000"/>
-              </a:solidFill>
-              <a:latin typeface="Calibri"/>
-            </a:endParaRPr>
-          </a:p>
-        </p:txBody>
-      </p:sp>
-      <p:sp>
-        <p:nvSpPr>
-          <p:cNvPr id="125" name="TextShape 2"/>
-          <p:cNvSpPr txBox="1"/>
+            <a:endParaRPr b="0" lang="en-US" sz="4400" spc="-1" strike="noStrike">
+              <a:latin typeface="Arial"/>
+            </a:endParaRPr>
+          </a:p>
+        </p:txBody>
+      </p:sp>
+      <p:sp>
+        <p:nvSpPr>
+          <p:cNvPr id="116" name="CustomShape 2"/>
+          <p:cNvSpPr/>
           <p:nvPr/>
         </p:nvSpPr>
         <p:spPr>
           <a:xfrm>
             <a:off x="651240" y="1489680"/>
-            <a:ext cx="10888920" cy="5218920"/>
+            <a:ext cx="10888560" cy="5218560"/>
           </a:xfrm>
           <a:prstGeom prst="rect">
             <a:avLst/>
@@ -5893,8 +5164,14 @@
             <a:noFill/>
           </a:ln>
         </p:spPr>
-        <p:txBody>
-          <a:bodyPr>
+        <p:style>
+          <a:lnRef idx="0"/>
+          <a:fillRef idx="0"/>
+          <a:effectRef idx="0"/>
+          <a:fontRef idx="minor"/>
+        </p:style>
+        <p:txBody>
+          <a:bodyPr lIns="90000" rIns="90000" tIns="45000" bIns="45000">
             <a:normAutofit fontScale="34000"/>
           </a:bodyPr>
           <a:p>
@@ -5932,7 +5209,7 @@
             </a:endParaRPr>
           </a:p>
           <a:p>
-            <a:pPr marL="457200" indent="-456840">
+            <a:pPr marL="457200" indent="-456480">
               <a:lnSpc>
                 <a:spcPct val="90000"/>
               </a:lnSpc>
@@ -5962,7 +5239,7 @@
             </a:endParaRPr>
           </a:p>
           <a:p>
-            <a:pPr marL="457200" indent="-456840">
+            <a:pPr marL="457200" indent="-456480">
               <a:lnSpc>
                 <a:spcPct val="90000"/>
               </a:lnSpc>
@@ -6215,14 +5492,14 @@
       </p:sp>
       <p:sp>
         <p:nvSpPr>
-          <p:cNvPr id="126" name="TextShape 3"/>
-          <p:cNvSpPr txBox="1"/>
+          <p:cNvPr id="117" name="CustomShape 3"/>
+          <p:cNvSpPr/>
           <p:nvPr/>
         </p:nvSpPr>
         <p:spPr>
           <a:xfrm>
             <a:off x="4038480" y="6356520"/>
-            <a:ext cx="4114440" cy="364680"/>
+            <a:ext cx="4114080" cy="364320"/>
           </a:xfrm>
           <a:prstGeom prst="rect">
             <a:avLst/>
@@ -6232,8 +5509,14 @@
             <a:noFill/>
           </a:ln>
         </p:spPr>
-        <p:txBody>
-          <a:bodyPr anchor="ctr">
+        <p:style>
+          <a:lnRef idx="0"/>
+          <a:fillRef idx="0"/>
+          <a:effectRef idx="0"/>
+          <a:fontRef idx="minor"/>
+        </p:style>
+        <p:txBody>
+          <a:bodyPr lIns="90000" rIns="90000" tIns="45000" bIns="45000" anchor="ctr">
             <a:noAutofit/>
           </a:bodyPr>
           <a:p>
@@ -6252,21 +5535,21 @@
               <a:t>MagDAHomeWork_2020</a:t>
             </a:r>
             <a:endParaRPr b="0" lang="en-US" sz="1200" spc="-1" strike="noStrike">
-              <a:latin typeface="Times New Roman"/>
-            </a:endParaRPr>
-          </a:p>
-        </p:txBody>
-      </p:sp>
-      <p:sp>
-        <p:nvSpPr>
-          <p:cNvPr id="127" name="TextShape 4"/>
-          <p:cNvSpPr txBox="1"/>
+              <a:latin typeface="Arial"/>
+            </a:endParaRPr>
+          </a:p>
+        </p:txBody>
+      </p:sp>
+      <p:sp>
+        <p:nvSpPr>
+          <p:cNvPr id="118" name="CustomShape 4"/>
+          <p:cNvSpPr/>
           <p:nvPr/>
         </p:nvSpPr>
         <p:spPr>
           <a:xfrm>
             <a:off x="8610480" y="6356520"/>
-            <a:ext cx="2742840" cy="364680"/>
+            <a:ext cx="2742480" cy="364320"/>
           </a:xfrm>
           <a:prstGeom prst="rect">
             <a:avLst/>
@@ -6276,8 +5559,14 @@
             <a:noFill/>
           </a:ln>
         </p:spPr>
-        <p:txBody>
-          <a:bodyPr anchor="ctr">
+        <p:style>
+          <a:lnRef idx="0"/>
+          <a:fillRef idx="0"/>
+          <a:effectRef idx="0"/>
+          <a:fontRef idx="minor"/>
+        </p:style>
+        <p:txBody>
+          <a:bodyPr lIns="90000" rIns="90000" tIns="45000" bIns="45000" anchor="ctr">
             <a:noAutofit/>
           </a:bodyPr>
           <a:p>
@@ -6286,17 +5575,17 @@
                 <a:spcPct val="100000"/>
               </a:lnSpc>
             </a:pPr>
-            <a:fld id="{C6145479-1976-4227-95F7-DDC9D9AA900F}" type="slidenum">
+            <a:fld id="{04E2124F-21DE-447D-A106-CE138A26D527}" type="slidenum">
               <a:rPr b="0" lang="ru-RU" sz="1200" spc="-1" strike="noStrike">
                 <a:solidFill>
                   <a:srgbClr val="8b8b8b"/>
                 </a:solidFill>
                 <a:latin typeface="Calibri"/>
               </a:rPr>
-              <a:t>1</a:t>
+              <a:t>&lt;number&gt;</a:t>
             </a:fld>
             <a:endParaRPr b="0" lang="en-US" sz="1200" spc="-1" strike="noStrike">
-              <a:latin typeface="Times New Roman"/>
+              <a:latin typeface="Arial"/>
             </a:endParaRPr>
           </a:p>
         </p:txBody>
@@ -6333,14 +5622,14 @@
       </p:grpSpPr>
       <p:sp>
         <p:nvSpPr>
-          <p:cNvPr id="161" name="TextShape 1"/>
-          <p:cNvSpPr txBox="1"/>
+          <p:cNvPr id="152" name="CustomShape 1"/>
+          <p:cNvSpPr/>
           <p:nvPr/>
         </p:nvSpPr>
         <p:spPr>
           <a:xfrm>
             <a:off x="583920" y="274680"/>
-            <a:ext cx="11523240" cy="573480"/>
+            <a:ext cx="11522880" cy="573120"/>
           </a:xfrm>
           <a:prstGeom prst="rect">
             <a:avLst/>
@@ -6350,8 +5639,14 @@
             <a:noFill/>
           </a:ln>
         </p:spPr>
-        <p:txBody>
-          <a:bodyPr anchor="ctr">
+        <p:style>
+          <a:lnRef idx="0"/>
+          <a:fillRef idx="0"/>
+          <a:effectRef idx="0"/>
+          <a:fontRef idx="minor"/>
+        </p:style>
+        <p:txBody>
+          <a:bodyPr lIns="90000" rIns="90000" tIns="45000" bIns="45000" anchor="ctr">
             <a:normAutofit fontScale="26000"/>
           </a:bodyPr>
           <a:p>
@@ -6369,25 +5664,22 @@
               </a:rPr>
               <a:t>Homework Assignment 6: Correlation Coefficient</a:t>
             </a:r>
-            <a:endParaRPr b="0" lang="ru-RU" sz="4400" spc="-1" strike="noStrike">
-              <a:solidFill>
-                <a:srgbClr val="000000"/>
-              </a:solidFill>
-              <a:latin typeface="Calibri"/>
-            </a:endParaRPr>
-          </a:p>
-        </p:txBody>
-      </p:sp>
-      <p:sp>
-        <p:nvSpPr>
-          <p:cNvPr id="162" name="TextShape 2"/>
-          <p:cNvSpPr txBox="1"/>
+            <a:endParaRPr b="0" lang="en-US" sz="4400" spc="-1" strike="noStrike">
+              <a:latin typeface="Arial"/>
+            </a:endParaRPr>
+          </a:p>
+        </p:txBody>
+      </p:sp>
+      <p:sp>
+        <p:nvSpPr>
+          <p:cNvPr id="153" name="CustomShape 2"/>
+          <p:cNvSpPr/>
           <p:nvPr/>
         </p:nvSpPr>
         <p:spPr>
           <a:xfrm>
             <a:off x="1703520" y="1124640"/>
-            <a:ext cx="8784720" cy="5616360"/>
+            <a:ext cx="8784360" cy="5616000"/>
           </a:xfrm>
           <a:prstGeom prst="rect">
             <a:avLst/>
@@ -6397,12 +5689,18 @@
             <a:noFill/>
           </a:ln>
         </p:spPr>
-        <p:txBody>
-          <a:bodyPr>
+        <p:style>
+          <a:lnRef idx="0"/>
+          <a:fillRef idx="0"/>
+          <a:effectRef idx="0"/>
+          <a:fontRef idx="minor"/>
+        </p:style>
+        <p:txBody>
+          <a:bodyPr lIns="90000" rIns="90000" tIns="45000" bIns="45000">
             <a:normAutofit fontScale="70000"/>
           </a:bodyPr>
           <a:p>
-            <a:pPr marL="228600" indent="-228240">
+            <a:pPr marL="228600" indent="-227880">
               <a:lnSpc>
                 <a:spcPct val="90000"/>
               </a:lnSpc>
@@ -6422,26 +5720,14 @@
                 </a:solidFill>
                 <a:latin typeface="Calibri"/>
               </a:rPr>
-              <a:t>1. Find two features in your dataset with more or less </a:t>
-            </a:r>
-            <a:r>
-              <a:rPr b="0" lang="en-US" sz="2800" spc="-1" strike="noStrike">
-                <a:solidFill>
-                  <a:srgbClr val="000000"/>
-                </a:solidFill>
-                <a:latin typeface="Calibri"/>
-              </a:rPr>
-              <a:t>“linear-like” scatterplot.</a:t>
-            </a:r>
-            <a:endParaRPr b="0" lang="ru-RU" sz="2800" spc="-1" strike="noStrike">
-              <a:solidFill>
-                <a:srgbClr val="000000"/>
-              </a:solidFill>
-              <a:latin typeface="Calibri"/>
-            </a:endParaRPr>
-          </a:p>
-          <a:p>
-            <a:pPr marL="228600" indent="-228240">
+              <a:t>1. Find two features in your dataset with more or less “linear-like” scatterplot.</a:t>
+            </a:r>
+            <a:endParaRPr b="0" lang="en-US" sz="2800" spc="-1" strike="noStrike">
+              <a:latin typeface="Arial"/>
+            </a:endParaRPr>
+          </a:p>
+          <a:p>
+            <a:pPr marL="228600" indent="-227880">
               <a:lnSpc>
                 <a:spcPct val="90000"/>
               </a:lnSpc>
@@ -6461,26 +5747,14 @@
                 </a:solidFill>
                 <a:latin typeface="Calibri"/>
               </a:rPr>
-              <a:t>2. Display the scatter-plot and comment how well it </a:t>
-            </a:r>
-            <a:r>
-              <a:rPr b="0" lang="en-US" sz="2800" spc="-1" strike="noStrike">
-                <a:solidFill>
-                  <a:srgbClr val="000000"/>
-                </a:solidFill>
-                <a:latin typeface="Calibri"/>
-              </a:rPr>
-              <a:t>is suitable for building a linear regression.</a:t>
-            </a:r>
-            <a:endParaRPr b="0" lang="ru-RU" sz="2800" spc="-1" strike="noStrike">
-              <a:solidFill>
-                <a:srgbClr val="000000"/>
-              </a:solidFill>
-              <a:latin typeface="Calibri"/>
-            </a:endParaRPr>
-          </a:p>
-          <a:p>
-            <a:pPr marL="228600" indent="-228240">
+              <a:t>2. Display the scatter-plot and comment how well it is suitable for building a linear regression.</a:t>
+            </a:r>
+            <a:endParaRPr b="0" lang="en-US" sz="2800" spc="-1" strike="noStrike">
+              <a:latin typeface="Arial"/>
+            </a:endParaRPr>
+          </a:p>
+          <a:p>
+            <a:pPr marL="228600" indent="-227880">
               <a:lnSpc>
                 <a:spcPct val="90000"/>
               </a:lnSpc>
@@ -6500,35 +5774,14 @@
                 </a:solidFill>
                 <a:latin typeface="Calibri"/>
               </a:rPr>
-              <a:t>3. Build a linear regression of one of the features </a:t>
-            </a:r>
-            <a:r>
-              <a:rPr b="0" lang="en-US" sz="2800" spc="-1" strike="noStrike">
-                <a:solidFill>
-                  <a:srgbClr val="000000"/>
-                </a:solidFill>
-                <a:latin typeface="Calibri"/>
-              </a:rPr>
-              <a:t>over the other. Make a comment on the meaning of </a:t>
-            </a:r>
-            <a:r>
-              <a:rPr b="0" lang="en-US" sz="2800" spc="-1" strike="noStrike">
-                <a:solidFill>
-                  <a:srgbClr val="000000"/>
-                </a:solidFill>
-                <a:latin typeface="Calibri"/>
-              </a:rPr>
-              <a:t>the slope.</a:t>
-            </a:r>
-            <a:endParaRPr b="0" lang="ru-RU" sz="2800" spc="-1" strike="noStrike">
-              <a:solidFill>
-                <a:srgbClr val="000000"/>
-              </a:solidFill>
-              <a:latin typeface="Calibri"/>
-            </a:endParaRPr>
-          </a:p>
-          <a:p>
-            <a:pPr marL="228600" indent="-228240">
+              <a:t>3. Build a linear regression of one of the features over the other. Make a comment on the meaning of the slope.</a:t>
+            </a:r>
+            <a:endParaRPr b="0" lang="en-US" sz="2800" spc="-1" strike="noStrike">
+              <a:latin typeface="Arial"/>
+            </a:endParaRPr>
+          </a:p>
+          <a:p>
+            <a:pPr marL="228600" indent="-227880">
               <a:lnSpc>
                 <a:spcPct val="90000"/>
               </a:lnSpc>
@@ -6548,7 +5801,16 @@
                 </a:solidFill>
                 <a:latin typeface="Calibri"/>
               </a:rPr>
-              <a:t>4. Find the correlation and determinacy coefficients, </a:t>
+              <a:t>4. Find the correlation and determinacy coefficients, and </a:t>
+            </a:r>
+            <a:r>
+              <a:rPr b="1" lang="en-US" sz="2800" spc="-1" strike="noStrike">
+                <a:solidFill>
+                  <a:srgbClr val="000000"/>
+                </a:solidFill>
+                <a:latin typeface="Calibri"/>
+              </a:rPr>
+              <a:t>comment</a:t>
             </a:r>
             <a:r>
               <a:rPr b="0" lang="en-US" sz="2800" spc="-1" strike="noStrike">
@@ -6557,35 +5819,14 @@
                 </a:solidFill>
                 <a:latin typeface="Calibri"/>
               </a:rPr>
-              <a:t>and </a:t>
-            </a:r>
-            <a:r>
-              <a:rPr b="1" lang="en-US" sz="2800" spc="-1" strike="noStrike">
-                <a:solidFill>
-                  <a:srgbClr val="000000"/>
-                </a:solidFill>
-                <a:latin typeface="Calibri"/>
-              </a:rPr>
-              <a:t>comment</a:t>
-            </a:r>
-            <a:r>
-              <a:rPr b="0" lang="en-US" sz="2800" spc="-1" strike="noStrike">
-                <a:solidFill>
-                  <a:srgbClr val="000000"/>
-                </a:solidFill>
-                <a:latin typeface="Calibri"/>
-              </a:rPr>
               <a:t> on the meaning of the latter.</a:t>
             </a:r>
-            <a:endParaRPr b="0" lang="ru-RU" sz="2800" spc="-1" strike="noStrike">
-              <a:solidFill>
-                <a:srgbClr val="000000"/>
-              </a:solidFill>
-              <a:latin typeface="Calibri"/>
-            </a:endParaRPr>
-          </a:p>
-          <a:p>
-            <a:pPr marL="228600" indent="-228240">
+            <a:endParaRPr b="0" lang="en-US" sz="2800" spc="-1" strike="noStrike">
+              <a:latin typeface="Arial"/>
+            </a:endParaRPr>
+          </a:p>
+          <a:p>
+            <a:pPr marL="228600" indent="-227880">
               <a:lnSpc>
                 <a:spcPct val="90000"/>
               </a:lnSpc>
@@ -6605,26 +5846,14 @@
                 </a:solidFill>
                 <a:latin typeface="Calibri"/>
               </a:rPr>
-              <a:t>Make a prediction of the target values for given two </a:t>
-            </a:r>
-            <a:r>
-              <a:rPr b="0" lang="en-US" sz="2800" spc="-1" strike="noStrike">
-                <a:solidFill>
-                  <a:srgbClr val="000000"/>
-                </a:solidFill>
-                <a:latin typeface="Calibri"/>
-              </a:rPr>
-              <a:t>or three predictor’ values; make a comment</a:t>
-            </a:r>
-            <a:endParaRPr b="0" lang="ru-RU" sz="2800" spc="-1" strike="noStrike">
-              <a:solidFill>
-                <a:srgbClr val="000000"/>
-              </a:solidFill>
-              <a:latin typeface="Calibri"/>
-            </a:endParaRPr>
-          </a:p>
-          <a:p>
-            <a:pPr marL="228600" indent="-228240">
+              <a:t>Make a prediction of the target values for given two or three predictor’ values; make a comment</a:t>
+            </a:r>
+            <a:endParaRPr b="0" lang="en-US" sz="2800" spc="-1" strike="noStrike">
+              <a:latin typeface="Arial"/>
+            </a:endParaRPr>
+          </a:p>
+          <a:p>
+            <a:pPr marL="228600" indent="-227880">
               <a:lnSpc>
                 <a:spcPct val="90000"/>
               </a:lnSpc>
@@ -6644,45 +5873,24 @@
                 </a:solidFill>
                 <a:latin typeface="Calibri"/>
               </a:rPr>
-              <a:t>Compare the mean relative absolute error of the </a:t>
-            </a:r>
-            <a:r>
-              <a:rPr b="0" lang="en-US" sz="2800" spc="-1" strike="noStrike">
-                <a:solidFill>
-                  <a:srgbClr val="000000"/>
-                </a:solidFill>
-                <a:latin typeface="Calibri"/>
-              </a:rPr>
-              <a:t>regression on all points of your set and the </a:t>
-            </a:r>
-            <a:r>
-              <a:rPr b="0" lang="en-US" sz="2800" spc="-1" strike="noStrike">
-                <a:solidFill>
-                  <a:srgbClr val="000000"/>
-                </a:solidFill>
-                <a:latin typeface="Calibri"/>
-              </a:rPr>
-              <a:t>determinacy coefficient and make comments</a:t>
-            </a:r>
-            <a:endParaRPr b="0" lang="ru-RU" sz="2800" spc="-1" strike="noStrike">
-              <a:solidFill>
-                <a:srgbClr val="000000"/>
-              </a:solidFill>
-              <a:latin typeface="Calibri"/>
-            </a:endParaRPr>
-          </a:p>
-        </p:txBody>
-      </p:sp>
-      <p:sp>
-        <p:nvSpPr>
-          <p:cNvPr id="163" name="TextShape 3"/>
-          <p:cNvSpPr txBox="1"/>
+              <a:t>Compare the mean relative absolute error of the regression on all points of your set and the determinacy coefficient and make comments</a:t>
+            </a:r>
+            <a:endParaRPr b="0" lang="en-US" sz="2800" spc="-1" strike="noStrike">
+              <a:latin typeface="Arial"/>
+            </a:endParaRPr>
+          </a:p>
+        </p:txBody>
+      </p:sp>
+      <p:sp>
+        <p:nvSpPr>
+          <p:cNvPr id="154" name="CustomShape 3"/>
+          <p:cNvSpPr/>
           <p:nvPr/>
         </p:nvSpPr>
         <p:spPr>
           <a:xfrm>
             <a:off x="4038480" y="6356520"/>
-            <a:ext cx="4114440" cy="364680"/>
+            <a:ext cx="4114080" cy="364320"/>
           </a:xfrm>
           <a:prstGeom prst="rect">
             <a:avLst/>
@@ -6692,8 +5900,14 @@
             <a:noFill/>
           </a:ln>
         </p:spPr>
-        <p:txBody>
-          <a:bodyPr anchor="ctr">
+        <p:style>
+          <a:lnRef idx="0"/>
+          <a:fillRef idx="0"/>
+          <a:effectRef idx="0"/>
+          <a:fontRef idx="minor"/>
+        </p:style>
+        <p:txBody>
+          <a:bodyPr lIns="90000" rIns="90000" tIns="45000" bIns="45000" anchor="ctr">
             <a:noAutofit/>
           </a:bodyPr>
           <a:p>
@@ -6712,21 +5926,21 @@
               <a:t>MagDAHomeWork_2020</a:t>
             </a:r>
             <a:endParaRPr b="0" lang="en-US" sz="1200" spc="-1" strike="noStrike">
-              <a:latin typeface="Times New Roman"/>
-            </a:endParaRPr>
-          </a:p>
-        </p:txBody>
-      </p:sp>
-      <p:sp>
-        <p:nvSpPr>
-          <p:cNvPr id="164" name="TextShape 4"/>
-          <p:cNvSpPr txBox="1"/>
+              <a:latin typeface="Arial"/>
+            </a:endParaRPr>
+          </a:p>
+        </p:txBody>
+      </p:sp>
+      <p:sp>
+        <p:nvSpPr>
+          <p:cNvPr id="155" name="CustomShape 4"/>
+          <p:cNvSpPr/>
           <p:nvPr/>
         </p:nvSpPr>
         <p:spPr>
           <a:xfrm>
             <a:off x="8610480" y="6356520"/>
-            <a:ext cx="2742840" cy="364680"/>
+            <a:ext cx="2742480" cy="364320"/>
           </a:xfrm>
           <a:prstGeom prst="rect">
             <a:avLst/>
@@ -6736,8 +5950,14 @@
             <a:noFill/>
           </a:ln>
         </p:spPr>
-        <p:txBody>
-          <a:bodyPr anchor="ctr">
+        <p:style>
+          <a:lnRef idx="0"/>
+          <a:fillRef idx="0"/>
+          <a:effectRef idx="0"/>
+          <a:fontRef idx="minor"/>
+        </p:style>
+        <p:txBody>
+          <a:bodyPr lIns="90000" rIns="90000" tIns="45000" bIns="45000" anchor="ctr">
             <a:noAutofit/>
           </a:bodyPr>
           <a:p>
@@ -6746,7 +5966,7 @@
                 <a:spcPct val="100000"/>
               </a:lnSpc>
             </a:pPr>
-            <a:fld id="{86F49EFE-98D8-4FC8-B4E4-5300DF0C30D3}" type="slidenum">
+            <a:fld id="{FBE1A7E7-6318-49AB-979D-1CDB077D553B}" type="slidenum">
               <a:rPr b="0" lang="ru-RU" sz="1200" spc="-1" strike="noStrike">
                 <a:solidFill>
                   <a:srgbClr val="8b8b8b"/>
@@ -6756,7 +5976,7 @@
               <a:t>&lt;number&gt;</a:t>
             </a:fld>
             <a:endParaRPr b="0" lang="en-US" sz="1200" spc="-1" strike="noStrike">
-              <a:latin typeface="Times New Roman"/>
+              <a:latin typeface="Arial"/>
             </a:endParaRPr>
           </a:p>
         </p:txBody>
@@ -6793,14 +6013,14 @@
       </p:grpSpPr>
       <p:sp>
         <p:nvSpPr>
-          <p:cNvPr id="128" name="TextShape 1"/>
-          <p:cNvSpPr txBox="1"/>
+          <p:cNvPr id="119" name="CustomShape 1"/>
+          <p:cNvSpPr/>
           <p:nvPr/>
         </p:nvSpPr>
         <p:spPr>
           <a:xfrm>
             <a:off x="1523880" y="869040"/>
-            <a:ext cx="9143640" cy="1102680"/>
+            <a:ext cx="9143280" cy="1102320"/>
           </a:xfrm>
           <a:prstGeom prst="rect">
             <a:avLst/>
@@ -6810,8 +6030,14 @@
             <a:noFill/>
           </a:ln>
         </p:spPr>
-        <p:txBody>
-          <a:bodyPr anchor="b">
+        <p:style>
+          <a:lnRef idx="0"/>
+          <a:fillRef idx="0"/>
+          <a:effectRef idx="0"/>
+          <a:fontRef idx="minor"/>
+        </p:style>
+        <p:txBody>
+          <a:bodyPr lIns="90000" rIns="90000" tIns="45000" bIns="45000" anchor="b">
             <a:noAutofit/>
           </a:bodyPr>
           <a:p>
@@ -6829,25 +6055,22 @@
               </a:rPr>
               <a:t>Computation</a:t>
             </a:r>
-            <a:endParaRPr b="0" lang="ru-RU" sz="6000" spc="-1" strike="noStrike">
-              <a:solidFill>
-                <a:srgbClr val="000000"/>
-              </a:solidFill>
-              <a:latin typeface="Calibri"/>
-            </a:endParaRPr>
-          </a:p>
-        </p:txBody>
-      </p:sp>
-      <p:sp>
-        <p:nvSpPr>
-          <p:cNvPr id="129" name="TextShape 2"/>
-          <p:cNvSpPr txBox="1"/>
+            <a:endParaRPr b="0" lang="en-US" sz="6000" spc="-1" strike="noStrike">
+              <a:latin typeface="Arial"/>
+            </a:endParaRPr>
+          </a:p>
+        </p:txBody>
+      </p:sp>
+      <p:sp>
+        <p:nvSpPr>
+          <p:cNvPr id="120" name="CustomShape 2"/>
+          <p:cNvSpPr/>
           <p:nvPr/>
         </p:nvSpPr>
         <p:spPr>
           <a:xfrm>
             <a:off x="627840" y="2434680"/>
-            <a:ext cx="10333440" cy="3910680"/>
+            <a:ext cx="10333080" cy="3910320"/>
           </a:xfrm>
           <a:prstGeom prst="rect">
             <a:avLst/>
@@ -6857,8 +6080,14 @@
             <a:noFill/>
           </a:ln>
         </p:spPr>
-        <p:txBody>
-          <a:bodyPr>
+        <p:style>
+          <a:lnRef idx="0"/>
+          <a:fillRef idx="0"/>
+          <a:effectRef idx="0"/>
+          <a:fontRef idx="minor"/>
+        </p:style>
+        <p:txBody>
+          <a:bodyPr lIns="90000" rIns="90000" tIns="45000" bIns="45000">
             <a:normAutofit/>
           </a:bodyPr>
           <a:p>
@@ -6931,14 +6160,14 @@
       </p:sp>
       <p:sp>
         <p:nvSpPr>
-          <p:cNvPr id="130" name="TextShape 3"/>
-          <p:cNvSpPr txBox="1"/>
+          <p:cNvPr id="121" name="CustomShape 3"/>
+          <p:cNvSpPr/>
           <p:nvPr/>
         </p:nvSpPr>
         <p:spPr>
           <a:xfrm>
             <a:off x="4038480" y="6356520"/>
-            <a:ext cx="4114440" cy="364680"/>
+            <a:ext cx="4114080" cy="364320"/>
           </a:xfrm>
           <a:prstGeom prst="rect">
             <a:avLst/>
@@ -6948,8 +6177,14 @@
             <a:noFill/>
           </a:ln>
         </p:spPr>
-        <p:txBody>
-          <a:bodyPr anchor="ctr">
+        <p:style>
+          <a:lnRef idx="0"/>
+          <a:fillRef idx="0"/>
+          <a:effectRef idx="0"/>
+          <a:fontRef idx="minor"/>
+        </p:style>
+        <p:txBody>
+          <a:bodyPr lIns="90000" rIns="90000" tIns="45000" bIns="45000" anchor="ctr">
             <a:noAutofit/>
           </a:bodyPr>
           <a:p>
@@ -6968,21 +6203,21 @@
               <a:t>MagDAHomeWork_2020</a:t>
             </a:r>
             <a:endParaRPr b="0" lang="en-US" sz="1200" spc="-1" strike="noStrike">
-              <a:latin typeface="Times New Roman"/>
-            </a:endParaRPr>
-          </a:p>
-        </p:txBody>
-      </p:sp>
-      <p:sp>
-        <p:nvSpPr>
-          <p:cNvPr id="131" name="TextShape 4"/>
-          <p:cNvSpPr txBox="1"/>
+              <a:latin typeface="Arial"/>
+            </a:endParaRPr>
+          </a:p>
+        </p:txBody>
+      </p:sp>
+      <p:sp>
+        <p:nvSpPr>
+          <p:cNvPr id="122" name="CustomShape 4"/>
+          <p:cNvSpPr/>
           <p:nvPr/>
         </p:nvSpPr>
         <p:spPr>
           <a:xfrm>
             <a:off x="8610480" y="6356520"/>
-            <a:ext cx="2742840" cy="364680"/>
+            <a:ext cx="2742480" cy="364320"/>
           </a:xfrm>
           <a:prstGeom prst="rect">
             <a:avLst/>
@@ -6992,8 +6227,14 @@
             <a:noFill/>
           </a:ln>
         </p:spPr>
-        <p:txBody>
-          <a:bodyPr anchor="ctr">
+        <p:style>
+          <a:lnRef idx="0"/>
+          <a:fillRef idx="0"/>
+          <a:effectRef idx="0"/>
+          <a:fontRef idx="minor"/>
+        </p:style>
+        <p:txBody>
+          <a:bodyPr lIns="90000" rIns="90000" tIns="45000" bIns="45000" anchor="ctr">
             <a:noAutofit/>
           </a:bodyPr>
           <a:p>
@@ -7002,17 +6243,17 @@
                 <a:spcPct val="100000"/>
               </a:lnSpc>
             </a:pPr>
-            <a:fld id="{046BB2BF-F835-4D5B-94B7-012E1B49A559}" type="slidenum">
+            <a:fld id="{19D9FCD5-CFF2-4BB9-89E1-C0FA34D873ED}" type="slidenum">
               <a:rPr b="0" lang="ru-RU" sz="1200" spc="-1" strike="noStrike">
                 <a:solidFill>
                   <a:srgbClr val="8b8b8b"/>
                 </a:solidFill>
                 <a:latin typeface="Calibri"/>
               </a:rPr>
-              <a:t>2</a:t>
+              <a:t>&lt;number&gt;</a:t>
             </a:fld>
             <a:endParaRPr b="0" lang="en-US" sz="1200" spc="-1" strike="noStrike">
-              <a:latin typeface="Times New Roman"/>
+              <a:latin typeface="Arial"/>
             </a:endParaRPr>
           </a:p>
         </p:txBody>
@@ -7049,14 +6290,14 @@
       </p:grpSpPr>
       <p:sp>
         <p:nvSpPr>
-          <p:cNvPr id="132" name="TextShape 1"/>
-          <p:cNvSpPr txBox="1"/>
+          <p:cNvPr id="123" name="CustomShape 1"/>
+          <p:cNvSpPr/>
           <p:nvPr/>
         </p:nvSpPr>
         <p:spPr>
           <a:xfrm>
             <a:off x="838080" y="365040"/>
-            <a:ext cx="10883520" cy="1325160"/>
+            <a:ext cx="10883160" cy="1324800"/>
           </a:xfrm>
           <a:prstGeom prst="rect">
             <a:avLst/>
@@ -7066,8 +6307,14 @@
             <a:noFill/>
           </a:ln>
         </p:spPr>
-        <p:txBody>
-          <a:bodyPr anchor="ctr">
+        <p:style>
+          <a:lnRef idx="0"/>
+          <a:fillRef idx="0"/>
+          <a:effectRef idx="0"/>
+          <a:fontRef idx="minor"/>
+        </p:style>
+        <p:txBody>
+          <a:bodyPr lIns="90000" rIns="90000" tIns="45000" bIns="45000" anchor="ctr">
             <a:noAutofit/>
           </a:bodyPr>
           <a:p>
@@ -7085,25 +6332,22 @@
               </a:rPr>
               <a:t>Contributions of assignments to the HW mark</a:t>
             </a:r>
-            <a:endParaRPr b="0" lang="ru-RU" sz="4400" spc="-1" strike="noStrike">
-              <a:solidFill>
-                <a:srgbClr val="000000"/>
-              </a:solidFill>
-              <a:latin typeface="Calibri"/>
-            </a:endParaRPr>
-          </a:p>
-        </p:txBody>
-      </p:sp>
-      <p:sp>
-        <p:nvSpPr>
-          <p:cNvPr id="133" name="TextShape 2"/>
-          <p:cNvSpPr txBox="1"/>
+            <a:endParaRPr b="0" lang="en-US" sz="4400" spc="-1" strike="noStrike">
+              <a:latin typeface="Arial"/>
+            </a:endParaRPr>
+          </a:p>
+        </p:txBody>
+      </p:sp>
+      <p:sp>
+        <p:nvSpPr>
+          <p:cNvPr id="124" name="CustomShape 2"/>
+          <p:cNvSpPr/>
           <p:nvPr/>
         </p:nvSpPr>
         <p:spPr>
           <a:xfrm>
             <a:off x="838080" y="1825560"/>
-            <a:ext cx="9175680" cy="4350960"/>
+            <a:ext cx="9175320" cy="4350600"/>
           </a:xfrm>
           <a:prstGeom prst="rect">
             <a:avLst/>
@@ -7113,8 +6357,14 @@
             <a:noFill/>
           </a:ln>
         </p:spPr>
-        <p:txBody>
-          <a:bodyPr>
+        <p:style>
+          <a:lnRef idx="0"/>
+          <a:fillRef idx="0"/>
+          <a:effectRef idx="0"/>
+          <a:fontRef idx="minor"/>
+        </p:style>
+        <p:txBody>
+          <a:bodyPr lIns="90000" rIns="90000" tIns="45000" bIns="45000">
             <a:normAutofit fontScale="42000"/>
           </a:bodyPr>
           <a:p>
@@ -7147,15 +6397,12 @@
               </a:rPr>
               <a:t>Subject                                          Up to</a:t>
             </a:r>
-            <a:endParaRPr b="0" lang="ru-RU" sz="3600" spc="-1" strike="noStrike">
-              <a:solidFill>
-                <a:srgbClr val="000000"/>
-              </a:solidFill>
-              <a:latin typeface="Calibri"/>
-            </a:endParaRPr>
-          </a:p>
-          <a:p>
-            <a:pPr marL="228600" indent="-228240">
+            <a:endParaRPr b="0" lang="en-US" sz="3600" spc="-1" strike="noStrike">
+              <a:latin typeface="Arial"/>
+            </a:endParaRPr>
+          </a:p>
+          <a:p>
+            <a:pPr marL="228600" indent="-227880">
               <a:lnSpc>
                 <a:spcPct val="90000"/>
               </a:lnSpc>
@@ -7180,15 +6427,12 @@
               </a:rPr>
               <a:t>1: Report writing                                  10%</a:t>
             </a:r>
-            <a:endParaRPr b="0" lang="ru-RU" sz="3600" spc="-1" strike="noStrike">
-              <a:solidFill>
-                <a:srgbClr val="000000"/>
-              </a:solidFill>
-              <a:latin typeface="Calibri"/>
-            </a:endParaRPr>
-          </a:p>
-          <a:p>
-            <a:pPr marL="228600" indent="-228240">
+            <a:endParaRPr b="0" lang="en-US" sz="3600" spc="-1" strike="noStrike">
+              <a:latin typeface="Arial"/>
+            </a:endParaRPr>
+          </a:p>
+          <a:p>
+            <a:pPr marL="228600" indent="-227880">
               <a:lnSpc>
                 <a:spcPct val="90000"/>
               </a:lnSpc>
@@ -7213,15 +6457,12 @@
               </a:rPr>
               <a:t>2. K-means                                             15%</a:t>
             </a:r>
-            <a:endParaRPr b="0" lang="ru-RU" sz="3600" spc="-1" strike="noStrike">
-              <a:solidFill>
-                <a:srgbClr val="000000"/>
-              </a:solidFill>
-              <a:latin typeface="Calibri"/>
-            </a:endParaRPr>
-          </a:p>
-          <a:p>
-            <a:pPr marL="228600" indent="-228240">
+            <a:endParaRPr b="0" lang="en-US" sz="3600" spc="-1" strike="noStrike">
+              <a:latin typeface="Arial"/>
+            </a:endParaRPr>
+          </a:p>
+          <a:p>
+            <a:pPr marL="228600" indent="-227880">
               <a:lnSpc>
                 <a:spcPct val="90000"/>
               </a:lnSpc>
@@ -7246,15 +6487,12 @@
               </a:rPr>
               <a:t>3. Bootstrap                                           20%</a:t>
             </a:r>
-            <a:endParaRPr b="0" lang="ru-RU" sz="3600" spc="-1" strike="noStrike">
-              <a:solidFill>
-                <a:srgbClr val="000000"/>
-              </a:solidFill>
-              <a:latin typeface="Calibri"/>
-            </a:endParaRPr>
-          </a:p>
-          <a:p>
-            <a:pPr marL="228600" indent="-228240">
+            <a:endParaRPr b="0" lang="en-US" sz="3600" spc="-1" strike="noStrike">
+              <a:latin typeface="Arial"/>
+            </a:endParaRPr>
+          </a:p>
+          <a:p>
+            <a:pPr marL="228600" indent="-227880">
               <a:lnSpc>
                 <a:spcPct val="90000"/>
               </a:lnSpc>
@@ -7279,15 +6517,12 @@
               </a:rPr>
               <a:t>4. Contingency table                            20%</a:t>
             </a:r>
-            <a:endParaRPr b="0" lang="ru-RU" sz="3600" spc="-1" strike="noStrike">
-              <a:solidFill>
-                <a:srgbClr val="000000"/>
-              </a:solidFill>
-              <a:latin typeface="Calibri"/>
-            </a:endParaRPr>
-          </a:p>
-          <a:p>
-            <a:pPr marL="228600" indent="-228240">
+            <a:endParaRPr b="0" lang="en-US" sz="3600" spc="-1" strike="noStrike">
+              <a:latin typeface="Arial"/>
+            </a:endParaRPr>
+          </a:p>
+          <a:p>
+            <a:pPr marL="228600" indent="-227880">
               <a:lnSpc>
                 <a:spcPct val="90000"/>
               </a:lnSpc>
@@ -7312,15 +6547,12 @@
               </a:rPr>
               <a:t>5. PCA/SVD                                            20%</a:t>
             </a:r>
-            <a:endParaRPr b="0" lang="ru-RU" sz="3600" spc="-1" strike="noStrike">
-              <a:solidFill>
-                <a:srgbClr val="000000"/>
-              </a:solidFill>
-              <a:latin typeface="Calibri"/>
-            </a:endParaRPr>
-          </a:p>
-          <a:p>
-            <a:pPr marL="228600" indent="-228240">
+            <a:endParaRPr b="0" lang="en-US" sz="3600" spc="-1" strike="noStrike">
+              <a:latin typeface="Arial"/>
+            </a:endParaRPr>
+          </a:p>
+          <a:p>
+            <a:pPr marL="228600" indent="-227880">
               <a:lnSpc>
                 <a:spcPct val="90000"/>
               </a:lnSpc>
@@ -7345,25 +6577,22 @@
               </a:rPr>
               <a:t>6. Correlation coefficient                    15%</a:t>
             </a:r>
-            <a:endParaRPr b="0" lang="ru-RU" sz="3600" spc="-1" strike="noStrike">
-              <a:solidFill>
-                <a:srgbClr val="000000"/>
-              </a:solidFill>
-              <a:latin typeface="Calibri"/>
-            </a:endParaRPr>
-          </a:p>
-        </p:txBody>
-      </p:sp>
-      <p:sp>
-        <p:nvSpPr>
-          <p:cNvPr id="134" name="TextShape 3"/>
-          <p:cNvSpPr txBox="1"/>
+            <a:endParaRPr b="0" lang="en-US" sz="3600" spc="-1" strike="noStrike">
+              <a:latin typeface="Arial"/>
+            </a:endParaRPr>
+          </a:p>
+        </p:txBody>
+      </p:sp>
+      <p:sp>
+        <p:nvSpPr>
+          <p:cNvPr id="125" name="CustomShape 3"/>
+          <p:cNvSpPr/>
           <p:nvPr/>
         </p:nvSpPr>
         <p:spPr>
           <a:xfrm>
             <a:off x="4038480" y="6356520"/>
-            <a:ext cx="4114440" cy="364680"/>
+            <a:ext cx="4114080" cy="364320"/>
           </a:xfrm>
           <a:prstGeom prst="rect">
             <a:avLst/>
@@ -7373,8 +6602,14 @@
             <a:noFill/>
           </a:ln>
         </p:spPr>
-        <p:txBody>
-          <a:bodyPr anchor="ctr">
+        <p:style>
+          <a:lnRef idx="0"/>
+          <a:fillRef idx="0"/>
+          <a:effectRef idx="0"/>
+          <a:fontRef idx="minor"/>
+        </p:style>
+        <p:txBody>
+          <a:bodyPr lIns="90000" rIns="90000" tIns="45000" bIns="45000" anchor="ctr">
             <a:noAutofit/>
           </a:bodyPr>
           <a:p>
@@ -7393,21 +6628,21 @@
               <a:t>MagDAHomeWork_2020</a:t>
             </a:r>
             <a:endParaRPr b="0" lang="en-US" sz="1200" spc="-1" strike="noStrike">
-              <a:latin typeface="Times New Roman"/>
-            </a:endParaRPr>
-          </a:p>
-        </p:txBody>
-      </p:sp>
-      <p:sp>
-        <p:nvSpPr>
-          <p:cNvPr id="135" name="TextShape 4"/>
-          <p:cNvSpPr txBox="1"/>
+              <a:latin typeface="Arial"/>
+            </a:endParaRPr>
+          </a:p>
+        </p:txBody>
+      </p:sp>
+      <p:sp>
+        <p:nvSpPr>
+          <p:cNvPr id="126" name="CustomShape 4"/>
+          <p:cNvSpPr/>
           <p:nvPr/>
         </p:nvSpPr>
         <p:spPr>
           <a:xfrm>
             <a:off x="8610480" y="6356520"/>
-            <a:ext cx="2742840" cy="364680"/>
+            <a:ext cx="2742480" cy="364320"/>
           </a:xfrm>
           <a:prstGeom prst="rect">
             <a:avLst/>
@@ -7417,8 +6652,14 @@
             <a:noFill/>
           </a:ln>
         </p:spPr>
-        <p:txBody>
-          <a:bodyPr anchor="ctr">
+        <p:style>
+          <a:lnRef idx="0"/>
+          <a:fillRef idx="0"/>
+          <a:effectRef idx="0"/>
+          <a:fontRef idx="minor"/>
+        </p:style>
+        <p:txBody>
+          <a:bodyPr lIns="90000" rIns="90000" tIns="45000" bIns="45000" anchor="ctr">
             <a:noAutofit/>
           </a:bodyPr>
           <a:p>
@@ -7427,17 +6668,17 @@
                 <a:spcPct val="100000"/>
               </a:lnSpc>
             </a:pPr>
-            <a:fld id="{CCA4F041-039A-47F6-9AE0-1F2210C46831}" type="slidenum">
+            <a:fld id="{A6C4C643-FC4A-4052-A76F-1428B697A76E}" type="slidenum">
               <a:rPr b="0" lang="ru-RU" sz="1200" spc="-1" strike="noStrike">
                 <a:solidFill>
                   <a:srgbClr val="8b8b8b"/>
                 </a:solidFill>
                 <a:latin typeface="Calibri"/>
               </a:rPr>
-              <a:t>3</a:t>
+              <a:t>&lt;number&gt;</a:t>
             </a:fld>
             <a:endParaRPr b="0" lang="en-US" sz="1200" spc="-1" strike="noStrike">
-              <a:latin typeface="Times New Roman"/>
+              <a:latin typeface="Arial"/>
             </a:endParaRPr>
           </a:p>
         </p:txBody>
@@ -7474,14 +6715,14 @@
       </p:grpSpPr>
       <p:sp>
         <p:nvSpPr>
-          <p:cNvPr id="136" name="TextShape 1"/>
-          <p:cNvSpPr txBox="1"/>
+          <p:cNvPr id="127" name="CustomShape 1"/>
+          <p:cNvSpPr/>
           <p:nvPr/>
         </p:nvSpPr>
         <p:spPr>
           <a:xfrm>
             <a:off x="838080" y="365040"/>
-            <a:ext cx="10883520" cy="1325160"/>
+            <a:ext cx="10883160" cy="1324800"/>
           </a:xfrm>
           <a:prstGeom prst="rect">
             <a:avLst/>
@@ -7491,8 +6732,14 @@
             <a:noFill/>
           </a:ln>
         </p:spPr>
-        <p:txBody>
-          <a:bodyPr anchor="ctr">
+        <p:style>
+          <a:lnRef idx="0"/>
+          <a:fillRef idx="0"/>
+          <a:effectRef idx="0"/>
+          <a:fontRef idx="minor"/>
+        </p:style>
+        <p:txBody>
+          <a:bodyPr lIns="90000" rIns="90000" tIns="45000" bIns="45000" anchor="ctr">
             <a:noAutofit/>
           </a:bodyPr>
           <a:p>
@@ -7510,25 +6757,22 @@
               </a:rPr>
               <a:t>Contents</a:t>
             </a:r>
-            <a:endParaRPr b="0" lang="ru-RU" sz="4400" spc="-1" strike="noStrike">
-              <a:solidFill>
-                <a:srgbClr val="000000"/>
-              </a:solidFill>
-              <a:latin typeface="Calibri"/>
-            </a:endParaRPr>
-          </a:p>
-        </p:txBody>
-      </p:sp>
-      <p:sp>
-        <p:nvSpPr>
-          <p:cNvPr id="137" name="TextShape 2"/>
-          <p:cNvSpPr txBox="1"/>
+            <a:endParaRPr b="0" lang="en-US" sz="4400" spc="-1" strike="noStrike">
+              <a:latin typeface="Arial"/>
+            </a:endParaRPr>
+          </a:p>
+        </p:txBody>
+      </p:sp>
+      <p:sp>
+        <p:nvSpPr>
+          <p:cNvPr id="128" name="CustomShape 2"/>
+          <p:cNvSpPr/>
           <p:nvPr/>
         </p:nvSpPr>
         <p:spPr>
           <a:xfrm>
             <a:off x="838080" y="1825560"/>
-            <a:ext cx="9175680" cy="4350960"/>
+            <a:ext cx="9175320" cy="4350600"/>
           </a:xfrm>
           <a:prstGeom prst="rect">
             <a:avLst/>
@@ -7538,8 +6782,14 @@
             <a:noFill/>
           </a:ln>
         </p:spPr>
-        <p:txBody>
-          <a:bodyPr>
+        <p:style>
+          <a:lnRef idx="0"/>
+          <a:fillRef idx="0"/>
+          <a:effectRef idx="0"/>
+          <a:fontRef idx="minor"/>
+        </p:style>
+        <p:txBody>
+          <a:bodyPr lIns="90000" rIns="90000" tIns="45000" bIns="45000">
             <a:normAutofit fontScale="42000"/>
           </a:bodyPr>
           <a:p>
@@ -7572,15 +6822,12 @@
               </a:rPr>
               <a:t>Assignment                                   page</a:t>
             </a:r>
-            <a:endParaRPr b="0" lang="ru-RU" sz="3600" spc="-1" strike="noStrike">
-              <a:solidFill>
-                <a:srgbClr val="000000"/>
-              </a:solidFill>
-              <a:latin typeface="Calibri"/>
-            </a:endParaRPr>
-          </a:p>
-          <a:p>
-            <a:pPr marL="228600" indent="-228240">
+            <a:endParaRPr b="0" lang="en-US" sz="3600" spc="-1" strike="noStrike">
+              <a:latin typeface="Arial"/>
+            </a:endParaRPr>
+          </a:p>
+          <a:p>
+            <a:pPr marL="228600" indent="-227880">
               <a:lnSpc>
                 <a:spcPct val="90000"/>
               </a:lnSpc>
@@ -7605,15 +6852,12 @@
               </a:rPr>
               <a:t>1: Report writing                                   5</a:t>
             </a:r>
-            <a:endParaRPr b="0" lang="ru-RU" sz="3600" spc="-1" strike="noStrike">
-              <a:solidFill>
-                <a:srgbClr val="000000"/>
-              </a:solidFill>
-              <a:latin typeface="Calibri"/>
-            </a:endParaRPr>
-          </a:p>
-          <a:p>
-            <a:pPr marL="228600" indent="-228240">
+            <a:endParaRPr b="0" lang="en-US" sz="3600" spc="-1" strike="noStrike">
+              <a:latin typeface="Arial"/>
+            </a:endParaRPr>
+          </a:p>
+          <a:p>
+            <a:pPr marL="228600" indent="-227880">
               <a:lnSpc>
                 <a:spcPct val="90000"/>
               </a:lnSpc>
@@ -7638,15 +6882,12 @@
               </a:rPr>
               <a:t>2. K-means                                             6</a:t>
             </a:r>
-            <a:endParaRPr b="0" lang="ru-RU" sz="3600" spc="-1" strike="noStrike">
-              <a:solidFill>
-                <a:srgbClr val="000000"/>
-              </a:solidFill>
-              <a:latin typeface="Calibri"/>
-            </a:endParaRPr>
-          </a:p>
-          <a:p>
-            <a:pPr marL="228600" indent="-228240">
+            <a:endParaRPr b="0" lang="en-US" sz="3600" spc="-1" strike="noStrike">
+              <a:latin typeface="Arial"/>
+            </a:endParaRPr>
+          </a:p>
+          <a:p>
+            <a:pPr marL="228600" indent="-227880">
               <a:lnSpc>
                 <a:spcPct val="90000"/>
               </a:lnSpc>
@@ -7671,15 +6912,12 @@
               </a:rPr>
               <a:t>3. Bootstrap                                           7</a:t>
             </a:r>
-            <a:endParaRPr b="0" lang="ru-RU" sz="3600" spc="-1" strike="noStrike">
-              <a:solidFill>
-                <a:srgbClr val="000000"/>
-              </a:solidFill>
-              <a:latin typeface="Calibri"/>
-            </a:endParaRPr>
-          </a:p>
-          <a:p>
-            <a:pPr marL="228600" indent="-228240">
+            <a:endParaRPr b="0" lang="en-US" sz="3600" spc="-1" strike="noStrike">
+              <a:latin typeface="Arial"/>
+            </a:endParaRPr>
+          </a:p>
+          <a:p>
+            <a:pPr marL="228600" indent="-227880">
               <a:lnSpc>
                 <a:spcPct val="90000"/>
               </a:lnSpc>
@@ -7704,15 +6942,12 @@
               </a:rPr>
               <a:t>4. Contingency table                             8</a:t>
             </a:r>
-            <a:endParaRPr b="0" lang="ru-RU" sz="3600" spc="-1" strike="noStrike">
-              <a:solidFill>
-                <a:srgbClr val="000000"/>
-              </a:solidFill>
-              <a:latin typeface="Calibri"/>
-            </a:endParaRPr>
-          </a:p>
-          <a:p>
-            <a:pPr marL="228600" indent="-228240">
+            <a:endParaRPr b="0" lang="en-US" sz="3600" spc="-1" strike="noStrike">
+              <a:latin typeface="Arial"/>
+            </a:endParaRPr>
+          </a:p>
+          <a:p>
+            <a:pPr marL="228600" indent="-227880">
               <a:lnSpc>
                 <a:spcPct val="90000"/>
               </a:lnSpc>
@@ -7737,15 +6972,12 @@
               </a:rPr>
               <a:t>5. PCA/SVD                                             9</a:t>
             </a:r>
-            <a:endParaRPr b="0" lang="ru-RU" sz="3600" spc="-1" strike="noStrike">
-              <a:solidFill>
-                <a:srgbClr val="000000"/>
-              </a:solidFill>
-              <a:latin typeface="Calibri"/>
-            </a:endParaRPr>
-          </a:p>
-          <a:p>
-            <a:pPr marL="228600" indent="-228240">
+            <a:endParaRPr b="0" lang="en-US" sz="3600" spc="-1" strike="noStrike">
+              <a:latin typeface="Arial"/>
+            </a:endParaRPr>
+          </a:p>
+          <a:p>
+            <a:pPr marL="228600" indent="-227880">
               <a:lnSpc>
                 <a:spcPct val="90000"/>
               </a:lnSpc>
@@ -7770,25 +7002,22 @@
               </a:rPr>
               <a:t>6. Correlation coefficient                    10</a:t>
             </a:r>
-            <a:endParaRPr b="0" lang="ru-RU" sz="3600" spc="-1" strike="noStrike">
-              <a:solidFill>
-                <a:srgbClr val="000000"/>
-              </a:solidFill>
-              <a:latin typeface="Calibri"/>
-            </a:endParaRPr>
-          </a:p>
-        </p:txBody>
-      </p:sp>
-      <p:sp>
-        <p:nvSpPr>
-          <p:cNvPr id="138" name="TextShape 3"/>
-          <p:cNvSpPr txBox="1"/>
+            <a:endParaRPr b="0" lang="en-US" sz="3600" spc="-1" strike="noStrike">
+              <a:latin typeface="Arial"/>
+            </a:endParaRPr>
+          </a:p>
+        </p:txBody>
+      </p:sp>
+      <p:sp>
+        <p:nvSpPr>
+          <p:cNvPr id="129" name="CustomShape 3"/>
+          <p:cNvSpPr/>
           <p:nvPr/>
         </p:nvSpPr>
         <p:spPr>
           <a:xfrm>
             <a:off x="4038480" y="6356520"/>
-            <a:ext cx="4114440" cy="364680"/>
+            <a:ext cx="4114080" cy="364320"/>
           </a:xfrm>
           <a:prstGeom prst="rect">
             <a:avLst/>
@@ -7798,8 +7027,14 @@
             <a:noFill/>
           </a:ln>
         </p:spPr>
-        <p:txBody>
-          <a:bodyPr anchor="ctr">
+        <p:style>
+          <a:lnRef idx="0"/>
+          <a:fillRef idx="0"/>
+          <a:effectRef idx="0"/>
+          <a:fontRef idx="minor"/>
+        </p:style>
+        <p:txBody>
+          <a:bodyPr lIns="90000" rIns="90000" tIns="45000" bIns="45000" anchor="ctr">
             <a:noAutofit/>
           </a:bodyPr>
           <a:p>
@@ -7818,21 +7053,21 @@
               <a:t>MagDAHomeWork_2020</a:t>
             </a:r>
             <a:endParaRPr b="0" lang="en-US" sz="1200" spc="-1" strike="noStrike">
-              <a:latin typeface="Times New Roman"/>
-            </a:endParaRPr>
-          </a:p>
-        </p:txBody>
-      </p:sp>
-      <p:sp>
-        <p:nvSpPr>
-          <p:cNvPr id="139" name="TextShape 4"/>
-          <p:cNvSpPr txBox="1"/>
+              <a:latin typeface="Arial"/>
+            </a:endParaRPr>
+          </a:p>
+        </p:txBody>
+      </p:sp>
+      <p:sp>
+        <p:nvSpPr>
+          <p:cNvPr id="130" name="CustomShape 4"/>
+          <p:cNvSpPr/>
           <p:nvPr/>
         </p:nvSpPr>
         <p:spPr>
           <a:xfrm>
             <a:off x="8610480" y="6356520"/>
-            <a:ext cx="2742840" cy="364680"/>
+            <a:ext cx="2742480" cy="364320"/>
           </a:xfrm>
           <a:prstGeom prst="rect">
             <a:avLst/>
@@ -7842,8 +7077,14 @@
             <a:noFill/>
           </a:ln>
         </p:spPr>
-        <p:txBody>
-          <a:bodyPr anchor="ctr">
+        <p:style>
+          <a:lnRef idx="0"/>
+          <a:fillRef idx="0"/>
+          <a:effectRef idx="0"/>
+          <a:fontRef idx="minor"/>
+        </p:style>
+        <p:txBody>
+          <a:bodyPr lIns="90000" rIns="90000" tIns="45000" bIns="45000" anchor="ctr">
             <a:noAutofit/>
           </a:bodyPr>
           <a:p>
@@ -7852,17 +7093,17 @@
                 <a:spcPct val="100000"/>
               </a:lnSpc>
             </a:pPr>
-            <a:fld id="{B87AE08E-5495-45F4-948F-2F3925516A9B}" type="slidenum">
+            <a:fld id="{AFF0A9FA-1379-4DA0-B33F-9CBACB800B8A}" type="slidenum">
               <a:rPr b="0" lang="ru-RU" sz="1200" spc="-1" strike="noStrike">
                 <a:solidFill>
                   <a:srgbClr val="8b8b8b"/>
                 </a:solidFill>
                 <a:latin typeface="Calibri"/>
               </a:rPr>
-              <a:t>4</a:t>
+              <a:t>&lt;number&gt;</a:t>
             </a:fld>
             <a:endParaRPr b="0" lang="en-US" sz="1200" spc="-1" strike="noStrike">
-              <a:latin typeface="Times New Roman"/>
+              <a:latin typeface="Arial"/>
             </a:endParaRPr>
           </a:p>
         </p:txBody>
@@ -7899,14 +7140,14 @@
       </p:grpSpPr>
       <p:sp>
         <p:nvSpPr>
-          <p:cNvPr id="140" name="TextShape 1"/>
-          <p:cNvSpPr txBox="1"/>
+          <p:cNvPr id="131" name="CustomShape 1"/>
+          <p:cNvSpPr/>
           <p:nvPr/>
         </p:nvSpPr>
         <p:spPr>
           <a:xfrm>
             <a:off x="2207520" y="188640"/>
-            <a:ext cx="7817760" cy="777960"/>
+            <a:ext cx="7817400" cy="777600"/>
           </a:xfrm>
           <a:prstGeom prst="rect">
             <a:avLst/>
@@ -7916,8 +7157,14 @@
             <a:noFill/>
           </a:ln>
         </p:spPr>
-        <p:txBody>
-          <a:bodyPr anchor="ctr">
+        <p:style>
+          <a:lnRef idx="0"/>
+          <a:fillRef idx="0"/>
+          <a:effectRef idx="0"/>
+          <a:fontRef idx="minor"/>
+        </p:style>
+        <p:txBody>
+          <a:bodyPr lIns="90000" rIns="90000" tIns="45000" bIns="45000" anchor="ctr">
             <a:normAutofit fontScale="44000"/>
           </a:bodyPr>
           <a:p>
@@ -7935,25 +7182,22 @@
               </a:rPr>
               <a:t>Home work 1: Report writing</a:t>
             </a:r>
-            <a:endParaRPr b="0" lang="ru-RU" sz="4400" spc="-1" strike="noStrike">
-              <a:solidFill>
-                <a:srgbClr val="000000"/>
-              </a:solidFill>
-              <a:latin typeface="Calibri"/>
-            </a:endParaRPr>
-          </a:p>
-        </p:txBody>
-      </p:sp>
-      <p:sp>
-        <p:nvSpPr>
-          <p:cNvPr id="141" name="TextShape 2"/>
-          <p:cNvSpPr txBox="1"/>
+            <a:endParaRPr b="0" lang="en-US" sz="4400" spc="-1" strike="noStrike">
+              <a:latin typeface="Arial"/>
+            </a:endParaRPr>
+          </a:p>
+        </p:txBody>
+      </p:sp>
+      <p:sp>
+        <p:nvSpPr>
+          <p:cNvPr id="132" name="CustomShape 2"/>
+          <p:cNvSpPr/>
           <p:nvPr/>
         </p:nvSpPr>
         <p:spPr>
           <a:xfrm>
             <a:off x="1631520" y="908640"/>
-            <a:ext cx="4968360" cy="5949000"/>
+            <a:ext cx="4968000" cy="5948640"/>
           </a:xfrm>
           <a:prstGeom prst="rect">
             <a:avLst/>
@@ -7963,12 +7207,18 @@
             <a:noFill/>
           </a:ln>
         </p:spPr>
-        <p:txBody>
-          <a:bodyPr>
+        <p:style>
+          <a:lnRef idx="0"/>
+          <a:fillRef idx="0"/>
+          <a:effectRef idx="0"/>
+          <a:fontRef idx="minor"/>
+        </p:style>
+        <p:txBody>
+          <a:bodyPr lIns="90000" rIns="90000" tIns="45000" bIns="45000">
             <a:normAutofit fontScale="97000"/>
           </a:bodyPr>
           <a:p>
-            <a:pPr marL="228600" indent="-228240">
+            <a:pPr marL="228600" indent="-227880">
               <a:lnSpc>
                 <a:spcPct val="90000"/>
               </a:lnSpc>
@@ -8035,15 +7285,12 @@
               </a:rPr>
               <a:t>: say, by Googling “data analysis dataset”</a:t>
             </a:r>
-            <a:endParaRPr b="0" lang="ru-RU" sz="2800" spc="-1" strike="noStrike">
-              <a:solidFill>
-                <a:srgbClr val="000000"/>
-              </a:solidFill>
-              <a:latin typeface="Calibri"/>
-            </a:endParaRPr>
-          </a:p>
-          <a:p>
-            <a:pPr marL="228600" indent="-228240">
+            <a:endParaRPr b="0" lang="en-US" sz="2800" spc="-1" strike="noStrike">
+              <a:latin typeface="Arial"/>
+            </a:endParaRPr>
+          </a:p>
+          <a:p>
+            <a:pPr marL="228600" indent="-227880">
               <a:lnSpc>
                 <a:spcPct val="90000"/>
               </a:lnSpc>
@@ -8101,15 +7348,12 @@
               </a:rPr>
               <a:t> 7</a:t>
             </a:r>
-            <a:endParaRPr b="0" lang="ru-RU" sz="2800" spc="-1" strike="noStrike">
-              <a:solidFill>
-                <a:srgbClr val="000000"/>
-              </a:solidFill>
-              <a:latin typeface="Calibri"/>
-            </a:endParaRPr>
-          </a:p>
-          <a:p>
-            <a:pPr marL="228600" indent="-228240">
+            <a:endParaRPr b="0" lang="en-US" sz="2800" spc="-1" strike="noStrike">
+              <a:latin typeface="Arial"/>
+            </a:endParaRPr>
+          </a:p>
+          <a:p>
+            <a:pPr marL="228600" indent="-227880">
               <a:lnSpc>
                 <a:spcPct val="90000"/>
               </a:lnSpc>
@@ -8131,15 +7375,12 @@
               </a:rPr>
               <a:t>No missings</a:t>
             </a:r>
-            <a:endParaRPr b="0" lang="ru-RU" sz="2800" spc="-1" strike="noStrike">
-              <a:solidFill>
-                <a:srgbClr val="000000"/>
-              </a:solidFill>
-              <a:latin typeface="Calibri"/>
-            </a:endParaRPr>
-          </a:p>
-          <a:p>
-            <a:pPr marL="228600" indent="-228240">
+            <a:endParaRPr b="0" lang="en-US" sz="2800" spc="-1" strike="noStrike">
+              <a:latin typeface="Arial"/>
+            </a:endParaRPr>
+          </a:p>
+          <a:p>
+            <a:pPr marL="228600" indent="-227880">
               <a:lnSpc>
                 <a:spcPct val="90000"/>
               </a:lnSpc>
@@ -8158,15 +7399,12 @@
               </a:rPr>
               <a:t>No Irivine ML repository</a:t>
             </a:r>
-            <a:endParaRPr b="0" lang="ru-RU" sz="2800" spc="-1" strike="noStrike">
-              <a:solidFill>
-                <a:srgbClr val="000000"/>
-              </a:solidFill>
-              <a:latin typeface="Calibri"/>
-            </a:endParaRPr>
-          </a:p>
-          <a:p>
-            <a:pPr marL="228600" indent="-228240">
+            <a:endParaRPr b="0" lang="en-US" sz="2800" spc="-1" strike="noStrike">
+              <a:latin typeface="Arial"/>
+            </a:endParaRPr>
+          </a:p>
+          <a:p>
+            <a:pPr marL="228600" indent="-227880">
               <a:lnSpc>
                 <a:spcPct val="90000"/>
               </a:lnSpc>
@@ -8194,11 +7432,8 @@
               </a:rPr>
               <a:t>.</a:t>
             </a:r>
-            <a:endParaRPr b="0" lang="ru-RU" sz="3600" spc="-1" strike="noStrike">
-              <a:solidFill>
-                <a:srgbClr val="000000"/>
-              </a:solidFill>
-              <a:latin typeface="Calibri"/>
+            <a:endParaRPr b="0" lang="en-US" sz="3600" spc="-1" strike="noStrike">
+              <a:latin typeface="Arial"/>
             </a:endParaRPr>
           </a:p>
           <a:p>
@@ -8210,25 +7445,22 @@
                 <a:spcPts val="1001"/>
               </a:spcBef>
             </a:pPr>
-            <a:endParaRPr b="0" lang="ru-RU" sz="3600" spc="-1" strike="noStrike">
-              <a:solidFill>
-                <a:srgbClr val="000000"/>
-              </a:solidFill>
-              <a:latin typeface="Calibri"/>
-            </a:endParaRPr>
-          </a:p>
-        </p:txBody>
-      </p:sp>
-      <p:sp>
-        <p:nvSpPr>
-          <p:cNvPr id="142" name="TextShape 3"/>
-          <p:cNvSpPr txBox="1"/>
+            <a:endParaRPr b="0" lang="en-US" sz="3600" spc="-1" strike="noStrike">
+              <a:latin typeface="Arial"/>
+            </a:endParaRPr>
+          </a:p>
+        </p:txBody>
+      </p:sp>
+      <p:sp>
+        <p:nvSpPr>
+          <p:cNvPr id="133" name="CustomShape 3"/>
+          <p:cNvSpPr/>
           <p:nvPr/>
         </p:nvSpPr>
         <p:spPr>
           <a:xfrm>
             <a:off x="6599880" y="980640"/>
-            <a:ext cx="4416480" cy="5206320"/>
+            <a:ext cx="4416120" cy="5205960"/>
           </a:xfrm>
           <a:prstGeom prst="rect">
             <a:avLst/>
@@ -8238,12 +7470,18 @@
             <a:noFill/>
           </a:ln>
         </p:spPr>
-        <p:txBody>
-          <a:bodyPr>
+        <p:style>
+          <a:lnRef idx="0"/>
+          <a:fillRef idx="0"/>
+          <a:effectRef idx="0"/>
+          <a:fontRef idx="minor"/>
+        </p:style>
+        <p:txBody>
+          <a:bodyPr lIns="90000" rIns="90000" tIns="45000" bIns="45000">
             <a:normAutofit fontScale="97000"/>
           </a:bodyPr>
           <a:p>
-            <a:pPr marL="228600" indent="-228240">
+            <a:pPr marL="228600" indent="-227880">
               <a:lnSpc>
                 <a:spcPct val="90000"/>
               </a:lnSpc>
@@ -8265,15 +7503,12 @@
               </a:rPr>
               <a:t>2. Start writing a team’s report file to submit it as either a Word or Adobe file</a:t>
             </a:r>
-            <a:endParaRPr b="0" lang="ru-RU" sz="2800" spc="-1" strike="noStrike">
-              <a:solidFill>
-                <a:srgbClr val="000000"/>
-              </a:solidFill>
-              <a:latin typeface="Calibri"/>
-            </a:endParaRPr>
-          </a:p>
-          <a:p>
-            <a:pPr marL="228600" indent="-228240">
+            <a:endParaRPr b="0" lang="en-US" sz="2800" spc="-1" strike="noStrike">
+              <a:latin typeface="Arial"/>
+            </a:endParaRPr>
+          </a:p>
+          <a:p>
+            <a:pPr marL="228600" indent="-227880">
               <a:lnSpc>
                 <a:spcPct val="90000"/>
               </a:lnSpc>
@@ -8295,15 +7530,12 @@
               </a:rPr>
               <a:t>Project title page </a:t>
             </a:r>
-            <a:endParaRPr b="0" lang="ru-RU" sz="2800" spc="-1" strike="noStrike">
-              <a:solidFill>
-                <a:srgbClr val="000000"/>
-              </a:solidFill>
-              <a:latin typeface="Calibri"/>
-            </a:endParaRPr>
-          </a:p>
-          <a:p>
-            <a:pPr marL="228600" indent="-228240">
+            <a:endParaRPr b="0" lang="en-US" sz="2800" spc="-1" strike="noStrike">
+              <a:latin typeface="Arial"/>
+            </a:endParaRPr>
+          </a:p>
+          <a:p>
+            <a:pPr marL="228600" indent="-227880">
               <a:lnSpc>
                 <a:spcPct val="90000"/>
               </a:lnSpc>
@@ -8325,15 +7557,12 @@
               </a:rPr>
               <a:t>Section 1.</a:t>
             </a:r>
-            <a:endParaRPr b="0" lang="ru-RU" sz="2800" spc="-1" strike="noStrike">
-              <a:solidFill>
-                <a:srgbClr val="000000"/>
-              </a:solidFill>
-              <a:latin typeface="Calibri"/>
-            </a:endParaRPr>
-          </a:p>
-          <a:p>
-            <a:pPr lvl="1" marL="685800" indent="-228240">
+            <a:endParaRPr b="0" lang="en-US" sz="2800" spc="-1" strike="noStrike">
+              <a:latin typeface="Arial"/>
+            </a:endParaRPr>
+          </a:p>
+          <a:p>
+            <a:pPr lvl="1" marL="685800" indent="-227880">
               <a:lnSpc>
                 <a:spcPct val="90000"/>
               </a:lnSpc>
@@ -8355,15 +7584,12 @@
               </a:rPr>
               <a:t>Explanation of the choice of the dataset</a:t>
             </a:r>
-            <a:endParaRPr b="0" lang="ru-RU" sz="2400" spc="-1" strike="noStrike">
-              <a:solidFill>
-                <a:srgbClr val="000000"/>
-              </a:solidFill>
-              <a:latin typeface="Calibri"/>
-            </a:endParaRPr>
-          </a:p>
-          <a:p>
-            <a:pPr lvl="1" marL="685800" indent="-228240">
+            <a:endParaRPr b="0" lang="en-US" sz="2400" spc="-1" strike="noStrike">
+              <a:latin typeface="Arial"/>
+            </a:endParaRPr>
+          </a:p>
+          <a:p>
+            <a:pPr lvl="1" marL="685800" indent="-227880">
               <a:lnSpc>
                 <a:spcPct val="90000"/>
               </a:lnSpc>
@@ -8385,25 +7611,22 @@
               </a:rPr>
               <a:t>Information of the dataset: features, number of entities, source address, examples of problems</a:t>
             </a:r>
-            <a:endParaRPr b="0" lang="ru-RU" sz="2400" spc="-1" strike="noStrike">
-              <a:solidFill>
-                <a:srgbClr val="000000"/>
-              </a:solidFill>
-              <a:latin typeface="Calibri"/>
-            </a:endParaRPr>
-          </a:p>
-        </p:txBody>
-      </p:sp>
-      <p:sp>
-        <p:nvSpPr>
-          <p:cNvPr id="143" name="TextShape 4"/>
-          <p:cNvSpPr txBox="1"/>
+            <a:endParaRPr b="0" lang="en-US" sz="2400" spc="-1" strike="noStrike">
+              <a:latin typeface="Arial"/>
+            </a:endParaRPr>
+          </a:p>
+        </p:txBody>
+      </p:sp>
+      <p:sp>
+        <p:nvSpPr>
+          <p:cNvPr id="134" name="CustomShape 4"/>
+          <p:cNvSpPr/>
           <p:nvPr/>
         </p:nvSpPr>
         <p:spPr>
           <a:xfrm>
             <a:off x="4038480" y="6356520"/>
-            <a:ext cx="4114440" cy="364680"/>
+            <a:ext cx="4114080" cy="364320"/>
           </a:xfrm>
           <a:prstGeom prst="rect">
             <a:avLst/>
@@ -8413,8 +7636,14 @@
             <a:noFill/>
           </a:ln>
         </p:spPr>
-        <p:txBody>
-          <a:bodyPr anchor="ctr">
+        <p:style>
+          <a:lnRef idx="0"/>
+          <a:fillRef idx="0"/>
+          <a:effectRef idx="0"/>
+          <a:fontRef idx="minor"/>
+        </p:style>
+        <p:txBody>
+          <a:bodyPr lIns="90000" rIns="90000" tIns="45000" bIns="45000" anchor="ctr">
             <a:noAutofit/>
           </a:bodyPr>
           <a:p>
@@ -8433,21 +7662,21 @@
               <a:t>MagDAHomeWork_2020</a:t>
             </a:r>
             <a:endParaRPr b="0" lang="en-US" sz="1200" spc="-1" strike="noStrike">
-              <a:latin typeface="Times New Roman"/>
-            </a:endParaRPr>
-          </a:p>
-        </p:txBody>
-      </p:sp>
-      <p:sp>
-        <p:nvSpPr>
-          <p:cNvPr id="144" name="TextShape 5"/>
-          <p:cNvSpPr txBox="1"/>
+              <a:latin typeface="Arial"/>
+            </a:endParaRPr>
+          </a:p>
+        </p:txBody>
+      </p:sp>
+      <p:sp>
+        <p:nvSpPr>
+          <p:cNvPr id="135" name="CustomShape 5"/>
+          <p:cNvSpPr/>
           <p:nvPr/>
         </p:nvSpPr>
         <p:spPr>
           <a:xfrm>
             <a:off x="8610480" y="6356520"/>
-            <a:ext cx="2742840" cy="364680"/>
+            <a:ext cx="2742480" cy="364320"/>
           </a:xfrm>
           <a:prstGeom prst="rect">
             <a:avLst/>
@@ -8457,8 +7686,14 @@
             <a:noFill/>
           </a:ln>
         </p:spPr>
-        <p:txBody>
-          <a:bodyPr anchor="ctr">
+        <p:style>
+          <a:lnRef idx="0"/>
+          <a:fillRef idx="0"/>
+          <a:effectRef idx="0"/>
+          <a:fontRef idx="minor"/>
+        </p:style>
+        <p:txBody>
+          <a:bodyPr lIns="90000" rIns="90000" tIns="45000" bIns="45000" anchor="ctr">
             <a:noAutofit/>
           </a:bodyPr>
           <a:p>
@@ -8467,17 +7702,17 @@
                 <a:spcPct val="100000"/>
               </a:lnSpc>
             </a:pPr>
-            <a:fld id="{CEDB607F-7B69-4102-BA5F-BF17AC56ABAA}" type="slidenum">
+            <a:fld id="{70607EA6-4EB8-473E-BF52-E795BECD7C6F}" type="slidenum">
               <a:rPr b="0" lang="ru-RU" sz="1200" spc="-1" strike="noStrike">
                 <a:solidFill>
                   <a:srgbClr val="8b8b8b"/>
                 </a:solidFill>
                 <a:latin typeface="Calibri"/>
               </a:rPr>
-              <a:t>5</a:t>
+              <a:t>&lt;number&gt;</a:t>
             </a:fld>
             <a:endParaRPr b="0" lang="en-US" sz="1200" spc="-1" strike="noStrike">
-              <a:latin typeface="Times New Roman"/>
+              <a:latin typeface="Arial"/>
             </a:endParaRPr>
           </a:p>
         </p:txBody>
@@ -8514,14 +7749,14 @@
       </p:grpSpPr>
       <p:sp>
         <p:nvSpPr>
-          <p:cNvPr id="145" name="TextShape 1"/>
-          <p:cNvSpPr txBox="1"/>
+          <p:cNvPr id="136" name="CustomShape 1"/>
+          <p:cNvSpPr/>
           <p:nvPr/>
         </p:nvSpPr>
         <p:spPr>
           <a:xfrm>
             <a:off x="1991520" y="274680"/>
-            <a:ext cx="8465760" cy="849600"/>
+            <a:ext cx="8465400" cy="849240"/>
           </a:xfrm>
           <a:prstGeom prst="rect">
             <a:avLst/>
@@ -8531,8 +7766,14 @@
             <a:noFill/>
           </a:ln>
         </p:spPr>
-        <p:txBody>
-          <a:bodyPr anchor="ctr">
+        <p:style>
+          <a:lnRef idx="0"/>
+          <a:fillRef idx="0"/>
+          <a:effectRef idx="0"/>
+          <a:fontRef idx="minor"/>
+        </p:style>
+        <p:txBody>
+          <a:bodyPr lIns="90000" rIns="90000" tIns="45000" bIns="45000" anchor="ctr">
             <a:normAutofit fontScale="51000"/>
           </a:bodyPr>
           <a:p>
@@ -8577,25 +7818,22 @@
               </a:rPr>
               <a:t>: K-means</a:t>
             </a:r>
-            <a:endParaRPr b="0" lang="ru-RU" sz="4400" spc="-1" strike="noStrike">
-              <a:solidFill>
-                <a:srgbClr val="000000"/>
-              </a:solidFill>
-              <a:latin typeface="Calibri"/>
-            </a:endParaRPr>
-          </a:p>
-        </p:txBody>
-      </p:sp>
-      <p:sp>
-        <p:nvSpPr>
-          <p:cNvPr id="146" name="TextShape 2"/>
-          <p:cNvSpPr txBox="1"/>
+            <a:endParaRPr b="0" lang="en-US" sz="4400" spc="-1" strike="noStrike">
+              <a:latin typeface="Arial"/>
+            </a:endParaRPr>
+          </a:p>
+        </p:txBody>
+      </p:sp>
+      <p:sp>
+        <p:nvSpPr>
+          <p:cNvPr id="137" name="CustomShape 2"/>
+          <p:cNvSpPr/>
           <p:nvPr/>
         </p:nvSpPr>
         <p:spPr>
           <a:xfrm>
             <a:off x="1734480" y="1124640"/>
-            <a:ext cx="8723160" cy="5733000"/>
+            <a:ext cx="8722800" cy="5732640"/>
           </a:xfrm>
           <a:prstGeom prst="rect">
             <a:avLst/>
@@ -8605,12 +7843,18 @@
             <a:noFill/>
           </a:ln>
         </p:spPr>
-        <p:txBody>
-          <a:bodyPr>
+        <p:style>
+          <a:lnRef idx="0"/>
+          <a:fillRef idx="0"/>
+          <a:effectRef idx="0"/>
+          <a:fontRef idx="minor"/>
+        </p:style>
+        <p:txBody>
+          <a:bodyPr lIns="90000" rIns="90000" tIns="45000" bIns="45000">
             <a:normAutofit/>
           </a:bodyPr>
           <a:p>
-            <a:pPr marL="228600" indent="-228240">
+            <a:pPr marL="228600" indent="-227880">
               <a:lnSpc>
                 <a:spcPct val="90000"/>
               </a:lnSpc>
@@ -8704,15 +7948,12 @@
               </a:rPr>
               <a:t> </a:t>
             </a:r>
-            <a:endParaRPr b="0" lang="ru-RU" sz="2800" spc="-1" strike="noStrike">
-              <a:solidFill>
-                <a:srgbClr val="000000"/>
-              </a:solidFill>
-              <a:latin typeface="Calibri"/>
-            </a:endParaRPr>
-          </a:p>
-          <a:p>
-            <a:pPr marL="228600" indent="-228240">
+            <a:endParaRPr b="0" lang="en-US" sz="2800" spc="-1" strike="noStrike">
+              <a:latin typeface="Arial"/>
+            </a:endParaRPr>
+          </a:p>
+          <a:p>
+            <a:pPr marL="228600" indent="-227880">
               <a:lnSpc>
                 <a:spcPct val="90000"/>
               </a:lnSpc>
@@ -8743,15 +7984,12 @@
               </a:rPr>
               <a:t>:</a:t>
             </a:r>
-            <a:endParaRPr b="0" lang="ru-RU" sz="2800" spc="-1" strike="noStrike">
-              <a:solidFill>
-                <a:srgbClr val="000000"/>
-              </a:solidFill>
-              <a:latin typeface="Calibri"/>
-            </a:endParaRPr>
-          </a:p>
-          <a:p>
-            <a:pPr lvl="1" marL="685800" indent="-228240">
+            <a:endParaRPr b="0" lang="en-US" sz="2800" spc="-1" strike="noStrike">
+              <a:latin typeface="Arial"/>
+            </a:endParaRPr>
+          </a:p>
+          <a:p>
+            <a:pPr lvl="1" marL="685800" indent="-227880">
               <a:lnSpc>
                 <a:spcPct val="90000"/>
               </a:lnSpc>
@@ -8773,15 +8011,12 @@
               </a:rPr>
               <a:t>At K=5</a:t>
             </a:r>
-            <a:endParaRPr b="0" lang="ru-RU" sz="2400" spc="-1" strike="noStrike">
-              <a:solidFill>
-                <a:srgbClr val="000000"/>
-              </a:solidFill>
-              <a:latin typeface="Calibri"/>
-            </a:endParaRPr>
-          </a:p>
-          <a:p>
-            <a:pPr lvl="1" marL="685800" indent="-228240">
+            <a:endParaRPr b="0" lang="en-US" sz="2400" spc="-1" strike="noStrike">
+              <a:latin typeface="Arial"/>
+            </a:endParaRPr>
+          </a:p>
+          <a:p>
+            <a:pPr lvl="1" marL="685800" indent="-227880">
               <a:lnSpc>
                 <a:spcPct val="90000"/>
               </a:lnSpc>
@@ -8803,15 +8038,12 @@
               </a:rPr>
               <a:t>At K=9</a:t>
             </a:r>
-            <a:endParaRPr b="0" lang="ru-RU" sz="2400" spc="-1" strike="noStrike">
-              <a:solidFill>
-                <a:srgbClr val="000000"/>
-              </a:solidFill>
-              <a:latin typeface="Calibri"/>
-            </a:endParaRPr>
-          </a:p>
-          <a:p>
-            <a:pPr lvl="1" marL="685800" indent="-228240">
+            <a:endParaRPr b="0" lang="en-US" sz="2400" spc="-1" strike="noStrike">
+              <a:latin typeface="Arial"/>
+            </a:endParaRPr>
+          </a:p>
+          <a:p>
+            <a:pPr lvl="1" marL="685800" indent="-227880">
               <a:lnSpc>
                 <a:spcPct val="90000"/>
               </a:lnSpc>
@@ -8833,15 +8065,12 @@
               </a:rPr>
               <a:t>In both cases: 10 or more random initializations, choose the best solution over the K-means criterion; present it in a table</a:t>
             </a:r>
-            <a:endParaRPr b="0" lang="ru-RU" sz="2400" spc="-1" strike="noStrike">
-              <a:solidFill>
-                <a:srgbClr val="000000"/>
-              </a:solidFill>
-              <a:latin typeface="Calibri"/>
-            </a:endParaRPr>
-          </a:p>
-          <a:p>
-            <a:pPr marL="228600" indent="-228240">
+            <a:endParaRPr b="0" lang="en-US" sz="2400" spc="-1" strike="noStrike">
+              <a:latin typeface="Arial"/>
+            </a:endParaRPr>
+          </a:p>
+          <a:p>
+            <a:pPr marL="228600" indent="-227880">
               <a:lnSpc>
                 <a:spcPct val="90000"/>
               </a:lnSpc>
@@ -8863,25 +8092,22 @@
               </a:rPr>
               <a:t>3. Interpret each found partition by using features from the data table – as instructed in the lecture slides. Explain why you consider one of them better than the other in this perspective.</a:t>
             </a:r>
-            <a:endParaRPr b="0" lang="ru-RU" sz="2800" spc="-1" strike="noStrike">
-              <a:solidFill>
-                <a:srgbClr val="000000"/>
-              </a:solidFill>
-              <a:latin typeface="Calibri"/>
-            </a:endParaRPr>
-          </a:p>
-        </p:txBody>
-      </p:sp>
-      <p:sp>
-        <p:nvSpPr>
-          <p:cNvPr id="147" name="TextShape 3"/>
-          <p:cNvSpPr txBox="1"/>
+            <a:endParaRPr b="0" lang="en-US" sz="2800" spc="-1" strike="noStrike">
+              <a:latin typeface="Arial"/>
+            </a:endParaRPr>
+          </a:p>
+        </p:txBody>
+      </p:sp>
+      <p:sp>
+        <p:nvSpPr>
+          <p:cNvPr id="138" name="CustomShape 3"/>
+          <p:cNvSpPr/>
           <p:nvPr/>
         </p:nvSpPr>
         <p:spPr>
           <a:xfrm>
             <a:off x="4038480" y="6356520"/>
-            <a:ext cx="4114440" cy="364680"/>
+            <a:ext cx="4114080" cy="364320"/>
           </a:xfrm>
           <a:prstGeom prst="rect">
             <a:avLst/>
@@ -8891,8 +8117,14 @@
             <a:noFill/>
           </a:ln>
         </p:spPr>
-        <p:txBody>
-          <a:bodyPr anchor="ctr">
+        <p:style>
+          <a:lnRef idx="0"/>
+          <a:fillRef idx="0"/>
+          <a:effectRef idx="0"/>
+          <a:fontRef idx="minor"/>
+        </p:style>
+        <p:txBody>
+          <a:bodyPr lIns="90000" rIns="90000" tIns="45000" bIns="45000" anchor="ctr">
             <a:noAutofit/>
           </a:bodyPr>
           <a:p>
@@ -8911,21 +8143,21 @@
               <a:t>MagDAHomeWork_2020</a:t>
             </a:r>
             <a:endParaRPr b="0" lang="en-US" sz="1200" spc="-1" strike="noStrike">
-              <a:latin typeface="Times New Roman"/>
-            </a:endParaRPr>
-          </a:p>
-        </p:txBody>
-      </p:sp>
-      <p:sp>
-        <p:nvSpPr>
-          <p:cNvPr id="148" name="TextShape 4"/>
-          <p:cNvSpPr txBox="1"/>
+              <a:latin typeface="Arial"/>
+            </a:endParaRPr>
+          </a:p>
+        </p:txBody>
+      </p:sp>
+      <p:sp>
+        <p:nvSpPr>
+          <p:cNvPr id="139" name="CustomShape 4"/>
+          <p:cNvSpPr/>
           <p:nvPr/>
         </p:nvSpPr>
         <p:spPr>
           <a:xfrm>
             <a:off x="8610480" y="6356520"/>
-            <a:ext cx="2742840" cy="364680"/>
+            <a:ext cx="2742480" cy="364320"/>
           </a:xfrm>
           <a:prstGeom prst="rect">
             <a:avLst/>
@@ -8935,8 +8167,14 @@
             <a:noFill/>
           </a:ln>
         </p:spPr>
-        <p:txBody>
-          <a:bodyPr anchor="ctr">
+        <p:style>
+          <a:lnRef idx="0"/>
+          <a:fillRef idx="0"/>
+          <a:effectRef idx="0"/>
+          <a:fontRef idx="minor"/>
+        </p:style>
+        <p:txBody>
+          <a:bodyPr lIns="90000" rIns="90000" tIns="45000" bIns="45000" anchor="ctr">
             <a:noAutofit/>
           </a:bodyPr>
           <a:p>
@@ -8945,17 +8183,17 @@
                 <a:spcPct val="100000"/>
               </a:lnSpc>
             </a:pPr>
-            <a:fld id="{CA10F0DD-A07C-4A28-8F59-8ACDACF9BAA2}" type="slidenum">
+            <a:fld id="{A15D3122-200D-4797-A3D0-B5C237B67E6E}" type="slidenum">
               <a:rPr b="0" lang="ru-RU" sz="1200" spc="-1" strike="noStrike">
                 <a:solidFill>
                   <a:srgbClr val="8b8b8b"/>
                 </a:solidFill>
                 <a:latin typeface="Calibri"/>
               </a:rPr>
-              <a:t>6</a:t>
+              <a:t>&lt;number&gt;</a:t>
             </a:fld>
             <a:endParaRPr b="0" lang="en-US" sz="1200" spc="-1" strike="noStrike">
-              <a:latin typeface="Times New Roman"/>
+              <a:latin typeface="Arial"/>
             </a:endParaRPr>
           </a:p>
         </p:txBody>
@@ -8992,14 +8230,14 @@
       </p:grpSpPr>
       <p:sp>
         <p:nvSpPr>
-          <p:cNvPr id="149" name="TextShape 1"/>
-          <p:cNvSpPr txBox="1"/>
+          <p:cNvPr id="140" name="CustomShape 1"/>
+          <p:cNvSpPr/>
           <p:nvPr/>
         </p:nvSpPr>
         <p:spPr>
           <a:xfrm>
             <a:off x="1343880" y="274680"/>
-            <a:ext cx="9113400" cy="849600"/>
+            <a:ext cx="9113040" cy="849240"/>
           </a:xfrm>
           <a:prstGeom prst="rect">
             <a:avLst/>
@@ -9009,8 +8247,14 @@
             <a:noFill/>
           </a:ln>
         </p:spPr>
-        <p:txBody>
-          <a:bodyPr anchor="ctr">
+        <p:style>
+          <a:lnRef idx="0"/>
+          <a:fillRef idx="0"/>
+          <a:effectRef idx="0"/>
+          <a:fontRef idx="minor"/>
+        </p:style>
+        <p:txBody>
+          <a:bodyPr lIns="90000" rIns="90000" tIns="45000" bIns="45000" anchor="ctr">
             <a:normAutofit fontScale="51000"/>
           </a:bodyPr>
           <a:p>
@@ -9037,25 +8281,22 @@
               </a:rPr>
               <a:t>Home Work Assignment 3: Bootstrap</a:t>
             </a:r>
-            <a:endParaRPr b="0" lang="ru-RU" sz="4400" spc="-1" strike="noStrike">
-              <a:solidFill>
-                <a:srgbClr val="000000"/>
-              </a:solidFill>
-              <a:latin typeface="Calibri"/>
-            </a:endParaRPr>
-          </a:p>
-        </p:txBody>
-      </p:sp>
-      <p:sp>
-        <p:nvSpPr>
-          <p:cNvPr id="150" name="TextShape 2"/>
-          <p:cNvSpPr txBox="1"/>
+            <a:endParaRPr b="0" lang="en-US" sz="4400" spc="-1" strike="noStrike">
+              <a:latin typeface="Arial"/>
+            </a:endParaRPr>
+          </a:p>
+        </p:txBody>
+      </p:sp>
+      <p:sp>
+        <p:nvSpPr>
+          <p:cNvPr id="141" name="CustomShape 2"/>
+          <p:cNvSpPr/>
           <p:nvPr/>
         </p:nvSpPr>
         <p:spPr>
           <a:xfrm>
             <a:off x="1734480" y="1052640"/>
-            <a:ext cx="8860320" cy="5805000"/>
+            <a:ext cx="8859960" cy="5804640"/>
           </a:xfrm>
           <a:prstGeom prst="rect">
             <a:avLst/>
@@ -9065,8 +8306,14 @@
             <a:noFill/>
           </a:ln>
         </p:spPr>
-        <p:txBody>
-          <a:bodyPr>
+        <p:style>
+          <a:lnRef idx="0"/>
+          <a:fillRef idx="0"/>
+          <a:effectRef idx="0"/>
+          <a:fontRef idx="minor"/>
+        </p:style>
+        <p:txBody>
+          <a:bodyPr lIns="90000" rIns="90000" tIns="45000" bIns="45000">
             <a:normAutofit/>
           </a:bodyPr>
           <a:p>
@@ -9090,11 +8337,8 @@
               </a:rPr>
               <a:t>Take one of the partitions found in the previous work.</a:t>
             </a:r>
-            <a:endParaRPr b="0" lang="ru-RU" sz="2800" spc="-1" strike="noStrike">
-              <a:solidFill>
-                <a:srgbClr val="000000"/>
-              </a:solidFill>
-              <a:latin typeface="Calibri"/>
+            <a:endParaRPr b="0" lang="en-US" sz="2800" spc="-1" strike="noStrike">
+              <a:latin typeface="Arial"/>
             </a:endParaRPr>
           </a:p>
           <a:p>
@@ -9109,15 +8353,12 @@
                 <a:tab algn="l" pos="0"/>
               </a:tabLst>
             </a:pPr>
-            <a:endParaRPr b="0" lang="ru-RU" sz="2800" spc="-1" strike="noStrike">
-              <a:solidFill>
-                <a:srgbClr val="000000"/>
-              </a:solidFill>
-              <a:latin typeface="Calibri"/>
-            </a:endParaRPr>
-          </a:p>
-          <a:p>
-            <a:pPr lvl="1" marL="685800" indent="-228240">
+            <a:endParaRPr b="0" lang="en-US" sz="2800" spc="-1" strike="noStrike">
+              <a:latin typeface="Arial"/>
+            </a:endParaRPr>
+          </a:p>
+          <a:p>
+            <a:pPr lvl="1" marL="685800" indent="-227880">
               <a:lnSpc>
                 <a:spcPct val="90000"/>
               </a:lnSpc>
@@ -9142,15 +8383,12 @@
               </a:rPr>
               <a:t>1. Take a feature, find the 95% confidence interval for its grand mean by using bootstrap</a:t>
             </a:r>
-            <a:endParaRPr b="0" lang="ru-RU" sz="2400" spc="-1" strike="noStrike">
-              <a:solidFill>
-                <a:srgbClr val="000000"/>
-              </a:solidFill>
-              <a:latin typeface="Calibri"/>
-            </a:endParaRPr>
-          </a:p>
-          <a:p>
-            <a:pPr lvl="1" marL="685800" indent="-228240">
+            <a:endParaRPr b="0" lang="en-US" sz="2400" spc="-1" strike="noStrike">
+              <a:latin typeface="Arial"/>
+            </a:endParaRPr>
+          </a:p>
+          <a:p>
+            <a:pPr lvl="1" marL="685800" indent="-227880">
               <a:lnSpc>
                 <a:spcPct val="90000"/>
               </a:lnSpc>
@@ -9175,15 +8413,12 @@
               </a:rPr>
               <a:t>2. Compare the within-cluster means for one of the features between two clusters using bootstrap</a:t>
             </a:r>
-            <a:endParaRPr b="0" lang="ru-RU" sz="2400" spc="-1" strike="noStrike">
-              <a:solidFill>
-                <a:srgbClr val="000000"/>
-              </a:solidFill>
-              <a:latin typeface="Calibri"/>
-            </a:endParaRPr>
-          </a:p>
-          <a:p>
-            <a:pPr lvl="1" marL="685800" indent="-228240">
+            <a:endParaRPr b="0" lang="en-US" sz="2400" spc="-1" strike="noStrike">
+              <a:latin typeface="Arial"/>
+            </a:endParaRPr>
+          </a:p>
+          <a:p>
+            <a:pPr lvl="1" marL="685800" indent="-227880">
               <a:lnSpc>
                 <a:spcPct val="90000"/>
               </a:lnSpc>
@@ -9208,11 +8443,8 @@
               </a:rPr>
               <a:t>3. Take a cluster, and compare the grand mean with the within-cluster mean for the feature by using bootstrap</a:t>
             </a:r>
-            <a:endParaRPr b="0" lang="ru-RU" sz="2400" spc="-1" strike="noStrike">
-              <a:solidFill>
-                <a:srgbClr val="000000"/>
-              </a:solidFill>
-              <a:latin typeface="Calibri"/>
+            <a:endParaRPr b="0" lang="en-US" sz="2400" spc="-1" strike="noStrike">
+              <a:latin typeface="Arial"/>
             </a:endParaRPr>
           </a:p>
           <a:p>
@@ -9245,25 +8477,22 @@
               </a:rPr>
               <a:t>: each application of bootstrap should be done in both, pivotal and non-pivotal, versions</a:t>
             </a:r>
-            <a:endParaRPr b="0" lang="ru-RU" sz="2400" spc="-1" strike="noStrike">
-              <a:solidFill>
-                <a:srgbClr val="000000"/>
-              </a:solidFill>
-              <a:latin typeface="Calibri"/>
-            </a:endParaRPr>
-          </a:p>
-        </p:txBody>
-      </p:sp>
-      <p:sp>
-        <p:nvSpPr>
-          <p:cNvPr id="151" name="TextShape 3"/>
-          <p:cNvSpPr txBox="1"/>
+            <a:endParaRPr b="0" lang="en-US" sz="2400" spc="-1" strike="noStrike">
+              <a:latin typeface="Arial"/>
+            </a:endParaRPr>
+          </a:p>
+        </p:txBody>
+      </p:sp>
+      <p:sp>
+        <p:nvSpPr>
+          <p:cNvPr id="142" name="CustomShape 3"/>
+          <p:cNvSpPr/>
           <p:nvPr/>
         </p:nvSpPr>
         <p:spPr>
           <a:xfrm>
             <a:off x="4038480" y="6356520"/>
-            <a:ext cx="4114440" cy="364680"/>
+            <a:ext cx="4114080" cy="364320"/>
           </a:xfrm>
           <a:prstGeom prst="rect">
             <a:avLst/>
@@ -9273,8 +8502,14 @@
             <a:noFill/>
           </a:ln>
         </p:spPr>
-        <p:txBody>
-          <a:bodyPr anchor="ctr">
+        <p:style>
+          <a:lnRef idx="0"/>
+          <a:fillRef idx="0"/>
+          <a:effectRef idx="0"/>
+          <a:fontRef idx="minor"/>
+        </p:style>
+        <p:txBody>
+          <a:bodyPr lIns="90000" rIns="90000" tIns="45000" bIns="45000" anchor="ctr">
             <a:noAutofit/>
           </a:bodyPr>
           <a:p>
@@ -9293,21 +8528,21 @@
               <a:t>MagDAHomeWork_2020</a:t>
             </a:r>
             <a:endParaRPr b="0" lang="en-US" sz="1200" spc="-1" strike="noStrike">
-              <a:latin typeface="Times New Roman"/>
-            </a:endParaRPr>
-          </a:p>
-        </p:txBody>
-      </p:sp>
-      <p:sp>
-        <p:nvSpPr>
-          <p:cNvPr id="152" name="TextShape 4"/>
-          <p:cNvSpPr txBox="1"/>
+              <a:latin typeface="Arial"/>
+            </a:endParaRPr>
+          </a:p>
+        </p:txBody>
+      </p:sp>
+      <p:sp>
+        <p:nvSpPr>
+          <p:cNvPr id="143" name="CustomShape 4"/>
+          <p:cNvSpPr/>
           <p:nvPr/>
         </p:nvSpPr>
         <p:spPr>
           <a:xfrm>
             <a:off x="8610480" y="6356520"/>
-            <a:ext cx="2742840" cy="364680"/>
+            <a:ext cx="2742480" cy="364320"/>
           </a:xfrm>
           <a:prstGeom prst="rect">
             <a:avLst/>
@@ -9317,8 +8552,14 @@
             <a:noFill/>
           </a:ln>
         </p:spPr>
-        <p:txBody>
-          <a:bodyPr anchor="ctr">
+        <p:style>
+          <a:lnRef idx="0"/>
+          <a:fillRef idx="0"/>
+          <a:effectRef idx="0"/>
+          <a:fontRef idx="minor"/>
+        </p:style>
+        <p:txBody>
+          <a:bodyPr lIns="90000" rIns="90000" tIns="45000" bIns="45000" anchor="ctr">
             <a:noAutofit/>
           </a:bodyPr>
           <a:p>
@@ -9327,17 +8568,17 @@
                 <a:spcPct val="100000"/>
               </a:lnSpc>
             </a:pPr>
-            <a:fld id="{A1BB7EBB-CD12-42B8-AB38-2AA721005BFD}" type="slidenum">
+            <a:fld id="{ACEC153B-851A-4D27-8E82-AA5267462460}" type="slidenum">
               <a:rPr b="0" lang="ru-RU" sz="1200" spc="-1" strike="noStrike">
                 <a:solidFill>
                   <a:srgbClr val="8b8b8b"/>
                 </a:solidFill>
                 <a:latin typeface="Calibri"/>
               </a:rPr>
-              <a:t>7</a:t>
+              <a:t>&lt;number&gt;</a:t>
             </a:fld>
             <a:endParaRPr b="0" lang="en-US" sz="1200" spc="-1" strike="noStrike">
-              <a:latin typeface="Times New Roman"/>
+              <a:latin typeface="Arial"/>
             </a:endParaRPr>
           </a:p>
         </p:txBody>
@@ -9374,14 +8615,14 @@
       </p:grpSpPr>
       <p:sp>
         <p:nvSpPr>
-          <p:cNvPr id="153" name="TextShape 1"/>
-          <p:cNvSpPr txBox="1"/>
+          <p:cNvPr id="144" name="CustomShape 1"/>
+          <p:cNvSpPr/>
           <p:nvPr/>
         </p:nvSpPr>
         <p:spPr>
           <a:xfrm>
             <a:off x="1843200" y="188640"/>
-            <a:ext cx="8290800" cy="647640"/>
+            <a:ext cx="8290440" cy="647280"/>
           </a:xfrm>
           <a:prstGeom prst="rect">
             <a:avLst/>
@@ -9391,8 +8632,14 @@
             <a:noFill/>
           </a:ln>
         </p:spPr>
-        <p:txBody>
-          <a:bodyPr anchor="ctr">
+        <p:style>
+          <a:lnRef idx="0"/>
+          <a:fillRef idx="0"/>
+          <a:effectRef idx="0"/>
+          <a:fontRef idx="minor"/>
+        </p:style>
+        <p:txBody>
+          <a:bodyPr lIns="90000" rIns="90000" tIns="45000" bIns="45000" anchor="ctr">
             <a:normAutofit fontScale="31000"/>
           </a:bodyPr>
           <a:p>
@@ -9410,25 +8657,22 @@
               </a:rPr>
               <a:t>Homework 4: Contingency Table</a:t>
             </a:r>
-            <a:endParaRPr b="0" lang="ru-RU" sz="4400" spc="-1" strike="noStrike">
-              <a:solidFill>
-                <a:srgbClr val="000000"/>
-              </a:solidFill>
-              <a:latin typeface="Calibri"/>
-            </a:endParaRPr>
-          </a:p>
-        </p:txBody>
-      </p:sp>
-      <p:sp>
-        <p:nvSpPr>
-          <p:cNvPr id="154" name="TextShape 2"/>
-          <p:cNvSpPr txBox="1"/>
+            <a:endParaRPr b="0" lang="en-US" sz="4400" spc="-1" strike="noStrike">
+              <a:latin typeface="Arial"/>
+            </a:endParaRPr>
+          </a:p>
+        </p:txBody>
+      </p:sp>
+      <p:sp>
+        <p:nvSpPr>
+          <p:cNvPr id="145" name="CustomShape 2"/>
+          <p:cNvSpPr/>
           <p:nvPr/>
         </p:nvSpPr>
         <p:spPr>
           <a:xfrm>
-            <a:off x="1523880" y="836640"/>
-            <a:ext cx="8964000" cy="5832360"/>
+            <a:off x="1523880" y="888840"/>
+            <a:ext cx="8963640" cy="5832000"/>
           </a:xfrm>
           <a:prstGeom prst="rect">
             <a:avLst/>
@@ -9438,12 +8682,18 @@
             <a:noFill/>
           </a:ln>
         </p:spPr>
-        <p:txBody>
-          <a:bodyPr>
+        <p:style>
+          <a:lnRef idx="0"/>
+          <a:fillRef idx="0"/>
+          <a:effectRef idx="0"/>
+          <a:fontRef idx="minor"/>
+        </p:style>
+        <p:txBody>
+          <a:bodyPr lIns="90000" rIns="90000" tIns="45000" bIns="45000">
             <a:normAutofit fontScale="78000"/>
           </a:bodyPr>
           <a:p>
-            <a:pPr marL="514440" indent="-514080">
+            <a:pPr marL="514440" indent="-513720">
               <a:lnSpc>
                 <a:spcPct val="90000"/>
               </a:lnSpc>
@@ -9483,15 +8733,12 @@
               </a:rPr>
               <a:t> of them, not more, may be taken from nominal features in your data) </a:t>
             </a:r>
-            <a:endParaRPr b="0" lang="ru-RU" sz="2800" spc="-1" strike="noStrike">
-              <a:solidFill>
-                <a:srgbClr val="000000"/>
-              </a:solidFill>
-              <a:latin typeface="Calibri"/>
-            </a:endParaRPr>
-          </a:p>
-          <a:p>
-            <a:pPr marL="514440" indent="-514080">
+            <a:endParaRPr b="0" lang="en-US" sz="2800" spc="-1" strike="noStrike">
+              <a:latin typeface="Arial"/>
+            </a:endParaRPr>
+          </a:p>
+          <a:p>
+            <a:pPr marL="514440" indent="-513720">
               <a:lnSpc>
                 <a:spcPct val="90000"/>
               </a:lnSpc>
@@ -9513,15 +8760,12 @@
               </a:rPr>
               <a:t>Build two contingency tables over them: present a conditional frequency table and Quetelet relative index tables. Make comments on relations between categories of the common (to both tables) feature and two others.</a:t>
             </a:r>
-            <a:endParaRPr b="0" lang="ru-RU" sz="2800" spc="-1" strike="noStrike">
-              <a:solidFill>
-                <a:srgbClr val="000000"/>
-              </a:solidFill>
-              <a:latin typeface="Calibri"/>
-            </a:endParaRPr>
-          </a:p>
-          <a:p>
-            <a:pPr marL="514440" indent="-514080">
+            <a:endParaRPr b="0" lang="en-US" sz="2800" spc="-1" strike="noStrike">
+              <a:latin typeface="Arial"/>
+            </a:endParaRPr>
+          </a:p>
+          <a:p>
+            <a:pPr marL="514440" indent="-513720">
               <a:lnSpc>
                 <a:spcPct val="90000"/>
               </a:lnSpc>
@@ -9543,15 +8787,12 @@
               </a:rPr>
               <a:t>Compute and visualize the chi-square-average-Quetelet-index over both tables. Comment on the meaning of the values in the data analysis context. </a:t>
             </a:r>
-            <a:endParaRPr b="0" lang="ru-RU" sz="2800" spc="-1" strike="noStrike">
-              <a:solidFill>
-                <a:srgbClr val="000000"/>
-              </a:solidFill>
-              <a:latin typeface="Calibri"/>
-            </a:endParaRPr>
-          </a:p>
-          <a:p>
-            <a:pPr marL="514440" indent="-514080">
+            <a:endParaRPr b="0" lang="en-US" sz="2800" spc="-1" strike="noStrike">
+              <a:latin typeface="Arial"/>
+            </a:endParaRPr>
+          </a:p>
+          <a:p>
+            <a:pPr marL="514440" indent="-513720">
               <a:lnSpc>
                 <a:spcPct val="90000"/>
               </a:lnSpc>
@@ -9573,25 +8814,22 @@
               </a:rPr>
               <a:t>Tell: what numbers of observations would suffice to see the features as associated at 95% confidence level; at 99% confidence level.</a:t>
             </a:r>
-            <a:endParaRPr b="0" lang="ru-RU" sz="2800" spc="-1" strike="noStrike">
-              <a:solidFill>
-                <a:srgbClr val="000000"/>
-              </a:solidFill>
-              <a:latin typeface="Calibri"/>
-            </a:endParaRPr>
-          </a:p>
-        </p:txBody>
-      </p:sp>
-      <p:sp>
-        <p:nvSpPr>
-          <p:cNvPr id="155" name="TextShape 3"/>
-          <p:cNvSpPr txBox="1"/>
+            <a:endParaRPr b="0" lang="en-US" sz="2800" spc="-1" strike="noStrike">
+              <a:latin typeface="Arial"/>
+            </a:endParaRPr>
+          </a:p>
+        </p:txBody>
+      </p:sp>
+      <p:sp>
+        <p:nvSpPr>
+          <p:cNvPr id="146" name="CustomShape 3"/>
+          <p:cNvSpPr/>
           <p:nvPr/>
         </p:nvSpPr>
         <p:spPr>
           <a:xfrm>
             <a:off x="4038480" y="6356520"/>
-            <a:ext cx="4114440" cy="364680"/>
+            <a:ext cx="4114080" cy="364320"/>
           </a:xfrm>
           <a:prstGeom prst="rect">
             <a:avLst/>
@@ -9601,8 +8839,14 @@
             <a:noFill/>
           </a:ln>
         </p:spPr>
-        <p:txBody>
-          <a:bodyPr anchor="ctr">
+        <p:style>
+          <a:lnRef idx="0"/>
+          <a:fillRef idx="0"/>
+          <a:effectRef idx="0"/>
+          <a:fontRef idx="minor"/>
+        </p:style>
+        <p:txBody>
+          <a:bodyPr lIns="90000" rIns="90000" tIns="45000" bIns="45000" anchor="ctr">
             <a:noAutofit/>
           </a:bodyPr>
           <a:p>
@@ -9621,21 +8865,21 @@
               <a:t>MagDAHomeWork_2020</a:t>
             </a:r>
             <a:endParaRPr b="0" lang="en-US" sz="1200" spc="-1" strike="noStrike">
-              <a:latin typeface="Times New Roman"/>
-            </a:endParaRPr>
-          </a:p>
-        </p:txBody>
-      </p:sp>
-      <p:sp>
-        <p:nvSpPr>
-          <p:cNvPr id="156" name="TextShape 4"/>
-          <p:cNvSpPr txBox="1"/>
+              <a:latin typeface="Arial"/>
+            </a:endParaRPr>
+          </a:p>
+        </p:txBody>
+      </p:sp>
+      <p:sp>
+        <p:nvSpPr>
+          <p:cNvPr id="147" name="CustomShape 4"/>
+          <p:cNvSpPr/>
           <p:nvPr/>
         </p:nvSpPr>
         <p:spPr>
           <a:xfrm>
             <a:off x="8610480" y="6356520"/>
-            <a:ext cx="2742840" cy="364680"/>
+            <a:ext cx="2742480" cy="364320"/>
           </a:xfrm>
           <a:prstGeom prst="rect">
             <a:avLst/>
@@ -9645,8 +8889,14 @@
             <a:noFill/>
           </a:ln>
         </p:spPr>
-        <p:txBody>
-          <a:bodyPr anchor="ctr">
+        <p:style>
+          <a:lnRef idx="0"/>
+          <a:fillRef idx="0"/>
+          <a:effectRef idx="0"/>
+          <a:fontRef idx="minor"/>
+        </p:style>
+        <p:txBody>
+          <a:bodyPr lIns="90000" rIns="90000" tIns="45000" bIns="45000" anchor="ctr">
             <a:noAutofit/>
           </a:bodyPr>
           <a:p>
@@ -9655,7 +8905,7 @@
                 <a:spcPct val="100000"/>
               </a:lnSpc>
             </a:pPr>
-            <a:fld id="{972A0311-E058-4A23-A9E5-AE35C7CEE773}" type="slidenum">
+            <a:fld id="{2DB76542-B11C-4F20-BC1E-21D1830B4E2C}" type="slidenum">
               <a:rPr b="0" lang="ru-RU" sz="1200" spc="-1" strike="noStrike">
                 <a:solidFill>
                   <a:srgbClr val="8b8b8b"/>
@@ -9665,7 +8915,7 @@
               <a:t>&lt;number&gt;</a:t>
             </a:fld>
             <a:endParaRPr b="0" lang="en-US" sz="1200" spc="-1" strike="noStrike">
-              <a:latin typeface="Times New Roman"/>
+              <a:latin typeface="Arial"/>
             </a:endParaRPr>
           </a:p>
         </p:txBody>
@@ -9702,14 +8952,14 @@
       </p:grpSpPr>
       <p:sp>
         <p:nvSpPr>
-          <p:cNvPr id="157" name="TextShape 1"/>
-          <p:cNvSpPr txBox="1"/>
+          <p:cNvPr id="148" name="CustomShape 1"/>
+          <p:cNvSpPr/>
           <p:nvPr/>
         </p:nvSpPr>
         <p:spPr>
           <a:xfrm>
             <a:off x="1523880" y="0"/>
-            <a:ext cx="8624880" cy="836280"/>
+            <a:ext cx="8624520" cy="835920"/>
           </a:xfrm>
           <a:prstGeom prst="rect">
             <a:avLst/>
@@ -9719,8 +8969,14 @@
             <a:noFill/>
           </a:ln>
         </p:spPr>
-        <p:txBody>
-          <a:bodyPr anchor="ctr">
+        <p:style>
+          <a:lnRef idx="0"/>
+          <a:fillRef idx="0"/>
+          <a:effectRef idx="0"/>
+          <a:fontRef idx="minor"/>
+        </p:style>
+        <p:txBody>
+          <a:bodyPr lIns="90000" rIns="90000" tIns="45000" bIns="45000" anchor="ctr">
             <a:normAutofit fontScale="49000"/>
           </a:bodyPr>
           <a:p>
@@ -9738,25 +8994,22 @@
               </a:rPr>
               <a:t>Homework Assignment 5: PCA/SVD</a:t>
             </a:r>
-            <a:endParaRPr b="0" lang="ru-RU" sz="4400" spc="-1" strike="noStrike">
-              <a:solidFill>
-                <a:srgbClr val="000000"/>
-              </a:solidFill>
-              <a:latin typeface="Calibri"/>
-            </a:endParaRPr>
-          </a:p>
-        </p:txBody>
-      </p:sp>
-      <p:sp>
-        <p:nvSpPr>
-          <p:cNvPr id="158" name="TextShape 2"/>
-          <p:cNvSpPr txBox="1"/>
+            <a:endParaRPr b="0" lang="en-US" sz="4400" spc="-1" strike="noStrike">
+              <a:latin typeface="Arial"/>
+            </a:endParaRPr>
+          </a:p>
+        </p:txBody>
+      </p:sp>
+      <p:sp>
+        <p:nvSpPr>
+          <p:cNvPr id="149" name="CustomShape 2"/>
+          <p:cNvSpPr/>
           <p:nvPr/>
         </p:nvSpPr>
         <p:spPr>
           <a:xfrm>
             <a:off x="1523880" y="836640"/>
-            <a:ext cx="9143640" cy="5884560"/>
+            <a:ext cx="9143280" cy="5884200"/>
           </a:xfrm>
           <a:prstGeom prst="rect">
             <a:avLst/>
@@ -9766,12 +9019,18 @@
             <a:noFill/>
           </a:ln>
         </p:spPr>
-        <p:txBody>
-          <a:bodyPr>
+        <p:style>
+          <a:lnRef idx="0"/>
+          <a:fillRef idx="0"/>
+          <a:effectRef idx="0"/>
+          <a:fontRef idx="minor"/>
+        </p:style>
+        <p:txBody>
+          <a:bodyPr lIns="90000" rIns="90000" tIns="45000" bIns="45000">
             <a:normAutofit fontScale="47000"/>
           </a:bodyPr>
           <a:p>
-            <a:pPr marL="228600" indent="-228240">
+            <a:pPr marL="228600" indent="-227880">
               <a:lnSpc>
                 <a:spcPct val="90000"/>
               </a:lnSpc>
@@ -9793,15 +9052,12 @@
               </a:rPr>
               <a:t>In your data set, select a subset of 3-6 features related to the same aspect and explain your choice (may be the same subset that was used for k-means clustering)</a:t>
             </a:r>
-            <a:endParaRPr b="0" lang="ru-RU" sz="2800" spc="-1" strike="noStrike">
-              <a:solidFill>
-                <a:srgbClr val="000000"/>
-              </a:solidFill>
-              <a:latin typeface="Calibri"/>
-            </a:endParaRPr>
-          </a:p>
-          <a:p>
-            <a:pPr marL="228600" indent="-228240">
+            <a:endParaRPr b="0" lang="en-US" sz="2800" spc="-1" strike="noStrike">
+              <a:latin typeface="Arial"/>
+            </a:endParaRPr>
+          </a:p>
+          <a:p>
+            <a:pPr marL="228600" indent="-227880">
               <a:lnSpc>
                 <a:spcPct val="90000"/>
               </a:lnSpc>
@@ -9841,15 +9097,12 @@
               </a:rPr>
               <a:t>and SVD; determine contributions of all the principal components to the data scatter, naturally and per cent</a:t>
             </a:r>
-            <a:endParaRPr b="0" lang="ru-RU" sz="2800" spc="-1" strike="noStrike">
-              <a:solidFill>
-                <a:srgbClr val="000000"/>
-              </a:solidFill>
-              <a:latin typeface="Calibri"/>
-            </a:endParaRPr>
-          </a:p>
-          <a:p>
-            <a:pPr marL="228600" indent="-228240">
+            <a:endParaRPr b="0" lang="en-US" sz="2800" spc="-1" strike="noStrike">
+              <a:latin typeface="Arial"/>
+            </a:endParaRPr>
+          </a:p>
+          <a:p>
+            <a:pPr marL="228600" indent="-227880">
               <a:lnSpc>
                 <a:spcPct val="90000"/>
               </a:lnSpc>
@@ -9871,15 +9124,12 @@
               </a:rPr>
               <a:t>Compute and interpret a hidden ranking factor behind the selected features. The factor should be expressed in a 0-100 rank scale (as well as the features – ranking normalization).</a:t>
             </a:r>
-            <a:endParaRPr b="0" lang="ru-RU" sz="2800" spc="-1" strike="noStrike">
-              <a:solidFill>
-                <a:srgbClr val="000000"/>
-              </a:solidFill>
-              <a:latin typeface="Calibri"/>
-            </a:endParaRPr>
-          </a:p>
-          <a:p>
-            <a:pPr marL="228600" indent="-228240">
+            <a:endParaRPr b="0" lang="en-US" sz="2800" spc="-1" strike="noStrike">
+              <a:latin typeface="Arial"/>
+            </a:endParaRPr>
+          </a:p>
+          <a:p>
+            <a:pPr marL="228600" indent="-227880">
               <a:lnSpc>
                 <a:spcPct val="90000"/>
               </a:lnSpc>
@@ -9901,15 +9151,12 @@
               </a:rPr>
               <a:t>Visualize the data using two first principal components at the standardization with two versions of normalization: (a) range normalization and (b) z-scoring. At these visualizations, use a distinct shape/color for points representing a pre-specified by you group of objects. </a:t>
             </a:r>
-            <a:endParaRPr b="0" lang="ru-RU" sz="2800" spc="-1" strike="noStrike">
-              <a:solidFill>
-                <a:srgbClr val="000000"/>
-              </a:solidFill>
-              <a:latin typeface="Calibri"/>
-            </a:endParaRPr>
-          </a:p>
-          <a:p>
-            <a:pPr marL="228600" indent="-228240">
+            <a:endParaRPr b="0" lang="en-US" sz="2800" spc="-1" strike="noStrike">
+              <a:latin typeface="Arial"/>
+            </a:endParaRPr>
+          </a:p>
+          <a:p>
+            <a:pPr marL="228600" indent="-227880">
               <a:lnSpc>
                 <a:spcPct val="90000"/>
               </a:lnSpc>
@@ -9931,25 +9178,22 @@
               </a:rPr>
               <a:t>Apply the conventional PCA for finding two first principal components and visualizing the data; compare to the results at z-scoring. Comment on which of the normalizations is better and why.</a:t>
             </a:r>
-            <a:endParaRPr b="0" lang="ru-RU" sz="2800" spc="-1" strike="noStrike">
-              <a:solidFill>
-                <a:srgbClr val="000000"/>
-              </a:solidFill>
-              <a:latin typeface="Calibri"/>
-            </a:endParaRPr>
-          </a:p>
-        </p:txBody>
-      </p:sp>
-      <p:sp>
-        <p:nvSpPr>
-          <p:cNvPr id="159" name="TextShape 3"/>
-          <p:cNvSpPr txBox="1"/>
+            <a:endParaRPr b="0" lang="en-US" sz="2800" spc="-1" strike="noStrike">
+              <a:latin typeface="Arial"/>
+            </a:endParaRPr>
+          </a:p>
+        </p:txBody>
+      </p:sp>
+      <p:sp>
+        <p:nvSpPr>
+          <p:cNvPr id="150" name="CustomShape 3"/>
+          <p:cNvSpPr/>
           <p:nvPr/>
         </p:nvSpPr>
         <p:spPr>
           <a:xfrm>
             <a:off x="4038480" y="6356520"/>
-            <a:ext cx="4114440" cy="364680"/>
+            <a:ext cx="4114080" cy="364320"/>
           </a:xfrm>
           <a:prstGeom prst="rect">
             <a:avLst/>
@@ -9959,8 +9203,14 @@
             <a:noFill/>
           </a:ln>
         </p:spPr>
-        <p:txBody>
-          <a:bodyPr anchor="ctr">
+        <p:style>
+          <a:lnRef idx="0"/>
+          <a:fillRef idx="0"/>
+          <a:effectRef idx="0"/>
+          <a:fontRef idx="minor"/>
+        </p:style>
+        <p:txBody>
+          <a:bodyPr lIns="90000" rIns="90000" tIns="45000" bIns="45000" anchor="ctr">
             <a:noAutofit/>
           </a:bodyPr>
           <a:p>
@@ -9979,21 +9229,21 @@
               <a:t>MagDAHomeWork_2020</a:t>
             </a:r>
             <a:endParaRPr b="0" lang="en-US" sz="1200" spc="-1" strike="noStrike">
-              <a:latin typeface="Times New Roman"/>
-            </a:endParaRPr>
-          </a:p>
-        </p:txBody>
-      </p:sp>
-      <p:sp>
-        <p:nvSpPr>
-          <p:cNvPr id="160" name="TextShape 4"/>
-          <p:cNvSpPr txBox="1"/>
+              <a:latin typeface="Arial"/>
+            </a:endParaRPr>
+          </a:p>
+        </p:txBody>
+      </p:sp>
+      <p:sp>
+        <p:nvSpPr>
+          <p:cNvPr id="151" name="CustomShape 4"/>
+          <p:cNvSpPr/>
           <p:nvPr/>
         </p:nvSpPr>
         <p:spPr>
           <a:xfrm>
             <a:off x="8610480" y="6356520"/>
-            <a:ext cx="2742840" cy="364680"/>
+            <a:ext cx="2742480" cy="364320"/>
           </a:xfrm>
           <a:prstGeom prst="rect">
             <a:avLst/>
@@ -10003,8 +9253,14 @@
             <a:noFill/>
           </a:ln>
         </p:spPr>
-        <p:txBody>
-          <a:bodyPr anchor="ctr">
+        <p:style>
+          <a:lnRef idx="0"/>
+          <a:fillRef idx="0"/>
+          <a:effectRef idx="0"/>
+          <a:fontRef idx="minor"/>
+        </p:style>
+        <p:txBody>
+          <a:bodyPr lIns="90000" rIns="90000" tIns="45000" bIns="45000" anchor="ctr">
             <a:noAutofit/>
           </a:bodyPr>
           <a:p>
@@ -10013,7 +9269,7 @@
                 <a:spcPct val="100000"/>
               </a:lnSpc>
             </a:pPr>
-            <a:fld id="{09AC8E90-BBF2-4156-976C-5E63616A1E4C}" type="slidenum">
+            <a:fld id="{BD58B284-B476-402C-AC31-95E33F615630}" type="slidenum">
               <a:rPr b="0" lang="ru-RU" sz="1200" spc="-1" strike="noStrike">
                 <a:solidFill>
                   <a:srgbClr val="8b8b8b"/>
@@ -10023,7 +9279,7 @@
               <a:t>&lt;number&gt;</a:t>
             </a:fld>
             <a:endParaRPr b="0" lang="en-US" sz="1200" spc="-1" strike="noStrike">
-              <a:latin typeface="Times New Roman"/>
+              <a:latin typeface="Arial"/>
             </a:endParaRPr>
           </a:p>
         </p:txBody>

--- a/slides/Home Work 2020.pptx
+++ b/slides/Home Work 2020.pptx
@@ -75,7 +75,7 @@
         <p:spPr>
           <a:xfrm>
             <a:off x="838080" y="365040"/>
-            <a:ext cx="10514880" cy="1324800"/>
+            <a:ext cx="10514520" cy="1324440"/>
           </a:xfrm>
           <a:prstGeom prst="rect">
             <a:avLst/>
@@ -106,7 +106,7 @@
         <p:spPr>
           <a:xfrm>
             <a:off x="838080" y="1825560"/>
-            <a:ext cx="2527920" cy="2075040"/>
+            <a:ext cx="1233000" cy="2075040"/>
           </a:xfrm>
           <a:prstGeom prst="rect">
             <a:avLst/>
@@ -136,7 +136,7 @@
         <p:spPr>
           <a:xfrm>
             <a:off x="838080" y="4098240"/>
-            <a:ext cx="2527920" cy="2075040"/>
+            <a:ext cx="1233000" cy="2075040"/>
           </a:xfrm>
           <a:prstGeom prst="rect">
             <a:avLst/>
@@ -188,7 +188,7 @@
         <p:spPr>
           <a:xfrm>
             <a:off x="838080" y="365040"/>
-            <a:ext cx="10514880" cy="1324800"/>
+            <a:ext cx="10514520" cy="1324440"/>
           </a:xfrm>
           <a:prstGeom prst="rect">
             <a:avLst/>
@@ -219,7 +219,7 @@
         <p:spPr>
           <a:xfrm>
             <a:off x="838080" y="1825560"/>
-            <a:ext cx="1233360" cy="2075040"/>
+            <a:ext cx="601560" cy="2075040"/>
           </a:xfrm>
           <a:prstGeom prst="rect">
             <a:avLst/>
@@ -227,7 +227,7 @@
         </p:spPr>
         <p:txBody>
           <a:bodyPr lIns="0" rIns="0" tIns="0" bIns="0">
-            <a:normAutofit/>
+            <a:normAutofit fontScale="13000"/>
           </a:bodyPr>
           <a:p>
             <a:endParaRPr b="0" lang="en-US" sz="3200" spc="-1" strike="noStrike">
@@ -248,8 +248,8 @@
         </p:nvSpPr>
         <p:spPr>
           <a:xfrm>
-            <a:off x="2133360" y="1825560"/>
-            <a:ext cx="1233360" cy="2075040"/>
+            <a:off x="1470240" y="1825560"/>
+            <a:ext cx="601560" cy="2075040"/>
           </a:xfrm>
           <a:prstGeom prst="rect">
             <a:avLst/>
@@ -257,7 +257,7 @@
         </p:spPr>
         <p:txBody>
           <a:bodyPr lIns="0" rIns="0" tIns="0" bIns="0">
-            <a:normAutofit/>
+            <a:normAutofit fontScale="13000"/>
           </a:bodyPr>
           <a:p>
             <a:endParaRPr b="0" lang="en-US" sz="3200" spc="-1" strike="noStrike">
@@ -279,7 +279,7 @@
         <p:spPr>
           <a:xfrm>
             <a:off x="838080" y="4098240"/>
-            <a:ext cx="1233360" cy="2075040"/>
+            <a:ext cx="601560" cy="2075040"/>
           </a:xfrm>
           <a:prstGeom prst="rect">
             <a:avLst/>
@@ -287,7 +287,7 @@
         </p:spPr>
         <p:txBody>
           <a:bodyPr lIns="0" rIns="0" tIns="0" bIns="0">
-            <a:normAutofit/>
+            <a:normAutofit fontScale="13000"/>
           </a:bodyPr>
           <a:p>
             <a:endParaRPr b="0" lang="en-US" sz="3200" spc="-1" strike="noStrike">
@@ -308,8 +308,8 @@
         </p:nvSpPr>
         <p:spPr>
           <a:xfrm>
-            <a:off x="2133360" y="4098240"/>
-            <a:ext cx="1233360" cy="2075040"/>
+            <a:off x="1470240" y="4098240"/>
+            <a:ext cx="601560" cy="2075040"/>
           </a:xfrm>
           <a:prstGeom prst="rect">
             <a:avLst/>
@@ -317,7 +317,7 @@
         </p:spPr>
         <p:txBody>
           <a:bodyPr lIns="0" rIns="0" tIns="0" bIns="0">
-            <a:normAutofit/>
+            <a:normAutofit fontScale="13000"/>
           </a:bodyPr>
           <a:p>
             <a:endParaRPr b="0" lang="en-US" sz="3200" spc="-1" strike="noStrike">
@@ -361,7 +361,7 @@
         <p:spPr>
           <a:xfrm>
             <a:off x="838080" y="365040"/>
-            <a:ext cx="10514880" cy="1324800"/>
+            <a:ext cx="10514520" cy="1324440"/>
           </a:xfrm>
           <a:prstGeom prst="rect">
             <a:avLst/>
@@ -392,7 +392,7 @@
         <p:spPr>
           <a:xfrm>
             <a:off x="838080" y="1825560"/>
-            <a:ext cx="813600" cy="2075040"/>
+            <a:ext cx="396720" cy="2075040"/>
           </a:xfrm>
           <a:prstGeom prst="rect">
             <a:avLst/>
@@ -400,7 +400,7 @@
         </p:spPr>
         <p:txBody>
           <a:bodyPr lIns="0" rIns="0" tIns="0" bIns="0">
-            <a:normAutofit fontScale="26000"/>
+            <a:normAutofit fontScale="13000"/>
           </a:bodyPr>
           <a:p>
             <a:endParaRPr b="0" lang="en-US" sz="3200" spc="-1" strike="noStrike">
@@ -421,8 +421,8 @@
         </p:nvSpPr>
         <p:spPr>
           <a:xfrm>
-            <a:off x="1692720" y="1825560"/>
-            <a:ext cx="813600" cy="2075040"/>
+            <a:off x="1254960" y="1825560"/>
+            <a:ext cx="396720" cy="2075040"/>
           </a:xfrm>
           <a:prstGeom prst="rect">
             <a:avLst/>
@@ -430,7 +430,7 @@
         </p:spPr>
         <p:txBody>
           <a:bodyPr lIns="0" rIns="0" tIns="0" bIns="0">
-            <a:normAutofit fontScale="26000"/>
+            <a:normAutofit fontScale="13000"/>
           </a:bodyPr>
           <a:p>
             <a:endParaRPr b="0" lang="en-US" sz="3200" spc="-1" strike="noStrike">
@@ -451,8 +451,8 @@
         </p:nvSpPr>
         <p:spPr>
           <a:xfrm>
-            <a:off x="2547360" y="1825560"/>
-            <a:ext cx="813600" cy="2075040"/>
+            <a:off x="1671840" y="1825560"/>
+            <a:ext cx="396720" cy="2075040"/>
           </a:xfrm>
           <a:prstGeom prst="rect">
             <a:avLst/>
@@ -460,7 +460,7 @@
         </p:spPr>
         <p:txBody>
           <a:bodyPr lIns="0" rIns="0" tIns="0" bIns="0">
-            <a:normAutofit fontScale="26000"/>
+            <a:normAutofit fontScale="13000"/>
           </a:bodyPr>
           <a:p>
             <a:endParaRPr b="0" lang="en-US" sz="3200" spc="-1" strike="noStrike">
@@ -482,7 +482,7 @@
         <p:spPr>
           <a:xfrm>
             <a:off x="838080" y="4098240"/>
-            <a:ext cx="813600" cy="2075040"/>
+            <a:ext cx="396720" cy="2075040"/>
           </a:xfrm>
           <a:prstGeom prst="rect">
             <a:avLst/>
@@ -490,7 +490,7 @@
         </p:spPr>
         <p:txBody>
           <a:bodyPr lIns="0" rIns="0" tIns="0" bIns="0">
-            <a:normAutofit fontScale="26000"/>
+            <a:normAutofit fontScale="13000"/>
           </a:bodyPr>
           <a:p>
             <a:endParaRPr b="0" lang="en-US" sz="3200" spc="-1" strike="noStrike">
@@ -511,8 +511,8 @@
         </p:nvSpPr>
         <p:spPr>
           <a:xfrm>
-            <a:off x="1692720" y="4098240"/>
-            <a:ext cx="813600" cy="2075040"/>
+            <a:off x="1254960" y="4098240"/>
+            <a:ext cx="396720" cy="2075040"/>
           </a:xfrm>
           <a:prstGeom prst="rect">
             <a:avLst/>
@@ -520,7 +520,7 @@
         </p:spPr>
         <p:txBody>
           <a:bodyPr lIns="0" rIns="0" tIns="0" bIns="0">
-            <a:normAutofit fontScale="26000"/>
+            <a:normAutofit fontScale="13000"/>
           </a:bodyPr>
           <a:p>
             <a:endParaRPr b="0" lang="en-US" sz="3200" spc="-1" strike="noStrike">
@@ -541,8 +541,8 @@
         </p:nvSpPr>
         <p:spPr>
           <a:xfrm>
-            <a:off x="2547360" y="4098240"/>
-            <a:ext cx="813600" cy="2075040"/>
+            <a:off x="1671840" y="4098240"/>
+            <a:ext cx="396720" cy="2075040"/>
           </a:xfrm>
           <a:prstGeom prst="rect">
             <a:avLst/>
@@ -550,7 +550,7 @@
         </p:spPr>
         <p:txBody>
           <a:bodyPr lIns="0" rIns="0" tIns="0" bIns="0">
-            <a:normAutofit fontScale="26000"/>
+            <a:normAutofit fontScale="13000"/>
           </a:bodyPr>
           <a:p>
             <a:endParaRPr b="0" lang="en-US" sz="3200" spc="-1" strike="noStrike">
@@ -616,7 +616,7 @@
         <p:spPr>
           <a:xfrm>
             <a:off x="838080" y="365040"/>
-            <a:ext cx="10514880" cy="1324800"/>
+            <a:ext cx="10514520" cy="1324440"/>
           </a:xfrm>
           <a:prstGeom prst="rect">
             <a:avLst/>
@@ -647,7 +647,7 @@
         <p:spPr>
           <a:xfrm>
             <a:off x="838080" y="1825560"/>
-            <a:ext cx="2527920" cy="4350600"/>
+            <a:ext cx="1233000" cy="4350240"/>
           </a:xfrm>
           <a:prstGeom prst="rect">
             <a:avLst/>
@@ -700,7 +700,7 @@
         <p:spPr>
           <a:xfrm>
             <a:off x="838080" y="365040"/>
-            <a:ext cx="10514880" cy="1324800"/>
+            <a:ext cx="10514520" cy="1324440"/>
           </a:xfrm>
           <a:prstGeom prst="rect">
             <a:avLst/>
@@ -731,7 +731,7 @@
         <p:spPr>
           <a:xfrm>
             <a:off x="838080" y="1825560"/>
-            <a:ext cx="2527920" cy="4350600"/>
+            <a:ext cx="1233000" cy="4350240"/>
           </a:xfrm>
           <a:prstGeom prst="rect">
             <a:avLst/>
@@ -783,7 +783,7 @@
         <p:spPr>
           <a:xfrm>
             <a:off x="838080" y="365040"/>
-            <a:ext cx="10514880" cy="1324800"/>
+            <a:ext cx="10514520" cy="1324440"/>
           </a:xfrm>
           <a:prstGeom prst="rect">
             <a:avLst/>
@@ -814,7 +814,7 @@
         <p:spPr>
           <a:xfrm>
             <a:off x="838080" y="1825560"/>
-            <a:ext cx="1233360" cy="4350600"/>
+            <a:ext cx="601560" cy="4350240"/>
           </a:xfrm>
           <a:prstGeom prst="rect">
             <a:avLst/>
@@ -822,7 +822,7 @@
         </p:spPr>
         <p:txBody>
           <a:bodyPr lIns="0" rIns="0" tIns="0" bIns="0">
-            <a:normAutofit/>
+            <a:normAutofit fontScale="42000"/>
           </a:bodyPr>
           <a:p>
             <a:endParaRPr b="0" lang="en-US" sz="3200" spc="-1" strike="noStrike">
@@ -843,8 +843,8 @@
         </p:nvSpPr>
         <p:spPr>
           <a:xfrm>
-            <a:off x="2133360" y="1825560"/>
-            <a:ext cx="1233360" cy="4350600"/>
+            <a:off x="1470240" y="1825560"/>
+            <a:ext cx="601560" cy="4350240"/>
           </a:xfrm>
           <a:prstGeom prst="rect">
             <a:avLst/>
@@ -852,7 +852,7 @@
         </p:spPr>
         <p:txBody>
           <a:bodyPr lIns="0" rIns="0" tIns="0" bIns="0">
-            <a:normAutofit/>
+            <a:normAutofit fontScale="42000"/>
           </a:bodyPr>
           <a:p>
             <a:endParaRPr b="0" lang="en-US" sz="3200" spc="-1" strike="noStrike">
@@ -896,7 +896,7 @@
         <p:spPr>
           <a:xfrm>
             <a:off x="838080" y="365040"/>
-            <a:ext cx="10514880" cy="1324800"/>
+            <a:ext cx="10514520" cy="1324440"/>
           </a:xfrm>
           <a:prstGeom prst="rect">
             <a:avLst/>
@@ -949,7 +949,7 @@
         <p:spPr>
           <a:xfrm>
             <a:off x="838080" y="365040"/>
-            <a:ext cx="10514880" cy="6142320"/>
+            <a:ext cx="10514520" cy="6140520"/>
           </a:xfrm>
           <a:prstGeom prst="rect">
             <a:avLst/>
@@ -1002,7 +1002,7 @@
         <p:spPr>
           <a:xfrm>
             <a:off x="838080" y="365040"/>
-            <a:ext cx="10514880" cy="1324800"/>
+            <a:ext cx="10514520" cy="1324440"/>
           </a:xfrm>
           <a:prstGeom prst="rect">
             <a:avLst/>
@@ -1033,7 +1033,7 @@
         <p:spPr>
           <a:xfrm>
             <a:off x="838080" y="1825560"/>
-            <a:ext cx="1233360" cy="2075040"/>
+            <a:ext cx="601560" cy="2075040"/>
           </a:xfrm>
           <a:prstGeom prst="rect">
             <a:avLst/>
@@ -1041,7 +1041,7 @@
         </p:spPr>
         <p:txBody>
           <a:bodyPr lIns="0" rIns="0" tIns="0" bIns="0">
-            <a:normAutofit/>
+            <a:normAutofit fontScale="13000"/>
           </a:bodyPr>
           <a:p>
             <a:endParaRPr b="0" lang="en-US" sz="3200" spc="-1" strike="noStrike">
@@ -1062,8 +1062,8 @@
         </p:nvSpPr>
         <p:spPr>
           <a:xfrm>
-            <a:off x="2133360" y="1825560"/>
-            <a:ext cx="1233360" cy="4350600"/>
+            <a:off x="1470240" y="1825560"/>
+            <a:ext cx="601560" cy="4350240"/>
           </a:xfrm>
           <a:prstGeom prst="rect">
             <a:avLst/>
@@ -1071,7 +1071,7 @@
         </p:spPr>
         <p:txBody>
           <a:bodyPr lIns="0" rIns="0" tIns="0" bIns="0">
-            <a:normAutofit/>
+            <a:normAutofit fontScale="42000"/>
           </a:bodyPr>
           <a:p>
             <a:endParaRPr b="0" lang="en-US" sz="3200" spc="-1" strike="noStrike">
@@ -1093,7 +1093,7 @@
         <p:spPr>
           <a:xfrm>
             <a:off x="838080" y="4098240"/>
-            <a:ext cx="1233360" cy="2075040"/>
+            <a:ext cx="601560" cy="2075040"/>
           </a:xfrm>
           <a:prstGeom prst="rect">
             <a:avLst/>
@@ -1101,7 +1101,7 @@
         </p:spPr>
         <p:txBody>
           <a:bodyPr lIns="0" rIns="0" tIns="0" bIns="0">
-            <a:normAutofit/>
+            <a:normAutofit fontScale="13000"/>
           </a:bodyPr>
           <a:p>
             <a:endParaRPr b="0" lang="en-US" sz="3200" spc="-1" strike="noStrike">
@@ -1145,7 +1145,7 @@
         <p:spPr>
           <a:xfrm>
             <a:off x="838080" y="365040"/>
-            <a:ext cx="10514880" cy="1324800"/>
+            <a:ext cx="10514520" cy="1324440"/>
           </a:xfrm>
           <a:prstGeom prst="rect">
             <a:avLst/>
@@ -1176,7 +1176,7 @@
         <p:spPr>
           <a:xfrm>
             <a:off x="838080" y="1825560"/>
-            <a:ext cx="2527920" cy="4350600"/>
+            <a:ext cx="1233000" cy="4350240"/>
           </a:xfrm>
           <a:prstGeom prst="rect">
             <a:avLst/>
@@ -1229,7 +1229,7 @@
         <p:spPr>
           <a:xfrm>
             <a:off x="838080" y="365040"/>
-            <a:ext cx="10514880" cy="1324800"/>
+            <a:ext cx="10514520" cy="1324440"/>
           </a:xfrm>
           <a:prstGeom prst="rect">
             <a:avLst/>
@@ -1260,7 +1260,7 @@
         <p:spPr>
           <a:xfrm>
             <a:off x="838080" y="1825560"/>
-            <a:ext cx="1233360" cy="4350600"/>
+            <a:ext cx="601560" cy="4350240"/>
           </a:xfrm>
           <a:prstGeom prst="rect">
             <a:avLst/>
@@ -1268,7 +1268,7 @@
         </p:spPr>
         <p:txBody>
           <a:bodyPr lIns="0" rIns="0" tIns="0" bIns="0">
-            <a:normAutofit/>
+            <a:normAutofit fontScale="42000"/>
           </a:bodyPr>
           <a:p>
             <a:endParaRPr b="0" lang="en-US" sz="3200" spc="-1" strike="noStrike">
@@ -1289,8 +1289,8 @@
         </p:nvSpPr>
         <p:spPr>
           <a:xfrm>
-            <a:off x="2133360" y="1825560"/>
-            <a:ext cx="1233360" cy="2075040"/>
+            <a:off x="1470240" y="1825560"/>
+            <a:ext cx="601560" cy="2075040"/>
           </a:xfrm>
           <a:prstGeom prst="rect">
             <a:avLst/>
@@ -1298,7 +1298,7 @@
         </p:spPr>
         <p:txBody>
           <a:bodyPr lIns="0" rIns="0" tIns="0" bIns="0">
-            <a:normAutofit/>
+            <a:normAutofit fontScale="13000"/>
           </a:bodyPr>
           <a:p>
             <a:endParaRPr b="0" lang="en-US" sz="3200" spc="-1" strike="noStrike">
@@ -1319,8 +1319,8 @@
         </p:nvSpPr>
         <p:spPr>
           <a:xfrm>
-            <a:off x="2133360" y="4098240"/>
-            <a:ext cx="1233360" cy="2075040"/>
+            <a:off x="1470240" y="4098240"/>
+            <a:ext cx="601560" cy="2075040"/>
           </a:xfrm>
           <a:prstGeom prst="rect">
             <a:avLst/>
@@ -1328,7 +1328,7 @@
         </p:spPr>
         <p:txBody>
           <a:bodyPr lIns="0" rIns="0" tIns="0" bIns="0">
-            <a:normAutofit/>
+            <a:normAutofit fontScale="13000"/>
           </a:bodyPr>
           <a:p>
             <a:endParaRPr b="0" lang="en-US" sz="3200" spc="-1" strike="noStrike">
@@ -1372,7 +1372,7 @@
         <p:spPr>
           <a:xfrm>
             <a:off x="838080" y="365040"/>
-            <a:ext cx="10514880" cy="1324800"/>
+            <a:ext cx="10514520" cy="1324440"/>
           </a:xfrm>
           <a:prstGeom prst="rect">
             <a:avLst/>
@@ -1403,7 +1403,7 @@
         <p:spPr>
           <a:xfrm>
             <a:off x="838080" y="1825560"/>
-            <a:ext cx="1233360" cy="2075040"/>
+            <a:ext cx="601560" cy="2075040"/>
           </a:xfrm>
           <a:prstGeom prst="rect">
             <a:avLst/>
@@ -1411,7 +1411,7 @@
         </p:spPr>
         <p:txBody>
           <a:bodyPr lIns="0" rIns="0" tIns="0" bIns="0">
-            <a:normAutofit/>
+            <a:normAutofit fontScale="13000"/>
           </a:bodyPr>
           <a:p>
             <a:endParaRPr b="0" lang="en-US" sz="3200" spc="-1" strike="noStrike">
@@ -1432,8 +1432,8 @@
         </p:nvSpPr>
         <p:spPr>
           <a:xfrm>
-            <a:off x="2133360" y="1825560"/>
-            <a:ext cx="1233360" cy="2075040"/>
+            <a:off x="1470240" y="1825560"/>
+            <a:ext cx="601560" cy="2075040"/>
           </a:xfrm>
           <a:prstGeom prst="rect">
             <a:avLst/>
@@ -1441,7 +1441,7 @@
         </p:spPr>
         <p:txBody>
           <a:bodyPr lIns="0" rIns="0" tIns="0" bIns="0">
-            <a:normAutofit/>
+            <a:normAutofit fontScale="13000"/>
           </a:bodyPr>
           <a:p>
             <a:endParaRPr b="0" lang="en-US" sz="3200" spc="-1" strike="noStrike">
@@ -1463,7 +1463,7 @@
         <p:spPr>
           <a:xfrm>
             <a:off x="838080" y="4098240"/>
-            <a:ext cx="2527920" cy="2075040"/>
+            <a:ext cx="1233000" cy="2075040"/>
           </a:xfrm>
           <a:prstGeom prst="rect">
             <a:avLst/>
@@ -1515,7 +1515,7 @@
         <p:spPr>
           <a:xfrm>
             <a:off x="838080" y="365040"/>
-            <a:ext cx="10514880" cy="1324800"/>
+            <a:ext cx="10514520" cy="1324440"/>
           </a:xfrm>
           <a:prstGeom prst="rect">
             <a:avLst/>
@@ -1546,7 +1546,7 @@
         <p:spPr>
           <a:xfrm>
             <a:off x="838080" y="1825560"/>
-            <a:ext cx="2527920" cy="2075040"/>
+            <a:ext cx="1233000" cy="2075040"/>
           </a:xfrm>
           <a:prstGeom prst="rect">
             <a:avLst/>
@@ -1576,7 +1576,7 @@
         <p:spPr>
           <a:xfrm>
             <a:off x="838080" y="4098240"/>
-            <a:ext cx="2527920" cy="2075040"/>
+            <a:ext cx="1233000" cy="2075040"/>
           </a:xfrm>
           <a:prstGeom prst="rect">
             <a:avLst/>
@@ -1628,7 +1628,7 @@
         <p:spPr>
           <a:xfrm>
             <a:off x="838080" y="365040"/>
-            <a:ext cx="10514880" cy="1324800"/>
+            <a:ext cx="10514520" cy="1324440"/>
           </a:xfrm>
           <a:prstGeom prst="rect">
             <a:avLst/>
@@ -1659,7 +1659,7 @@
         <p:spPr>
           <a:xfrm>
             <a:off x="838080" y="1825560"/>
-            <a:ext cx="1233360" cy="2075040"/>
+            <a:ext cx="601560" cy="2075040"/>
           </a:xfrm>
           <a:prstGeom prst="rect">
             <a:avLst/>
@@ -1667,7 +1667,7 @@
         </p:spPr>
         <p:txBody>
           <a:bodyPr lIns="0" rIns="0" tIns="0" bIns="0">
-            <a:normAutofit/>
+            <a:normAutofit fontScale="13000"/>
           </a:bodyPr>
           <a:p>
             <a:endParaRPr b="0" lang="en-US" sz="3200" spc="-1" strike="noStrike">
@@ -1688,8 +1688,8 @@
         </p:nvSpPr>
         <p:spPr>
           <a:xfrm>
-            <a:off x="2133360" y="1825560"/>
-            <a:ext cx="1233360" cy="2075040"/>
+            <a:off x="1470240" y="1825560"/>
+            <a:ext cx="601560" cy="2075040"/>
           </a:xfrm>
           <a:prstGeom prst="rect">
             <a:avLst/>
@@ -1697,7 +1697,7 @@
         </p:spPr>
         <p:txBody>
           <a:bodyPr lIns="0" rIns="0" tIns="0" bIns="0">
-            <a:normAutofit/>
+            <a:normAutofit fontScale="13000"/>
           </a:bodyPr>
           <a:p>
             <a:endParaRPr b="0" lang="en-US" sz="3200" spc="-1" strike="noStrike">
@@ -1719,7 +1719,7 @@
         <p:spPr>
           <a:xfrm>
             <a:off x="838080" y="4098240"/>
-            <a:ext cx="1233360" cy="2075040"/>
+            <a:ext cx="601560" cy="2075040"/>
           </a:xfrm>
           <a:prstGeom prst="rect">
             <a:avLst/>
@@ -1727,7 +1727,7 @@
         </p:spPr>
         <p:txBody>
           <a:bodyPr lIns="0" rIns="0" tIns="0" bIns="0">
-            <a:normAutofit/>
+            <a:normAutofit fontScale="13000"/>
           </a:bodyPr>
           <a:p>
             <a:endParaRPr b="0" lang="en-US" sz="3200" spc="-1" strike="noStrike">
@@ -1748,8 +1748,8 @@
         </p:nvSpPr>
         <p:spPr>
           <a:xfrm>
-            <a:off x="2133360" y="4098240"/>
-            <a:ext cx="1233360" cy="2075040"/>
+            <a:off x="1470240" y="4098240"/>
+            <a:ext cx="601560" cy="2075040"/>
           </a:xfrm>
           <a:prstGeom prst="rect">
             <a:avLst/>
@@ -1757,7 +1757,7 @@
         </p:spPr>
         <p:txBody>
           <a:bodyPr lIns="0" rIns="0" tIns="0" bIns="0">
-            <a:normAutofit/>
+            <a:normAutofit fontScale="13000"/>
           </a:bodyPr>
           <a:p>
             <a:endParaRPr b="0" lang="en-US" sz="3200" spc="-1" strike="noStrike">
@@ -1801,7 +1801,7 @@
         <p:spPr>
           <a:xfrm>
             <a:off x="838080" y="365040"/>
-            <a:ext cx="10514880" cy="1324800"/>
+            <a:ext cx="10514520" cy="1324440"/>
           </a:xfrm>
           <a:prstGeom prst="rect">
             <a:avLst/>
@@ -1832,7 +1832,7 @@
         <p:spPr>
           <a:xfrm>
             <a:off x="838080" y="1825560"/>
-            <a:ext cx="813600" cy="2075040"/>
+            <a:ext cx="396720" cy="2075040"/>
           </a:xfrm>
           <a:prstGeom prst="rect">
             <a:avLst/>
@@ -1840,7 +1840,7 @@
         </p:spPr>
         <p:txBody>
           <a:bodyPr lIns="0" rIns="0" tIns="0" bIns="0">
-            <a:normAutofit fontScale="26000"/>
+            <a:normAutofit fontScale="13000"/>
           </a:bodyPr>
           <a:p>
             <a:endParaRPr b="0" lang="en-US" sz="3200" spc="-1" strike="noStrike">
@@ -1861,8 +1861,8 @@
         </p:nvSpPr>
         <p:spPr>
           <a:xfrm>
-            <a:off x="1692720" y="1825560"/>
-            <a:ext cx="813600" cy="2075040"/>
+            <a:off x="1254960" y="1825560"/>
+            <a:ext cx="396720" cy="2075040"/>
           </a:xfrm>
           <a:prstGeom prst="rect">
             <a:avLst/>
@@ -1870,7 +1870,7 @@
         </p:spPr>
         <p:txBody>
           <a:bodyPr lIns="0" rIns="0" tIns="0" bIns="0">
-            <a:normAutofit fontScale="26000"/>
+            <a:normAutofit fontScale="13000"/>
           </a:bodyPr>
           <a:p>
             <a:endParaRPr b="0" lang="en-US" sz="3200" spc="-1" strike="noStrike">
@@ -1891,8 +1891,8 @@
         </p:nvSpPr>
         <p:spPr>
           <a:xfrm>
-            <a:off x="2547360" y="1825560"/>
-            <a:ext cx="813600" cy="2075040"/>
+            <a:off x="1671840" y="1825560"/>
+            <a:ext cx="396720" cy="2075040"/>
           </a:xfrm>
           <a:prstGeom prst="rect">
             <a:avLst/>
@@ -1900,7 +1900,7 @@
         </p:spPr>
         <p:txBody>
           <a:bodyPr lIns="0" rIns="0" tIns="0" bIns="0">
-            <a:normAutofit fontScale="26000"/>
+            <a:normAutofit fontScale="13000"/>
           </a:bodyPr>
           <a:p>
             <a:endParaRPr b="0" lang="en-US" sz="3200" spc="-1" strike="noStrike">
@@ -1922,7 +1922,7 @@
         <p:spPr>
           <a:xfrm>
             <a:off x="838080" y="4098240"/>
-            <a:ext cx="813600" cy="2075040"/>
+            <a:ext cx="396720" cy="2075040"/>
           </a:xfrm>
           <a:prstGeom prst="rect">
             <a:avLst/>
@@ -1930,7 +1930,7 @@
         </p:spPr>
         <p:txBody>
           <a:bodyPr lIns="0" rIns="0" tIns="0" bIns="0">
-            <a:normAutofit fontScale="26000"/>
+            <a:normAutofit fontScale="13000"/>
           </a:bodyPr>
           <a:p>
             <a:endParaRPr b="0" lang="en-US" sz="3200" spc="-1" strike="noStrike">
@@ -1951,8 +1951,8 @@
         </p:nvSpPr>
         <p:spPr>
           <a:xfrm>
-            <a:off x="1692720" y="4098240"/>
-            <a:ext cx="813600" cy="2075040"/>
+            <a:off x="1254960" y="4098240"/>
+            <a:ext cx="396720" cy="2075040"/>
           </a:xfrm>
           <a:prstGeom prst="rect">
             <a:avLst/>
@@ -1960,7 +1960,7 @@
         </p:spPr>
         <p:txBody>
           <a:bodyPr lIns="0" rIns="0" tIns="0" bIns="0">
-            <a:normAutofit fontScale="26000"/>
+            <a:normAutofit fontScale="13000"/>
           </a:bodyPr>
           <a:p>
             <a:endParaRPr b="0" lang="en-US" sz="3200" spc="-1" strike="noStrike">
@@ -1981,8 +1981,8 @@
         </p:nvSpPr>
         <p:spPr>
           <a:xfrm>
-            <a:off x="2547360" y="4098240"/>
-            <a:ext cx="813600" cy="2075040"/>
+            <a:off x="1671840" y="4098240"/>
+            <a:ext cx="396720" cy="2075040"/>
           </a:xfrm>
           <a:prstGeom prst="rect">
             <a:avLst/>
@@ -1990,7 +1990,7 @@
         </p:spPr>
         <p:txBody>
           <a:bodyPr lIns="0" rIns="0" tIns="0" bIns="0">
-            <a:normAutofit fontScale="26000"/>
+            <a:normAutofit fontScale="13000"/>
           </a:bodyPr>
           <a:p>
             <a:endParaRPr b="0" lang="en-US" sz="3200" spc="-1" strike="noStrike">
@@ -2056,7 +2056,7 @@
         <p:spPr>
           <a:xfrm>
             <a:off x="838080" y="365040"/>
-            <a:ext cx="10514880" cy="1324800"/>
+            <a:ext cx="10514520" cy="1324440"/>
           </a:xfrm>
           <a:prstGeom prst="rect">
             <a:avLst/>
@@ -2087,7 +2087,7 @@
         <p:spPr>
           <a:xfrm>
             <a:off x="838080" y="1825560"/>
-            <a:ext cx="2527920" cy="4350600"/>
+            <a:ext cx="1233000" cy="4350240"/>
           </a:xfrm>
           <a:prstGeom prst="rect">
             <a:avLst/>
@@ -2140,7 +2140,7 @@
         <p:spPr>
           <a:xfrm>
             <a:off x="838080" y="365040"/>
-            <a:ext cx="10514880" cy="1324800"/>
+            <a:ext cx="10514520" cy="1324440"/>
           </a:xfrm>
           <a:prstGeom prst="rect">
             <a:avLst/>
@@ -2171,7 +2171,7 @@
         <p:spPr>
           <a:xfrm>
             <a:off x="838080" y="1825560"/>
-            <a:ext cx="2527920" cy="4350600"/>
+            <a:ext cx="1233000" cy="4350240"/>
           </a:xfrm>
           <a:prstGeom prst="rect">
             <a:avLst/>
@@ -2223,7 +2223,7 @@
         <p:spPr>
           <a:xfrm>
             <a:off x="838080" y="365040"/>
-            <a:ext cx="10514880" cy="1324800"/>
+            <a:ext cx="10514520" cy="1324440"/>
           </a:xfrm>
           <a:prstGeom prst="rect">
             <a:avLst/>
@@ -2254,7 +2254,7 @@
         <p:spPr>
           <a:xfrm>
             <a:off x="838080" y="1825560"/>
-            <a:ext cx="1233360" cy="4350600"/>
+            <a:ext cx="601560" cy="4350240"/>
           </a:xfrm>
           <a:prstGeom prst="rect">
             <a:avLst/>
@@ -2262,7 +2262,7 @@
         </p:spPr>
         <p:txBody>
           <a:bodyPr lIns="0" rIns="0" tIns="0" bIns="0">
-            <a:normAutofit/>
+            <a:normAutofit fontScale="42000"/>
           </a:bodyPr>
           <a:p>
             <a:endParaRPr b="0" lang="en-US" sz="3200" spc="-1" strike="noStrike">
@@ -2283,8 +2283,8 @@
         </p:nvSpPr>
         <p:spPr>
           <a:xfrm>
-            <a:off x="2133360" y="1825560"/>
-            <a:ext cx="1233360" cy="4350600"/>
+            <a:off x="1470240" y="1825560"/>
+            <a:ext cx="601560" cy="4350240"/>
           </a:xfrm>
           <a:prstGeom prst="rect">
             <a:avLst/>
@@ -2292,7 +2292,7 @@
         </p:spPr>
         <p:txBody>
           <a:bodyPr lIns="0" rIns="0" tIns="0" bIns="0">
-            <a:normAutofit/>
+            <a:normAutofit fontScale="42000"/>
           </a:bodyPr>
           <a:p>
             <a:endParaRPr b="0" lang="en-US" sz="3200" spc="-1" strike="noStrike">
@@ -2336,7 +2336,7 @@
         <p:spPr>
           <a:xfrm>
             <a:off x="838080" y="365040"/>
-            <a:ext cx="10514880" cy="1324800"/>
+            <a:ext cx="10514520" cy="1324440"/>
           </a:xfrm>
           <a:prstGeom prst="rect">
             <a:avLst/>
@@ -2389,7 +2389,7 @@
         <p:spPr>
           <a:xfrm>
             <a:off x="838080" y="365040"/>
-            <a:ext cx="10514880" cy="1324800"/>
+            <a:ext cx="10514520" cy="1324440"/>
           </a:xfrm>
           <a:prstGeom prst="rect">
             <a:avLst/>
@@ -2420,7 +2420,7 @@
         <p:spPr>
           <a:xfrm>
             <a:off x="838080" y="1825560"/>
-            <a:ext cx="2527920" cy="4350600"/>
+            <a:ext cx="1233000" cy="4350240"/>
           </a:xfrm>
           <a:prstGeom prst="rect">
             <a:avLst/>
@@ -2472,7 +2472,7 @@
         <p:spPr>
           <a:xfrm>
             <a:off x="838080" y="365040"/>
-            <a:ext cx="10514880" cy="6142320"/>
+            <a:ext cx="10514520" cy="6140520"/>
           </a:xfrm>
           <a:prstGeom prst="rect">
             <a:avLst/>
@@ -2525,7 +2525,7 @@
         <p:spPr>
           <a:xfrm>
             <a:off x="838080" y="365040"/>
-            <a:ext cx="10514880" cy="1324800"/>
+            <a:ext cx="10514520" cy="1324440"/>
           </a:xfrm>
           <a:prstGeom prst="rect">
             <a:avLst/>
@@ -2556,7 +2556,7 @@
         <p:spPr>
           <a:xfrm>
             <a:off x="838080" y="1825560"/>
-            <a:ext cx="1233360" cy="2075040"/>
+            <a:ext cx="601560" cy="2075040"/>
           </a:xfrm>
           <a:prstGeom prst="rect">
             <a:avLst/>
@@ -2564,7 +2564,7 @@
         </p:spPr>
         <p:txBody>
           <a:bodyPr lIns="0" rIns="0" tIns="0" bIns="0">
-            <a:normAutofit/>
+            <a:normAutofit fontScale="13000"/>
           </a:bodyPr>
           <a:p>
             <a:endParaRPr b="0" lang="en-US" sz="3200" spc="-1" strike="noStrike">
@@ -2585,8 +2585,8 @@
         </p:nvSpPr>
         <p:spPr>
           <a:xfrm>
-            <a:off x="2133360" y="1825560"/>
-            <a:ext cx="1233360" cy="4350600"/>
+            <a:off x="1470240" y="1825560"/>
+            <a:ext cx="601560" cy="4350240"/>
           </a:xfrm>
           <a:prstGeom prst="rect">
             <a:avLst/>
@@ -2594,7 +2594,7 @@
         </p:spPr>
         <p:txBody>
           <a:bodyPr lIns="0" rIns="0" tIns="0" bIns="0">
-            <a:normAutofit/>
+            <a:normAutofit fontScale="42000"/>
           </a:bodyPr>
           <a:p>
             <a:endParaRPr b="0" lang="en-US" sz="3200" spc="-1" strike="noStrike">
@@ -2616,7 +2616,7 @@
         <p:spPr>
           <a:xfrm>
             <a:off x="838080" y="4098240"/>
-            <a:ext cx="1233360" cy="2075040"/>
+            <a:ext cx="601560" cy="2075040"/>
           </a:xfrm>
           <a:prstGeom prst="rect">
             <a:avLst/>
@@ -2624,7 +2624,7 @@
         </p:spPr>
         <p:txBody>
           <a:bodyPr lIns="0" rIns="0" tIns="0" bIns="0">
-            <a:normAutofit/>
+            <a:normAutofit fontScale="13000"/>
           </a:bodyPr>
           <a:p>
             <a:endParaRPr b="0" lang="en-US" sz="3200" spc="-1" strike="noStrike">
@@ -2668,7 +2668,7 @@
         <p:spPr>
           <a:xfrm>
             <a:off x="838080" y="365040"/>
-            <a:ext cx="10514880" cy="1324800"/>
+            <a:ext cx="10514520" cy="1324440"/>
           </a:xfrm>
           <a:prstGeom prst="rect">
             <a:avLst/>
@@ -2699,7 +2699,7 @@
         <p:spPr>
           <a:xfrm>
             <a:off x="838080" y="1825560"/>
-            <a:ext cx="1233360" cy="4350600"/>
+            <a:ext cx="601560" cy="4350240"/>
           </a:xfrm>
           <a:prstGeom prst="rect">
             <a:avLst/>
@@ -2707,7 +2707,7 @@
         </p:spPr>
         <p:txBody>
           <a:bodyPr lIns="0" rIns="0" tIns="0" bIns="0">
-            <a:normAutofit/>
+            <a:normAutofit fontScale="42000"/>
           </a:bodyPr>
           <a:p>
             <a:endParaRPr b="0" lang="en-US" sz="3200" spc="-1" strike="noStrike">
@@ -2728,8 +2728,8 @@
         </p:nvSpPr>
         <p:spPr>
           <a:xfrm>
-            <a:off x="2133360" y="1825560"/>
-            <a:ext cx="1233360" cy="2075040"/>
+            <a:off x="1470240" y="1825560"/>
+            <a:ext cx="601560" cy="2075040"/>
           </a:xfrm>
           <a:prstGeom prst="rect">
             <a:avLst/>
@@ -2737,7 +2737,7 @@
         </p:spPr>
         <p:txBody>
           <a:bodyPr lIns="0" rIns="0" tIns="0" bIns="0">
-            <a:normAutofit/>
+            <a:normAutofit fontScale="13000"/>
           </a:bodyPr>
           <a:p>
             <a:endParaRPr b="0" lang="en-US" sz="3200" spc="-1" strike="noStrike">
@@ -2758,8 +2758,8 @@
         </p:nvSpPr>
         <p:spPr>
           <a:xfrm>
-            <a:off x="2133360" y="4098240"/>
-            <a:ext cx="1233360" cy="2075040"/>
+            <a:off x="1470240" y="4098240"/>
+            <a:ext cx="601560" cy="2075040"/>
           </a:xfrm>
           <a:prstGeom prst="rect">
             <a:avLst/>
@@ -2767,7 +2767,7 @@
         </p:spPr>
         <p:txBody>
           <a:bodyPr lIns="0" rIns="0" tIns="0" bIns="0">
-            <a:normAutofit/>
+            <a:normAutofit fontScale="13000"/>
           </a:bodyPr>
           <a:p>
             <a:endParaRPr b="0" lang="en-US" sz="3200" spc="-1" strike="noStrike">
@@ -2811,7 +2811,7 @@
         <p:spPr>
           <a:xfrm>
             <a:off x="838080" y="365040"/>
-            <a:ext cx="10514880" cy="1324800"/>
+            <a:ext cx="10514520" cy="1324440"/>
           </a:xfrm>
           <a:prstGeom prst="rect">
             <a:avLst/>
@@ -2842,7 +2842,7 @@
         <p:spPr>
           <a:xfrm>
             <a:off x="838080" y="1825560"/>
-            <a:ext cx="1233360" cy="2075040"/>
+            <a:ext cx="601560" cy="2075040"/>
           </a:xfrm>
           <a:prstGeom prst="rect">
             <a:avLst/>
@@ -2850,7 +2850,7 @@
         </p:spPr>
         <p:txBody>
           <a:bodyPr lIns="0" rIns="0" tIns="0" bIns="0">
-            <a:normAutofit/>
+            <a:normAutofit fontScale="13000"/>
           </a:bodyPr>
           <a:p>
             <a:endParaRPr b="0" lang="en-US" sz="3200" spc="-1" strike="noStrike">
@@ -2871,8 +2871,8 @@
         </p:nvSpPr>
         <p:spPr>
           <a:xfrm>
-            <a:off x="2133360" y="1825560"/>
-            <a:ext cx="1233360" cy="2075040"/>
+            <a:off x="1470240" y="1825560"/>
+            <a:ext cx="601560" cy="2075040"/>
           </a:xfrm>
           <a:prstGeom prst="rect">
             <a:avLst/>
@@ -2880,7 +2880,7 @@
         </p:spPr>
         <p:txBody>
           <a:bodyPr lIns="0" rIns="0" tIns="0" bIns="0">
-            <a:normAutofit/>
+            <a:normAutofit fontScale="13000"/>
           </a:bodyPr>
           <a:p>
             <a:endParaRPr b="0" lang="en-US" sz="3200" spc="-1" strike="noStrike">
@@ -2902,7 +2902,7 @@
         <p:spPr>
           <a:xfrm>
             <a:off x="838080" y="4098240"/>
-            <a:ext cx="2527920" cy="2075040"/>
+            <a:ext cx="1233000" cy="2075040"/>
           </a:xfrm>
           <a:prstGeom prst="rect">
             <a:avLst/>
@@ -2954,7 +2954,7 @@
         <p:spPr>
           <a:xfrm>
             <a:off x="838080" y="365040"/>
-            <a:ext cx="10514880" cy="1324800"/>
+            <a:ext cx="10514520" cy="1324440"/>
           </a:xfrm>
           <a:prstGeom prst="rect">
             <a:avLst/>
@@ -2985,7 +2985,7 @@
         <p:spPr>
           <a:xfrm>
             <a:off x="838080" y="1825560"/>
-            <a:ext cx="2527920" cy="2075040"/>
+            <a:ext cx="1233000" cy="2075040"/>
           </a:xfrm>
           <a:prstGeom prst="rect">
             <a:avLst/>
@@ -3015,7 +3015,7 @@
         <p:spPr>
           <a:xfrm>
             <a:off x="838080" y="4098240"/>
-            <a:ext cx="2527920" cy="2075040"/>
+            <a:ext cx="1233000" cy="2075040"/>
           </a:xfrm>
           <a:prstGeom prst="rect">
             <a:avLst/>
@@ -3067,7 +3067,7 @@
         <p:spPr>
           <a:xfrm>
             <a:off x="838080" y="365040"/>
-            <a:ext cx="10514880" cy="1324800"/>
+            <a:ext cx="10514520" cy="1324440"/>
           </a:xfrm>
           <a:prstGeom prst="rect">
             <a:avLst/>
@@ -3098,7 +3098,7 @@
         <p:spPr>
           <a:xfrm>
             <a:off x="838080" y="1825560"/>
-            <a:ext cx="1233360" cy="2075040"/>
+            <a:ext cx="601560" cy="2075040"/>
           </a:xfrm>
           <a:prstGeom prst="rect">
             <a:avLst/>
@@ -3106,7 +3106,7 @@
         </p:spPr>
         <p:txBody>
           <a:bodyPr lIns="0" rIns="0" tIns="0" bIns="0">
-            <a:normAutofit/>
+            <a:normAutofit fontScale="13000"/>
           </a:bodyPr>
           <a:p>
             <a:endParaRPr b="0" lang="en-US" sz="3200" spc="-1" strike="noStrike">
@@ -3127,8 +3127,8 @@
         </p:nvSpPr>
         <p:spPr>
           <a:xfrm>
-            <a:off x="2133360" y="1825560"/>
-            <a:ext cx="1233360" cy="2075040"/>
+            <a:off x="1470240" y="1825560"/>
+            <a:ext cx="601560" cy="2075040"/>
           </a:xfrm>
           <a:prstGeom prst="rect">
             <a:avLst/>
@@ -3136,7 +3136,7 @@
         </p:spPr>
         <p:txBody>
           <a:bodyPr lIns="0" rIns="0" tIns="0" bIns="0">
-            <a:normAutofit/>
+            <a:normAutofit fontScale="13000"/>
           </a:bodyPr>
           <a:p>
             <a:endParaRPr b="0" lang="en-US" sz="3200" spc="-1" strike="noStrike">
@@ -3158,7 +3158,7 @@
         <p:spPr>
           <a:xfrm>
             <a:off x="838080" y="4098240"/>
-            <a:ext cx="1233360" cy="2075040"/>
+            <a:ext cx="601560" cy="2075040"/>
           </a:xfrm>
           <a:prstGeom prst="rect">
             <a:avLst/>
@@ -3166,7 +3166,7 @@
         </p:spPr>
         <p:txBody>
           <a:bodyPr lIns="0" rIns="0" tIns="0" bIns="0">
-            <a:normAutofit/>
+            <a:normAutofit fontScale="13000"/>
           </a:bodyPr>
           <a:p>
             <a:endParaRPr b="0" lang="en-US" sz="3200" spc="-1" strike="noStrike">
@@ -3187,8 +3187,8 @@
         </p:nvSpPr>
         <p:spPr>
           <a:xfrm>
-            <a:off x="2133360" y="4098240"/>
-            <a:ext cx="1233360" cy="2075040"/>
+            <a:off x="1470240" y="4098240"/>
+            <a:ext cx="601560" cy="2075040"/>
           </a:xfrm>
           <a:prstGeom prst="rect">
             <a:avLst/>
@@ -3196,7 +3196,7 @@
         </p:spPr>
         <p:txBody>
           <a:bodyPr lIns="0" rIns="0" tIns="0" bIns="0">
-            <a:normAutofit/>
+            <a:normAutofit fontScale="13000"/>
           </a:bodyPr>
           <a:p>
             <a:endParaRPr b="0" lang="en-US" sz="3200" spc="-1" strike="noStrike">
@@ -3240,7 +3240,7 @@
         <p:spPr>
           <a:xfrm>
             <a:off x="838080" y="365040"/>
-            <a:ext cx="10514880" cy="1324800"/>
+            <a:ext cx="10514520" cy="1324440"/>
           </a:xfrm>
           <a:prstGeom prst="rect">
             <a:avLst/>
@@ -3271,7 +3271,7 @@
         <p:spPr>
           <a:xfrm>
             <a:off x="838080" y="1825560"/>
-            <a:ext cx="813600" cy="2075040"/>
+            <a:ext cx="396720" cy="2075040"/>
           </a:xfrm>
           <a:prstGeom prst="rect">
             <a:avLst/>
@@ -3279,7 +3279,7 @@
         </p:spPr>
         <p:txBody>
           <a:bodyPr lIns="0" rIns="0" tIns="0" bIns="0">
-            <a:normAutofit fontScale="26000"/>
+            <a:normAutofit fontScale="13000"/>
           </a:bodyPr>
           <a:p>
             <a:endParaRPr b="0" lang="en-US" sz="3200" spc="-1" strike="noStrike">
@@ -3300,8 +3300,8 @@
         </p:nvSpPr>
         <p:spPr>
           <a:xfrm>
-            <a:off x="1692720" y="1825560"/>
-            <a:ext cx="813600" cy="2075040"/>
+            <a:off x="1254960" y="1825560"/>
+            <a:ext cx="396720" cy="2075040"/>
           </a:xfrm>
           <a:prstGeom prst="rect">
             <a:avLst/>
@@ -3309,7 +3309,7 @@
         </p:spPr>
         <p:txBody>
           <a:bodyPr lIns="0" rIns="0" tIns="0" bIns="0">
-            <a:normAutofit fontScale="26000"/>
+            <a:normAutofit fontScale="13000"/>
           </a:bodyPr>
           <a:p>
             <a:endParaRPr b="0" lang="en-US" sz="3200" spc="-1" strike="noStrike">
@@ -3330,8 +3330,8 @@
         </p:nvSpPr>
         <p:spPr>
           <a:xfrm>
-            <a:off x="2547360" y="1825560"/>
-            <a:ext cx="813600" cy="2075040"/>
+            <a:off x="1671840" y="1825560"/>
+            <a:ext cx="396720" cy="2075040"/>
           </a:xfrm>
           <a:prstGeom prst="rect">
             <a:avLst/>
@@ -3339,7 +3339,7 @@
         </p:spPr>
         <p:txBody>
           <a:bodyPr lIns="0" rIns="0" tIns="0" bIns="0">
-            <a:normAutofit fontScale="26000"/>
+            <a:normAutofit fontScale="13000"/>
           </a:bodyPr>
           <a:p>
             <a:endParaRPr b="0" lang="en-US" sz="3200" spc="-1" strike="noStrike">
@@ -3361,7 +3361,7 @@
         <p:spPr>
           <a:xfrm>
             <a:off x="838080" y="4098240"/>
-            <a:ext cx="813600" cy="2075040"/>
+            <a:ext cx="396720" cy="2075040"/>
           </a:xfrm>
           <a:prstGeom prst="rect">
             <a:avLst/>
@@ -3369,7 +3369,7 @@
         </p:spPr>
         <p:txBody>
           <a:bodyPr lIns="0" rIns="0" tIns="0" bIns="0">
-            <a:normAutofit fontScale="26000"/>
+            <a:normAutofit fontScale="13000"/>
           </a:bodyPr>
           <a:p>
             <a:endParaRPr b="0" lang="en-US" sz="3200" spc="-1" strike="noStrike">
@@ -3390,8 +3390,8 @@
         </p:nvSpPr>
         <p:spPr>
           <a:xfrm>
-            <a:off x="1692720" y="4098240"/>
-            <a:ext cx="813600" cy="2075040"/>
+            <a:off x="1254960" y="4098240"/>
+            <a:ext cx="396720" cy="2075040"/>
           </a:xfrm>
           <a:prstGeom prst="rect">
             <a:avLst/>
@@ -3399,7 +3399,7 @@
         </p:spPr>
         <p:txBody>
           <a:bodyPr lIns="0" rIns="0" tIns="0" bIns="0">
-            <a:normAutofit fontScale="26000"/>
+            <a:normAutofit fontScale="13000"/>
           </a:bodyPr>
           <a:p>
             <a:endParaRPr b="0" lang="en-US" sz="3200" spc="-1" strike="noStrike">
@@ -3420,8 +3420,8 @@
         </p:nvSpPr>
         <p:spPr>
           <a:xfrm>
-            <a:off x="2547360" y="4098240"/>
-            <a:ext cx="813600" cy="2075040"/>
+            <a:off x="1671840" y="4098240"/>
+            <a:ext cx="396720" cy="2075040"/>
           </a:xfrm>
           <a:prstGeom prst="rect">
             <a:avLst/>
@@ -3429,7 +3429,7 @@
         </p:spPr>
         <p:txBody>
           <a:bodyPr lIns="0" rIns="0" tIns="0" bIns="0">
-            <a:normAutofit fontScale="26000"/>
+            <a:normAutofit fontScale="13000"/>
           </a:bodyPr>
           <a:p>
             <a:endParaRPr b="0" lang="en-US" sz="3200" spc="-1" strike="noStrike">
@@ -3473,7 +3473,7 @@
         <p:spPr>
           <a:xfrm>
             <a:off x="838080" y="365040"/>
-            <a:ext cx="10514880" cy="1324800"/>
+            <a:ext cx="10514520" cy="1324440"/>
           </a:xfrm>
           <a:prstGeom prst="rect">
             <a:avLst/>
@@ -3504,7 +3504,7 @@
         <p:spPr>
           <a:xfrm>
             <a:off x="838080" y="1825560"/>
-            <a:ext cx="1233360" cy="4350600"/>
+            <a:ext cx="601560" cy="4350240"/>
           </a:xfrm>
           <a:prstGeom prst="rect">
             <a:avLst/>
@@ -3512,7 +3512,7 @@
         </p:spPr>
         <p:txBody>
           <a:bodyPr lIns="0" rIns="0" tIns="0" bIns="0">
-            <a:normAutofit/>
+            <a:normAutofit fontScale="42000"/>
           </a:bodyPr>
           <a:p>
             <a:endParaRPr b="0" lang="en-US" sz="3200" spc="-1" strike="noStrike">
@@ -3533,8 +3533,8 @@
         </p:nvSpPr>
         <p:spPr>
           <a:xfrm>
-            <a:off x="2133360" y="1825560"/>
-            <a:ext cx="1233360" cy="4350600"/>
+            <a:off x="1470240" y="1825560"/>
+            <a:ext cx="601560" cy="4350240"/>
           </a:xfrm>
           <a:prstGeom prst="rect">
             <a:avLst/>
@@ -3542,7 +3542,7 @@
         </p:spPr>
         <p:txBody>
           <a:bodyPr lIns="0" rIns="0" tIns="0" bIns="0">
-            <a:normAutofit/>
+            <a:normAutofit fontScale="42000"/>
           </a:bodyPr>
           <a:p>
             <a:endParaRPr b="0" lang="en-US" sz="3200" spc="-1" strike="noStrike">
@@ -3586,7 +3586,7 @@
         <p:spPr>
           <a:xfrm>
             <a:off x="838080" y="365040"/>
-            <a:ext cx="10514880" cy="1324800"/>
+            <a:ext cx="10514520" cy="1324440"/>
           </a:xfrm>
           <a:prstGeom prst="rect">
             <a:avLst/>
@@ -3639,7 +3639,7 @@
         <p:spPr>
           <a:xfrm>
             <a:off x="838080" y="365040"/>
-            <a:ext cx="10514880" cy="6142320"/>
+            <a:ext cx="10514520" cy="6140520"/>
           </a:xfrm>
           <a:prstGeom prst="rect">
             <a:avLst/>
@@ -3692,7 +3692,7 @@
         <p:spPr>
           <a:xfrm>
             <a:off x="838080" y="365040"/>
-            <a:ext cx="10514880" cy="1324800"/>
+            <a:ext cx="10514520" cy="1324440"/>
           </a:xfrm>
           <a:prstGeom prst="rect">
             <a:avLst/>
@@ -3723,7 +3723,7 @@
         <p:spPr>
           <a:xfrm>
             <a:off x="838080" y="1825560"/>
-            <a:ext cx="1233360" cy="2075040"/>
+            <a:ext cx="601560" cy="2075040"/>
           </a:xfrm>
           <a:prstGeom prst="rect">
             <a:avLst/>
@@ -3731,7 +3731,7 @@
         </p:spPr>
         <p:txBody>
           <a:bodyPr lIns="0" rIns="0" tIns="0" bIns="0">
-            <a:normAutofit/>
+            <a:normAutofit fontScale="13000"/>
           </a:bodyPr>
           <a:p>
             <a:endParaRPr b="0" lang="en-US" sz="3200" spc="-1" strike="noStrike">
@@ -3752,8 +3752,8 @@
         </p:nvSpPr>
         <p:spPr>
           <a:xfrm>
-            <a:off x="2133360" y="1825560"/>
-            <a:ext cx="1233360" cy="4350600"/>
+            <a:off x="1470240" y="1825560"/>
+            <a:ext cx="601560" cy="4350240"/>
           </a:xfrm>
           <a:prstGeom prst="rect">
             <a:avLst/>
@@ -3761,7 +3761,7 @@
         </p:spPr>
         <p:txBody>
           <a:bodyPr lIns="0" rIns="0" tIns="0" bIns="0">
-            <a:normAutofit/>
+            <a:normAutofit fontScale="42000"/>
           </a:bodyPr>
           <a:p>
             <a:endParaRPr b="0" lang="en-US" sz="3200" spc="-1" strike="noStrike">
@@ -3783,7 +3783,7 @@
         <p:spPr>
           <a:xfrm>
             <a:off x="838080" y="4098240"/>
-            <a:ext cx="1233360" cy="2075040"/>
+            <a:ext cx="601560" cy="2075040"/>
           </a:xfrm>
           <a:prstGeom prst="rect">
             <a:avLst/>
@@ -3791,7 +3791,7 @@
         </p:spPr>
         <p:txBody>
           <a:bodyPr lIns="0" rIns="0" tIns="0" bIns="0">
-            <a:normAutofit/>
+            <a:normAutofit fontScale="13000"/>
           </a:bodyPr>
           <a:p>
             <a:endParaRPr b="0" lang="en-US" sz="3200" spc="-1" strike="noStrike">
@@ -3835,7 +3835,7 @@
         <p:spPr>
           <a:xfrm>
             <a:off x="838080" y="365040"/>
-            <a:ext cx="10514880" cy="1324800"/>
+            <a:ext cx="10514520" cy="1324440"/>
           </a:xfrm>
           <a:prstGeom prst="rect">
             <a:avLst/>
@@ -3866,7 +3866,7 @@
         <p:spPr>
           <a:xfrm>
             <a:off x="838080" y="1825560"/>
-            <a:ext cx="1233360" cy="4350600"/>
+            <a:ext cx="601560" cy="4350240"/>
           </a:xfrm>
           <a:prstGeom prst="rect">
             <a:avLst/>
@@ -3874,7 +3874,7 @@
         </p:spPr>
         <p:txBody>
           <a:bodyPr lIns="0" rIns="0" tIns="0" bIns="0">
-            <a:normAutofit/>
+            <a:normAutofit fontScale="42000"/>
           </a:bodyPr>
           <a:p>
             <a:endParaRPr b="0" lang="en-US" sz="3200" spc="-1" strike="noStrike">
@@ -3895,8 +3895,8 @@
         </p:nvSpPr>
         <p:spPr>
           <a:xfrm>
-            <a:off x="2133360" y="1825560"/>
-            <a:ext cx="1233360" cy="2075040"/>
+            <a:off x="1470240" y="1825560"/>
+            <a:ext cx="601560" cy="2075040"/>
           </a:xfrm>
           <a:prstGeom prst="rect">
             <a:avLst/>
@@ -3904,7 +3904,7 @@
         </p:spPr>
         <p:txBody>
           <a:bodyPr lIns="0" rIns="0" tIns="0" bIns="0">
-            <a:normAutofit/>
+            <a:normAutofit fontScale="13000"/>
           </a:bodyPr>
           <a:p>
             <a:endParaRPr b="0" lang="en-US" sz="3200" spc="-1" strike="noStrike">
@@ -3925,8 +3925,8 @@
         </p:nvSpPr>
         <p:spPr>
           <a:xfrm>
-            <a:off x="2133360" y="4098240"/>
-            <a:ext cx="1233360" cy="2075040"/>
+            <a:off x="1470240" y="4098240"/>
+            <a:ext cx="601560" cy="2075040"/>
           </a:xfrm>
           <a:prstGeom prst="rect">
             <a:avLst/>
@@ -3934,7 +3934,7 @@
         </p:spPr>
         <p:txBody>
           <a:bodyPr lIns="0" rIns="0" tIns="0" bIns="0">
-            <a:normAutofit/>
+            <a:normAutofit fontScale="13000"/>
           </a:bodyPr>
           <a:p>
             <a:endParaRPr b="0" lang="en-US" sz="3200" spc="-1" strike="noStrike">
@@ -3978,7 +3978,7 @@
         <p:spPr>
           <a:xfrm>
             <a:off x="838080" y="365040"/>
-            <a:ext cx="10514880" cy="1324800"/>
+            <a:ext cx="10514520" cy="1324440"/>
           </a:xfrm>
           <a:prstGeom prst="rect">
             <a:avLst/>
@@ -4009,7 +4009,7 @@
         <p:spPr>
           <a:xfrm>
             <a:off x="838080" y="1825560"/>
-            <a:ext cx="1233360" cy="2075040"/>
+            <a:ext cx="601560" cy="2075040"/>
           </a:xfrm>
           <a:prstGeom prst="rect">
             <a:avLst/>
@@ -4017,7 +4017,7 @@
         </p:spPr>
         <p:txBody>
           <a:bodyPr lIns="0" rIns="0" tIns="0" bIns="0">
-            <a:normAutofit/>
+            <a:normAutofit fontScale="13000"/>
           </a:bodyPr>
           <a:p>
             <a:endParaRPr b="0" lang="en-US" sz="3200" spc="-1" strike="noStrike">
@@ -4038,8 +4038,8 @@
         </p:nvSpPr>
         <p:spPr>
           <a:xfrm>
-            <a:off x="2133360" y="1825560"/>
-            <a:ext cx="1233360" cy="2075040"/>
+            <a:off x="1470240" y="1825560"/>
+            <a:ext cx="601560" cy="2075040"/>
           </a:xfrm>
           <a:prstGeom prst="rect">
             <a:avLst/>
@@ -4047,7 +4047,7 @@
         </p:spPr>
         <p:txBody>
           <a:bodyPr lIns="0" rIns="0" tIns="0" bIns="0">
-            <a:normAutofit/>
+            <a:normAutofit fontScale="13000"/>
           </a:bodyPr>
           <a:p>
             <a:endParaRPr b="0" lang="en-US" sz="3200" spc="-1" strike="noStrike">
@@ -4069,7 +4069,7 @@
         <p:spPr>
           <a:xfrm>
             <a:off x="838080" y="4098240"/>
-            <a:ext cx="2527920" cy="2075040"/>
+            <a:ext cx="1233000" cy="2075040"/>
           </a:xfrm>
           <a:prstGeom prst="rect">
             <a:avLst/>
@@ -4128,7 +4128,7 @@
         <p:spPr>
           <a:xfrm>
             <a:off x="838080" y="365040"/>
-            <a:ext cx="10514880" cy="1324800"/>
+            <a:ext cx="10514520" cy="1324440"/>
           </a:xfrm>
           <a:prstGeom prst="rect">
             <a:avLst/>
@@ -4164,8 +4164,8 @@
         </p:nvSpPr>
         <p:spPr>
           <a:xfrm>
-            <a:off x="609480" y="1604520"/>
-            <a:ext cx="10972440" cy="3977280"/>
+            <a:off x="838080" y="1825560"/>
+            <a:ext cx="2527560" cy="4350240"/>
           </a:xfrm>
           <a:prstGeom prst="rect">
             <a:avLst/>
@@ -4173,10 +4173,10 @@
         </p:spPr>
         <p:txBody>
           <a:bodyPr lIns="0" rIns="0" tIns="0" bIns="0">
-            <a:normAutofit/>
-          </a:bodyPr>
-          <a:p>
-            <a:pPr marL="432000" indent="-324000">
+            <a:normAutofit fontScale="14000"/>
+          </a:bodyPr>
+          <a:p>
+            <a:pPr marL="432000" indent="-324000" algn="ctr">
               <a:spcBef>
                 <a:spcPts val="1417"/>
               </a:spcBef>
@@ -4188,17 +4188,17 @@
               <a:buChar char=""/>
             </a:pPr>
             <a:r>
-              <a:rPr b="0" lang="en-US" sz="3200" spc="-1" strike="noStrike">
+              <a:rPr b="0" lang="en-US" sz="1800" spc="-1" strike="noStrike">
                 <a:latin typeface="Arial"/>
               </a:rPr>
               <a:t>Click to edit the outline text format</a:t>
             </a:r>
-            <a:endParaRPr b="0" lang="en-US" sz="3200" spc="-1" strike="noStrike">
-              <a:latin typeface="Arial"/>
-            </a:endParaRPr>
-          </a:p>
-          <a:p>
-            <a:pPr lvl="1" marL="864000" indent="-324000">
+            <a:endParaRPr b="0" lang="en-US" sz="1800" spc="-1" strike="noStrike">
+              <a:latin typeface="Arial"/>
+            </a:endParaRPr>
+          </a:p>
+          <a:p>
+            <a:pPr lvl="1" marL="864000" indent="-324000" algn="ctr">
               <a:spcBef>
                 <a:spcPts val="1134"/>
               </a:spcBef>
@@ -4210,17 +4210,17 @@
               <a:buChar char=""/>
             </a:pPr>
             <a:r>
-              <a:rPr b="0" lang="en-US" sz="2800" spc="-1" strike="noStrike">
+              <a:rPr b="0" lang="en-US" sz="1800" spc="-1" strike="noStrike">
                 <a:latin typeface="Arial"/>
               </a:rPr>
               <a:t>Second Outline Level</a:t>
             </a:r>
-            <a:endParaRPr b="0" lang="en-US" sz="2800" spc="-1" strike="noStrike">
-              <a:latin typeface="Arial"/>
-            </a:endParaRPr>
-          </a:p>
-          <a:p>
-            <a:pPr lvl="2" marL="1296000" indent="-288000">
+            <a:endParaRPr b="0" lang="en-US" sz="1800" spc="-1" strike="noStrike">
+              <a:latin typeface="Arial"/>
+            </a:endParaRPr>
+          </a:p>
+          <a:p>
+            <a:pPr lvl="2" marL="1296000" indent="-288000" algn="ctr">
               <a:spcBef>
                 <a:spcPts val="850"/>
               </a:spcBef>
@@ -4232,17 +4232,17 @@
               <a:buChar char=""/>
             </a:pPr>
             <a:r>
-              <a:rPr b="0" lang="en-US" sz="2400" spc="-1" strike="noStrike">
+              <a:rPr b="0" lang="en-US" sz="1800" spc="-1" strike="noStrike">
                 <a:latin typeface="Arial"/>
               </a:rPr>
               <a:t>Third Outline Level</a:t>
             </a:r>
-            <a:endParaRPr b="0" lang="en-US" sz="2400" spc="-1" strike="noStrike">
-              <a:latin typeface="Arial"/>
-            </a:endParaRPr>
-          </a:p>
-          <a:p>
-            <a:pPr lvl="3" marL="1728000" indent="-216000">
+            <a:endParaRPr b="0" lang="en-US" sz="1800" spc="-1" strike="noStrike">
+              <a:latin typeface="Arial"/>
+            </a:endParaRPr>
+          </a:p>
+          <a:p>
+            <a:pPr lvl="3" marL="1728000" indent="-216000" algn="ctr">
               <a:spcBef>
                 <a:spcPts val="567"/>
               </a:spcBef>
@@ -4254,17 +4254,17 @@
               <a:buChar char=""/>
             </a:pPr>
             <a:r>
-              <a:rPr b="0" lang="en-US" sz="2000" spc="-1" strike="noStrike">
+              <a:rPr b="0" lang="en-US" sz="1800" spc="-1" strike="noStrike">
                 <a:latin typeface="Arial"/>
               </a:rPr>
               <a:t>Fourth Outline Level</a:t>
             </a:r>
-            <a:endParaRPr b="0" lang="en-US" sz="2000" spc="-1" strike="noStrike">
-              <a:latin typeface="Arial"/>
-            </a:endParaRPr>
-          </a:p>
-          <a:p>
-            <a:pPr lvl="4" marL="2160000" indent="-216000">
+            <a:endParaRPr b="0" lang="en-US" sz="1800" spc="-1" strike="noStrike">
+              <a:latin typeface="Arial"/>
+            </a:endParaRPr>
+          </a:p>
+          <a:p>
+            <a:pPr lvl="4" marL="2160000" indent="-216000" algn="ctr">
               <a:spcBef>
                 <a:spcPts val="283"/>
               </a:spcBef>
@@ -4276,17 +4276,17 @@
               <a:buChar char=""/>
             </a:pPr>
             <a:r>
-              <a:rPr b="0" lang="en-US" sz="2000" spc="-1" strike="noStrike">
+              <a:rPr b="0" lang="en-US" sz="1800" spc="-1" strike="noStrike">
                 <a:latin typeface="Arial"/>
               </a:rPr>
               <a:t>Fifth Outline Level</a:t>
             </a:r>
-            <a:endParaRPr b="0" lang="en-US" sz="2000" spc="-1" strike="noStrike">
-              <a:latin typeface="Arial"/>
-            </a:endParaRPr>
-          </a:p>
-          <a:p>
-            <a:pPr lvl="5" marL="2592000" indent="-216000">
+            <a:endParaRPr b="0" lang="en-US" sz="1800" spc="-1" strike="noStrike">
+              <a:latin typeface="Arial"/>
+            </a:endParaRPr>
+          </a:p>
+          <a:p>
+            <a:pPr lvl="5" marL="2592000" indent="-216000" algn="ctr">
               <a:spcBef>
                 <a:spcPts val="283"/>
               </a:spcBef>
@@ -4298,17 +4298,17 @@
               <a:buChar char=""/>
             </a:pPr>
             <a:r>
-              <a:rPr b="0" lang="en-US" sz="2000" spc="-1" strike="noStrike">
+              <a:rPr b="0" lang="en-US" sz="1800" spc="-1" strike="noStrike">
                 <a:latin typeface="Arial"/>
               </a:rPr>
               <a:t>Sixth Outline Level</a:t>
             </a:r>
-            <a:endParaRPr b="0" lang="en-US" sz="2000" spc="-1" strike="noStrike">
-              <a:latin typeface="Arial"/>
-            </a:endParaRPr>
-          </a:p>
-          <a:p>
-            <a:pPr lvl="6" marL="3024000" indent="-216000">
+            <a:endParaRPr b="0" lang="en-US" sz="1800" spc="-1" strike="noStrike">
+              <a:latin typeface="Arial"/>
+            </a:endParaRPr>
+          </a:p>
+          <a:p>
+            <a:pPr lvl="6" marL="3024000" indent="-216000" algn="ctr">
               <a:spcBef>
                 <a:spcPts val="283"/>
               </a:spcBef>
@@ -4320,12 +4320,12 @@
               <a:buChar char=""/>
             </a:pPr>
             <a:r>
-              <a:rPr b="0" lang="en-US" sz="2000" spc="-1" strike="noStrike">
+              <a:rPr b="0" lang="en-US" sz="1800" spc="-1" strike="noStrike">
                 <a:latin typeface="Arial"/>
               </a:rPr>
               <a:t>Seventh Outline Level</a:t>
             </a:r>
-            <a:endParaRPr b="0" lang="en-US" sz="2000" spc="-1" strike="noStrike">
+            <a:endParaRPr b="0" lang="en-US" sz="1800" spc="-1" strike="noStrike">
               <a:latin typeface="Arial"/>
             </a:endParaRPr>
           </a:p>
@@ -4388,7 +4388,7 @@
         <p:spPr>
           <a:xfrm>
             <a:off x="838080" y="365040"/>
-            <a:ext cx="10514880" cy="1324800"/>
+            <a:ext cx="10514520" cy="1324440"/>
           </a:xfrm>
           <a:prstGeom prst="rect">
             <a:avLst/>
@@ -4425,7 +4425,7 @@
         <p:spPr>
           <a:xfrm>
             <a:off x="838080" y="1825560"/>
-            <a:ext cx="2527920" cy="4350600"/>
+            <a:ext cx="1233000" cy="4350240"/>
           </a:xfrm>
           <a:prstGeom prst="rect">
             <a:avLst/>
@@ -4433,7 +4433,7 @@
         </p:spPr>
         <p:txBody>
           <a:bodyPr lIns="0" rIns="0" tIns="0" bIns="0">
-            <a:normAutofit fontScale="15000"/>
+            <a:normAutofit fontScale="5000"/>
           </a:bodyPr>
           <a:p>
             <a:pPr marL="432000" indent="-324000" algn="ctr">
@@ -4603,8 +4603,8 @@
         </p:nvSpPr>
         <p:spPr>
           <a:xfrm>
-            <a:off x="3493080" y="1825560"/>
-            <a:ext cx="2527920" cy="4350600"/>
+            <a:off x="2133360" y="1825560"/>
+            <a:ext cx="1233000" cy="4350240"/>
           </a:xfrm>
           <a:prstGeom prst="rect">
             <a:avLst/>
@@ -4612,7 +4612,7 @@
         </p:spPr>
         <p:txBody>
           <a:bodyPr lIns="0" rIns="0" tIns="0" bIns="0">
-            <a:normAutofit fontScale="15000"/>
+            <a:normAutofit fontScale="5000"/>
           </a:bodyPr>
           <a:p>
             <a:pPr marL="432000" indent="-324000" algn="ctr">
@@ -5076,7 +5076,7 @@
         <p:spPr>
           <a:xfrm>
             <a:off x="390240" y="0"/>
-            <a:ext cx="10276920" cy="1488960"/>
+            <a:ext cx="10276560" cy="1488600"/>
           </a:xfrm>
           <a:prstGeom prst="rect">
             <a:avLst/>
@@ -5108,6 +5108,7 @@
                   <a:srgbClr val="000000"/>
                 </a:solidFill>
                 <a:latin typeface="Calibri Light"/>
+                <a:ea typeface="DejaVu Sans"/>
               </a:rPr>
               <a:t>Modern Data Analysis HomeWork 20</a:t>
             </a:r>
@@ -5117,6 +5118,7 @@
                   <a:srgbClr val="000000"/>
                 </a:solidFill>
                 <a:latin typeface="Calibri Light"/>
+                <a:ea typeface="DejaVu Sans"/>
               </a:rPr>
               <a:t>20</a:t>
             </a:r>
@@ -5126,6 +5128,7 @@
                   <a:srgbClr val="000000"/>
                 </a:solidFill>
                 <a:latin typeface="Calibri Light"/>
+                <a:ea typeface="DejaVu Sans"/>
               </a:rPr>
               <a:t>: </a:t>
             </a:r>
@@ -5136,6 +5139,7 @@
                   <a:srgbClr val="000000"/>
                 </a:solidFill>
                 <a:latin typeface="Calibri Light"/>
+                <a:ea typeface="DejaVu Sans"/>
               </a:rPr>
               <a:t>Start and Deadline</a:t>
             </a:r>
@@ -5154,7 +5158,7 @@
         <p:spPr>
           <a:xfrm>
             <a:off x="651240" y="1489680"/>
-            <a:ext cx="10888560" cy="5218560"/>
+            <a:ext cx="10888200" cy="5218200"/>
           </a:xfrm>
           <a:prstGeom prst="rect">
             <a:avLst/>
@@ -5192,6 +5196,7 @@
                   <a:srgbClr val="000000"/>
                 </a:solidFill>
                 <a:latin typeface="Calibri"/>
+                <a:ea typeface="DejaVu Sans"/>
               </a:rPr>
               <a:t>Goals</a:t>
             </a:r>
@@ -5201,6 +5206,7 @@
                   <a:srgbClr val="000000"/>
                 </a:solidFill>
                 <a:latin typeface="Calibri"/>
+                <a:ea typeface="DejaVu Sans"/>
               </a:rPr>
               <a:t>: </a:t>
             </a:r>
@@ -5209,7 +5215,7 @@
             </a:endParaRPr>
           </a:p>
           <a:p>
-            <a:pPr marL="457200" indent="-456480">
+            <a:pPr marL="457200" indent="-456120">
               <a:lnSpc>
                 <a:spcPct val="90000"/>
               </a:lnSpc>
@@ -5231,6 +5237,7 @@
                   <a:srgbClr val="000000"/>
                 </a:solidFill>
                 <a:latin typeface="Calibri"/>
+                <a:ea typeface="DejaVu Sans"/>
               </a:rPr>
               <a:t>Hands-on experience in data analysis methods learnt</a:t>
             </a:r>
@@ -5239,7 +5246,7 @@
             </a:endParaRPr>
           </a:p>
           <a:p>
-            <a:pPr marL="457200" indent="-456480">
+            <a:pPr marL="457200" indent="-456120">
               <a:lnSpc>
                 <a:spcPct val="90000"/>
               </a:lnSpc>
@@ -5261,6 +5268,7 @@
                   <a:srgbClr val="000000"/>
                 </a:solidFill>
                 <a:latin typeface="Calibri"/>
+                <a:ea typeface="DejaVu Sans"/>
               </a:rPr>
               <a:t>Report writing experience</a:t>
             </a:r>
@@ -5302,6 +5310,7 @@
                   <a:srgbClr val="000000"/>
                 </a:solidFill>
                 <a:latin typeface="Calibri"/>
+                <a:ea typeface="DejaVu Sans"/>
               </a:rPr>
               <a:t>A report submitting team may consist of up to 4 persons: all are to receive the same mark.</a:t>
             </a:r>
@@ -5343,6 +5352,7 @@
                   <a:srgbClr val="000000"/>
                 </a:solidFill>
                 <a:latin typeface="Calibri"/>
+                <a:ea typeface="DejaVu Sans"/>
               </a:rPr>
               <a:t>To start</a:t>
             </a:r>
@@ -5352,6 +5362,7 @@
                   <a:srgbClr val="000000"/>
                 </a:solidFill>
                 <a:latin typeface="Calibri"/>
+                <a:ea typeface="DejaVu Sans"/>
               </a:rPr>
               <a:t>, </a:t>
             </a:r>
@@ -5361,6 +5372,7 @@
                   <a:srgbClr val="000000"/>
                 </a:solidFill>
                 <a:latin typeface="Calibri"/>
+                <a:ea typeface="DejaVu Sans"/>
               </a:rPr>
               <a:t>you should receive a confirmation from the instructor. To obtain that, you should submit to me a description of the dataset (what are the entities, the number of them, a list of features with explanation of their meaning, and a file with the dataset).</a:t>
             </a:r>
@@ -5402,6 +5414,7 @@
                   <a:srgbClr val="000000"/>
                 </a:solidFill>
                 <a:latin typeface="Calibri"/>
+                <a:ea typeface="DejaVu Sans"/>
               </a:rPr>
               <a:t>A </a:t>
             </a:r>
@@ -5411,6 +5424,7 @@
                   <a:srgbClr val="000000"/>
                 </a:solidFill>
                 <a:latin typeface="Calibri"/>
+                <a:ea typeface="DejaVu Sans"/>
               </a:rPr>
               <a:t>single file of your report </a:t>
             </a:r>
@@ -5420,6 +5434,7 @@
                   <a:srgbClr val="000000"/>
                 </a:solidFill>
                 <a:latin typeface="Calibri"/>
+                <a:ea typeface="DejaVu Sans"/>
               </a:rPr>
               <a:t>of the homework must reach Instructor at </a:t>
             </a:r>
@@ -5430,6 +5445,7 @@
                 </a:solidFill>
                 <a:uFillTx/>
                 <a:latin typeface="Calibri"/>
+                <a:ea typeface="DejaVu Sans"/>
                 <a:hlinkClick r:id="rId1"/>
               </a:rPr>
               <a:t>bmirkin@hse.ru</a:t>
@@ -5440,6 +5456,7 @@
                   <a:srgbClr val="000000"/>
                 </a:solidFill>
                 <a:latin typeface="Calibri"/>
+                <a:ea typeface="DejaVu Sans"/>
               </a:rPr>
               <a:t> by the end of 6 December 2020 (till morning of 7 December). </a:t>
             </a:r>
@@ -5465,6 +5482,7 @@
                   <a:srgbClr val="000000"/>
                 </a:solidFill>
                 <a:latin typeface="Calibri"/>
+                <a:ea typeface="DejaVu Sans"/>
               </a:rPr>
               <a:t>Reports submitted after this deadline but before the end of 14 December will be penalized by 20% off the mark. Reports submitted later than 14 December will be penalized by 70%. No second submission is accepted after your submission has been acknowledged.</a:t>
             </a:r>
@@ -5499,7 +5517,7 @@
         <p:spPr>
           <a:xfrm>
             <a:off x="4038480" y="6356520"/>
-            <a:ext cx="4114080" cy="364320"/>
+            <a:ext cx="4113720" cy="363960"/>
           </a:xfrm>
           <a:prstGeom prst="rect">
             <a:avLst/>
@@ -5531,6 +5549,7 @@
                   <a:srgbClr val="8b8b8b"/>
                 </a:solidFill>
                 <a:latin typeface="Calibri"/>
+                <a:ea typeface="DejaVu Sans"/>
               </a:rPr>
               <a:t>MagDAHomeWork_2020</a:t>
             </a:r>
@@ -5549,7 +5568,7 @@
         <p:spPr>
           <a:xfrm>
             <a:off x="8610480" y="6356520"/>
-            <a:ext cx="2742480" cy="364320"/>
+            <a:ext cx="2742120" cy="363960"/>
           </a:xfrm>
           <a:prstGeom prst="rect">
             <a:avLst/>
@@ -5575,12 +5594,13 @@
                 <a:spcPct val="100000"/>
               </a:lnSpc>
             </a:pPr>
-            <a:fld id="{04E2124F-21DE-447D-A106-CE138A26D527}" type="slidenum">
+            <a:fld id="{46B8C869-63B7-4654-BC5F-929828DD7208}" type="slidenum">
               <a:rPr b="0" lang="ru-RU" sz="1200" spc="-1" strike="noStrike">
                 <a:solidFill>
                   <a:srgbClr val="8b8b8b"/>
                 </a:solidFill>
                 <a:latin typeface="Calibri"/>
+                <a:ea typeface="DejaVu Sans"/>
               </a:rPr>
               <a:t>&lt;number&gt;</a:t>
             </a:fld>
@@ -5629,7 +5649,7 @@
         <p:spPr>
           <a:xfrm>
             <a:off x="583920" y="274680"/>
-            <a:ext cx="11522880" cy="573120"/>
+            <a:ext cx="11522520" cy="572760"/>
           </a:xfrm>
           <a:prstGeom prst="rect">
             <a:avLst/>
@@ -5661,6 +5681,7 @@
                   <a:srgbClr val="000000"/>
                 </a:solidFill>
                 <a:latin typeface="Calibri Light"/>
+                <a:ea typeface="DejaVu Sans"/>
               </a:rPr>
               <a:t>Homework Assignment 6: Correlation Coefficient</a:t>
             </a:r>
@@ -5679,7 +5700,7 @@
         <p:spPr>
           <a:xfrm>
             <a:off x="1703520" y="1124640"/>
-            <a:ext cx="8784360" cy="5616000"/>
+            <a:ext cx="8784000" cy="5615640"/>
           </a:xfrm>
           <a:prstGeom prst="rect">
             <a:avLst/>
@@ -5700,7 +5721,7 @@
             <a:normAutofit fontScale="70000"/>
           </a:bodyPr>
           <a:p>
-            <a:pPr marL="228600" indent="-227880">
+            <a:pPr marL="228600" indent="-227520">
               <a:lnSpc>
                 <a:spcPct val="90000"/>
               </a:lnSpc>
@@ -5719,6 +5740,7 @@
                   <a:srgbClr val="000000"/>
                 </a:solidFill>
                 <a:latin typeface="Calibri"/>
+                <a:ea typeface="DejaVu Sans"/>
               </a:rPr>
               <a:t>1. Find two features in your dataset with more or less “linear-like” scatterplot.</a:t>
             </a:r>
@@ -5727,7 +5749,7 @@
             </a:endParaRPr>
           </a:p>
           <a:p>
-            <a:pPr marL="228600" indent="-227880">
+            <a:pPr marL="228600" indent="-227520">
               <a:lnSpc>
                 <a:spcPct val="90000"/>
               </a:lnSpc>
@@ -5746,6 +5768,7 @@
                   <a:srgbClr val="000000"/>
                 </a:solidFill>
                 <a:latin typeface="Calibri"/>
+                <a:ea typeface="DejaVu Sans"/>
               </a:rPr>
               <a:t>2. Display the scatter-plot and comment how well it is suitable for building a linear regression.</a:t>
             </a:r>
@@ -5754,7 +5777,7 @@
             </a:endParaRPr>
           </a:p>
           <a:p>
-            <a:pPr marL="228600" indent="-227880">
+            <a:pPr marL="228600" indent="-227520">
               <a:lnSpc>
                 <a:spcPct val="90000"/>
               </a:lnSpc>
@@ -5773,6 +5796,7 @@
                   <a:srgbClr val="000000"/>
                 </a:solidFill>
                 <a:latin typeface="Calibri"/>
+                <a:ea typeface="DejaVu Sans"/>
               </a:rPr>
               <a:t>3. Build a linear regression of one of the features over the other. Make a comment on the meaning of the slope.</a:t>
             </a:r>
@@ -5781,7 +5805,7 @@
             </a:endParaRPr>
           </a:p>
           <a:p>
-            <a:pPr marL="228600" indent="-227880">
+            <a:pPr marL="228600" indent="-227520">
               <a:lnSpc>
                 <a:spcPct val="90000"/>
               </a:lnSpc>
@@ -5800,6 +5824,7 @@
                   <a:srgbClr val="000000"/>
                 </a:solidFill>
                 <a:latin typeface="Calibri"/>
+                <a:ea typeface="DejaVu Sans"/>
               </a:rPr>
               <a:t>4. Find the correlation and determinacy coefficients, and </a:t>
             </a:r>
@@ -5809,6 +5834,7 @@
                   <a:srgbClr val="000000"/>
                 </a:solidFill>
                 <a:latin typeface="Calibri"/>
+                <a:ea typeface="DejaVu Sans"/>
               </a:rPr>
               <a:t>comment</a:t>
             </a:r>
@@ -5818,6 +5844,7 @@
                   <a:srgbClr val="000000"/>
                 </a:solidFill>
                 <a:latin typeface="Calibri"/>
+                <a:ea typeface="DejaVu Sans"/>
               </a:rPr>
               <a:t> on the meaning of the latter.</a:t>
             </a:r>
@@ -5826,7 +5853,7 @@
             </a:endParaRPr>
           </a:p>
           <a:p>
-            <a:pPr marL="228600" indent="-227880">
+            <a:pPr marL="228600" indent="-227520">
               <a:lnSpc>
                 <a:spcPct val="90000"/>
               </a:lnSpc>
@@ -5845,6 +5872,7 @@
                   <a:srgbClr val="000000"/>
                 </a:solidFill>
                 <a:latin typeface="Calibri"/>
+                <a:ea typeface="DejaVu Sans"/>
               </a:rPr>
               <a:t>Make a prediction of the target values for given two or three predictor’ values; make a comment</a:t>
             </a:r>
@@ -5853,7 +5881,7 @@
             </a:endParaRPr>
           </a:p>
           <a:p>
-            <a:pPr marL="228600" indent="-227880">
+            <a:pPr marL="228600" indent="-227520">
               <a:lnSpc>
                 <a:spcPct val="90000"/>
               </a:lnSpc>
@@ -5872,6 +5900,7 @@
                   <a:srgbClr val="000000"/>
                 </a:solidFill>
                 <a:latin typeface="Calibri"/>
+                <a:ea typeface="DejaVu Sans"/>
               </a:rPr>
               <a:t>Compare the mean relative absolute error of the regression on all points of your set and the determinacy coefficient and make comments</a:t>
             </a:r>
@@ -5890,7 +5919,7 @@
         <p:spPr>
           <a:xfrm>
             <a:off x="4038480" y="6356520"/>
-            <a:ext cx="4114080" cy="364320"/>
+            <a:ext cx="4113720" cy="363960"/>
           </a:xfrm>
           <a:prstGeom prst="rect">
             <a:avLst/>
@@ -5922,6 +5951,7 @@
                   <a:srgbClr val="8b8b8b"/>
                 </a:solidFill>
                 <a:latin typeface="Calibri"/>
+                <a:ea typeface="DejaVu Sans"/>
               </a:rPr>
               <a:t>MagDAHomeWork_2020</a:t>
             </a:r>
@@ -5940,7 +5970,7 @@
         <p:spPr>
           <a:xfrm>
             <a:off x="8610480" y="6356520"/>
-            <a:ext cx="2742480" cy="364320"/>
+            <a:ext cx="2742120" cy="363960"/>
           </a:xfrm>
           <a:prstGeom prst="rect">
             <a:avLst/>
@@ -5966,12 +5996,13 @@
                 <a:spcPct val="100000"/>
               </a:lnSpc>
             </a:pPr>
-            <a:fld id="{FBE1A7E7-6318-49AB-979D-1CDB077D553B}" type="slidenum">
+            <a:fld id="{2E46D0EA-1162-45B8-8F20-02F7C32A2627}" type="slidenum">
               <a:rPr b="0" lang="ru-RU" sz="1200" spc="-1" strike="noStrike">
                 <a:solidFill>
                   <a:srgbClr val="8b8b8b"/>
                 </a:solidFill>
                 <a:latin typeface="Calibri"/>
+                <a:ea typeface="DejaVu Sans"/>
               </a:rPr>
               <a:t>&lt;number&gt;</a:t>
             </a:fld>
@@ -6020,7 +6051,7 @@
         <p:spPr>
           <a:xfrm>
             <a:off x="1523880" y="869040"/>
-            <a:ext cx="9143280" cy="1102320"/>
+            <a:ext cx="9142920" cy="1101960"/>
           </a:xfrm>
           <a:prstGeom prst="rect">
             <a:avLst/>
@@ -6052,6 +6083,7 @@
                   <a:srgbClr val="000000"/>
                 </a:solidFill>
                 <a:latin typeface="Calibri Light"/>
+                <a:ea typeface="DejaVu Sans"/>
               </a:rPr>
               <a:t>Computation</a:t>
             </a:r>
@@ -6070,7 +6102,7 @@
         <p:spPr>
           <a:xfrm>
             <a:off x="627840" y="2434680"/>
-            <a:ext cx="10333080" cy="3910320"/>
+            <a:ext cx="10332720" cy="3909960"/>
           </a:xfrm>
           <a:prstGeom prst="rect">
             <a:avLst/>
@@ -6108,6 +6140,7 @@
                   <a:srgbClr val="000000"/>
                 </a:solidFill>
                 <a:latin typeface="Calibri"/>
+                <a:ea typeface="DejaVu Sans"/>
               </a:rPr>
               <a:t>You may use any computing environment including the most popular MatLab, R, Python, etc. You may write your own codes or use those provided by the environments. </a:t>
             </a:r>
@@ -6133,6 +6166,7 @@
                   <a:srgbClr val="000000"/>
                 </a:solidFill>
                 <a:latin typeface="Calibri"/>
+                <a:ea typeface="DejaVu Sans"/>
               </a:rPr>
               <a:t>You are to make an exact reference to what a specific tool was used, provide its code and specify the parameters of your application. The less the comments you do to the solutions, the greater the penalty to be imposed on your mark. [An assignment may be not graded at all (mark=0) if no comments are provided because we assume that the failure to comment is because of ignorance.]</a:t>
             </a:r>
@@ -6167,7 +6201,7 @@
         <p:spPr>
           <a:xfrm>
             <a:off x="4038480" y="6356520"/>
-            <a:ext cx="4114080" cy="364320"/>
+            <a:ext cx="4113720" cy="363960"/>
           </a:xfrm>
           <a:prstGeom prst="rect">
             <a:avLst/>
@@ -6199,6 +6233,7 @@
                   <a:srgbClr val="8b8b8b"/>
                 </a:solidFill>
                 <a:latin typeface="Calibri"/>
+                <a:ea typeface="DejaVu Sans"/>
               </a:rPr>
               <a:t>MagDAHomeWork_2020</a:t>
             </a:r>
@@ -6217,7 +6252,7 @@
         <p:spPr>
           <a:xfrm>
             <a:off x="8610480" y="6356520"/>
-            <a:ext cx="2742480" cy="364320"/>
+            <a:ext cx="2742120" cy="363960"/>
           </a:xfrm>
           <a:prstGeom prst="rect">
             <a:avLst/>
@@ -6243,12 +6278,13 @@
                 <a:spcPct val="100000"/>
               </a:lnSpc>
             </a:pPr>
-            <a:fld id="{19D9FCD5-CFF2-4BB9-89E1-C0FA34D873ED}" type="slidenum">
+            <a:fld id="{196AEFB2-EEC7-4725-93A6-2C5BA5096D5B}" type="slidenum">
               <a:rPr b="0" lang="ru-RU" sz="1200" spc="-1" strike="noStrike">
                 <a:solidFill>
                   <a:srgbClr val="8b8b8b"/>
                 </a:solidFill>
                 <a:latin typeface="Calibri"/>
+                <a:ea typeface="DejaVu Sans"/>
               </a:rPr>
               <a:t>&lt;number&gt;</a:t>
             </a:fld>
@@ -6297,7 +6333,7 @@
         <p:spPr>
           <a:xfrm>
             <a:off x="838080" y="365040"/>
-            <a:ext cx="10883160" cy="1324800"/>
+            <a:ext cx="10882800" cy="1324440"/>
           </a:xfrm>
           <a:prstGeom prst="rect">
             <a:avLst/>
@@ -6329,6 +6365,7 @@
                   <a:srgbClr val="000000"/>
                 </a:solidFill>
                 <a:latin typeface="Calibri Light"/>
+                <a:ea typeface="DejaVu Sans"/>
               </a:rPr>
               <a:t>Contributions of assignments to the HW mark</a:t>
             </a:r>
@@ -6347,7 +6384,7 @@
         <p:spPr>
           <a:xfrm>
             <a:off x="838080" y="1825560"/>
-            <a:ext cx="9175320" cy="4350600"/>
+            <a:ext cx="9174960" cy="4350240"/>
           </a:xfrm>
           <a:prstGeom prst="rect">
             <a:avLst/>
@@ -6385,6 +6422,7 @@
                   <a:srgbClr val="000000"/>
                 </a:solidFill>
                 <a:latin typeface="Calibri"/>
+                <a:ea typeface="DejaVu Sans"/>
               </a:rPr>
               <a:t>          </a:t>
             </a:r>
@@ -6394,6 +6432,7 @@
                   <a:srgbClr val="000000"/>
                 </a:solidFill>
                 <a:latin typeface="Calibri"/>
+                <a:ea typeface="DejaVu Sans"/>
               </a:rPr>
               <a:t>Subject                                          Up to</a:t>
             </a:r>
@@ -6402,7 +6441,7 @@
             </a:endParaRPr>
           </a:p>
           <a:p>
-            <a:pPr marL="228600" indent="-227880">
+            <a:pPr marL="228600" indent="-227520">
               <a:lnSpc>
                 <a:spcPct val="90000"/>
               </a:lnSpc>
@@ -6424,6 +6463,7 @@
                   <a:srgbClr val="000000"/>
                 </a:solidFill>
                 <a:latin typeface="Calibri"/>
+                <a:ea typeface="DejaVu Sans"/>
               </a:rPr>
               <a:t>1: Report writing                                  10%</a:t>
             </a:r>
@@ -6432,7 +6472,7 @@
             </a:endParaRPr>
           </a:p>
           <a:p>
-            <a:pPr marL="228600" indent="-227880">
+            <a:pPr marL="228600" indent="-227520">
               <a:lnSpc>
                 <a:spcPct val="90000"/>
               </a:lnSpc>
@@ -6454,6 +6494,7 @@
                   <a:srgbClr val="000000"/>
                 </a:solidFill>
                 <a:latin typeface="Calibri"/>
+                <a:ea typeface="DejaVu Sans"/>
               </a:rPr>
               <a:t>2. K-means                                             15%</a:t>
             </a:r>
@@ -6462,7 +6503,7 @@
             </a:endParaRPr>
           </a:p>
           <a:p>
-            <a:pPr marL="228600" indent="-227880">
+            <a:pPr marL="228600" indent="-227520">
               <a:lnSpc>
                 <a:spcPct val="90000"/>
               </a:lnSpc>
@@ -6484,6 +6525,7 @@
                   <a:srgbClr val="000000"/>
                 </a:solidFill>
                 <a:latin typeface="Calibri"/>
+                <a:ea typeface="DejaVu Sans"/>
               </a:rPr>
               <a:t>3. Bootstrap                                           20%</a:t>
             </a:r>
@@ -6492,7 +6534,7 @@
             </a:endParaRPr>
           </a:p>
           <a:p>
-            <a:pPr marL="228600" indent="-227880">
+            <a:pPr marL="228600" indent="-227520">
               <a:lnSpc>
                 <a:spcPct val="90000"/>
               </a:lnSpc>
@@ -6514,6 +6556,7 @@
                   <a:srgbClr val="000000"/>
                 </a:solidFill>
                 <a:latin typeface="Calibri"/>
+                <a:ea typeface="DejaVu Sans"/>
               </a:rPr>
               <a:t>4. Contingency table                            20%</a:t>
             </a:r>
@@ -6522,7 +6565,7 @@
             </a:endParaRPr>
           </a:p>
           <a:p>
-            <a:pPr marL="228600" indent="-227880">
+            <a:pPr marL="228600" indent="-227520">
               <a:lnSpc>
                 <a:spcPct val="90000"/>
               </a:lnSpc>
@@ -6544,6 +6587,7 @@
                   <a:srgbClr val="000000"/>
                 </a:solidFill>
                 <a:latin typeface="Calibri"/>
+                <a:ea typeface="DejaVu Sans"/>
               </a:rPr>
               <a:t>5. PCA/SVD                                            20%</a:t>
             </a:r>
@@ -6552,7 +6596,7 @@
             </a:endParaRPr>
           </a:p>
           <a:p>
-            <a:pPr marL="228600" indent="-227880">
+            <a:pPr marL="228600" indent="-227520">
               <a:lnSpc>
                 <a:spcPct val="90000"/>
               </a:lnSpc>
@@ -6574,6 +6618,7 @@
                   <a:srgbClr val="000000"/>
                 </a:solidFill>
                 <a:latin typeface="Calibri"/>
+                <a:ea typeface="DejaVu Sans"/>
               </a:rPr>
               <a:t>6. Correlation coefficient                    15%</a:t>
             </a:r>
@@ -6592,7 +6637,7 @@
         <p:spPr>
           <a:xfrm>
             <a:off x="4038480" y="6356520"/>
-            <a:ext cx="4114080" cy="364320"/>
+            <a:ext cx="4113720" cy="363960"/>
           </a:xfrm>
           <a:prstGeom prst="rect">
             <a:avLst/>
@@ -6624,6 +6669,7 @@
                   <a:srgbClr val="8b8b8b"/>
                 </a:solidFill>
                 <a:latin typeface="Calibri"/>
+                <a:ea typeface="DejaVu Sans"/>
               </a:rPr>
               <a:t>MagDAHomeWork_2020</a:t>
             </a:r>
@@ -6642,7 +6688,7 @@
         <p:spPr>
           <a:xfrm>
             <a:off x="8610480" y="6356520"/>
-            <a:ext cx="2742480" cy="364320"/>
+            <a:ext cx="2742120" cy="363960"/>
           </a:xfrm>
           <a:prstGeom prst="rect">
             <a:avLst/>
@@ -6668,12 +6714,13 @@
                 <a:spcPct val="100000"/>
               </a:lnSpc>
             </a:pPr>
-            <a:fld id="{A6C4C643-FC4A-4052-A76F-1428B697A76E}" type="slidenum">
+            <a:fld id="{C451E572-C1F6-4CF7-8499-95303B08001F}" type="slidenum">
               <a:rPr b="0" lang="ru-RU" sz="1200" spc="-1" strike="noStrike">
                 <a:solidFill>
                   <a:srgbClr val="8b8b8b"/>
                 </a:solidFill>
                 <a:latin typeface="Calibri"/>
+                <a:ea typeface="DejaVu Sans"/>
               </a:rPr>
               <a:t>&lt;number&gt;</a:t>
             </a:fld>
@@ -6722,7 +6769,7 @@
         <p:spPr>
           <a:xfrm>
             <a:off x="838080" y="365040"/>
-            <a:ext cx="10883160" cy="1324800"/>
+            <a:ext cx="10882800" cy="1324440"/>
           </a:xfrm>
           <a:prstGeom prst="rect">
             <a:avLst/>
@@ -6754,6 +6801,7 @@
                   <a:srgbClr val="000000"/>
                 </a:solidFill>
                 <a:latin typeface="Calibri Light"/>
+                <a:ea typeface="DejaVu Sans"/>
               </a:rPr>
               <a:t>Contents</a:t>
             </a:r>
@@ -6772,7 +6820,7 @@
         <p:spPr>
           <a:xfrm>
             <a:off x="838080" y="1825560"/>
-            <a:ext cx="9175320" cy="4350600"/>
+            <a:ext cx="9174960" cy="4350240"/>
           </a:xfrm>
           <a:prstGeom prst="rect">
             <a:avLst/>
@@ -6810,6 +6858,7 @@
                   <a:srgbClr val="000000"/>
                 </a:solidFill>
                 <a:latin typeface="Calibri"/>
+                <a:ea typeface="DejaVu Sans"/>
               </a:rPr>
               <a:t>          </a:t>
             </a:r>
@@ -6819,6 +6868,7 @@
                   <a:srgbClr val="000000"/>
                 </a:solidFill>
                 <a:latin typeface="Calibri"/>
+                <a:ea typeface="DejaVu Sans"/>
               </a:rPr>
               <a:t>Assignment                                   page</a:t>
             </a:r>
@@ -6827,7 +6877,7 @@
             </a:endParaRPr>
           </a:p>
           <a:p>
-            <a:pPr marL="228600" indent="-227880">
+            <a:pPr marL="228600" indent="-227520">
               <a:lnSpc>
                 <a:spcPct val="90000"/>
               </a:lnSpc>
@@ -6849,6 +6899,7 @@
                   <a:srgbClr val="000000"/>
                 </a:solidFill>
                 <a:latin typeface="Calibri"/>
+                <a:ea typeface="DejaVu Sans"/>
               </a:rPr>
               <a:t>1: Report writing                                   5</a:t>
             </a:r>
@@ -6857,7 +6908,7 @@
             </a:endParaRPr>
           </a:p>
           <a:p>
-            <a:pPr marL="228600" indent="-227880">
+            <a:pPr marL="228600" indent="-227520">
               <a:lnSpc>
                 <a:spcPct val="90000"/>
               </a:lnSpc>
@@ -6879,6 +6930,7 @@
                   <a:srgbClr val="000000"/>
                 </a:solidFill>
                 <a:latin typeface="Calibri"/>
+                <a:ea typeface="DejaVu Sans"/>
               </a:rPr>
               <a:t>2. K-means                                             6</a:t>
             </a:r>
@@ -6887,7 +6939,7 @@
             </a:endParaRPr>
           </a:p>
           <a:p>
-            <a:pPr marL="228600" indent="-227880">
+            <a:pPr marL="228600" indent="-227520">
               <a:lnSpc>
                 <a:spcPct val="90000"/>
               </a:lnSpc>
@@ -6909,6 +6961,7 @@
                   <a:srgbClr val="000000"/>
                 </a:solidFill>
                 <a:latin typeface="Calibri"/>
+                <a:ea typeface="DejaVu Sans"/>
               </a:rPr>
               <a:t>3. Bootstrap                                           7</a:t>
             </a:r>
@@ -6917,7 +6970,7 @@
             </a:endParaRPr>
           </a:p>
           <a:p>
-            <a:pPr marL="228600" indent="-227880">
+            <a:pPr marL="228600" indent="-227520">
               <a:lnSpc>
                 <a:spcPct val="90000"/>
               </a:lnSpc>
@@ -6939,6 +6992,7 @@
                   <a:srgbClr val="000000"/>
                 </a:solidFill>
                 <a:latin typeface="Calibri"/>
+                <a:ea typeface="DejaVu Sans"/>
               </a:rPr>
               <a:t>4. Contingency table                             8</a:t>
             </a:r>
@@ -6947,7 +7001,7 @@
             </a:endParaRPr>
           </a:p>
           <a:p>
-            <a:pPr marL="228600" indent="-227880">
+            <a:pPr marL="228600" indent="-227520">
               <a:lnSpc>
                 <a:spcPct val="90000"/>
               </a:lnSpc>
@@ -6969,6 +7023,7 @@
                   <a:srgbClr val="000000"/>
                 </a:solidFill>
                 <a:latin typeface="Calibri"/>
+                <a:ea typeface="DejaVu Sans"/>
               </a:rPr>
               <a:t>5. PCA/SVD                                             9</a:t>
             </a:r>
@@ -6977,7 +7032,7 @@
             </a:endParaRPr>
           </a:p>
           <a:p>
-            <a:pPr marL="228600" indent="-227880">
+            <a:pPr marL="228600" indent="-227520">
               <a:lnSpc>
                 <a:spcPct val="90000"/>
               </a:lnSpc>
@@ -6999,6 +7054,7 @@
                   <a:srgbClr val="000000"/>
                 </a:solidFill>
                 <a:latin typeface="Calibri"/>
+                <a:ea typeface="DejaVu Sans"/>
               </a:rPr>
               <a:t>6. Correlation coefficient                    10</a:t>
             </a:r>
@@ -7017,7 +7073,7 @@
         <p:spPr>
           <a:xfrm>
             <a:off x="4038480" y="6356520"/>
-            <a:ext cx="4114080" cy="364320"/>
+            <a:ext cx="4113720" cy="363960"/>
           </a:xfrm>
           <a:prstGeom prst="rect">
             <a:avLst/>
@@ -7049,6 +7105,7 @@
                   <a:srgbClr val="8b8b8b"/>
                 </a:solidFill>
                 <a:latin typeface="Calibri"/>
+                <a:ea typeface="DejaVu Sans"/>
               </a:rPr>
               <a:t>MagDAHomeWork_2020</a:t>
             </a:r>
@@ -7067,7 +7124,7 @@
         <p:spPr>
           <a:xfrm>
             <a:off x="8610480" y="6356520"/>
-            <a:ext cx="2742480" cy="364320"/>
+            <a:ext cx="2742120" cy="363960"/>
           </a:xfrm>
           <a:prstGeom prst="rect">
             <a:avLst/>
@@ -7093,12 +7150,13 @@
                 <a:spcPct val="100000"/>
               </a:lnSpc>
             </a:pPr>
-            <a:fld id="{AFF0A9FA-1379-4DA0-B33F-9CBACB800B8A}" type="slidenum">
+            <a:fld id="{D1439727-74C1-4E22-9341-6A5CADEAD42E}" type="slidenum">
               <a:rPr b="0" lang="ru-RU" sz="1200" spc="-1" strike="noStrike">
                 <a:solidFill>
                   <a:srgbClr val="8b8b8b"/>
                 </a:solidFill>
                 <a:latin typeface="Calibri"/>
+                <a:ea typeface="DejaVu Sans"/>
               </a:rPr>
               <a:t>&lt;number&gt;</a:t>
             </a:fld>
@@ -7147,7 +7205,7 @@
         <p:spPr>
           <a:xfrm>
             <a:off x="2207520" y="188640"/>
-            <a:ext cx="7817400" cy="777600"/>
+            <a:ext cx="7817040" cy="777240"/>
           </a:xfrm>
           <a:prstGeom prst="rect">
             <a:avLst/>
@@ -7179,6 +7237,7 @@
                   <a:srgbClr val="000000"/>
                 </a:solidFill>
                 <a:latin typeface="Calibri Light"/>
+                <a:ea typeface="DejaVu Sans"/>
               </a:rPr>
               <a:t>Home work 1: Report writing</a:t>
             </a:r>
@@ -7197,7 +7256,7 @@
         <p:spPr>
           <a:xfrm>
             <a:off x="1631520" y="908640"/>
-            <a:ext cx="4968000" cy="5948640"/>
+            <a:ext cx="4967640" cy="5948280"/>
           </a:xfrm>
           <a:prstGeom prst="rect">
             <a:avLst/>
@@ -7218,7 +7277,7 @@
             <a:normAutofit fontScale="97000"/>
           </a:bodyPr>
           <a:p>
-            <a:pPr marL="228600" indent="-227880">
+            <a:pPr marL="228600" indent="-227520">
               <a:lnSpc>
                 <a:spcPct val="90000"/>
               </a:lnSpc>
@@ -7237,6 +7296,7 @@
                   <a:srgbClr val="000000"/>
                 </a:solidFill>
                 <a:latin typeface="Calibri"/>
+                <a:ea typeface="DejaVu Sans"/>
               </a:rPr>
               <a:t>1.</a:t>
             </a:r>
@@ -7246,6 +7306,7 @@
                   <a:srgbClr val="000000"/>
                 </a:solidFill>
                 <a:latin typeface="Calibri"/>
+                <a:ea typeface="DejaVu Sans"/>
               </a:rPr>
               <a:t> Each to form/join a team of one, two or three; the team </a:t>
             </a:r>
@@ -7255,6 +7316,7 @@
                   <a:srgbClr val="000000"/>
                 </a:solidFill>
                 <a:latin typeface="Calibri"/>
+                <a:ea typeface="DejaVu Sans"/>
               </a:rPr>
               <a:t>finds a meaningful dataset </a:t>
             </a:r>
@@ -7264,6 +7326,7 @@
                   <a:srgbClr val="000000"/>
                 </a:solidFill>
                 <a:latin typeface="Calibri"/>
+                <a:ea typeface="DejaVu Sans"/>
               </a:rPr>
               <a:t>of their liking </a:t>
             </a:r>
@@ -7273,6 +7336,7 @@
                   <a:srgbClr val="000000"/>
                 </a:solidFill>
                 <a:latin typeface="Calibri"/>
+                <a:ea typeface="DejaVu Sans"/>
               </a:rPr>
               <a:t>on the internet</a:t>
             </a:r>
@@ -7282,6 +7346,7 @@
                   <a:srgbClr val="000000"/>
                 </a:solidFill>
                 <a:latin typeface="Calibri"/>
+                <a:ea typeface="DejaVu Sans"/>
               </a:rPr>
               <a:t>: say, by Googling “data analysis dataset”</a:t>
             </a:r>
@@ -7290,7 +7355,7 @@
             </a:endParaRPr>
           </a:p>
           <a:p>
-            <a:pPr marL="228600" indent="-227880">
+            <a:pPr marL="228600" indent="-227520">
               <a:lnSpc>
                 <a:spcPct val="90000"/>
               </a:lnSpc>
@@ -7309,6 +7374,7 @@
                   <a:srgbClr val="000000"/>
                 </a:solidFill>
                 <a:latin typeface="Calibri"/>
+                <a:ea typeface="DejaVu Sans"/>
               </a:rPr>
               <a:t>Number of entities </a:t>
             </a:r>
@@ -7318,6 +7384,7 @@
                   <a:srgbClr val="000000"/>
                 </a:solidFill>
                 <a:latin typeface="Symbol"/>
+                <a:ea typeface="DejaVu Sans"/>
               </a:rPr>
               <a:t></a:t>
             </a:r>
@@ -7327,6 +7394,7 @@
                   <a:srgbClr val="000000"/>
                 </a:solidFill>
                 <a:latin typeface="Calibri"/>
+                <a:ea typeface="DejaVu Sans"/>
               </a:rPr>
               <a:t> 100, of features </a:t>
             </a:r>
@@ -7336,6 +7404,7 @@
                   <a:srgbClr val="000000"/>
                 </a:solidFill>
                 <a:latin typeface="Symbol"/>
+                <a:ea typeface="DejaVu Sans"/>
               </a:rPr>
               <a:t></a:t>
             </a:r>
@@ -7345,6 +7414,7 @@
                   <a:srgbClr val="000000"/>
                 </a:solidFill>
                 <a:latin typeface="Calibri"/>
+                <a:ea typeface="DejaVu Sans"/>
               </a:rPr>
               <a:t> 7</a:t>
             </a:r>
@@ -7353,7 +7423,7 @@
             </a:endParaRPr>
           </a:p>
           <a:p>
-            <a:pPr marL="228600" indent="-227880">
+            <a:pPr marL="228600" indent="-227520">
               <a:lnSpc>
                 <a:spcPct val="90000"/>
               </a:lnSpc>
@@ -7372,6 +7442,7 @@
                   <a:srgbClr val="c00000"/>
                 </a:solidFill>
                 <a:latin typeface="Calibri"/>
+                <a:ea typeface="DejaVu Sans"/>
               </a:rPr>
               <a:t>No missings</a:t>
             </a:r>
@@ -7380,7 +7451,7 @@
             </a:endParaRPr>
           </a:p>
           <a:p>
-            <a:pPr marL="228600" indent="-227880">
+            <a:pPr marL="228600" indent="-227520">
               <a:lnSpc>
                 <a:spcPct val="90000"/>
               </a:lnSpc>
@@ -7396,6 +7467,7 @@
                   <a:srgbClr val="c00000"/>
                 </a:solidFill>
                 <a:latin typeface="Calibri"/>
+                <a:ea typeface="DejaVu Sans"/>
               </a:rPr>
               <a:t>No Irivine ML repository</a:t>
             </a:r>
@@ -7404,7 +7476,7 @@
             </a:endParaRPr>
           </a:p>
           <a:p>
-            <a:pPr marL="228600" indent="-227880">
+            <a:pPr marL="228600" indent="-227520">
               <a:lnSpc>
                 <a:spcPct val="90000"/>
               </a:lnSpc>
@@ -7420,6 +7492,7 @@
                   <a:srgbClr val="000000"/>
                 </a:solidFill>
                 <a:latin typeface="Calibri"/>
+                <a:ea typeface="DejaVu Sans"/>
               </a:rPr>
               <a:t>The dataset is to be approved by me</a:t>
             </a:r>
@@ -7429,6 +7502,7 @@
                   <a:srgbClr val="000000"/>
                 </a:solidFill>
                 <a:latin typeface="Calibri"/>
+                <a:ea typeface="DejaVu Sans"/>
               </a:rPr>
               <a:t>.</a:t>
             </a:r>
@@ -7460,7 +7534,7 @@
         <p:spPr>
           <a:xfrm>
             <a:off x="6599880" y="980640"/>
-            <a:ext cx="4416120" cy="5205960"/>
+            <a:ext cx="4415760" cy="5205600"/>
           </a:xfrm>
           <a:prstGeom prst="rect">
             <a:avLst/>
@@ -7481,7 +7555,7 @@
             <a:normAutofit fontScale="97000"/>
           </a:bodyPr>
           <a:p>
-            <a:pPr marL="228600" indent="-227880">
+            <a:pPr marL="228600" indent="-227520">
               <a:lnSpc>
                 <a:spcPct val="90000"/>
               </a:lnSpc>
@@ -7500,6 +7574,7 @@
                   <a:srgbClr val="000000"/>
                 </a:solidFill>
                 <a:latin typeface="Calibri"/>
+                <a:ea typeface="DejaVu Sans"/>
               </a:rPr>
               <a:t>2. Start writing a team’s report file to submit it as either a Word or Adobe file</a:t>
             </a:r>
@@ -7508,7 +7583,7 @@
             </a:endParaRPr>
           </a:p>
           <a:p>
-            <a:pPr marL="228600" indent="-227880">
+            <a:pPr marL="228600" indent="-227520">
               <a:lnSpc>
                 <a:spcPct val="90000"/>
               </a:lnSpc>
@@ -7527,6 +7602,7 @@
                   <a:srgbClr val="000000"/>
                 </a:solidFill>
                 <a:latin typeface="Calibri"/>
+                <a:ea typeface="DejaVu Sans"/>
               </a:rPr>
               <a:t>Project title page </a:t>
             </a:r>
@@ -7535,7 +7611,7 @@
             </a:endParaRPr>
           </a:p>
           <a:p>
-            <a:pPr marL="228600" indent="-227880">
+            <a:pPr marL="228600" indent="-227520">
               <a:lnSpc>
                 <a:spcPct val="90000"/>
               </a:lnSpc>
@@ -7554,6 +7630,7 @@
                   <a:srgbClr val="000000"/>
                 </a:solidFill>
                 <a:latin typeface="Calibri"/>
+                <a:ea typeface="DejaVu Sans"/>
               </a:rPr>
               <a:t>Section 1.</a:t>
             </a:r>
@@ -7562,7 +7639,7 @@
             </a:endParaRPr>
           </a:p>
           <a:p>
-            <a:pPr lvl="1" marL="685800" indent="-227880">
+            <a:pPr lvl="1" marL="685800" indent="-227520">
               <a:lnSpc>
                 <a:spcPct val="90000"/>
               </a:lnSpc>
@@ -7581,6 +7658,7 @@
                   <a:srgbClr val="000000"/>
                 </a:solidFill>
                 <a:latin typeface="Calibri"/>
+                <a:ea typeface="DejaVu Sans"/>
               </a:rPr>
               <a:t>Explanation of the choice of the dataset</a:t>
             </a:r>
@@ -7589,7 +7667,7 @@
             </a:endParaRPr>
           </a:p>
           <a:p>
-            <a:pPr lvl="1" marL="685800" indent="-227880">
+            <a:pPr lvl="1" marL="685800" indent="-227520">
               <a:lnSpc>
                 <a:spcPct val="90000"/>
               </a:lnSpc>
@@ -7608,6 +7686,7 @@
                   <a:srgbClr val="000000"/>
                 </a:solidFill>
                 <a:latin typeface="Calibri"/>
+                <a:ea typeface="DejaVu Sans"/>
               </a:rPr>
               <a:t>Information of the dataset: features, number of entities, source address, examples of problems</a:t>
             </a:r>
@@ -7626,7 +7705,7 @@
         <p:spPr>
           <a:xfrm>
             <a:off x="4038480" y="6356520"/>
-            <a:ext cx="4114080" cy="364320"/>
+            <a:ext cx="4113720" cy="363960"/>
           </a:xfrm>
           <a:prstGeom prst="rect">
             <a:avLst/>
@@ -7658,6 +7737,7 @@
                   <a:srgbClr val="8b8b8b"/>
                 </a:solidFill>
                 <a:latin typeface="Calibri"/>
+                <a:ea typeface="DejaVu Sans"/>
               </a:rPr>
               <a:t>MagDAHomeWork_2020</a:t>
             </a:r>
@@ -7676,7 +7756,7 @@
         <p:spPr>
           <a:xfrm>
             <a:off x="8610480" y="6356520"/>
-            <a:ext cx="2742480" cy="364320"/>
+            <a:ext cx="2742120" cy="363960"/>
           </a:xfrm>
           <a:prstGeom prst="rect">
             <a:avLst/>
@@ -7702,12 +7782,13 @@
                 <a:spcPct val="100000"/>
               </a:lnSpc>
             </a:pPr>
-            <a:fld id="{70607EA6-4EB8-473E-BF52-E795BECD7C6F}" type="slidenum">
+            <a:fld id="{7EC170BC-C5B4-4C57-B45C-CBFA5D28DC04}" type="slidenum">
               <a:rPr b="0" lang="ru-RU" sz="1200" spc="-1" strike="noStrike">
                 <a:solidFill>
                   <a:srgbClr val="8b8b8b"/>
                 </a:solidFill>
                 <a:latin typeface="Calibri"/>
+                <a:ea typeface="DejaVu Sans"/>
               </a:rPr>
               <a:t>&lt;number&gt;</a:t>
             </a:fld>
@@ -7756,7 +7837,7 @@
         <p:spPr>
           <a:xfrm>
             <a:off x="1991520" y="274680"/>
-            <a:ext cx="8465400" cy="849240"/>
+            <a:ext cx="8465040" cy="848880"/>
           </a:xfrm>
           <a:prstGeom prst="rect">
             <a:avLst/>
@@ -7788,6 +7869,7 @@
                   <a:srgbClr val="000000"/>
                 </a:solidFill>
                 <a:latin typeface="Calibri Light"/>
+                <a:ea typeface="DejaVu Sans"/>
               </a:rPr>
               <a:t> </a:t>
             </a:r>
@@ -7797,6 +7879,7 @@
                   <a:srgbClr val="000000"/>
                 </a:solidFill>
                 <a:latin typeface="Calibri Light"/>
+                <a:ea typeface="DejaVu Sans"/>
               </a:rPr>
               <a:t>Home Work Assignment </a:t>
             </a:r>
@@ -7806,6 +7889,7 @@
                   <a:srgbClr val="000000"/>
                 </a:solidFill>
                 <a:latin typeface="Calibri Light"/>
+                <a:ea typeface="DejaVu Sans"/>
               </a:rPr>
               <a:t>2</a:t>
             </a:r>
@@ -7815,6 +7899,7 @@
                   <a:srgbClr val="000000"/>
                 </a:solidFill>
                 <a:latin typeface="Calibri Light"/>
+                <a:ea typeface="DejaVu Sans"/>
               </a:rPr>
               <a:t>: K-means</a:t>
             </a:r>
@@ -7833,7 +7918,7 @@
         <p:spPr>
           <a:xfrm>
             <a:off x="1734480" y="1124640"/>
-            <a:ext cx="8722800" cy="5732640"/>
+            <a:ext cx="8722440" cy="5732280"/>
           </a:xfrm>
           <a:prstGeom prst="rect">
             <a:avLst/>
@@ -7854,7 +7939,7 @@
             <a:normAutofit/>
           </a:bodyPr>
           <a:p>
-            <a:pPr marL="228600" indent="-227880">
+            <a:pPr marL="228600" indent="-227520">
               <a:lnSpc>
                 <a:spcPct val="90000"/>
               </a:lnSpc>
@@ -7873,6 +7958,7 @@
                   <a:srgbClr val="000000"/>
                 </a:solidFill>
                 <a:latin typeface="Calibri"/>
+                <a:ea typeface="DejaVu Sans"/>
               </a:rPr>
               <a:t>1. </a:t>
             </a:r>
@@ -7882,6 +7968,7 @@
                   <a:srgbClr val="000000"/>
                 </a:solidFill>
                 <a:latin typeface="Calibri"/>
+                <a:ea typeface="DejaVu Sans"/>
               </a:rPr>
               <a:t>Choose</a:t>
             </a:r>
@@ -7891,6 +7978,7 @@
                   <a:srgbClr val="000000"/>
                 </a:solidFill>
                 <a:latin typeface="Calibri"/>
+                <a:ea typeface="DejaVu Sans"/>
               </a:rPr>
               <a:t> 3</a:t>
             </a:r>
@@ -7900,6 +7988,7 @@
                   <a:srgbClr val="000000"/>
                 </a:solidFill>
                 <a:latin typeface="Calibri"/>
+                <a:ea typeface="DejaVu Sans"/>
               </a:rPr>
               <a:t> to </a:t>
             </a:r>
@@ -7909,6 +7998,7 @@
                   <a:srgbClr val="000000"/>
                 </a:solidFill>
                 <a:latin typeface="Calibri"/>
+                <a:ea typeface="DejaVu Sans"/>
               </a:rPr>
               <a:t>6 </a:t>
             </a:r>
@@ -7918,6 +8008,7 @@
                   <a:srgbClr val="000000"/>
                 </a:solidFill>
                 <a:latin typeface="Calibri"/>
+                <a:ea typeface="DejaVu Sans"/>
               </a:rPr>
               <a:t>features.</a:t>
             </a:r>
@@ -7927,6 +8018,7 @@
                   <a:srgbClr val="000000"/>
                 </a:solidFill>
                 <a:latin typeface="Calibri"/>
+                <a:ea typeface="DejaVu Sans"/>
               </a:rPr>
               <a:t> </a:t>
             </a:r>
@@ -7936,6 +8028,7 @@
                   <a:srgbClr val="000000"/>
                 </a:solidFill>
                 <a:latin typeface="Calibri"/>
+                <a:ea typeface="DejaVu Sans"/>
               </a:rPr>
               <a:t>Explain the choice.</a:t>
             </a:r>
@@ -7945,6 +8038,7 @@
                   <a:srgbClr val="000000"/>
                 </a:solidFill>
                 <a:latin typeface="Calibri"/>
+                <a:ea typeface="DejaVu Sans"/>
               </a:rPr>
               <a:t> </a:t>
             </a:r>
@@ -7953,7 +8047,7 @@
             </a:endParaRPr>
           </a:p>
           <a:p>
-            <a:pPr marL="228600" indent="-227880">
+            <a:pPr marL="228600" indent="-227520">
               <a:lnSpc>
                 <a:spcPct val="90000"/>
               </a:lnSpc>
@@ -7972,6 +8066,7 @@
                   <a:srgbClr val="000000"/>
                 </a:solidFill>
                 <a:latin typeface="Calibri"/>
+                <a:ea typeface="DejaVu Sans"/>
               </a:rPr>
               <a:t>2. Apply K-means</a:t>
             </a:r>
@@ -7981,6 +8076,7 @@
                   <a:srgbClr val="000000"/>
                 </a:solidFill>
                 <a:latin typeface="Calibri"/>
+                <a:ea typeface="DejaVu Sans"/>
               </a:rPr>
               <a:t>:</a:t>
             </a:r>
@@ -7989,7 +8085,7 @@
             </a:endParaRPr>
           </a:p>
           <a:p>
-            <a:pPr lvl="1" marL="685800" indent="-227880">
+            <a:pPr lvl="1" marL="685800" indent="-227520">
               <a:lnSpc>
                 <a:spcPct val="90000"/>
               </a:lnSpc>
@@ -8008,6 +8104,7 @@
                   <a:srgbClr val="000000"/>
                 </a:solidFill>
                 <a:latin typeface="Calibri"/>
+                <a:ea typeface="DejaVu Sans"/>
               </a:rPr>
               <a:t>At K=5</a:t>
             </a:r>
@@ -8016,7 +8113,7 @@
             </a:endParaRPr>
           </a:p>
           <a:p>
-            <a:pPr lvl="1" marL="685800" indent="-227880">
+            <a:pPr lvl="1" marL="685800" indent="-227520">
               <a:lnSpc>
                 <a:spcPct val="90000"/>
               </a:lnSpc>
@@ -8035,6 +8132,7 @@
                   <a:srgbClr val="000000"/>
                 </a:solidFill>
                 <a:latin typeface="Calibri"/>
+                <a:ea typeface="DejaVu Sans"/>
               </a:rPr>
               <a:t>At K=9</a:t>
             </a:r>
@@ -8043,7 +8141,7 @@
             </a:endParaRPr>
           </a:p>
           <a:p>
-            <a:pPr lvl="1" marL="685800" indent="-227880">
+            <a:pPr lvl="1" marL="685800" indent="-227520">
               <a:lnSpc>
                 <a:spcPct val="90000"/>
               </a:lnSpc>
@@ -8062,6 +8160,7 @@
                   <a:srgbClr val="000000"/>
                 </a:solidFill>
                 <a:latin typeface="Calibri"/>
+                <a:ea typeface="DejaVu Sans"/>
               </a:rPr>
               <a:t>In both cases: 10 or more random initializations, choose the best solution over the K-means criterion; present it in a table</a:t>
             </a:r>
@@ -8070,7 +8169,7 @@
             </a:endParaRPr>
           </a:p>
           <a:p>
-            <a:pPr marL="228600" indent="-227880">
+            <a:pPr marL="228600" indent="-227520">
               <a:lnSpc>
                 <a:spcPct val="90000"/>
               </a:lnSpc>
@@ -8089,6 +8188,7 @@
                   <a:srgbClr val="000000"/>
                 </a:solidFill>
                 <a:latin typeface="Calibri"/>
+                <a:ea typeface="DejaVu Sans"/>
               </a:rPr>
               <a:t>3. Interpret each found partition by using features from the data table – as instructed in the lecture slides. Explain why you consider one of them better than the other in this perspective.</a:t>
             </a:r>
@@ -8107,7 +8207,7 @@
         <p:spPr>
           <a:xfrm>
             <a:off x="4038480" y="6356520"/>
-            <a:ext cx="4114080" cy="364320"/>
+            <a:ext cx="4113720" cy="363960"/>
           </a:xfrm>
           <a:prstGeom prst="rect">
             <a:avLst/>
@@ -8139,6 +8239,7 @@
                   <a:srgbClr val="8b8b8b"/>
                 </a:solidFill>
                 <a:latin typeface="Calibri"/>
+                <a:ea typeface="DejaVu Sans"/>
               </a:rPr>
               <a:t>MagDAHomeWork_2020</a:t>
             </a:r>
@@ -8157,7 +8258,7 @@
         <p:spPr>
           <a:xfrm>
             <a:off x="8610480" y="6356520"/>
-            <a:ext cx="2742480" cy="364320"/>
+            <a:ext cx="2742120" cy="363960"/>
           </a:xfrm>
           <a:prstGeom prst="rect">
             <a:avLst/>
@@ -8183,12 +8284,13 @@
                 <a:spcPct val="100000"/>
               </a:lnSpc>
             </a:pPr>
-            <a:fld id="{A15D3122-200D-4797-A3D0-B5C237B67E6E}" type="slidenum">
+            <a:fld id="{451FC2EF-3451-4303-A690-87E20B87A6F5}" type="slidenum">
               <a:rPr b="0" lang="ru-RU" sz="1200" spc="-1" strike="noStrike">
                 <a:solidFill>
                   <a:srgbClr val="8b8b8b"/>
                 </a:solidFill>
                 <a:latin typeface="Calibri"/>
+                <a:ea typeface="DejaVu Sans"/>
               </a:rPr>
               <a:t>&lt;number&gt;</a:t>
             </a:fld>
@@ -8237,7 +8339,7 @@
         <p:spPr>
           <a:xfrm>
             <a:off x="1343880" y="274680"/>
-            <a:ext cx="9113040" cy="849240"/>
+            <a:ext cx="9112680" cy="848880"/>
           </a:xfrm>
           <a:prstGeom prst="rect">
             <a:avLst/>
@@ -8269,6 +8371,7 @@
                   <a:srgbClr val="000000"/>
                 </a:solidFill>
                 <a:latin typeface="Calibri Light"/>
+                <a:ea typeface="DejaVu Sans"/>
               </a:rPr>
               <a:t> </a:t>
             </a:r>
@@ -8278,6 +8381,7 @@
                   <a:srgbClr val="000000"/>
                 </a:solidFill>
                 <a:latin typeface="Calibri Light"/>
+                <a:ea typeface="DejaVu Sans"/>
               </a:rPr>
               <a:t>Home Work Assignment 3: Bootstrap</a:t>
             </a:r>
@@ -8296,7 +8400,7 @@
         <p:spPr>
           <a:xfrm>
             <a:off x="1734480" y="1052640"/>
-            <a:ext cx="8859960" cy="5804640"/>
+            <a:ext cx="8859600" cy="5804280"/>
           </a:xfrm>
           <a:prstGeom prst="rect">
             <a:avLst/>
@@ -8334,6 +8438,7 @@
                   <a:srgbClr val="000000"/>
                 </a:solidFill>
                 <a:latin typeface="Calibri"/>
+                <a:ea typeface="DejaVu Sans"/>
               </a:rPr>
               <a:t>Take one of the partitions found in the previous work.</a:t>
             </a:r>
@@ -8358,7 +8463,7 @@
             </a:endParaRPr>
           </a:p>
           <a:p>
-            <a:pPr lvl="1" marL="685800" indent="-227880">
+            <a:pPr lvl="1" marL="685800" indent="-227520">
               <a:lnSpc>
                 <a:spcPct val="90000"/>
               </a:lnSpc>
@@ -8380,6 +8485,7 @@
                   <a:srgbClr val="000000"/>
                 </a:solidFill>
                 <a:latin typeface="Calibri"/>
+                <a:ea typeface="DejaVu Sans"/>
               </a:rPr>
               <a:t>1. Take a feature, find the 95% confidence interval for its grand mean by using bootstrap</a:t>
             </a:r>
@@ -8388,7 +8494,7 @@
             </a:endParaRPr>
           </a:p>
           <a:p>
-            <a:pPr lvl="1" marL="685800" indent="-227880">
+            <a:pPr lvl="1" marL="685800" indent="-227520">
               <a:lnSpc>
                 <a:spcPct val="90000"/>
               </a:lnSpc>
@@ -8410,6 +8516,7 @@
                   <a:srgbClr val="000000"/>
                 </a:solidFill>
                 <a:latin typeface="Calibri"/>
+                <a:ea typeface="DejaVu Sans"/>
               </a:rPr>
               <a:t>2. Compare the within-cluster means for one of the features between two clusters using bootstrap</a:t>
             </a:r>
@@ -8418,7 +8525,7 @@
             </a:endParaRPr>
           </a:p>
           <a:p>
-            <a:pPr lvl="1" marL="685800" indent="-227880">
+            <a:pPr lvl="1" marL="685800" indent="-227520">
               <a:lnSpc>
                 <a:spcPct val="90000"/>
               </a:lnSpc>
@@ -8440,6 +8547,7 @@
                   <a:srgbClr val="000000"/>
                 </a:solidFill>
                 <a:latin typeface="Calibri"/>
+                <a:ea typeface="DejaVu Sans"/>
               </a:rPr>
               <a:t>3. Take a cluster, and compare the grand mean with the within-cluster mean for the feature by using bootstrap</a:t>
             </a:r>
@@ -8465,6 +8573,7 @@
                   <a:srgbClr val="000000"/>
                 </a:solidFill>
                 <a:latin typeface="Calibri"/>
+                <a:ea typeface="DejaVu Sans"/>
               </a:rPr>
               <a:t>Note</a:t>
             </a:r>
@@ -8474,6 +8583,7 @@
                   <a:srgbClr val="000000"/>
                 </a:solidFill>
                 <a:latin typeface="Calibri"/>
+                <a:ea typeface="DejaVu Sans"/>
               </a:rPr>
               <a:t>: each application of bootstrap should be done in both, pivotal and non-pivotal, versions</a:t>
             </a:r>
@@ -8492,7 +8602,7 @@
         <p:spPr>
           <a:xfrm>
             <a:off x="4038480" y="6356520"/>
-            <a:ext cx="4114080" cy="364320"/>
+            <a:ext cx="4113720" cy="363960"/>
           </a:xfrm>
           <a:prstGeom prst="rect">
             <a:avLst/>
@@ -8524,6 +8634,7 @@
                   <a:srgbClr val="8b8b8b"/>
                 </a:solidFill>
                 <a:latin typeface="Calibri"/>
+                <a:ea typeface="DejaVu Sans"/>
               </a:rPr>
               <a:t>MagDAHomeWork_2020</a:t>
             </a:r>
@@ -8542,7 +8653,7 @@
         <p:spPr>
           <a:xfrm>
             <a:off x="8610480" y="6356520"/>
-            <a:ext cx="2742480" cy="364320"/>
+            <a:ext cx="2742120" cy="363960"/>
           </a:xfrm>
           <a:prstGeom prst="rect">
             <a:avLst/>
@@ -8568,12 +8679,13 @@
                 <a:spcPct val="100000"/>
               </a:lnSpc>
             </a:pPr>
-            <a:fld id="{ACEC153B-851A-4D27-8E82-AA5267462460}" type="slidenum">
+            <a:fld id="{B1CE94DC-F569-448E-A377-BF5AF04C17AF}" type="slidenum">
               <a:rPr b="0" lang="ru-RU" sz="1200" spc="-1" strike="noStrike">
                 <a:solidFill>
                   <a:srgbClr val="8b8b8b"/>
                 </a:solidFill>
                 <a:latin typeface="Calibri"/>
+                <a:ea typeface="DejaVu Sans"/>
               </a:rPr>
               <a:t>&lt;number&gt;</a:t>
             </a:fld>
@@ -8622,7 +8734,7 @@
         <p:spPr>
           <a:xfrm>
             <a:off x="1843200" y="188640"/>
-            <a:ext cx="8290440" cy="647280"/>
+            <a:ext cx="8290080" cy="646920"/>
           </a:xfrm>
           <a:prstGeom prst="rect">
             <a:avLst/>
@@ -8654,6 +8766,7 @@
                   <a:srgbClr val="000000"/>
                 </a:solidFill>
                 <a:latin typeface="Calibri Light"/>
+                <a:ea typeface="DejaVu Sans"/>
               </a:rPr>
               <a:t>Homework 4: Contingency Table</a:t>
             </a:r>
@@ -8672,7 +8785,7 @@
         <p:spPr>
           <a:xfrm>
             <a:off x="1523880" y="888840"/>
-            <a:ext cx="8963640" cy="5832000"/>
+            <a:ext cx="8963280" cy="5831640"/>
           </a:xfrm>
           <a:prstGeom prst="rect">
             <a:avLst/>
@@ -8693,7 +8806,7 @@
             <a:normAutofit fontScale="78000"/>
           </a:bodyPr>
           <a:p>
-            <a:pPr marL="514440" indent="-513720">
+            <a:pPr marL="514440" indent="-513360">
               <a:lnSpc>
                 <a:spcPct val="90000"/>
               </a:lnSpc>
@@ -8712,6 +8825,7 @@
                   <a:srgbClr val="000000"/>
                 </a:solidFill>
                 <a:latin typeface="Calibri"/>
+                <a:ea typeface="DejaVu Sans"/>
               </a:rPr>
               <a:t>Consider three nominal features (</a:t>
             </a:r>
@@ -8721,6 +8835,7 @@
                   <a:srgbClr val="000000"/>
                 </a:solidFill>
                 <a:latin typeface="Calibri"/>
+                <a:ea typeface="DejaVu Sans"/>
               </a:rPr>
               <a:t>one</a:t>
             </a:r>
@@ -8730,6 +8845,7 @@
                   <a:srgbClr val="000000"/>
                 </a:solidFill>
                 <a:latin typeface="Calibri"/>
+                <a:ea typeface="DejaVu Sans"/>
               </a:rPr>
               <a:t> of them, not more, may be taken from nominal features in your data) </a:t>
             </a:r>
@@ -8738,7 +8854,7 @@
             </a:endParaRPr>
           </a:p>
           <a:p>
-            <a:pPr marL="514440" indent="-513720">
+            <a:pPr marL="514440" indent="-513360">
               <a:lnSpc>
                 <a:spcPct val="90000"/>
               </a:lnSpc>
@@ -8757,6 +8873,7 @@
                   <a:srgbClr val="000000"/>
                 </a:solidFill>
                 <a:latin typeface="Calibri"/>
+                <a:ea typeface="DejaVu Sans"/>
               </a:rPr>
               <a:t>Build two contingency tables over them: present a conditional frequency table and Quetelet relative index tables. Make comments on relations between categories of the common (to both tables) feature and two others.</a:t>
             </a:r>
@@ -8765,7 +8882,7 @@
             </a:endParaRPr>
           </a:p>
           <a:p>
-            <a:pPr marL="514440" indent="-513720">
+            <a:pPr marL="514440" indent="-513360">
               <a:lnSpc>
                 <a:spcPct val="90000"/>
               </a:lnSpc>
@@ -8784,6 +8901,7 @@
                   <a:srgbClr val="000000"/>
                 </a:solidFill>
                 <a:latin typeface="Calibri"/>
+                <a:ea typeface="DejaVu Sans"/>
               </a:rPr>
               <a:t>Compute and visualize the chi-square-average-Quetelet-index over both tables. Comment on the meaning of the values in the data analysis context. </a:t>
             </a:r>
@@ -8792,7 +8910,7 @@
             </a:endParaRPr>
           </a:p>
           <a:p>
-            <a:pPr marL="514440" indent="-513720">
+            <a:pPr marL="514440" indent="-513360">
               <a:lnSpc>
                 <a:spcPct val="90000"/>
               </a:lnSpc>
@@ -8811,6 +8929,7 @@
                   <a:srgbClr val="000000"/>
                 </a:solidFill>
                 <a:latin typeface="Calibri"/>
+                <a:ea typeface="DejaVu Sans"/>
               </a:rPr>
               <a:t>Tell: what numbers of observations would suffice to see the features as associated at 95% confidence level; at 99% confidence level.</a:t>
             </a:r>
@@ -8829,7 +8948,7 @@
         <p:spPr>
           <a:xfrm>
             <a:off x="4038480" y="6356520"/>
-            <a:ext cx="4114080" cy="364320"/>
+            <a:ext cx="4113720" cy="363960"/>
           </a:xfrm>
           <a:prstGeom prst="rect">
             <a:avLst/>
@@ -8861,6 +8980,7 @@
                   <a:srgbClr val="8b8b8b"/>
                 </a:solidFill>
                 <a:latin typeface="Calibri"/>
+                <a:ea typeface="DejaVu Sans"/>
               </a:rPr>
               <a:t>MagDAHomeWork_2020</a:t>
             </a:r>
@@ -8879,7 +8999,7 @@
         <p:spPr>
           <a:xfrm>
             <a:off x="8610480" y="6356520"/>
-            <a:ext cx="2742480" cy="364320"/>
+            <a:ext cx="2742120" cy="363960"/>
           </a:xfrm>
           <a:prstGeom prst="rect">
             <a:avLst/>
@@ -8905,12 +9025,13 @@
                 <a:spcPct val="100000"/>
               </a:lnSpc>
             </a:pPr>
-            <a:fld id="{2DB76542-B11C-4F20-BC1E-21D1830B4E2C}" type="slidenum">
+            <a:fld id="{4095EC92-4F22-4D6D-9CCF-BDA4AC3469E8}" type="slidenum">
               <a:rPr b="0" lang="ru-RU" sz="1200" spc="-1" strike="noStrike">
                 <a:solidFill>
                   <a:srgbClr val="8b8b8b"/>
                 </a:solidFill>
                 <a:latin typeface="Calibri"/>
+                <a:ea typeface="DejaVu Sans"/>
               </a:rPr>
               <a:t>&lt;number&gt;</a:t>
             </a:fld>
@@ -8959,7 +9080,7 @@
         <p:spPr>
           <a:xfrm>
             <a:off x="1523880" y="0"/>
-            <a:ext cx="8624520" cy="835920"/>
+            <a:ext cx="8624160" cy="835560"/>
           </a:xfrm>
           <a:prstGeom prst="rect">
             <a:avLst/>
@@ -8991,6 +9112,7 @@
                   <a:srgbClr val="000000"/>
                 </a:solidFill>
                 <a:latin typeface="Calibri Light"/>
+                <a:ea typeface="DejaVu Sans"/>
               </a:rPr>
               <a:t>Homework Assignment 5: PCA/SVD</a:t>
             </a:r>
@@ -9009,7 +9131,7 @@
         <p:spPr>
           <a:xfrm>
             <a:off x="1523880" y="836640"/>
-            <a:ext cx="9143280" cy="5884200"/>
+            <a:ext cx="9142920" cy="5883840"/>
           </a:xfrm>
           <a:prstGeom prst="rect">
             <a:avLst/>
@@ -9030,7 +9152,7 @@
             <a:normAutofit fontScale="47000"/>
           </a:bodyPr>
           <a:p>
-            <a:pPr marL="228600" indent="-227880">
+            <a:pPr marL="228600" indent="-227520">
               <a:lnSpc>
                 <a:spcPct val="90000"/>
               </a:lnSpc>
@@ -9049,6 +9171,7 @@
                   <a:srgbClr val="000000"/>
                 </a:solidFill>
                 <a:latin typeface="Calibri"/>
+                <a:ea typeface="DejaVu Sans"/>
               </a:rPr>
               <a:t>In your data set, select a subset of 3-6 features related to the same aspect and explain your choice (may be the same subset that was used for k-means clustering)</a:t>
             </a:r>
@@ -9057,7 +9180,7 @@
             </a:endParaRPr>
           </a:p>
           <a:p>
-            <a:pPr marL="228600" indent="-227880">
+            <a:pPr marL="228600" indent="-227520">
               <a:lnSpc>
                 <a:spcPct val="90000"/>
               </a:lnSpc>
@@ -9076,6 +9199,7 @@
                   <a:srgbClr val="000000"/>
                 </a:solidFill>
                 <a:latin typeface="Calibri"/>
+                <a:ea typeface="DejaVu Sans"/>
               </a:rPr>
               <a:t>Standardize the selected subset; compute its data scatter</a:t>
             </a:r>
@@ -9085,6 +9209,7 @@
                   <a:srgbClr val="000000"/>
                 </a:solidFill>
                 <a:latin typeface="Calibri"/>
+                <a:ea typeface="DejaVu Sans"/>
               </a:rPr>
               <a:t> </a:t>
             </a:r>
@@ -9094,6 +9219,7 @@
                   <a:srgbClr val="000000"/>
                 </a:solidFill>
                 <a:latin typeface="Calibri"/>
+                <a:ea typeface="DejaVu Sans"/>
               </a:rPr>
               <a:t>and SVD; determine contributions of all the principal components to the data scatter, naturally and per cent</a:t>
             </a:r>
@@ -9102,7 +9228,7 @@
             </a:endParaRPr>
           </a:p>
           <a:p>
-            <a:pPr marL="228600" indent="-227880">
+            <a:pPr marL="228600" indent="-227520">
               <a:lnSpc>
                 <a:spcPct val="90000"/>
               </a:lnSpc>
@@ -9121,6 +9247,7 @@
                   <a:srgbClr val="000000"/>
                 </a:solidFill>
                 <a:latin typeface="Calibri"/>
+                <a:ea typeface="DejaVu Sans"/>
               </a:rPr>
               <a:t>Compute and interpret a hidden ranking factor behind the selected features. The factor should be expressed in a 0-100 rank scale (as well as the features – ranking normalization).</a:t>
             </a:r>
@@ -9129,7 +9256,7 @@
             </a:endParaRPr>
           </a:p>
           <a:p>
-            <a:pPr marL="228600" indent="-227880">
+            <a:pPr marL="228600" indent="-227520">
               <a:lnSpc>
                 <a:spcPct val="90000"/>
               </a:lnSpc>
@@ -9148,6 +9275,7 @@
                   <a:srgbClr val="000000"/>
                 </a:solidFill>
                 <a:latin typeface="Calibri"/>
+                <a:ea typeface="DejaVu Sans"/>
               </a:rPr>
               <a:t>Visualize the data using two first principal components at the standardization with two versions of normalization: (a) range normalization and (b) z-scoring. At these visualizations, use a distinct shape/color for points representing a pre-specified by you group of objects. </a:t>
             </a:r>
@@ -9156,7 +9284,7 @@
             </a:endParaRPr>
           </a:p>
           <a:p>
-            <a:pPr marL="228600" indent="-227880">
+            <a:pPr marL="228600" indent="-227520">
               <a:lnSpc>
                 <a:spcPct val="90000"/>
               </a:lnSpc>
@@ -9175,6 +9303,7 @@
                   <a:srgbClr val="000000"/>
                 </a:solidFill>
                 <a:latin typeface="Calibri"/>
+                <a:ea typeface="DejaVu Sans"/>
               </a:rPr>
               <a:t>Apply the conventional PCA for finding two first principal components and visualizing the data; compare to the results at z-scoring. Comment on which of the normalizations is better and why.</a:t>
             </a:r>
@@ -9193,7 +9322,7 @@
         <p:spPr>
           <a:xfrm>
             <a:off x="4038480" y="6356520"/>
-            <a:ext cx="4114080" cy="364320"/>
+            <a:ext cx="4113720" cy="363960"/>
           </a:xfrm>
           <a:prstGeom prst="rect">
             <a:avLst/>
@@ -9225,6 +9354,7 @@
                   <a:srgbClr val="8b8b8b"/>
                 </a:solidFill>
                 <a:latin typeface="Calibri"/>
+                <a:ea typeface="DejaVu Sans"/>
               </a:rPr>
               <a:t>MagDAHomeWork_2020</a:t>
             </a:r>
@@ -9243,7 +9373,7 @@
         <p:spPr>
           <a:xfrm>
             <a:off x="8610480" y="6356520"/>
-            <a:ext cx="2742480" cy="364320"/>
+            <a:ext cx="2742120" cy="363960"/>
           </a:xfrm>
           <a:prstGeom prst="rect">
             <a:avLst/>
@@ -9269,12 +9399,13 @@
                 <a:spcPct val="100000"/>
               </a:lnSpc>
             </a:pPr>
-            <a:fld id="{BD58B284-B476-402C-AC31-95E33F615630}" type="slidenum">
+            <a:fld id="{3DDAB03A-5038-477B-BA9A-CB653DA719BC}" type="slidenum">
               <a:rPr b="0" lang="ru-RU" sz="1200" spc="-1" strike="noStrike">
                 <a:solidFill>
                   <a:srgbClr val="8b8b8b"/>
                 </a:solidFill>
                 <a:latin typeface="Calibri"/>
+                <a:ea typeface="DejaVu Sans"/>
               </a:rPr>
               <a:t>&lt;number&gt;</a:t>
             </a:fld>
